--- a/images/image_design.pptx
+++ b/images/image_design.pptx
@@ -19,9 +19,13 @@
     <p:sldId id="270" r:id="rId13"/>
     <p:sldId id="278" r:id="rId14"/>
     <p:sldId id="276" r:id="rId15"/>
-    <p:sldId id="279" r:id="rId16"/>
-    <p:sldId id="281" r:id="rId17"/>
-    <p:sldId id="264" r:id="rId18"/>
+    <p:sldId id="281" r:id="rId16"/>
+    <p:sldId id="282" r:id="rId17"/>
+    <p:sldId id="283" r:id="rId18"/>
+    <p:sldId id="286" r:id="rId19"/>
+    <p:sldId id="285" r:id="rId20"/>
+    <p:sldId id="284" r:id="rId21"/>
+    <p:sldId id="264" r:id="rId22"/>
   </p:sldIdLst>
   <p:sldSz cx="12192000" cy="6858000"/>
   <p:notesSz cx="6858000" cy="9144000"/>
@@ -298,7 +302,7 @@
           <a:p>
             <a:fld id="{CE8103EF-6A06-4AFC-A2C6-FF5735AE5867}" type="datetimeFigureOut">
               <a:rPr lang="en-US" smtClean="0"/>
-              <a:t>2/24/2025</a:t>
+              <a:t>3/2/2025</a:t>
             </a:fld>
             <a:endParaRPr lang="en-US"/>
           </a:p>
@@ -498,7 +502,7 @@
           <a:p>
             <a:fld id="{CE8103EF-6A06-4AFC-A2C6-FF5735AE5867}" type="datetimeFigureOut">
               <a:rPr lang="en-US" smtClean="0"/>
-              <a:t>2/24/2025</a:t>
+              <a:t>3/2/2025</a:t>
             </a:fld>
             <a:endParaRPr lang="en-US"/>
           </a:p>
@@ -708,7 +712,7 @@
           <a:p>
             <a:fld id="{CE8103EF-6A06-4AFC-A2C6-FF5735AE5867}" type="datetimeFigureOut">
               <a:rPr lang="en-US" smtClean="0"/>
-              <a:t>2/24/2025</a:t>
+              <a:t>3/2/2025</a:t>
             </a:fld>
             <a:endParaRPr lang="en-US"/>
           </a:p>
@@ -908,7 +912,7 @@
           <a:p>
             <a:fld id="{CE8103EF-6A06-4AFC-A2C6-FF5735AE5867}" type="datetimeFigureOut">
               <a:rPr lang="en-US" smtClean="0"/>
-              <a:t>2/24/2025</a:t>
+              <a:t>3/2/2025</a:t>
             </a:fld>
             <a:endParaRPr lang="en-US"/>
           </a:p>
@@ -1184,7 +1188,7 @@
           <a:p>
             <a:fld id="{CE8103EF-6A06-4AFC-A2C6-FF5735AE5867}" type="datetimeFigureOut">
               <a:rPr lang="en-US" smtClean="0"/>
-              <a:t>2/24/2025</a:t>
+              <a:t>3/2/2025</a:t>
             </a:fld>
             <a:endParaRPr lang="en-US"/>
           </a:p>
@@ -1452,7 +1456,7 @@
           <a:p>
             <a:fld id="{CE8103EF-6A06-4AFC-A2C6-FF5735AE5867}" type="datetimeFigureOut">
               <a:rPr lang="en-US" smtClean="0"/>
-              <a:t>2/24/2025</a:t>
+              <a:t>3/2/2025</a:t>
             </a:fld>
             <a:endParaRPr lang="en-US"/>
           </a:p>
@@ -1867,7 +1871,7 @@
           <a:p>
             <a:fld id="{CE8103EF-6A06-4AFC-A2C6-FF5735AE5867}" type="datetimeFigureOut">
               <a:rPr lang="en-US" smtClean="0"/>
-              <a:t>2/24/2025</a:t>
+              <a:t>3/2/2025</a:t>
             </a:fld>
             <a:endParaRPr lang="en-US"/>
           </a:p>
@@ -2009,7 +2013,7 @@
           <a:p>
             <a:fld id="{CE8103EF-6A06-4AFC-A2C6-FF5735AE5867}" type="datetimeFigureOut">
               <a:rPr lang="en-US" smtClean="0"/>
-              <a:t>2/24/2025</a:t>
+              <a:t>3/2/2025</a:t>
             </a:fld>
             <a:endParaRPr lang="en-US"/>
           </a:p>
@@ -2122,7 +2126,7 @@
           <a:p>
             <a:fld id="{CE8103EF-6A06-4AFC-A2C6-FF5735AE5867}" type="datetimeFigureOut">
               <a:rPr lang="en-US" smtClean="0"/>
-              <a:t>2/24/2025</a:t>
+              <a:t>3/2/2025</a:t>
             </a:fld>
             <a:endParaRPr lang="en-US"/>
           </a:p>
@@ -2435,7 +2439,7 @@
           <a:p>
             <a:fld id="{CE8103EF-6A06-4AFC-A2C6-FF5735AE5867}" type="datetimeFigureOut">
               <a:rPr lang="en-US" smtClean="0"/>
-              <a:t>2/24/2025</a:t>
+              <a:t>3/2/2025</a:t>
             </a:fld>
             <a:endParaRPr lang="en-US"/>
           </a:p>
@@ -2724,7 +2728,7 @@
           <a:p>
             <a:fld id="{CE8103EF-6A06-4AFC-A2C6-FF5735AE5867}" type="datetimeFigureOut">
               <a:rPr lang="en-US" smtClean="0"/>
-              <a:t>2/24/2025</a:t>
+              <a:t>3/2/2025</a:t>
             </a:fld>
             <a:endParaRPr lang="en-US"/>
           </a:p>
@@ -2967,7 +2971,7 @@
           <a:p>
             <a:fld id="{CE8103EF-6A06-4AFC-A2C6-FF5735AE5867}" type="datetimeFigureOut">
               <a:rPr lang="en-US" smtClean="0"/>
-              <a:t>2/24/2025</a:t>
+              <a:t>3/2/2025</a:t>
             </a:fld>
             <a:endParaRPr lang="en-US"/>
           </a:p>
@@ -4972,578 +4976,6 @@
         <p:cNvPr id="1" name="">
           <a:extLst>
             <a:ext uri="{FF2B5EF4-FFF2-40B4-BE49-F238E27FC236}">
-              <a16:creationId xmlns:a16="http://schemas.microsoft.com/office/drawing/2014/main" id="{66AF096B-BA0D-73DF-619B-3E4C4D18BB45}"/>
-            </a:ext>
-          </a:extLst>
-        </p:cNvPr>
-        <p:cNvGrpSpPr/>
-        <p:nvPr/>
-      </p:nvGrpSpPr>
-      <p:grpSpPr>
-        <a:xfrm>
-          <a:off x="0" y="0"/>
-          <a:ext cx="0" cy="0"/>
-          <a:chOff x="0" y="0"/>
-          <a:chExt cx="0" cy="0"/>
-        </a:xfrm>
-      </p:grpSpPr>
-      <p:pic>
-        <p:nvPicPr>
-          <p:cNvPr id="3" name="Grafik 2">
-            <a:extLst>
-              <a:ext uri="{FF2B5EF4-FFF2-40B4-BE49-F238E27FC236}">
-                <a16:creationId xmlns:a16="http://schemas.microsoft.com/office/drawing/2014/main" id="{C621DA32-7CB1-E857-8544-E1DE6307AEB8}"/>
-              </a:ext>
-            </a:extLst>
-          </p:cNvPr>
-          <p:cNvPicPr>
-            <a:picLocks noChangeAspect="1"/>
-          </p:cNvPicPr>
-          <p:nvPr/>
-        </p:nvPicPr>
-        <p:blipFill>
-          <a:blip r:embed="rId2"/>
-          <a:stretch>
-            <a:fillRect/>
-          </a:stretch>
-        </p:blipFill>
-        <p:spPr>
-          <a:xfrm>
-            <a:off x="2300807" y="836613"/>
-            <a:ext cx="7224193" cy="4144962"/>
-          </a:xfrm>
-          <a:prstGeom prst="rect">
-            <a:avLst/>
-          </a:prstGeom>
-        </p:spPr>
-      </p:pic>
-      <p:sp>
-        <p:nvSpPr>
-          <p:cNvPr id="4" name="Rechteck 3">
-            <a:extLst>
-              <a:ext uri="{FF2B5EF4-FFF2-40B4-BE49-F238E27FC236}">
-                <a16:creationId xmlns:a16="http://schemas.microsoft.com/office/drawing/2014/main" id="{DDAE43DD-C969-6340-B4C8-75D392464F6B}"/>
-              </a:ext>
-            </a:extLst>
-          </p:cNvPr>
-          <p:cNvSpPr/>
-          <p:nvPr/>
-        </p:nvSpPr>
-        <p:spPr>
-          <a:xfrm>
-            <a:off x="3905250" y="952500"/>
-            <a:ext cx="2851150" cy="219075"/>
-          </a:xfrm>
-          <a:prstGeom prst="rect">
-            <a:avLst/>
-          </a:prstGeom>
-          <a:solidFill>
-            <a:srgbClr val="FFC000">
-              <a:alpha val="10000"/>
-            </a:srgbClr>
-          </a:solidFill>
-          <a:ln w="12700">
-            <a:solidFill>
-              <a:srgbClr val="FFC000"/>
-            </a:solidFill>
-          </a:ln>
-        </p:spPr>
-        <p:style>
-          <a:lnRef idx="2">
-            <a:schemeClr val="accent1">
-              <a:shade val="15000"/>
-            </a:schemeClr>
-          </a:lnRef>
-          <a:fillRef idx="1">
-            <a:schemeClr val="accent1"/>
-          </a:fillRef>
-          <a:effectRef idx="0">
-            <a:schemeClr val="accent1"/>
-          </a:effectRef>
-          <a:fontRef idx="minor">
-            <a:schemeClr val="lt1"/>
-          </a:fontRef>
-        </p:style>
-        <p:txBody>
-          <a:bodyPr rtlCol="0" anchor="ctr"/>
-          <a:lstStyle/>
-          <a:p>
-            <a:pPr algn="ctr"/>
-            <a:endParaRPr lang="en-US"/>
-          </a:p>
-        </p:txBody>
-      </p:sp>
-      <p:sp>
-        <p:nvSpPr>
-          <p:cNvPr id="5" name="Textfeld 4">
-            <a:extLst>
-              <a:ext uri="{FF2B5EF4-FFF2-40B4-BE49-F238E27FC236}">
-                <a16:creationId xmlns:a16="http://schemas.microsoft.com/office/drawing/2014/main" id="{A988F9C0-29F8-ED58-AA78-CDD1DA9AF03C}"/>
-              </a:ext>
-            </a:extLst>
-          </p:cNvPr>
-          <p:cNvSpPr txBox="1"/>
-          <p:nvPr/>
-        </p:nvSpPr>
-        <p:spPr>
-          <a:xfrm>
-            <a:off x="5646004" y="1177925"/>
-            <a:ext cx="647934" cy="200055"/>
-          </a:xfrm>
-          <a:prstGeom prst="rect">
-            <a:avLst/>
-          </a:prstGeom>
-          <a:solidFill>
-            <a:srgbClr val="FFC000"/>
-          </a:solidFill>
-        </p:spPr>
-        <p:txBody>
-          <a:bodyPr wrap="none" rtlCol="0">
-            <a:spAutoFit/>
-          </a:bodyPr>
-          <a:lstStyle/>
-          <a:p>
-            <a:r>
-              <a:rPr lang="de-DE" sz="700" dirty="0">
-                <a:solidFill>
-                  <a:schemeClr val="tx1">
-                    <a:lumMod val="65000"/>
-                    <a:lumOff val="35000"/>
-                  </a:schemeClr>
-                </a:solidFill>
-                <a:latin typeface="Roboto" panose="02000000000000000000" pitchFamily="2" charset="0"/>
-                <a:ea typeface="Roboto" panose="02000000000000000000" pitchFamily="2" charset="0"/>
-                <a:cs typeface="Roboto" panose="02000000000000000000" pitchFamily="2" charset="0"/>
-              </a:rPr>
-              <a:t>Main Views</a:t>
-            </a:r>
-            <a:endParaRPr lang="en-US" sz="700" dirty="0">
-              <a:solidFill>
-                <a:schemeClr val="tx1">
-                  <a:lumMod val="65000"/>
-                  <a:lumOff val="35000"/>
-                </a:schemeClr>
-              </a:solidFill>
-              <a:latin typeface="Roboto" panose="02000000000000000000" pitchFamily="2" charset="0"/>
-              <a:ea typeface="Roboto" panose="02000000000000000000" pitchFamily="2" charset="0"/>
-              <a:cs typeface="Roboto" panose="02000000000000000000" pitchFamily="2" charset="0"/>
-            </a:endParaRPr>
-          </a:p>
-        </p:txBody>
-      </p:sp>
-      <p:sp>
-        <p:nvSpPr>
-          <p:cNvPr id="7" name="Rechteck 6">
-            <a:extLst>
-              <a:ext uri="{FF2B5EF4-FFF2-40B4-BE49-F238E27FC236}">
-                <a16:creationId xmlns:a16="http://schemas.microsoft.com/office/drawing/2014/main" id="{4598695C-E5F7-F909-D8E0-E43A10C16EC0}"/>
-              </a:ext>
-            </a:extLst>
-          </p:cNvPr>
-          <p:cNvSpPr/>
-          <p:nvPr/>
-        </p:nvSpPr>
-        <p:spPr>
-          <a:xfrm>
-            <a:off x="2276474" y="1108075"/>
-            <a:ext cx="1076325" cy="1673224"/>
-          </a:xfrm>
-          <a:prstGeom prst="rect">
-            <a:avLst/>
-          </a:prstGeom>
-          <a:solidFill>
-            <a:srgbClr val="FFC000">
-              <a:alpha val="10000"/>
-            </a:srgbClr>
-          </a:solidFill>
-          <a:ln w="12700">
-            <a:solidFill>
-              <a:srgbClr val="FFC000"/>
-            </a:solidFill>
-          </a:ln>
-        </p:spPr>
-        <p:style>
-          <a:lnRef idx="2">
-            <a:schemeClr val="accent1">
-              <a:shade val="15000"/>
-            </a:schemeClr>
-          </a:lnRef>
-          <a:fillRef idx="1">
-            <a:schemeClr val="accent1"/>
-          </a:fillRef>
-          <a:effectRef idx="0">
-            <a:schemeClr val="accent1"/>
-          </a:effectRef>
-          <a:fontRef idx="minor">
-            <a:schemeClr val="lt1"/>
-          </a:fontRef>
-        </p:style>
-        <p:txBody>
-          <a:bodyPr rtlCol="0" anchor="ctr"/>
-          <a:lstStyle/>
-          <a:p>
-            <a:pPr algn="ctr"/>
-            <a:endParaRPr lang="en-US"/>
-          </a:p>
-        </p:txBody>
-      </p:sp>
-      <p:sp>
-        <p:nvSpPr>
-          <p:cNvPr id="8" name="Textfeld 7">
-            <a:extLst>
-              <a:ext uri="{FF2B5EF4-FFF2-40B4-BE49-F238E27FC236}">
-                <a16:creationId xmlns:a16="http://schemas.microsoft.com/office/drawing/2014/main" id="{B60F06FC-8477-2CC2-7AB2-0E6742AE128F}"/>
-              </a:ext>
-            </a:extLst>
-          </p:cNvPr>
-          <p:cNvSpPr txBox="1"/>
-          <p:nvPr/>
-        </p:nvSpPr>
-        <p:spPr>
-          <a:xfrm>
-            <a:off x="3362325" y="1733519"/>
-            <a:ext cx="870751" cy="200055"/>
-          </a:xfrm>
-          <a:prstGeom prst="rect">
-            <a:avLst/>
-          </a:prstGeom>
-          <a:solidFill>
-            <a:srgbClr val="FFC000"/>
-          </a:solidFill>
-        </p:spPr>
-        <p:txBody>
-          <a:bodyPr wrap="none" rtlCol="0">
-            <a:spAutoFit/>
-          </a:bodyPr>
-          <a:lstStyle/>
-          <a:p>
-            <a:r>
-              <a:rPr lang="de-DE" sz="700" dirty="0" err="1">
-                <a:solidFill>
-                  <a:schemeClr val="tx1">
-                    <a:lumMod val="65000"/>
-                    <a:lumOff val="35000"/>
-                  </a:schemeClr>
-                </a:solidFill>
-                <a:latin typeface="Roboto" panose="02000000000000000000" pitchFamily="2" charset="0"/>
-                <a:ea typeface="Roboto" panose="02000000000000000000" pitchFamily="2" charset="0"/>
-                <a:cs typeface="Roboto" panose="02000000000000000000" pitchFamily="2" charset="0"/>
-              </a:rPr>
-              <a:t>Diagram</a:t>
-            </a:r>
-            <a:r>
-              <a:rPr lang="de-DE" sz="700" dirty="0">
-                <a:solidFill>
-                  <a:schemeClr val="tx1">
-                    <a:lumMod val="65000"/>
-                    <a:lumOff val="35000"/>
-                  </a:schemeClr>
-                </a:solidFill>
-                <a:latin typeface="Roboto" panose="02000000000000000000" pitchFamily="2" charset="0"/>
-                <a:ea typeface="Roboto" panose="02000000000000000000" pitchFamily="2" charset="0"/>
-                <a:cs typeface="Roboto" panose="02000000000000000000" pitchFamily="2" charset="0"/>
-              </a:rPr>
-              <a:t> Settings</a:t>
-            </a:r>
-            <a:endParaRPr lang="en-US" sz="700" dirty="0">
-              <a:solidFill>
-                <a:schemeClr val="tx1">
-                  <a:lumMod val="65000"/>
-                  <a:lumOff val="35000"/>
-                </a:schemeClr>
-              </a:solidFill>
-              <a:latin typeface="Roboto" panose="02000000000000000000" pitchFamily="2" charset="0"/>
-              <a:ea typeface="Roboto" panose="02000000000000000000" pitchFamily="2" charset="0"/>
-              <a:cs typeface="Roboto" panose="02000000000000000000" pitchFamily="2" charset="0"/>
-            </a:endParaRPr>
-          </a:p>
-        </p:txBody>
-      </p:sp>
-      <p:sp>
-        <p:nvSpPr>
-          <p:cNvPr id="10" name="Rechteck 9">
-            <a:extLst>
-              <a:ext uri="{FF2B5EF4-FFF2-40B4-BE49-F238E27FC236}">
-                <a16:creationId xmlns:a16="http://schemas.microsoft.com/office/drawing/2014/main" id="{737DB0BE-5306-DBA1-9871-52B8825A6ED5}"/>
-              </a:ext>
-            </a:extLst>
-          </p:cNvPr>
-          <p:cNvSpPr/>
-          <p:nvPr/>
-        </p:nvSpPr>
-        <p:spPr>
-          <a:xfrm>
-            <a:off x="3273425" y="4131469"/>
-            <a:ext cx="6275908" cy="878680"/>
-          </a:xfrm>
-          <a:prstGeom prst="rect">
-            <a:avLst/>
-          </a:prstGeom>
-          <a:solidFill>
-            <a:srgbClr val="FFC000">
-              <a:alpha val="10000"/>
-            </a:srgbClr>
-          </a:solidFill>
-          <a:ln w="12700">
-            <a:solidFill>
-              <a:srgbClr val="FFC000"/>
-            </a:solidFill>
-          </a:ln>
-        </p:spPr>
-        <p:style>
-          <a:lnRef idx="2">
-            <a:schemeClr val="accent1">
-              <a:shade val="15000"/>
-            </a:schemeClr>
-          </a:lnRef>
-          <a:fillRef idx="1">
-            <a:schemeClr val="accent1"/>
-          </a:fillRef>
-          <a:effectRef idx="0">
-            <a:schemeClr val="accent1"/>
-          </a:effectRef>
-          <a:fontRef idx="minor">
-            <a:schemeClr val="lt1"/>
-          </a:fontRef>
-        </p:style>
-        <p:txBody>
-          <a:bodyPr rtlCol="0" anchor="ctr"/>
-          <a:lstStyle/>
-          <a:p>
-            <a:pPr algn="ctr"/>
-            <a:endParaRPr lang="en-US"/>
-          </a:p>
-        </p:txBody>
-      </p:sp>
-      <p:sp>
-        <p:nvSpPr>
-          <p:cNvPr id="14" name="Textfeld 13">
-            <a:extLst>
-              <a:ext uri="{FF2B5EF4-FFF2-40B4-BE49-F238E27FC236}">
-                <a16:creationId xmlns:a16="http://schemas.microsoft.com/office/drawing/2014/main" id="{0ECAB5BB-7A1C-C744-6F4C-496B21877AE4}"/>
-              </a:ext>
-            </a:extLst>
-          </p:cNvPr>
-          <p:cNvSpPr txBox="1"/>
-          <p:nvPr/>
-        </p:nvSpPr>
-        <p:spPr>
-          <a:xfrm>
-            <a:off x="5523681" y="3929030"/>
-            <a:ext cx="942887" cy="200055"/>
-          </a:xfrm>
-          <a:prstGeom prst="rect">
-            <a:avLst/>
-          </a:prstGeom>
-          <a:solidFill>
-            <a:srgbClr val="FFC000"/>
-          </a:solidFill>
-        </p:spPr>
-        <p:txBody>
-          <a:bodyPr wrap="none" rtlCol="0">
-            <a:spAutoFit/>
-          </a:bodyPr>
-          <a:lstStyle/>
-          <a:p>
-            <a:r>
-              <a:rPr lang="de-DE" sz="700" dirty="0" err="1">
-                <a:solidFill>
-                  <a:schemeClr val="tx1">
-                    <a:lumMod val="65000"/>
-                    <a:lumOff val="35000"/>
-                  </a:schemeClr>
-                </a:solidFill>
-                <a:latin typeface="Roboto" panose="02000000000000000000" pitchFamily="2" charset="0"/>
-                <a:ea typeface="Roboto" panose="02000000000000000000" pitchFamily="2" charset="0"/>
-                <a:cs typeface="Roboto" panose="02000000000000000000" pitchFamily="2" charset="0"/>
-              </a:rPr>
-              <a:t>Planform</a:t>
-            </a:r>
-            <a:r>
-              <a:rPr lang="de-DE" sz="700" dirty="0">
-                <a:solidFill>
-                  <a:schemeClr val="tx1">
-                    <a:lumMod val="65000"/>
-                    <a:lumOff val="35000"/>
-                  </a:schemeClr>
-                </a:solidFill>
-                <a:latin typeface="Roboto" panose="02000000000000000000" pitchFamily="2" charset="0"/>
-                <a:ea typeface="Roboto" panose="02000000000000000000" pitchFamily="2" charset="0"/>
-                <a:cs typeface="Roboto" panose="02000000000000000000" pitchFamily="2" charset="0"/>
-              </a:rPr>
-              <a:t> </a:t>
-            </a:r>
-            <a:r>
-              <a:rPr lang="de-DE" sz="700" dirty="0" err="1">
-                <a:solidFill>
-                  <a:schemeClr val="tx1">
-                    <a:lumMod val="65000"/>
-                    <a:lumOff val="35000"/>
-                  </a:schemeClr>
-                </a:solidFill>
-                <a:latin typeface="Roboto" panose="02000000000000000000" pitchFamily="2" charset="0"/>
-                <a:ea typeface="Roboto" panose="02000000000000000000" pitchFamily="2" charset="0"/>
-                <a:cs typeface="Roboto" panose="02000000000000000000" pitchFamily="2" charset="0"/>
-              </a:rPr>
-              <a:t>Paramter</a:t>
-            </a:r>
-            <a:endParaRPr lang="en-US" sz="700" dirty="0">
-              <a:solidFill>
-                <a:schemeClr val="tx1">
-                  <a:lumMod val="65000"/>
-                  <a:lumOff val="35000"/>
-                </a:schemeClr>
-              </a:solidFill>
-              <a:latin typeface="Roboto" panose="02000000000000000000" pitchFamily="2" charset="0"/>
-              <a:ea typeface="Roboto" panose="02000000000000000000" pitchFamily="2" charset="0"/>
-              <a:cs typeface="Roboto" panose="02000000000000000000" pitchFamily="2" charset="0"/>
-            </a:endParaRPr>
-          </a:p>
-        </p:txBody>
-      </p:sp>
-      <p:sp>
-        <p:nvSpPr>
-          <p:cNvPr id="15" name="Rechteck 14">
-            <a:extLst>
-              <a:ext uri="{FF2B5EF4-FFF2-40B4-BE49-F238E27FC236}">
-                <a16:creationId xmlns:a16="http://schemas.microsoft.com/office/drawing/2014/main" id="{F56C0BD0-B6C6-4608-D462-2F961674C5B1}"/>
-              </a:ext>
-            </a:extLst>
-          </p:cNvPr>
-          <p:cNvSpPr/>
-          <p:nvPr/>
-        </p:nvSpPr>
-        <p:spPr>
-          <a:xfrm>
-            <a:off x="2276474" y="3833769"/>
-            <a:ext cx="1076325" cy="1176381"/>
-          </a:xfrm>
-          <a:prstGeom prst="rect">
-            <a:avLst/>
-          </a:prstGeom>
-          <a:solidFill>
-            <a:srgbClr val="FFC000">
-              <a:alpha val="10000"/>
-            </a:srgbClr>
-          </a:solidFill>
-          <a:ln w="12700">
-            <a:solidFill>
-              <a:srgbClr val="FFC000"/>
-            </a:solidFill>
-          </a:ln>
-        </p:spPr>
-        <p:style>
-          <a:lnRef idx="2">
-            <a:schemeClr val="accent1">
-              <a:shade val="15000"/>
-            </a:schemeClr>
-          </a:lnRef>
-          <a:fillRef idx="1">
-            <a:schemeClr val="accent1"/>
-          </a:fillRef>
-          <a:effectRef idx="0">
-            <a:schemeClr val="accent1"/>
-          </a:effectRef>
-          <a:fontRef idx="minor">
-            <a:schemeClr val="lt1"/>
-          </a:fontRef>
-        </p:style>
-        <p:txBody>
-          <a:bodyPr rtlCol="0" anchor="ctr"/>
-          <a:lstStyle/>
-          <a:p>
-            <a:pPr algn="ctr"/>
-            <a:endParaRPr lang="en-US"/>
-          </a:p>
-        </p:txBody>
-      </p:sp>
-      <p:sp>
-        <p:nvSpPr>
-          <p:cNvPr id="16" name="Textfeld 15">
-            <a:extLst>
-              <a:ext uri="{FF2B5EF4-FFF2-40B4-BE49-F238E27FC236}">
-                <a16:creationId xmlns:a16="http://schemas.microsoft.com/office/drawing/2014/main" id="{1CBC2F34-9E1C-9DCE-3165-A0AB7EAA950D}"/>
-              </a:ext>
-            </a:extLst>
-          </p:cNvPr>
-          <p:cNvSpPr txBox="1"/>
-          <p:nvPr/>
-        </p:nvSpPr>
-        <p:spPr>
-          <a:xfrm>
-            <a:off x="3352799" y="3829002"/>
-            <a:ext cx="489236" cy="200055"/>
-          </a:xfrm>
-          <a:prstGeom prst="rect">
-            <a:avLst/>
-          </a:prstGeom>
-          <a:solidFill>
-            <a:srgbClr val="FFC000"/>
-          </a:solidFill>
-        </p:spPr>
-        <p:txBody>
-          <a:bodyPr wrap="none" rtlCol="0">
-            <a:spAutoFit/>
-          </a:bodyPr>
-          <a:lstStyle/>
-          <a:p>
-            <a:r>
-              <a:rPr lang="de-DE" sz="700" dirty="0">
-                <a:solidFill>
-                  <a:schemeClr val="tx1">
-                    <a:lumMod val="65000"/>
-                    <a:lumOff val="35000"/>
-                  </a:schemeClr>
-                </a:solidFill>
-                <a:latin typeface="Roboto" panose="02000000000000000000" pitchFamily="2" charset="0"/>
-                <a:ea typeface="Roboto" panose="02000000000000000000" pitchFamily="2" charset="0"/>
-                <a:cs typeface="Roboto" panose="02000000000000000000" pitchFamily="2" charset="0"/>
-              </a:rPr>
-              <a:t>Actions</a:t>
-            </a:r>
-            <a:endParaRPr lang="en-US" sz="700" dirty="0">
-              <a:solidFill>
-                <a:schemeClr val="tx1">
-                  <a:lumMod val="65000"/>
-                  <a:lumOff val="35000"/>
-                </a:schemeClr>
-              </a:solidFill>
-              <a:latin typeface="Roboto" panose="02000000000000000000" pitchFamily="2" charset="0"/>
-              <a:ea typeface="Roboto" panose="02000000000000000000" pitchFamily="2" charset="0"/>
-              <a:cs typeface="Roboto" panose="02000000000000000000" pitchFamily="2" charset="0"/>
-            </a:endParaRPr>
-          </a:p>
-        </p:txBody>
-      </p:sp>
-    </p:spTree>
-    <p:extLst>
-      <p:ext uri="{BB962C8B-B14F-4D97-AF65-F5344CB8AC3E}">
-        <p14:creationId xmlns:p14="http://schemas.microsoft.com/office/powerpoint/2010/main" val="2582090904"/>
-      </p:ext>
-    </p:extLst>
-  </p:cSld>
-  <p:clrMapOvr>
-    <a:masterClrMapping/>
-  </p:clrMapOvr>
-</p:sld>
-</file>
-
-<file path=ppt/slides/slide16.xml><?xml version="1.0" encoding="utf-8"?>
-<p:sld xmlns:a="http://schemas.openxmlformats.org/drawingml/2006/main" xmlns:r="http://schemas.openxmlformats.org/officeDocument/2006/relationships" xmlns:p="http://schemas.openxmlformats.org/presentationml/2006/main">
-  <p:cSld>
-    <p:bg>
-      <p:bgPr>
-        <a:solidFill>
-          <a:srgbClr val="000000"/>
-        </a:solidFill>
-        <a:effectLst/>
-      </p:bgPr>
-    </p:bg>
-    <p:spTree>
-      <p:nvGrpSpPr>
-        <p:cNvPr id="1" name="">
-          <a:extLst>
-            <a:ext uri="{FF2B5EF4-FFF2-40B4-BE49-F238E27FC236}">
               <a16:creationId xmlns:a16="http://schemas.microsoft.com/office/drawing/2014/main" id="{65F37F15-8E9A-7CC8-9918-49B3F643E0FC}"/>
             </a:ext>
           </a:extLst>
@@ -6040,9 +5472,19 @@
 </p:sld>
 </file>
 
-<file path=ppt/slides/slide17.xml><?xml version="1.0" encoding="utf-8"?>
+<file path=ppt/slides/slide16.xml><?xml version="1.0" encoding="utf-8"?>
 <p:sld xmlns:a="http://schemas.openxmlformats.org/drawingml/2006/main" xmlns:r="http://schemas.openxmlformats.org/officeDocument/2006/relationships" xmlns:p="http://schemas.openxmlformats.org/presentationml/2006/main">
   <p:cSld>
+    <p:bg>
+      <p:bgPr>
+        <a:solidFill>
+          <a:schemeClr val="bg2">
+            <a:lumMod val="25000"/>
+          </a:schemeClr>
+        </a:solidFill>
+        <a:effectLst/>
+      </p:bgPr>
+    </p:bg>
     <p:spTree>
       <p:nvGrpSpPr>
         <p:cNvPr id="1" name=""/>
@@ -6062,7 +5504,7 @@
           <p:cNvPr id="3" name="Grafik 2">
             <a:extLst>
               <a:ext uri="{FF2B5EF4-FFF2-40B4-BE49-F238E27FC236}">
-                <a16:creationId xmlns:a16="http://schemas.microsoft.com/office/drawing/2014/main" id="{A64D747E-DEF9-076F-A90E-A73A084A9518}"/>
+                <a16:creationId xmlns:a16="http://schemas.microsoft.com/office/drawing/2014/main" id="{655BFF5F-0807-3F0C-4D49-DCFEC3BD31D4}"/>
               </a:ext>
             </a:extLst>
           </p:cNvPr>
@@ -6079,37 +5521,8 @@
         </p:blipFill>
         <p:spPr>
           <a:xfrm>
-            <a:off x="914401" y="2256561"/>
-            <a:ext cx="9749150" cy="1172439"/>
-          </a:xfrm>
-          <a:prstGeom prst="rect">
-            <a:avLst/>
-          </a:prstGeom>
-        </p:spPr>
-      </p:pic>
-      <p:pic>
-        <p:nvPicPr>
-          <p:cNvPr id="4" name="Grafik 3">
-            <a:extLst>
-              <a:ext uri="{FF2B5EF4-FFF2-40B4-BE49-F238E27FC236}">
-                <a16:creationId xmlns:a16="http://schemas.microsoft.com/office/drawing/2014/main" id="{B054E580-2889-D5F7-DD46-E9A4BD1FF6E1}"/>
-              </a:ext>
-            </a:extLst>
-          </p:cNvPr>
-          <p:cNvPicPr>
-            <a:picLocks noChangeAspect="1"/>
-          </p:cNvPicPr>
-          <p:nvPr/>
-        </p:nvPicPr>
-        <p:blipFill>
-          <a:blip r:embed="rId2"/>
-          <a:srcRect l="59767" t="9152" r="18120" b="72061"/>
-          <a:stretch/>
-        </p:blipFill>
-        <p:spPr>
-          <a:xfrm>
-            <a:off x="6741197" y="3811112"/>
-            <a:ext cx="2155848" cy="220257"/>
+            <a:off x="1055688" y="836613"/>
+            <a:ext cx="3605679" cy="2390775"/>
           </a:xfrm>
           <a:prstGeom prst="rect">
             <a:avLst/>
@@ -6121,7 +5534,7 @@
           <p:cNvPr id="5" name="Grafik 4">
             <a:extLst>
               <a:ext uri="{FF2B5EF4-FFF2-40B4-BE49-F238E27FC236}">
-                <a16:creationId xmlns:a16="http://schemas.microsoft.com/office/drawing/2014/main" id="{B5F7A75A-A36B-B836-448D-978B172242DB}"/>
+                <a16:creationId xmlns:a16="http://schemas.microsoft.com/office/drawing/2014/main" id="{2000000F-7927-2BCF-E6B5-5230C2DBBAC4}"/>
               </a:ext>
             </a:extLst>
           </p:cNvPr>
@@ -6131,14 +5544,603 @@
           <p:nvPr/>
         </p:nvPicPr>
         <p:blipFill>
+          <a:blip r:embed="rId3"/>
+          <a:stretch>
+            <a:fillRect/>
+          </a:stretch>
+        </p:blipFill>
+        <p:spPr>
+          <a:xfrm>
+            <a:off x="4896700" y="836613"/>
+            <a:ext cx="3600860" cy="2390775"/>
+          </a:xfrm>
+          <a:prstGeom prst="rect">
+            <a:avLst/>
+          </a:prstGeom>
+        </p:spPr>
+      </p:pic>
+      <p:sp>
+        <p:nvSpPr>
+          <p:cNvPr id="6" name="Textfeld 5">
+            <a:extLst>
+              <a:ext uri="{FF2B5EF4-FFF2-40B4-BE49-F238E27FC236}">
+                <a16:creationId xmlns:a16="http://schemas.microsoft.com/office/drawing/2014/main" id="{B7DC7CE9-C32A-E65E-13C3-34D07CCC1F36}"/>
+              </a:ext>
+            </a:extLst>
+          </p:cNvPr>
+          <p:cNvSpPr txBox="1"/>
+          <p:nvPr/>
+        </p:nvSpPr>
+        <p:spPr>
+          <a:xfrm>
+            <a:off x="1321724" y="1087372"/>
+            <a:ext cx="840295" cy="246221"/>
+          </a:xfrm>
+          <a:prstGeom prst="rect">
+            <a:avLst/>
+          </a:prstGeom>
+          <a:noFill/>
+        </p:spPr>
+        <p:txBody>
+          <a:bodyPr wrap="none" rtlCol="0">
+            <a:spAutoFit/>
+          </a:bodyPr>
+          <a:lstStyle/>
+          <a:p>
+            <a:r>
+              <a:rPr lang="de-DE" sz="1000" dirty="0">
+                <a:solidFill>
+                  <a:schemeClr val="bg1">
+                    <a:lumMod val="75000"/>
+                  </a:schemeClr>
+                </a:solidFill>
+                <a:latin typeface="Roboto" panose="02000000000000000000" pitchFamily="2" charset="0"/>
+                <a:ea typeface="Roboto" panose="02000000000000000000" pitchFamily="2" charset="0"/>
+                <a:cs typeface="Roboto" panose="02000000000000000000" pitchFamily="2" charset="0"/>
+              </a:rPr>
+              <a:t>Airfoil strak</a:t>
+            </a:r>
+            <a:endParaRPr lang="en-US" sz="1000" dirty="0">
+              <a:solidFill>
+                <a:schemeClr val="bg1">
+                  <a:lumMod val="75000"/>
+                </a:schemeClr>
+              </a:solidFill>
+              <a:latin typeface="Roboto" panose="02000000000000000000" pitchFamily="2" charset="0"/>
+              <a:ea typeface="Roboto" panose="02000000000000000000" pitchFamily="2" charset="0"/>
+              <a:cs typeface="Roboto" panose="02000000000000000000" pitchFamily="2" charset="0"/>
+            </a:endParaRPr>
+          </a:p>
+        </p:txBody>
+      </p:sp>
+      <p:sp>
+        <p:nvSpPr>
+          <p:cNvPr id="7" name="Textfeld 6">
+            <a:extLst>
+              <a:ext uri="{FF2B5EF4-FFF2-40B4-BE49-F238E27FC236}">
+                <a16:creationId xmlns:a16="http://schemas.microsoft.com/office/drawing/2014/main" id="{BEE2FA78-CC0A-89B8-1DEB-918CA06034F6}"/>
+              </a:ext>
+            </a:extLst>
+          </p:cNvPr>
+          <p:cNvSpPr txBox="1"/>
+          <p:nvPr/>
+        </p:nvSpPr>
+        <p:spPr>
+          <a:xfrm>
+            <a:off x="5149454" y="1087372"/>
+            <a:ext cx="888385" cy="246221"/>
+          </a:xfrm>
+          <a:prstGeom prst="rect">
+            <a:avLst/>
+          </a:prstGeom>
+          <a:noFill/>
+        </p:spPr>
+        <p:txBody>
+          <a:bodyPr wrap="none" rtlCol="0">
+            <a:spAutoFit/>
+          </a:bodyPr>
+          <a:lstStyle/>
+          <a:p>
+            <a:r>
+              <a:rPr lang="de-DE" sz="1000" dirty="0">
+                <a:solidFill>
+                  <a:schemeClr val="bg1">
+                    <a:lumMod val="75000"/>
+                  </a:schemeClr>
+                </a:solidFill>
+                <a:latin typeface="Roboto" panose="02000000000000000000" pitchFamily="2" charset="0"/>
+                <a:ea typeface="Roboto" panose="02000000000000000000" pitchFamily="2" charset="0"/>
+                <a:cs typeface="Roboto" panose="02000000000000000000" pitchFamily="2" charset="0"/>
+              </a:rPr>
+              <a:t>Single airfoil</a:t>
+            </a:r>
+            <a:endParaRPr lang="en-US" sz="1000" dirty="0">
+              <a:solidFill>
+                <a:schemeClr val="bg1">
+                  <a:lumMod val="75000"/>
+                </a:schemeClr>
+              </a:solidFill>
+              <a:latin typeface="Roboto" panose="02000000000000000000" pitchFamily="2" charset="0"/>
+              <a:ea typeface="Roboto" panose="02000000000000000000" pitchFamily="2" charset="0"/>
+              <a:cs typeface="Roboto" panose="02000000000000000000" pitchFamily="2" charset="0"/>
+            </a:endParaRPr>
+          </a:p>
+        </p:txBody>
+      </p:sp>
+      <p:sp>
+        <p:nvSpPr>
+          <p:cNvPr id="8" name="Textfeld 7">
+            <a:extLst>
+              <a:ext uri="{FF2B5EF4-FFF2-40B4-BE49-F238E27FC236}">
+                <a16:creationId xmlns:a16="http://schemas.microsoft.com/office/drawing/2014/main" id="{B1708811-C1D8-6EB2-2DDE-DB7C7ACBF232}"/>
+              </a:ext>
+            </a:extLst>
+          </p:cNvPr>
+          <p:cNvSpPr txBox="1"/>
+          <p:nvPr/>
+        </p:nvSpPr>
+        <p:spPr>
+          <a:xfrm>
+            <a:off x="6697130" y="2286057"/>
+            <a:ext cx="1665820" cy="369332"/>
+          </a:xfrm>
+          <a:prstGeom prst="wedgeRectCallout">
+            <a:avLst>
+              <a:gd name="adj1" fmla="val -85298"/>
+              <a:gd name="adj2" fmla="val -41519"/>
+            </a:avLst>
+          </a:prstGeom>
+          <a:solidFill>
+            <a:srgbClr val="C09200"/>
+          </a:solidFill>
+        </p:spPr>
+        <p:txBody>
+          <a:bodyPr wrap="square" rtlCol="0">
+            <a:spAutoFit/>
+          </a:bodyPr>
+          <a:lstStyle/>
+          <a:p>
+            <a:r>
+              <a:rPr lang="de-DE" sz="900" dirty="0" err="1">
+                <a:solidFill>
+                  <a:schemeClr val="bg1">
+                    <a:lumMod val="95000"/>
+                  </a:schemeClr>
+                </a:solidFill>
+                <a:latin typeface="Roboto" panose="02000000000000000000" pitchFamily="2" charset="0"/>
+                <a:ea typeface="Roboto" panose="02000000000000000000" pitchFamily="2" charset="0"/>
+                <a:cs typeface="Roboto" panose="02000000000000000000" pitchFamily="2" charset="0"/>
+              </a:rPr>
+              <a:t>towards</a:t>
+            </a:r>
+            <a:r>
+              <a:rPr lang="de-DE" sz="900" dirty="0">
+                <a:solidFill>
+                  <a:schemeClr val="bg1">
+                    <a:lumMod val="95000"/>
+                  </a:schemeClr>
+                </a:solidFill>
+                <a:latin typeface="Roboto" panose="02000000000000000000" pitchFamily="2" charset="0"/>
+                <a:ea typeface="Roboto" panose="02000000000000000000" pitchFamily="2" charset="0"/>
+                <a:cs typeface="Roboto" panose="02000000000000000000" pitchFamily="2" charset="0"/>
+              </a:rPr>
+              <a:t> </a:t>
+            </a:r>
+            <a:r>
+              <a:rPr lang="de-DE" sz="900" dirty="0" err="1">
+                <a:solidFill>
+                  <a:schemeClr val="bg1">
+                    <a:lumMod val="95000"/>
+                  </a:schemeClr>
+                </a:solidFill>
+                <a:latin typeface="Roboto" panose="02000000000000000000" pitchFamily="2" charset="0"/>
+                <a:ea typeface="Roboto" panose="02000000000000000000" pitchFamily="2" charset="0"/>
+                <a:cs typeface="Roboto" panose="02000000000000000000" pitchFamily="2" charset="0"/>
+              </a:rPr>
+              <a:t>tip</a:t>
+            </a:r>
+            <a:r>
+              <a:rPr lang="de-DE" sz="900" dirty="0">
+                <a:solidFill>
+                  <a:schemeClr val="bg1">
+                    <a:lumMod val="95000"/>
+                  </a:schemeClr>
+                </a:solidFill>
+                <a:latin typeface="Roboto" panose="02000000000000000000" pitchFamily="2" charset="0"/>
+                <a:ea typeface="Roboto" panose="02000000000000000000" pitchFamily="2" charset="0"/>
+                <a:cs typeface="Roboto" panose="02000000000000000000" pitchFamily="2" charset="0"/>
+              </a:rPr>
+              <a:t> </a:t>
+            </a:r>
+            <a:r>
+              <a:rPr lang="de-DE" sz="900" dirty="0" err="1">
+                <a:solidFill>
+                  <a:schemeClr val="bg1">
+                    <a:lumMod val="95000"/>
+                  </a:schemeClr>
+                </a:solidFill>
+                <a:latin typeface="Roboto" panose="02000000000000000000" pitchFamily="2" charset="0"/>
+                <a:ea typeface="Roboto" panose="02000000000000000000" pitchFamily="2" charset="0"/>
+                <a:cs typeface="Roboto" panose="02000000000000000000" pitchFamily="2" charset="0"/>
+              </a:rPr>
+              <a:t>collapse</a:t>
+            </a:r>
+            <a:r>
+              <a:rPr lang="de-DE" sz="900" dirty="0">
+                <a:solidFill>
+                  <a:schemeClr val="bg1">
+                    <a:lumMod val="95000"/>
+                  </a:schemeClr>
+                </a:solidFill>
+                <a:latin typeface="Roboto" panose="02000000000000000000" pitchFamily="2" charset="0"/>
+                <a:ea typeface="Roboto" panose="02000000000000000000" pitchFamily="2" charset="0"/>
+                <a:cs typeface="Roboto" panose="02000000000000000000" pitchFamily="2" charset="0"/>
+              </a:rPr>
+              <a:t> </a:t>
+            </a:r>
+            <a:r>
+              <a:rPr lang="de-DE" sz="900" dirty="0" err="1">
+                <a:solidFill>
+                  <a:schemeClr val="bg1">
+                    <a:lumMod val="95000"/>
+                  </a:schemeClr>
+                </a:solidFill>
+                <a:latin typeface="Roboto" panose="02000000000000000000" pitchFamily="2" charset="0"/>
+                <a:ea typeface="Roboto" panose="02000000000000000000" pitchFamily="2" charset="0"/>
+                <a:cs typeface="Roboto" panose="02000000000000000000" pitchFamily="2" charset="0"/>
+              </a:rPr>
+              <a:t>of</a:t>
+            </a:r>
+            <a:r>
+              <a:rPr lang="de-DE" sz="900" dirty="0">
+                <a:solidFill>
+                  <a:schemeClr val="bg1">
+                    <a:lumMod val="95000"/>
+                  </a:schemeClr>
+                </a:solidFill>
+                <a:latin typeface="Roboto" panose="02000000000000000000" pitchFamily="2" charset="0"/>
+                <a:ea typeface="Roboto" panose="02000000000000000000" pitchFamily="2" charset="0"/>
+                <a:cs typeface="Roboto" panose="02000000000000000000" pitchFamily="2" charset="0"/>
+              </a:rPr>
+              <a:t> </a:t>
+            </a:r>
+            <a:r>
+              <a:rPr lang="de-DE" sz="900" dirty="0" err="1">
+                <a:solidFill>
+                  <a:schemeClr val="bg1">
+                    <a:lumMod val="95000"/>
+                  </a:schemeClr>
+                </a:solidFill>
+                <a:latin typeface="Roboto" panose="02000000000000000000" pitchFamily="2" charset="0"/>
+                <a:ea typeface="Roboto" panose="02000000000000000000" pitchFamily="2" charset="0"/>
+                <a:cs typeface="Roboto" panose="02000000000000000000" pitchFamily="2" charset="0"/>
+              </a:rPr>
+              <a:t>section</a:t>
+            </a:r>
+            <a:r>
+              <a:rPr lang="de-DE" sz="900" dirty="0">
+                <a:solidFill>
+                  <a:schemeClr val="bg1">
+                    <a:lumMod val="95000"/>
+                  </a:schemeClr>
+                </a:solidFill>
+                <a:latin typeface="Roboto" panose="02000000000000000000" pitchFamily="2" charset="0"/>
+                <a:ea typeface="Roboto" panose="02000000000000000000" pitchFamily="2" charset="0"/>
+                <a:cs typeface="Roboto" panose="02000000000000000000" pitchFamily="2" charset="0"/>
+              </a:rPr>
+              <a:t> polar due </a:t>
+            </a:r>
+            <a:r>
+              <a:rPr lang="de-DE" sz="900" dirty="0" err="1">
+                <a:solidFill>
+                  <a:schemeClr val="bg1">
+                    <a:lumMod val="95000"/>
+                  </a:schemeClr>
+                </a:solidFill>
+                <a:latin typeface="Roboto" panose="02000000000000000000" pitchFamily="2" charset="0"/>
+                <a:ea typeface="Roboto" panose="02000000000000000000" pitchFamily="2" charset="0"/>
+                <a:cs typeface="Roboto" panose="02000000000000000000" pitchFamily="2" charset="0"/>
+              </a:rPr>
+              <a:t>to</a:t>
+            </a:r>
+            <a:r>
+              <a:rPr lang="de-DE" sz="900" dirty="0">
+                <a:solidFill>
+                  <a:schemeClr val="bg1">
+                    <a:lumMod val="95000"/>
+                  </a:schemeClr>
+                </a:solidFill>
+                <a:latin typeface="Roboto" panose="02000000000000000000" pitchFamily="2" charset="0"/>
+                <a:ea typeface="Roboto" panose="02000000000000000000" pitchFamily="2" charset="0"/>
+                <a:cs typeface="Roboto" panose="02000000000000000000" pitchFamily="2" charset="0"/>
+              </a:rPr>
+              <a:t> </a:t>
+            </a:r>
+            <a:r>
+              <a:rPr lang="de-DE" sz="900" dirty="0" err="1">
+                <a:solidFill>
+                  <a:schemeClr val="bg1">
+                    <a:lumMod val="95000"/>
+                  </a:schemeClr>
+                </a:solidFill>
+                <a:latin typeface="Roboto" panose="02000000000000000000" pitchFamily="2" charset="0"/>
+                <a:ea typeface="Roboto" panose="02000000000000000000" pitchFamily="2" charset="0"/>
+                <a:cs typeface="Roboto" panose="02000000000000000000" pitchFamily="2" charset="0"/>
+              </a:rPr>
+              <a:t>bubbles</a:t>
+            </a:r>
+            <a:r>
+              <a:rPr lang="de-DE" sz="900" dirty="0">
+                <a:solidFill>
+                  <a:schemeClr val="bg1">
+                    <a:lumMod val="95000"/>
+                  </a:schemeClr>
+                </a:solidFill>
+                <a:latin typeface="Roboto" panose="02000000000000000000" pitchFamily="2" charset="0"/>
+                <a:ea typeface="Roboto" panose="02000000000000000000" pitchFamily="2" charset="0"/>
+                <a:cs typeface="Roboto" panose="02000000000000000000" pitchFamily="2" charset="0"/>
+              </a:rPr>
+              <a:t> </a:t>
+            </a:r>
+            <a:endParaRPr lang="en-US" sz="900" dirty="0">
+              <a:solidFill>
+                <a:schemeClr val="bg1">
+                  <a:lumMod val="95000"/>
+                </a:schemeClr>
+              </a:solidFill>
+              <a:latin typeface="Roboto" panose="02000000000000000000" pitchFamily="2" charset="0"/>
+              <a:ea typeface="Roboto" panose="02000000000000000000" pitchFamily="2" charset="0"/>
+              <a:cs typeface="Roboto" panose="02000000000000000000" pitchFamily="2" charset="0"/>
+            </a:endParaRPr>
+          </a:p>
+        </p:txBody>
+      </p:sp>
+      <p:sp>
+        <p:nvSpPr>
+          <p:cNvPr id="9" name="Textfeld 8">
+            <a:extLst>
+              <a:ext uri="{FF2B5EF4-FFF2-40B4-BE49-F238E27FC236}">
+                <a16:creationId xmlns:a16="http://schemas.microsoft.com/office/drawing/2014/main" id="{2B9CA5AD-F844-07DB-673B-E5AE7C80E38A}"/>
+              </a:ext>
+            </a:extLst>
+          </p:cNvPr>
+          <p:cNvSpPr txBox="1"/>
+          <p:nvPr/>
+        </p:nvSpPr>
+        <p:spPr>
+          <a:xfrm>
+            <a:off x="2537479" y="2490862"/>
+            <a:ext cx="1494370" cy="369332"/>
+          </a:xfrm>
+          <a:prstGeom prst="wedgeRectCallout">
+            <a:avLst>
+              <a:gd name="adj1" fmla="val -76375"/>
+              <a:gd name="adj2" fmla="val -72467"/>
+            </a:avLst>
+          </a:prstGeom>
+          <a:solidFill>
+            <a:srgbClr val="00B0F0"/>
+          </a:solidFill>
+        </p:spPr>
+        <p:txBody>
+          <a:bodyPr wrap="square" rtlCol="0">
+            <a:spAutoFit/>
+          </a:bodyPr>
+          <a:lstStyle/>
+          <a:p>
+            <a:r>
+              <a:rPr lang="de-DE" sz="900" dirty="0">
+                <a:solidFill>
+                  <a:schemeClr val="bg1">
+                    <a:lumMod val="95000"/>
+                  </a:schemeClr>
+                </a:solidFill>
+                <a:latin typeface="Roboto" panose="02000000000000000000" pitchFamily="2" charset="0"/>
+                <a:ea typeface="Roboto" panose="02000000000000000000" pitchFamily="2" charset="0"/>
+                <a:cs typeface="Roboto" panose="02000000000000000000" pitchFamily="2" charset="0"/>
+              </a:rPr>
+              <a:t>all sections </a:t>
+            </a:r>
+            <a:r>
+              <a:rPr lang="de-DE" sz="900" dirty="0" err="1">
+                <a:solidFill>
+                  <a:schemeClr val="bg1">
+                    <a:lumMod val="95000"/>
+                  </a:schemeClr>
+                </a:solidFill>
+                <a:latin typeface="Roboto" panose="02000000000000000000" pitchFamily="2" charset="0"/>
+                <a:ea typeface="Roboto" panose="02000000000000000000" pitchFamily="2" charset="0"/>
+                <a:cs typeface="Roboto" panose="02000000000000000000" pitchFamily="2" charset="0"/>
+              </a:rPr>
+              <a:t>try</a:t>
+            </a:r>
+            <a:r>
+              <a:rPr lang="de-DE" sz="900" dirty="0">
+                <a:solidFill>
+                  <a:schemeClr val="bg1">
+                    <a:lumMod val="95000"/>
+                  </a:schemeClr>
+                </a:solidFill>
+                <a:latin typeface="Roboto" panose="02000000000000000000" pitchFamily="2" charset="0"/>
+                <a:ea typeface="Roboto" panose="02000000000000000000" pitchFamily="2" charset="0"/>
+                <a:cs typeface="Roboto" panose="02000000000000000000" pitchFamily="2" charset="0"/>
+              </a:rPr>
+              <a:t> </a:t>
+            </a:r>
+            <a:r>
+              <a:rPr lang="de-DE" sz="900" dirty="0" err="1">
+                <a:solidFill>
+                  <a:schemeClr val="bg1">
+                    <a:lumMod val="95000"/>
+                  </a:schemeClr>
+                </a:solidFill>
+                <a:latin typeface="Roboto" panose="02000000000000000000" pitchFamily="2" charset="0"/>
+                <a:ea typeface="Roboto" panose="02000000000000000000" pitchFamily="2" charset="0"/>
+                <a:cs typeface="Roboto" panose="02000000000000000000" pitchFamily="2" charset="0"/>
+              </a:rPr>
+              <a:t>their</a:t>
+            </a:r>
+            <a:r>
+              <a:rPr lang="de-DE" sz="900" dirty="0">
+                <a:solidFill>
+                  <a:schemeClr val="bg1">
+                    <a:lumMod val="95000"/>
+                  </a:schemeClr>
+                </a:solidFill>
+                <a:latin typeface="Roboto" panose="02000000000000000000" pitchFamily="2" charset="0"/>
+                <a:ea typeface="Roboto" panose="02000000000000000000" pitchFamily="2" charset="0"/>
+                <a:cs typeface="Roboto" panose="02000000000000000000" pitchFamily="2" charset="0"/>
+              </a:rPr>
+              <a:t> </a:t>
+            </a:r>
+            <a:r>
+              <a:rPr lang="de-DE" sz="900" dirty="0" err="1">
+                <a:solidFill>
+                  <a:schemeClr val="bg1">
+                    <a:lumMod val="95000"/>
+                  </a:schemeClr>
+                </a:solidFill>
+                <a:latin typeface="Roboto" panose="02000000000000000000" pitchFamily="2" charset="0"/>
+                <a:ea typeface="Roboto" panose="02000000000000000000" pitchFamily="2" charset="0"/>
+                <a:cs typeface="Roboto" panose="02000000000000000000" pitchFamily="2" charset="0"/>
+              </a:rPr>
+              <a:t>best</a:t>
+            </a:r>
+            <a:r>
+              <a:rPr lang="de-DE" sz="900" dirty="0">
+                <a:solidFill>
+                  <a:schemeClr val="bg1">
+                    <a:lumMod val="95000"/>
+                  </a:schemeClr>
+                </a:solidFill>
+                <a:latin typeface="Roboto" panose="02000000000000000000" pitchFamily="2" charset="0"/>
+                <a:ea typeface="Roboto" panose="02000000000000000000" pitchFamily="2" charset="0"/>
+                <a:cs typeface="Roboto" panose="02000000000000000000" pitchFamily="2" charset="0"/>
+              </a:rPr>
+              <a:t> at </a:t>
+            </a:r>
+            <a:r>
+              <a:rPr lang="de-DE" sz="900" dirty="0" err="1">
+                <a:solidFill>
+                  <a:schemeClr val="bg1">
+                    <a:lumMod val="95000"/>
+                  </a:schemeClr>
+                </a:solidFill>
+                <a:latin typeface="Roboto" panose="02000000000000000000" pitchFamily="2" charset="0"/>
+                <a:ea typeface="Roboto" panose="02000000000000000000" pitchFamily="2" charset="0"/>
+                <a:cs typeface="Roboto" panose="02000000000000000000" pitchFamily="2" charset="0"/>
+              </a:rPr>
+              <a:t>lower</a:t>
+            </a:r>
+            <a:r>
+              <a:rPr lang="de-DE" sz="900" dirty="0">
+                <a:solidFill>
+                  <a:schemeClr val="bg1">
+                    <a:lumMod val="95000"/>
+                  </a:schemeClr>
+                </a:solidFill>
+                <a:latin typeface="Roboto" panose="02000000000000000000" pitchFamily="2" charset="0"/>
+                <a:ea typeface="Roboto" panose="02000000000000000000" pitchFamily="2" charset="0"/>
+                <a:cs typeface="Roboto" panose="02000000000000000000" pitchFamily="2" charset="0"/>
+              </a:rPr>
+              <a:t> Re </a:t>
+            </a:r>
+            <a:r>
+              <a:rPr lang="de-DE" sz="900" dirty="0" err="1">
+                <a:solidFill>
+                  <a:schemeClr val="bg1">
+                    <a:lumMod val="95000"/>
+                  </a:schemeClr>
+                </a:solidFill>
+                <a:latin typeface="Roboto" panose="02000000000000000000" pitchFamily="2" charset="0"/>
+                <a:ea typeface="Roboto" panose="02000000000000000000" pitchFamily="2" charset="0"/>
+                <a:cs typeface="Roboto" panose="02000000000000000000" pitchFamily="2" charset="0"/>
+              </a:rPr>
+              <a:t>numbers</a:t>
+            </a:r>
+            <a:endParaRPr lang="en-US" sz="900" dirty="0">
+              <a:solidFill>
+                <a:schemeClr val="bg1">
+                  <a:lumMod val="95000"/>
+                </a:schemeClr>
+              </a:solidFill>
+              <a:latin typeface="Roboto" panose="02000000000000000000" pitchFamily="2" charset="0"/>
+              <a:ea typeface="Roboto" panose="02000000000000000000" pitchFamily="2" charset="0"/>
+              <a:cs typeface="Roboto" panose="02000000000000000000" pitchFamily="2" charset="0"/>
+            </a:endParaRPr>
+          </a:p>
+        </p:txBody>
+      </p:sp>
+    </p:spTree>
+    <p:extLst>
+      <p:ext uri="{BB962C8B-B14F-4D97-AF65-F5344CB8AC3E}">
+        <p14:creationId xmlns:p14="http://schemas.microsoft.com/office/powerpoint/2010/main" val="3113568423"/>
+      </p:ext>
+    </p:extLst>
+  </p:cSld>
+  <p:clrMapOvr>
+    <a:masterClrMapping/>
+  </p:clrMapOvr>
+</p:sld>
+</file>
+
+<file path=ppt/slides/slide17.xml><?xml version="1.0" encoding="utf-8"?>
+<p:sld xmlns:a="http://schemas.openxmlformats.org/drawingml/2006/main" xmlns:r="http://schemas.openxmlformats.org/officeDocument/2006/relationships" xmlns:p="http://schemas.openxmlformats.org/presentationml/2006/main">
+  <p:cSld>
+    <p:bg>
+      <p:bgPr>
+        <a:solidFill>
+          <a:schemeClr val="bg2">
+            <a:lumMod val="25000"/>
+          </a:schemeClr>
+        </a:solidFill>
+        <a:effectLst/>
+      </p:bgPr>
+    </p:bg>
+    <p:spTree>
+      <p:nvGrpSpPr>
+        <p:cNvPr id="1" name="">
+          <a:extLst>
+            <a:ext uri="{FF2B5EF4-FFF2-40B4-BE49-F238E27FC236}">
+              <a16:creationId xmlns:a16="http://schemas.microsoft.com/office/drawing/2014/main" id="{F8E68A37-C53E-17BC-BDF5-715513B3A12A}"/>
+            </a:ext>
+          </a:extLst>
+        </p:cNvPr>
+        <p:cNvGrpSpPr/>
+        <p:nvPr/>
+      </p:nvGrpSpPr>
+      <p:grpSpPr>
+        <a:xfrm>
+          <a:off x="0" y="0"/>
+          <a:ext cx="0" cy="0"/>
+          <a:chOff x="0" y="0"/>
+          <a:chExt cx="0" cy="0"/>
+        </a:xfrm>
+      </p:grpSpPr>
+      <p:pic>
+        <p:nvPicPr>
+          <p:cNvPr id="4" name="Grafik 3">
+            <a:extLst>
+              <a:ext uri="{FF2B5EF4-FFF2-40B4-BE49-F238E27FC236}">
+                <a16:creationId xmlns:a16="http://schemas.microsoft.com/office/drawing/2014/main" id="{EA185948-7E9F-5F59-4BED-B7872C5FF554}"/>
+              </a:ext>
+            </a:extLst>
+          </p:cNvPr>
+          <p:cNvPicPr>
+            <a:picLocks noChangeAspect="1"/>
+          </p:cNvPicPr>
+          <p:nvPr/>
+        </p:nvPicPr>
+        <p:blipFill>
           <a:blip r:embed="rId2"/>
-          <a:srcRect l="60052" t="27437" r="15644"/>
-          <a:stretch/>
+          <a:stretch>
+            <a:fillRect/>
+          </a:stretch>
         </p:blipFill>
         <p:spPr>
           <a:xfrm>
-            <a:off x="6741197" y="4204905"/>
-            <a:ext cx="2369431" cy="850755"/>
+            <a:off x="1055688" y="836613"/>
+            <a:ext cx="3673508" cy="2390775"/>
           </a:xfrm>
           <a:prstGeom prst="rect">
             <a:avLst/>
@@ -6147,62 +6149,548 @@
       </p:pic>
       <p:sp>
         <p:nvSpPr>
-          <p:cNvPr id="7" name="Rechteck 6">
-            <a:extLst>
-              <a:ext uri="{FF2B5EF4-FFF2-40B4-BE49-F238E27FC236}">
-                <a16:creationId xmlns:a16="http://schemas.microsoft.com/office/drawing/2014/main" id="{D4D28E41-1D2E-83EE-1732-DABD6FD22F38}"/>
-              </a:ext>
-            </a:extLst>
-          </p:cNvPr>
-          <p:cNvSpPr/>
-          <p:nvPr/>
-        </p:nvSpPr>
-        <p:spPr>
-          <a:xfrm>
-            <a:off x="5287171" y="2349407"/>
-            <a:ext cx="4964836" cy="1079593"/>
+          <p:cNvPr id="10" name="Textfeld 9">
+            <a:extLst>
+              <a:ext uri="{FF2B5EF4-FFF2-40B4-BE49-F238E27FC236}">
+                <a16:creationId xmlns:a16="http://schemas.microsoft.com/office/drawing/2014/main" id="{B800E864-FDE1-2F7F-313A-5A5CBCC0A85D}"/>
+              </a:ext>
+            </a:extLst>
+          </p:cNvPr>
+          <p:cNvSpPr txBox="1"/>
+          <p:nvPr/>
+        </p:nvSpPr>
+        <p:spPr>
+          <a:xfrm>
+            <a:off x="2652689" y="1316800"/>
+            <a:ext cx="373882" cy="200055"/>
           </a:xfrm>
           <a:prstGeom prst="rect">
             <a:avLst/>
           </a:prstGeom>
           <a:solidFill>
-            <a:srgbClr val="E5E5E5"/>
+            <a:srgbClr val="00B0F0"/>
           </a:solidFill>
-          <a:ln>
-            <a:noFill/>
+        </p:spPr>
+        <p:txBody>
+          <a:bodyPr wrap="square" lIns="36000" rIns="36000" rtlCol="0" anchor="ctr">
+            <a:spAutoFit/>
+          </a:bodyPr>
+          <a:lstStyle/>
+          <a:p>
+            <a:pPr algn="ctr"/>
+            <a:r>
+              <a:rPr lang="de-DE" sz="700" dirty="0" err="1">
+                <a:solidFill>
+                  <a:schemeClr val="bg1"/>
+                </a:solidFill>
+                <a:latin typeface="Roboto" panose="02000000000000000000" pitchFamily="2" charset="0"/>
+                <a:ea typeface="Roboto" panose="02000000000000000000" pitchFamily="2" charset="0"/>
+                <a:cs typeface="Roboto" panose="02000000000000000000" pitchFamily="2" charset="0"/>
+              </a:rPr>
+              <a:t>cl_max</a:t>
+            </a:r>
+            <a:endParaRPr lang="en-US" sz="700" dirty="0">
+              <a:solidFill>
+                <a:schemeClr val="bg1"/>
+              </a:solidFill>
+              <a:latin typeface="Roboto" panose="02000000000000000000" pitchFamily="2" charset="0"/>
+              <a:ea typeface="Roboto" panose="02000000000000000000" pitchFamily="2" charset="0"/>
+              <a:cs typeface="Roboto" panose="02000000000000000000" pitchFamily="2" charset="0"/>
+            </a:endParaRPr>
+          </a:p>
+        </p:txBody>
+      </p:sp>
+      <p:cxnSp>
+        <p:nvCxnSpPr>
+          <p:cNvPr id="12" name="Gerader Verbinder 11">
+            <a:extLst>
+              <a:ext uri="{FF2B5EF4-FFF2-40B4-BE49-F238E27FC236}">
+                <a16:creationId xmlns:a16="http://schemas.microsoft.com/office/drawing/2014/main" id="{3FF0DA55-E230-D8E1-DFE2-D5E8933EEE50}"/>
+              </a:ext>
+            </a:extLst>
+          </p:cNvPr>
+          <p:cNvCxnSpPr>
+            <a:cxnSpLocks/>
+          </p:cNvCxnSpPr>
+          <p:nvPr/>
+        </p:nvCxnSpPr>
+        <p:spPr>
+          <a:xfrm>
+            <a:off x="1238250" y="1519236"/>
+            <a:ext cx="2528888" cy="0"/>
+          </a:xfrm>
+          <a:prstGeom prst="line">
+            <a:avLst/>
+          </a:prstGeom>
+          <a:ln w="6350">
+            <a:solidFill>
+              <a:srgbClr val="00B0F0"/>
+            </a:solidFill>
           </a:ln>
         </p:spPr>
         <p:style>
           <a:lnRef idx="2">
-            <a:schemeClr val="accent1">
-              <a:shade val="15000"/>
-            </a:schemeClr>
+            <a:schemeClr val="accent1"/>
           </a:lnRef>
-          <a:fillRef idx="1">
+          <a:fillRef idx="0">
             <a:schemeClr val="accent1"/>
           </a:fillRef>
-          <a:effectRef idx="0">
+          <a:effectRef idx="1">
             <a:schemeClr val="accent1"/>
           </a:effectRef>
           <a:fontRef idx="minor">
-            <a:schemeClr val="lt1"/>
+            <a:schemeClr val="tx1"/>
           </a:fontRef>
         </p:style>
-        <p:txBody>
-          <a:bodyPr rtlCol="0" anchor="ctr"/>
+      </p:cxnSp>
+      <p:cxnSp>
+        <p:nvCxnSpPr>
+          <p:cNvPr id="15" name="Gerader Verbinder 14">
+            <a:extLst>
+              <a:ext uri="{FF2B5EF4-FFF2-40B4-BE49-F238E27FC236}">
+                <a16:creationId xmlns:a16="http://schemas.microsoft.com/office/drawing/2014/main" id="{705049EC-BEEF-0A00-9508-CACFC1FA6012}"/>
+              </a:ext>
+            </a:extLst>
+          </p:cNvPr>
+          <p:cNvCxnSpPr>
+            <a:cxnSpLocks/>
+          </p:cNvCxnSpPr>
+          <p:nvPr/>
+        </p:nvCxnSpPr>
+        <p:spPr>
+          <a:xfrm>
+            <a:off x="3543302" y="1343025"/>
+            <a:ext cx="0" cy="1743075"/>
+          </a:xfrm>
+          <a:prstGeom prst="line">
+            <a:avLst/>
+          </a:prstGeom>
+          <a:ln w="6350">
+            <a:solidFill>
+              <a:srgbClr val="C00000"/>
+            </a:solidFill>
+          </a:ln>
+        </p:spPr>
+        <p:style>
+          <a:lnRef idx="2">
+            <a:schemeClr val="accent1"/>
+          </a:lnRef>
+          <a:fillRef idx="0">
+            <a:schemeClr val="accent1"/>
+          </a:fillRef>
+          <a:effectRef idx="1">
+            <a:schemeClr val="accent1"/>
+          </a:effectRef>
+          <a:fontRef idx="minor">
+            <a:schemeClr val="tx1"/>
+          </a:fontRef>
+        </p:style>
+      </p:cxnSp>
+      <p:sp>
+        <p:nvSpPr>
+          <p:cNvPr id="17" name="Textfeld 16">
+            <a:extLst>
+              <a:ext uri="{FF2B5EF4-FFF2-40B4-BE49-F238E27FC236}">
+                <a16:creationId xmlns:a16="http://schemas.microsoft.com/office/drawing/2014/main" id="{5EB12CD5-F130-5BBD-9C8F-B7D97254C026}"/>
+              </a:ext>
+            </a:extLst>
+          </p:cNvPr>
+          <p:cNvSpPr txBox="1"/>
+          <p:nvPr/>
+        </p:nvSpPr>
+        <p:spPr>
+          <a:xfrm>
+            <a:off x="3543302" y="2727293"/>
+            <a:ext cx="516732" cy="200055"/>
+          </a:xfrm>
+          <a:prstGeom prst="rect">
+            <a:avLst/>
+          </a:prstGeom>
+          <a:solidFill>
+            <a:srgbClr val="C00000"/>
+          </a:solidFill>
+        </p:spPr>
+        <p:txBody>
+          <a:bodyPr wrap="square" lIns="36000" rIns="36000" rtlCol="0" anchor="ctr">
+            <a:spAutoFit/>
+          </a:bodyPr>
           <a:lstStyle/>
           <a:p>
             <a:pPr algn="ctr"/>
-            <a:endParaRPr lang="en-US" dirty="0"/>
-          </a:p>
-        </p:txBody>
-      </p:sp>
+            <a:r>
+              <a:rPr lang="de-DE" sz="700" dirty="0">
+                <a:solidFill>
+                  <a:schemeClr val="bg1"/>
+                </a:solidFill>
+                <a:latin typeface="Roboto" panose="02000000000000000000" pitchFamily="2" charset="0"/>
+                <a:ea typeface="Roboto" panose="02000000000000000000" pitchFamily="2" charset="0"/>
+                <a:cs typeface="Roboto" panose="02000000000000000000" pitchFamily="2" charset="0"/>
+              </a:rPr>
+              <a:t>alpha_max</a:t>
+            </a:r>
+            <a:endParaRPr lang="en-US" sz="700" dirty="0">
+              <a:solidFill>
+                <a:schemeClr val="bg1"/>
+              </a:solidFill>
+              <a:latin typeface="Roboto" panose="02000000000000000000" pitchFamily="2" charset="0"/>
+              <a:ea typeface="Roboto" panose="02000000000000000000" pitchFamily="2" charset="0"/>
+              <a:cs typeface="Roboto" panose="02000000000000000000" pitchFamily="2" charset="0"/>
+            </a:endParaRPr>
+          </a:p>
+        </p:txBody>
+      </p:sp>
+      <p:cxnSp>
+        <p:nvCxnSpPr>
+          <p:cNvPr id="18" name="Gerader Verbinder 17">
+            <a:extLst>
+              <a:ext uri="{FF2B5EF4-FFF2-40B4-BE49-F238E27FC236}">
+                <a16:creationId xmlns:a16="http://schemas.microsoft.com/office/drawing/2014/main" id="{1FA4FDDA-2A60-146F-EC3C-51C79B2A858D}"/>
+              </a:ext>
+            </a:extLst>
+          </p:cNvPr>
+          <p:cNvCxnSpPr>
+            <a:cxnSpLocks/>
+          </p:cNvCxnSpPr>
+          <p:nvPr/>
+        </p:nvCxnSpPr>
+        <p:spPr>
+          <a:xfrm>
+            <a:off x="3371852" y="1776413"/>
+            <a:ext cx="0" cy="1309687"/>
+          </a:xfrm>
+          <a:prstGeom prst="line">
+            <a:avLst/>
+          </a:prstGeom>
+          <a:ln w="6350">
+            <a:solidFill>
+              <a:srgbClr val="C00000"/>
+            </a:solidFill>
+            <a:prstDash val="dash"/>
+          </a:ln>
+        </p:spPr>
+        <p:style>
+          <a:lnRef idx="2">
+            <a:schemeClr val="accent1"/>
+          </a:lnRef>
+          <a:fillRef idx="0">
+            <a:schemeClr val="accent1"/>
+          </a:fillRef>
+          <a:effectRef idx="1">
+            <a:schemeClr val="accent1"/>
+          </a:effectRef>
+          <a:fontRef idx="minor">
+            <a:schemeClr val="tx1"/>
+          </a:fontRef>
+        </p:style>
+      </p:cxnSp>
+      <p:cxnSp>
+        <p:nvCxnSpPr>
+          <p:cNvPr id="21" name="Gerader Verbinder 20">
+            <a:extLst>
+              <a:ext uri="{FF2B5EF4-FFF2-40B4-BE49-F238E27FC236}">
+                <a16:creationId xmlns:a16="http://schemas.microsoft.com/office/drawing/2014/main" id="{66AB4710-02D7-AEC8-6365-FA953ED16779}"/>
+              </a:ext>
+            </a:extLst>
+          </p:cNvPr>
+          <p:cNvCxnSpPr>
+            <a:cxnSpLocks/>
+          </p:cNvCxnSpPr>
+          <p:nvPr/>
+        </p:nvCxnSpPr>
+        <p:spPr>
+          <a:xfrm>
+            <a:off x="2905127" y="1981200"/>
+            <a:ext cx="0" cy="1104900"/>
+          </a:xfrm>
+          <a:prstGeom prst="line">
+            <a:avLst/>
+          </a:prstGeom>
+          <a:ln w="6350">
+            <a:solidFill>
+              <a:srgbClr val="C00000"/>
+            </a:solidFill>
+            <a:prstDash val="dash"/>
+          </a:ln>
+        </p:spPr>
+        <p:style>
+          <a:lnRef idx="2">
+            <a:schemeClr val="accent1"/>
+          </a:lnRef>
+          <a:fillRef idx="0">
+            <a:schemeClr val="accent1"/>
+          </a:fillRef>
+          <a:effectRef idx="1">
+            <a:schemeClr val="accent1"/>
+          </a:effectRef>
+          <a:fontRef idx="minor">
+            <a:schemeClr val="tx1"/>
+          </a:fontRef>
+        </p:style>
+      </p:cxnSp>
+      <p:sp>
+        <p:nvSpPr>
+          <p:cNvPr id="24" name="Textfeld 23">
+            <a:extLst>
+              <a:ext uri="{FF2B5EF4-FFF2-40B4-BE49-F238E27FC236}">
+                <a16:creationId xmlns:a16="http://schemas.microsoft.com/office/drawing/2014/main" id="{DD0DC222-CE1E-5422-DA74-045AF113B084}"/>
+              </a:ext>
+            </a:extLst>
+          </p:cNvPr>
+          <p:cNvSpPr txBox="1"/>
+          <p:nvPr/>
+        </p:nvSpPr>
+        <p:spPr>
+          <a:xfrm>
+            <a:off x="3228982" y="1694768"/>
+            <a:ext cx="280987" cy="338554"/>
+          </a:xfrm>
+          <a:prstGeom prst="rect">
+            <a:avLst/>
+          </a:prstGeom>
+          <a:noFill/>
+        </p:spPr>
+        <p:txBody>
+          <a:bodyPr wrap="square" rtlCol="0">
+            <a:spAutoFit/>
+          </a:bodyPr>
+          <a:lstStyle/>
+          <a:p>
+            <a:r>
+              <a:rPr lang="de-DE" sz="1600" dirty="0">
+                <a:solidFill>
+                  <a:srgbClr val="C00000"/>
+                </a:solidFill>
+              </a:rPr>
+              <a:t>+</a:t>
+            </a:r>
+            <a:endParaRPr lang="en-US" sz="1600" dirty="0">
+              <a:solidFill>
+                <a:srgbClr val="C00000"/>
+              </a:solidFill>
+            </a:endParaRPr>
+          </a:p>
+        </p:txBody>
+      </p:sp>
+      <p:sp>
+        <p:nvSpPr>
+          <p:cNvPr id="25" name="Textfeld 24">
+            <a:extLst>
+              <a:ext uri="{FF2B5EF4-FFF2-40B4-BE49-F238E27FC236}">
+                <a16:creationId xmlns:a16="http://schemas.microsoft.com/office/drawing/2014/main" id="{6E54F37B-72A9-2D38-1E8D-D09E987052EC}"/>
+              </a:ext>
+            </a:extLst>
+          </p:cNvPr>
+          <p:cNvSpPr txBox="1"/>
+          <p:nvPr/>
+        </p:nvSpPr>
+        <p:spPr>
+          <a:xfrm>
+            <a:off x="3400428" y="1351452"/>
+            <a:ext cx="280987" cy="338554"/>
+          </a:xfrm>
+          <a:prstGeom prst="rect">
+            <a:avLst/>
+          </a:prstGeom>
+          <a:noFill/>
+        </p:spPr>
+        <p:txBody>
+          <a:bodyPr wrap="square" rtlCol="0">
+            <a:spAutoFit/>
+          </a:bodyPr>
+          <a:lstStyle/>
+          <a:p>
+            <a:r>
+              <a:rPr lang="de-DE" sz="1600" dirty="0">
+                <a:solidFill>
+                  <a:srgbClr val="C00000"/>
+                </a:solidFill>
+              </a:rPr>
+              <a:t>+</a:t>
+            </a:r>
+            <a:endParaRPr lang="en-US" sz="1600" dirty="0">
+              <a:solidFill>
+                <a:srgbClr val="C00000"/>
+              </a:solidFill>
+            </a:endParaRPr>
+          </a:p>
+        </p:txBody>
+      </p:sp>
+      <p:sp>
+        <p:nvSpPr>
+          <p:cNvPr id="26" name="Textfeld 25">
+            <a:extLst>
+              <a:ext uri="{FF2B5EF4-FFF2-40B4-BE49-F238E27FC236}">
+                <a16:creationId xmlns:a16="http://schemas.microsoft.com/office/drawing/2014/main" id="{3736E21F-FA72-6084-9572-DF70B5513266}"/>
+              </a:ext>
+            </a:extLst>
+          </p:cNvPr>
+          <p:cNvSpPr txBox="1"/>
+          <p:nvPr/>
+        </p:nvSpPr>
+        <p:spPr>
+          <a:xfrm>
+            <a:off x="2764633" y="1847055"/>
+            <a:ext cx="280987" cy="338554"/>
+          </a:xfrm>
+          <a:prstGeom prst="rect">
+            <a:avLst/>
+          </a:prstGeom>
+          <a:noFill/>
+        </p:spPr>
+        <p:txBody>
+          <a:bodyPr wrap="square" rtlCol="0">
+            <a:spAutoFit/>
+          </a:bodyPr>
+          <a:lstStyle/>
+          <a:p>
+            <a:r>
+              <a:rPr lang="de-DE" sz="1600" dirty="0">
+                <a:solidFill>
+                  <a:srgbClr val="C00000"/>
+                </a:solidFill>
+              </a:rPr>
+              <a:t>+</a:t>
+            </a:r>
+            <a:endParaRPr lang="en-US" sz="1600" dirty="0">
+              <a:solidFill>
+                <a:srgbClr val="C00000"/>
+              </a:solidFill>
+            </a:endParaRPr>
+          </a:p>
+        </p:txBody>
+      </p:sp>
+      <p:sp>
+        <p:nvSpPr>
+          <p:cNvPr id="28" name="Textfeld 27">
+            <a:extLst>
+              <a:ext uri="{FF2B5EF4-FFF2-40B4-BE49-F238E27FC236}">
+                <a16:creationId xmlns:a16="http://schemas.microsoft.com/office/drawing/2014/main" id="{117D9BDA-237F-3D96-79ED-8CE75E956AE7}"/>
+              </a:ext>
+            </a:extLst>
+          </p:cNvPr>
+          <p:cNvSpPr txBox="1"/>
+          <p:nvPr/>
+        </p:nvSpPr>
+        <p:spPr>
+          <a:xfrm>
+            <a:off x="2693804" y="959180"/>
+            <a:ext cx="1975221" cy="246221"/>
+          </a:xfrm>
+          <a:prstGeom prst="rect">
+            <a:avLst/>
+          </a:prstGeom>
+          <a:noFill/>
+        </p:spPr>
+        <p:txBody>
+          <a:bodyPr wrap="none" rtlCol="0">
+            <a:spAutoFit/>
+          </a:bodyPr>
+          <a:lstStyle/>
+          <a:p>
+            <a:r>
+              <a:rPr lang="de-DE" sz="1000" dirty="0">
+                <a:solidFill>
+                  <a:schemeClr val="bg1">
+                    <a:lumMod val="75000"/>
+                  </a:schemeClr>
+                </a:solidFill>
+                <a:latin typeface="Roboto" panose="02000000000000000000" pitchFamily="2" charset="0"/>
+                <a:ea typeface="Roboto" panose="02000000000000000000" pitchFamily="2" charset="0"/>
+                <a:cs typeface="Roboto" panose="02000000000000000000" pitchFamily="2" charset="0"/>
+              </a:rPr>
+              <a:t>alpha_max at </a:t>
+            </a:r>
+            <a:r>
+              <a:rPr lang="de-DE" sz="1000" dirty="0" err="1">
+                <a:solidFill>
+                  <a:schemeClr val="bg1">
+                    <a:lumMod val="75000"/>
+                  </a:schemeClr>
+                </a:solidFill>
+                <a:latin typeface="Roboto" panose="02000000000000000000" pitchFamily="2" charset="0"/>
+                <a:ea typeface="Roboto" panose="02000000000000000000" pitchFamily="2" charset="0"/>
+                <a:cs typeface="Roboto" panose="02000000000000000000" pitchFamily="2" charset="0"/>
+              </a:rPr>
+              <a:t>the</a:t>
+            </a:r>
+            <a:r>
+              <a:rPr lang="de-DE" sz="1000" dirty="0">
+                <a:solidFill>
+                  <a:schemeClr val="bg1">
+                    <a:lumMod val="75000"/>
+                  </a:schemeClr>
+                </a:solidFill>
+                <a:latin typeface="Roboto" panose="02000000000000000000" pitchFamily="2" charset="0"/>
+                <a:ea typeface="Roboto" panose="02000000000000000000" pitchFamily="2" charset="0"/>
+                <a:cs typeface="Roboto" panose="02000000000000000000" pitchFamily="2" charset="0"/>
+              </a:rPr>
+              <a:t> wing sections</a:t>
+            </a:r>
+            <a:endParaRPr lang="en-US" sz="1000" dirty="0">
+              <a:solidFill>
+                <a:schemeClr val="bg1">
+                  <a:lumMod val="75000"/>
+                </a:schemeClr>
+              </a:solidFill>
+              <a:latin typeface="Roboto" panose="02000000000000000000" pitchFamily="2" charset="0"/>
+              <a:ea typeface="Roboto" panose="02000000000000000000" pitchFamily="2" charset="0"/>
+              <a:cs typeface="Roboto" panose="02000000000000000000" pitchFamily="2" charset="0"/>
+            </a:endParaRPr>
+          </a:p>
+        </p:txBody>
+      </p:sp>
+    </p:spTree>
+    <p:extLst>
+      <p:ext uri="{BB962C8B-B14F-4D97-AF65-F5344CB8AC3E}">
+        <p14:creationId xmlns:p14="http://schemas.microsoft.com/office/powerpoint/2010/main" val="3091418451"/>
+      </p:ext>
+    </p:extLst>
+  </p:cSld>
+  <p:clrMapOvr>
+    <a:masterClrMapping/>
+  </p:clrMapOvr>
+</p:sld>
+</file>
+
+<file path=ppt/slides/slide18.xml><?xml version="1.0" encoding="utf-8"?>
+<p:sld xmlns:a="http://schemas.openxmlformats.org/drawingml/2006/main" xmlns:r="http://schemas.openxmlformats.org/officeDocument/2006/relationships" xmlns:p="http://schemas.openxmlformats.org/presentationml/2006/main">
+  <p:cSld>
+    <p:bg>
+      <p:bgPr>
+        <a:solidFill>
+          <a:schemeClr val="bg2">
+            <a:lumMod val="25000"/>
+          </a:schemeClr>
+        </a:solidFill>
+        <a:effectLst/>
+      </p:bgPr>
+    </p:bg>
+    <p:spTree>
+      <p:nvGrpSpPr>
+        <p:cNvPr id="1" name="">
+          <a:extLst>
+            <a:ext uri="{FF2B5EF4-FFF2-40B4-BE49-F238E27FC236}">
+              <a16:creationId xmlns:a16="http://schemas.microsoft.com/office/drawing/2014/main" id="{FA38A661-325F-4851-F91A-B13C3B2C0D00}"/>
+            </a:ext>
+          </a:extLst>
+        </p:cNvPr>
+        <p:cNvGrpSpPr/>
+        <p:nvPr/>
+      </p:nvGrpSpPr>
+      <p:grpSpPr>
+        <a:xfrm>
+          <a:off x="0" y="0"/>
+          <a:ext cx="0" cy="0"/>
+          <a:chOff x="0" y="0"/>
+          <a:chExt cx="0" cy="0"/>
+        </a:xfrm>
+      </p:grpSpPr>
       <p:pic>
         <p:nvPicPr>
-          <p:cNvPr id="8" name="Grafik 7">
-            <a:extLst>
-              <a:ext uri="{FF2B5EF4-FFF2-40B4-BE49-F238E27FC236}">
-                <a16:creationId xmlns:a16="http://schemas.microsoft.com/office/drawing/2014/main" id="{4F17CF0C-CDCD-0DF0-5FA3-F9A64D220E21}"/>
+          <p:cNvPr id="4" name="Grafik 3" descr="Ein Bild, das Screenshot, Reihe, Diagramm enthält.&#10;&#10;KI-generierte Inhalte können fehlerhaft sein.">
+            <a:extLst>
+              <a:ext uri="{FF2B5EF4-FFF2-40B4-BE49-F238E27FC236}">
+                <a16:creationId xmlns:a16="http://schemas.microsoft.com/office/drawing/2014/main" id="{73DF72A1-859D-560E-3417-9C9B1FC1F2B7}"/>
               </a:ext>
             </a:extLst>
           </p:cNvPr>
@@ -6213,24 +6701,20 @@
         </p:nvPicPr>
         <p:blipFill>
           <a:blip r:embed="rId2">
-            <a:clrChange>
-              <a:clrFrom>
-                <a:srgbClr val="E5E5E5"/>
-              </a:clrFrom>
-              <a:clrTo>
-                <a:srgbClr val="E5E5E5">
-                  <a:alpha val="0"/>
-                </a:srgbClr>
-              </a:clrTo>
-            </a:clrChange>
+            <a:extLst>
+              <a:ext uri="{28A0092B-C50C-407E-A947-70E740481C1C}">
+                <a14:useLocalDpi xmlns:a14="http://schemas.microsoft.com/office/drawing/2010/main" val="0"/>
+              </a:ext>
+            </a:extLst>
           </a:blip>
-          <a:srcRect l="59767" t="9152" r="18120" b="72061"/>
-          <a:stretch/>
+          <a:stretch>
+            <a:fillRect/>
+          </a:stretch>
         </p:blipFill>
         <p:spPr>
           <a:xfrm>
-            <a:off x="5261769" y="2375910"/>
-            <a:ext cx="2155848" cy="220257"/>
+            <a:off x="1055688" y="836613"/>
+            <a:ext cx="6100179" cy="1713156"/>
           </a:xfrm>
           <a:prstGeom prst="rect">
             <a:avLst/>
@@ -6239,423 +6723,475 @@
       </p:pic>
       <p:sp>
         <p:nvSpPr>
-          <p:cNvPr id="12" name="Rechteck 11">
-            <a:extLst>
-              <a:ext uri="{FF2B5EF4-FFF2-40B4-BE49-F238E27FC236}">
-                <a16:creationId xmlns:a16="http://schemas.microsoft.com/office/drawing/2014/main" id="{85C04064-2F8A-59C5-6BC7-BE9638E8BB77}"/>
-              </a:ext>
-            </a:extLst>
-          </p:cNvPr>
-          <p:cNvSpPr/>
-          <p:nvPr/>
-        </p:nvSpPr>
-        <p:spPr>
-          <a:xfrm>
-            <a:off x="7887350" y="2664119"/>
-            <a:ext cx="2369430" cy="764881"/>
+          <p:cNvPr id="6" name="Textfeld 5">
+            <a:extLst>
+              <a:ext uri="{FF2B5EF4-FFF2-40B4-BE49-F238E27FC236}">
+                <a16:creationId xmlns:a16="http://schemas.microsoft.com/office/drawing/2014/main" id="{59AAF3A1-F71D-F12D-90ED-365A60299835}"/>
+              </a:ext>
+            </a:extLst>
+          </p:cNvPr>
+          <p:cNvSpPr txBox="1"/>
+          <p:nvPr/>
+        </p:nvSpPr>
+        <p:spPr>
+          <a:xfrm>
+            <a:off x="1924547" y="911566"/>
+            <a:ext cx="1042273" cy="246221"/>
           </a:xfrm>
           <a:prstGeom prst="rect">
             <a:avLst/>
           </a:prstGeom>
+          <a:noFill/>
+        </p:spPr>
+        <p:txBody>
+          <a:bodyPr wrap="none" rtlCol="0">
+            <a:spAutoFit/>
+          </a:bodyPr>
+          <a:lstStyle/>
+          <a:p>
+            <a:r>
+              <a:rPr lang="en-US" sz="1000" dirty="0">
+                <a:solidFill>
+                  <a:schemeClr val="bg1">
+                    <a:lumMod val="75000"/>
+                  </a:schemeClr>
+                </a:solidFill>
+                <a:latin typeface="Roboto" panose="02000000000000000000" pitchFamily="2" charset="0"/>
+                <a:ea typeface="Roboto" panose="02000000000000000000" pitchFamily="2" charset="0"/>
+                <a:cs typeface="Roboto" panose="02000000000000000000" pitchFamily="2" charset="0"/>
+              </a:rPr>
+              <a:t>Initial paneling </a:t>
+            </a:r>
+            <a:endParaRPr lang="en-US" sz="1000" noProof="0" dirty="0">
+              <a:solidFill>
+                <a:schemeClr val="bg1">
+                  <a:lumMod val="75000"/>
+                </a:schemeClr>
+              </a:solidFill>
+              <a:latin typeface="Roboto" panose="02000000000000000000" pitchFamily="2" charset="0"/>
+              <a:ea typeface="Roboto" panose="02000000000000000000" pitchFamily="2" charset="0"/>
+              <a:cs typeface="Roboto" panose="02000000000000000000" pitchFamily="2" charset="0"/>
+            </a:endParaRPr>
+          </a:p>
+        </p:txBody>
+      </p:sp>
+    </p:spTree>
+    <p:extLst>
+      <p:ext uri="{BB962C8B-B14F-4D97-AF65-F5344CB8AC3E}">
+        <p14:creationId xmlns:p14="http://schemas.microsoft.com/office/powerpoint/2010/main" val="3481177222"/>
+      </p:ext>
+    </p:extLst>
+  </p:cSld>
+  <p:clrMapOvr>
+    <a:masterClrMapping/>
+  </p:clrMapOvr>
+</p:sld>
+</file>
+
+<file path=ppt/slides/slide19.xml><?xml version="1.0" encoding="utf-8"?>
+<p:sld xmlns:a="http://schemas.openxmlformats.org/drawingml/2006/main" xmlns:r="http://schemas.openxmlformats.org/officeDocument/2006/relationships" xmlns:p="http://schemas.openxmlformats.org/presentationml/2006/main">
+  <p:cSld>
+    <p:bg>
+      <p:bgPr>
+        <a:solidFill>
+          <a:schemeClr val="bg2">
+            <a:lumMod val="25000"/>
+          </a:schemeClr>
+        </a:solidFill>
+        <a:effectLst/>
+      </p:bgPr>
+    </p:bg>
+    <p:spTree>
+      <p:nvGrpSpPr>
+        <p:cNvPr id="1" name="">
+          <a:extLst>
+            <a:ext uri="{FF2B5EF4-FFF2-40B4-BE49-F238E27FC236}">
+              <a16:creationId xmlns:a16="http://schemas.microsoft.com/office/drawing/2014/main" id="{60A0620C-6E01-EEDF-7439-5AC8C2AE3D4C}"/>
+            </a:ext>
+          </a:extLst>
+        </p:cNvPr>
+        <p:cNvGrpSpPr/>
+        <p:nvPr/>
+      </p:nvGrpSpPr>
+      <p:grpSpPr>
+        <a:xfrm>
+          <a:off x="0" y="0"/>
+          <a:ext cx="0" cy="0"/>
+          <a:chOff x="0" y="0"/>
+          <a:chExt cx="0" cy="0"/>
+        </a:xfrm>
+      </p:grpSpPr>
+      <p:pic>
+        <p:nvPicPr>
+          <p:cNvPr id="3" name="Grafik 2">
+            <a:extLst>
+              <a:ext uri="{FF2B5EF4-FFF2-40B4-BE49-F238E27FC236}">
+                <a16:creationId xmlns:a16="http://schemas.microsoft.com/office/drawing/2014/main" id="{2FCB23D1-4E4D-4F92-DFF1-1E495C61387C}"/>
+              </a:ext>
+            </a:extLst>
+          </p:cNvPr>
+          <p:cNvPicPr>
+            <a:picLocks noChangeAspect="1"/>
+          </p:cNvPicPr>
+          <p:nvPr/>
+        </p:nvPicPr>
+        <p:blipFill>
+          <a:blip r:embed="rId2"/>
+          <a:stretch>
+            <a:fillRect/>
+          </a:stretch>
+        </p:blipFill>
+        <p:spPr>
+          <a:xfrm>
+            <a:off x="1055689" y="836613"/>
+            <a:ext cx="6119812" cy="1718670"/>
+          </a:xfrm>
+          <a:prstGeom prst="rect">
+            <a:avLst/>
+          </a:prstGeom>
+        </p:spPr>
+      </p:pic>
+      <p:sp>
+        <p:nvSpPr>
+          <p:cNvPr id="5" name="Textfeld 4">
+            <a:extLst>
+              <a:ext uri="{FF2B5EF4-FFF2-40B4-BE49-F238E27FC236}">
+                <a16:creationId xmlns:a16="http://schemas.microsoft.com/office/drawing/2014/main" id="{77250EFE-433F-A3C5-8B94-13D5CC67DE4C}"/>
+              </a:ext>
+            </a:extLst>
+          </p:cNvPr>
+          <p:cNvSpPr txBox="1"/>
+          <p:nvPr/>
+        </p:nvSpPr>
+        <p:spPr>
+          <a:xfrm>
+            <a:off x="2654304" y="968717"/>
+            <a:ext cx="319876" cy="246221"/>
+          </a:xfrm>
+          <a:prstGeom prst="rect">
+            <a:avLst/>
+          </a:prstGeom>
           <a:solidFill>
-            <a:srgbClr val="E5E5E5"/>
+            <a:srgbClr val="C00000"/>
           </a:solidFill>
-          <a:ln>
-            <a:noFill/>
+        </p:spPr>
+        <p:txBody>
+          <a:bodyPr wrap="square" lIns="36000" rIns="36000" rtlCol="0" anchor="ctr">
+            <a:spAutoFit/>
+          </a:bodyPr>
+          <a:lstStyle/>
+          <a:p>
+            <a:pPr algn="ctr"/>
+            <a:r>
+              <a:rPr lang="de-DE" sz="1000" b="1" dirty="0">
+                <a:solidFill>
+                  <a:schemeClr val="bg1"/>
+                </a:solidFill>
+                <a:latin typeface="Roboto" panose="02000000000000000000" pitchFamily="2" charset="0"/>
+                <a:ea typeface="Roboto" panose="02000000000000000000" pitchFamily="2" charset="0"/>
+                <a:cs typeface="Roboto" panose="02000000000000000000" pitchFamily="2" charset="0"/>
+              </a:rPr>
+              <a:t>Bad</a:t>
+            </a:r>
+            <a:endParaRPr lang="en-US" sz="1000" b="1" dirty="0">
+              <a:solidFill>
+                <a:schemeClr val="bg1"/>
+              </a:solidFill>
+              <a:latin typeface="Roboto" panose="02000000000000000000" pitchFamily="2" charset="0"/>
+              <a:ea typeface="Roboto" panose="02000000000000000000" pitchFamily="2" charset="0"/>
+              <a:cs typeface="Roboto" panose="02000000000000000000" pitchFamily="2" charset="0"/>
+            </a:endParaRPr>
+          </a:p>
+        </p:txBody>
+      </p:sp>
+      <p:cxnSp>
+        <p:nvCxnSpPr>
+          <p:cNvPr id="7" name="Gerader Verbinder 6">
+            <a:extLst>
+              <a:ext uri="{FF2B5EF4-FFF2-40B4-BE49-F238E27FC236}">
+                <a16:creationId xmlns:a16="http://schemas.microsoft.com/office/drawing/2014/main" id="{DF6953EF-6CF3-F58D-12E2-F4AB12B561E3}"/>
+              </a:ext>
+            </a:extLst>
+          </p:cNvPr>
+          <p:cNvCxnSpPr>
+            <a:cxnSpLocks/>
+          </p:cNvCxnSpPr>
+          <p:nvPr/>
+        </p:nvCxnSpPr>
+        <p:spPr>
+          <a:xfrm>
+            <a:off x="3552823" y="1285875"/>
+            <a:ext cx="0" cy="138114"/>
+          </a:xfrm>
+          <a:prstGeom prst="line">
+            <a:avLst/>
+          </a:prstGeom>
+          <a:ln w="225425">
+            <a:solidFill>
+              <a:srgbClr val="FFC000"/>
+            </a:solidFill>
           </a:ln>
+          <a:effectLst>
+            <a:softEdge rad="25400"/>
+          </a:effectLst>
         </p:spPr>
         <p:style>
           <a:lnRef idx="2">
-            <a:schemeClr val="accent1">
-              <a:shade val="15000"/>
-            </a:schemeClr>
+            <a:schemeClr val="accent1"/>
           </a:lnRef>
-          <a:fillRef idx="1">
+          <a:fillRef idx="0">
             <a:schemeClr val="accent1"/>
           </a:fillRef>
-          <a:effectRef idx="0">
+          <a:effectRef idx="1">
             <a:schemeClr val="accent1"/>
           </a:effectRef>
           <a:fontRef idx="minor">
-            <a:schemeClr val="lt1"/>
+            <a:schemeClr val="tx1"/>
           </a:fontRef>
         </p:style>
-        <p:txBody>
-          <a:bodyPr rtlCol="0" anchor="ctr"/>
+      </p:cxnSp>
+      <p:sp>
+        <p:nvSpPr>
+          <p:cNvPr id="11" name="Textfeld 10">
+            <a:extLst>
+              <a:ext uri="{FF2B5EF4-FFF2-40B4-BE49-F238E27FC236}">
+                <a16:creationId xmlns:a16="http://schemas.microsoft.com/office/drawing/2014/main" id="{49A681A7-3A09-78D0-C700-3F45FC9E4000}"/>
+              </a:ext>
+            </a:extLst>
+          </p:cNvPr>
+          <p:cNvSpPr txBox="1"/>
+          <p:nvPr/>
+        </p:nvSpPr>
+        <p:spPr>
+          <a:xfrm>
+            <a:off x="2938960" y="968716"/>
+            <a:ext cx="1505540" cy="246221"/>
+          </a:xfrm>
+          <a:prstGeom prst="rect">
+            <a:avLst/>
+          </a:prstGeom>
+          <a:noFill/>
+        </p:spPr>
+        <p:txBody>
+          <a:bodyPr wrap="none" rtlCol="0">
+            <a:spAutoFit/>
+          </a:bodyPr>
+          <a:lstStyle/>
+          <a:p>
+            <a:r>
+              <a:rPr lang="en-US" sz="1000" noProof="0" dirty="0">
+                <a:solidFill>
+                  <a:schemeClr val="bg1">
+                    <a:lumMod val="75000"/>
+                  </a:schemeClr>
+                </a:solidFill>
+                <a:latin typeface="Roboto" panose="02000000000000000000" pitchFamily="2" charset="0"/>
+                <a:ea typeface="Roboto" panose="02000000000000000000" pitchFamily="2" charset="0"/>
+                <a:cs typeface="Roboto" panose="02000000000000000000" pitchFamily="2" charset="0"/>
+              </a:rPr>
+              <a:t>(1) Too much deviation</a:t>
+            </a:r>
+          </a:p>
+        </p:txBody>
+      </p:sp>
+      <p:sp>
+        <p:nvSpPr>
+          <p:cNvPr id="13" name="Textfeld 12">
+            <a:extLst>
+              <a:ext uri="{FF2B5EF4-FFF2-40B4-BE49-F238E27FC236}">
+                <a16:creationId xmlns:a16="http://schemas.microsoft.com/office/drawing/2014/main" id="{42395342-E2CD-2C47-CA62-D5C126B38732}"/>
+              </a:ext>
+            </a:extLst>
+          </p:cNvPr>
+          <p:cNvSpPr txBox="1"/>
+          <p:nvPr/>
+        </p:nvSpPr>
+        <p:spPr>
+          <a:xfrm>
+            <a:off x="1811341" y="2221423"/>
+            <a:ext cx="319876" cy="246221"/>
+          </a:xfrm>
+          <a:prstGeom prst="rect">
+            <a:avLst/>
+          </a:prstGeom>
+          <a:solidFill>
+            <a:srgbClr val="00B050"/>
+          </a:solidFill>
+        </p:spPr>
+        <p:txBody>
+          <a:bodyPr wrap="square" lIns="36000" rIns="36000" rtlCol="0" anchor="ctr">
+            <a:spAutoFit/>
+          </a:bodyPr>
           <a:lstStyle/>
           <a:p>
             <a:pPr algn="ctr"/>
-            <a:endParaRPr lang="en-US" dirty="0"/>
-          </a:p>
-        </p:txBody>
-      </p:sp>
-      <p:sp>
-        <p:nvSpPr>
-          <p:cNvPr id="10" name="Rechteck 9">
-            <a:extLst>
-              <a:ext uri="{FF2B5EF4-FFF2-40B4-BE49-F238E27FC236}">
-                <a16:creationId xmlns:a16="http://schemas.microsoft.com/office/drawing/2014/main" id="{52B3550D-B013-DAA3-97DA-85227775F23E}"/>
-              </a:ext>
-            </a:extLst>
-          </p:cNvPr>
-          <p:cNvSpPr/>
-          <p:nvPr/>
-        </p:nvSpPr>
-        <p:spPr>
-          <a:xfrm>
-            <a:off x="3008940" y="4029474"/>
-            <a:ext cx="4873636" cy="700882"/>
+            <a:r>
+              <a:rPr lang="de-DE" sz="1000" b="1" dirty="0">
+                <a:solidFill>
+                  <a:schemeClr val="bg1"/>
+                </a:solidFill>
+                <a:latin typeface="Roboto" panose="02000000000000000000" pitchFamily="2" charset="0"/>
+                <a:ea typeface="Roboto" panose="02000000000000000000" pitchFamily="2" charset="0"/>
+                <a:cs typeface="Roboto" panose="02000000000000000000" pitchFamily="2" charset="0"/>
+              </a:rPr>
+              <a:t>Ok</a:t>
+            </a:r>
+            <a:endParaRPr lang="en-US" sz="1000" b="1" dirty="0">
+              <a:solidFill>
+                <a:schemeClr val="bg1"/>
+              </a:solidFill>
+              <a:latin typeface="Roboto" panose="02000000000000000000" pitchFamily="2" charset="0"/>
+              <a:ea typeface="Roboto" panose="02000000000000000000" pitchFamily="2" charset="0"/>
+              <a:cs typeface="Roboto" panose="02000000000000000000" pitchFamily="2" charset="0"/>
+            </a:endParaRPr>
+          </a:p>
+        </p:txBody>
+      </p:sp>
+      <p:sp>
+        <p:nvSpPr>
+          <p:cNvPr id="14" name="Textfeld 13">
+            <a:extLst>
+              <a:ext uri="{FF2B5EF4-FFF2-40B4-BE49-F238E27FC236}">
+                <a16:creationId xmlns:a16="http://schemas.microsoft.com/office/drawing/2014/main" id="{34205547-90FB-3BCC-30A6-18D2CB6EAD17}"/>
+              </a:ext>
+            </a:extLst>
+          </p:cNvPr>
+          <p:cNvSpPr txBox="1"/>
+          <p:nvPr/>
+        </p:nvSpPr>
+        <p:spPr>
+          <a:xfrm>
+            <a:off x="2095997" y="2221421"/>
+            <a:ext cx="1401346" cy="246221"/>
           </a:xfrm>
           <a:prstGeom prst="rect">
             <a:avLst/>
           </a:prstGeom>
+          <a:noFill/>
+        </p:spPr>
+        <p:txBody>
+          <a:bodyPr wrap="none" rtlCol="0">
+            <a:spAutoFit/>
+          </a:bodyPr>
+          <a:lstStyle/>
+          <a:p>
+            <a:r>
+              <a:rPr lang="en-US" sz="1000" noProof="0" dirty="0">
+                <a:solidFill>
+                  <a:schemeClr val="bg1">
+                    <a:lumMod val="75000"/>
+                  </a:schemeClr>
+                </a:solidFill>
+                <a:latin typeface="Roboto" panose="02000000000000000000" pitchFamily="2" charset="0"/>
+                <a:ea typeface="Roboto" panose="02000000000000000000" pitchFamily="2" charset="0"/>
+                <a:cs typeface="Roboto" panose="02000000000000000000" pitchFamily="2" charset="0"/>
+              </a:rPr>
+              <a:t>(2) Number of Panels</a:t>
+            </a:r>
+          </a:p>
+        </p:txBody>
+      </p:sp>
+      <p:sp>
+        <p:nvSpPr>
+          <p:cNvPr id="16" name="Textfeld 15">
+            <a:extLst>
+              <a:ext uri="{FF2B5EF4-FFF2-40B4-BE49-F238E27FC236}">
+                <a16:creationId xmlns:a16="http://schemas.microsoft.com/office/drawing/2014/main" id="{C207C6B6-2E3E-8AED-5BAF-6D4C8DA28BF5}"/>
+              </a:ext>
+            </a:extLst>
+          </p:cNvPr>
+          <p:cNvSpPr txBox="1"/>
+          <p:nvPr/>
+        </p:nvSpPr>
+        <p:spPr>
+          <a:xfrm>
+            <a:off x="5671906" y="1263250"/>
+            <a:ext cx="550218" cy="230832"/>
+          </a:xfrm>
+          <a:prstGeom prst="rect">
+            <a:avLst/>
+          </a:prstGeom>
           <a:solidFill>
-            <a:srgbClr val="DCDCDC"/>
+            <a:srgbClr val="D6A300"/>
           </a:solidFill>
-          <a:ln>
-            <a:noFill/>
-          </a:ln>
-        </p:spPr>
-        <p:style>
-          <a:lnRef idx="2">
-            <a:schemeClr val="accent1">
-              <a:shade val="15000"/>
-            </a:schemeClr>
-          </a:lnRef>
-          <a:fillRef idx="1">
-            <a:schemeClr val="accent1"/>
-          </a:fillRef>
-          <a:effectRef idx="0">
-            <a:schemeClr val="accent1"/>
-          </a:effectRef>
-          <a:fontRef idx="minor">
-            <a:schemeClr val="lt1"/>
-          </a:fontRef>
-        </p:style>
-        <p:txBody>
-          <a:bodyPr rtlCol="0" anchor="ctr"/>
+        </p:spPr>
+        <p:txBody>
+          <a:bodyPr wrap="square" lIns="36000" rIns="36000" rtlCol="0" anchor="ctr">
+            <a:spAutoFit/>
+          </a:bodyPr>
           <a:lstStyle/>
           <a:p>
             <a:pPr algn="ctr"/>
-            <a:endParaRPr lang="en-US" dirty="0"/>
-          </a:p>
-        </p:txBody>
-      </p:sp>
-      <p:pic>
-        <p:nvPicPr>
-          <p:cNvPr id="6" name="Grafik 5">
-            <a:extLst>
-              <a:ext uri="{FF2B5EF4-FFF2-40B4-BE49-F238E27FC236}">
-                <a16:creationId xmlns:a16="http://schemas.microsoft.com/office/drawing/2014/main" id="{541610BB-EC9F-2A96-6CC5-A96524E1C83A}"/>
-              </a:ext>
-            </a:extLst>
-          </p:cNvPr>
-          <p:cNvPicPr>
-            <a:picLocks noChangeAspect="1"/>
-          </p:cNvPicPr>
-          <p:nvPr/>
-        </p:nvPicPr>
-        <p:blipFill>
-          <a:blip r:embed="rId2">
-            <a:clrChange>
-              <a:clrFrom>
-                <a:srgbClr val="E5E5E5"/>
-              </a:clrFrom>
-              <a:clrTo>
-                <a:srgbClr val="E5E5E5">
-                  <a:alpha val="0"/>
-                </a:srgbClr>
-              </a:clrTo>
-            </a:clrChange>
-          </a:blip>
-          <a:srcRect l="60052" t="27437" r="15644" b="42086"/>
-          <a:stretch/>
-        </p:blipFill>
-        <p:spPr>
-          <a:xfrm>
-            <a:off x="5298151" y="2750653"/>
-            <a:ext cx="2369431" cy="357321"/>
+            <a:r>
+              <a:rPr lang="de-DE" sz="900" dirty="0">
+                <a:solidFill>
+                  <a:schemeClr val="bg1"/>
+                </a:solidFill>
+                <a:latin typeface="Roboto" panose="02000000000000000000" pitchFamily="2" charset="0"/>
+                <a:ea typeface="Roboto" panose="02000000000000000000" pitchFamily="2" charset="0"/>
+                <a:cs typeface="Roboto" panose="02000000000000000000" pitchFamily="2" charset="0"/>
+              </a:rPr>
+              <a:t>Critical</a:t>
+            </a:r>
+            <a:endParaRPr lang="en-US" sz="900" dirty="0">
+              <a:solidFill>
+                <a:schemeClr val="bg1"/>
+              </a:solidFill>
+              <a:latin typeface="Roboto" panose="02000000000000000000" pitchFamily="2" charset="0"/>
+              <a:ea typeface="Roboto" panose="02000000000000000000" pitchFamily="2" charset="0"/>
+              <a:cs typeface="Roboto" panose="02000000000000000000" pitchFamily="2" charset="0"/>
+            </a:endParaRPr>
+          </a:p>
+        </p:txBody>
+      </p:sp>
+      <p:sp>
+        <p:nvSpPr>
+          <p:cNvPr id="19" name="Textfeld 18">
+            <a:extLst>
+              <a:ext uri="{FF2B5EF4-FFF2-40B4-BE49-F238E27FC236}">
+                <a16:creationId xmlns:a16="http://schemas.microsoft.com/office/drawing/2014/main" id="{8A061C1C-E3CC-1EA5-3A25-903F1258EF7E}"/>
+              </a:ext>
+            </a:extLst>
+          </p:cNvPr>
+          <p:cNvSpPr txBox="1"/>
+          <p:nvPr/>
+        </p:nvSpPr>
+        <p:spPr>
+          <a:xfrm>
+            <a:off x="6186904" y="1255554"/>
+            <a:ext cx="915635" cy="246221"/>
           </a:xfrm>
           <a:prstGeom prst="rect">
             <a:avLst/>
           </a:prstGeom>
-        </p:spPr>
-      </p:pic>
-      <p:pic>
-        <p:nvPicPr>
-          <p:cNvPr id="13" name="Grafik 12">
-            <a:extLst>
-              <a:ext uri="{FF2B5EF4-FFF2-40B4-BE49-F238E27FC236}">
-                <a16:creationId xmlns:a16="http://schemas.microsoft.com/office/drawing/2014/main" id="{D6042DFC-2576-879D-81B1-E9B3B0E0DDC5}"/>
-              </a:ext>
-            </a:extLst>
-          </p:cNvPr>
-          <p:cNvPicPr>
-            <a:picLocks noChangeAspect="1"/>
-          </p:cNvPicPr>
-          <p:nvPr/>
-        </p:nvPicPr>
-        <p:blipFill>
-          <a:blip r:embed="rId2">
-            <a:clrChange>
-              <a:clrFrom>
-                <a:srgbClr val="E5E5E5"/>
-              </a:clrFrom>
-              <a:clrTo>
-                <a:srgbClr val="E5E5E5">
-                  <a:alpha val="0"/>
-                </a:srgbClr>
-              </a:clrTo>
-            </a:clrChange>
-          </a:blip>
-          <a:srcRect l="60052" t="59289" r="15644" b="25004"/>
-          <a:stretch/>
-        </p:blipFill>
-        <p:spPr>
-          <a:xfrm>
-            <a:off x="7887350" y="2743568"/>
-            <a:ext cx="2369431" cy="184150"/>
-          </a:xfrm>
-          <a:prstGeom prst="rect">
-            <a:avLst/>
-          </a:prstGeom>
-        </p:spPr>
-      </p:pic>
-      <p:pic>
-        <p:nvPicPr>
-          <p:cNvPr id="11" name="Grafik 10">
-            <a:extLst>
-              <a:ext uri="{FF2B5EF4-FFF2-40B4-BE49-F238E27FC236}">
-                <a16:creationId xmlns:a16="http://schemas.microsoft.com/office/drawing/2014/main" id="{44F844D5-2528-F310-060D-C0FF560B6254}"/>
-              </a:ext>
-            </a:extLst>
-          </p:cNvPr>
-          <p:cNvPicPr>
-            <a:picLocks noChangeAspect="1"/>
-          </p:cNvPicPr>
-          <p:nvPr/>
-        </p:nvPicPr>
-        <p:blipFill>
-          <a:blip r:embed="rId2">
-            <a:clrChange>
-              <a:clrFrom>
-                <a:srgbClr val="E5E5E5"/>
-              </a:clrFrom>
-              <a:clrTo>
-                <a:srgbClr val="E5E5E5">
-                  <a:alpha val="0"/>
-                </a:srgbClr>
-              </a:clrTo>
-            </a:clrChange>
-          </a:blip>
-          <a:srcRect l="60052" t="74455" r="15644" b="8452"/>
-          <a:stretch/>
-        </p:blipFill>
-        <p:spPr>
-          <a:xfrm>
-            <a:off x="7882576" y="2929060"/>
-            <a:ext cx="2369431" cy="200414"/>
-          </a:xfrm>
-          <a:prstGeom prst="rect">
-            <a:avLst/>
-          </a:prstGeom>
-        </p:spPr>
-      </p:pic>
-      <p:sp>
-        <p:nvSpPr>
-          <p:cNvPr id="17" name="Rechteck 16">
-            <a:extLst>
-              <a:ext uri="{FF2B5EF4-FFF2-40B4-BE49-F238E27FC236}">
-                <a16:creationId xmlns:a16="http://schemas.microsoft.com/office/drawing/2014/main" id="{E27CE389-909B-25F1-4100-3B4A46CA8A16}"/>
-              </a:ext>
-            </a:extLst>
-          </p:cNvPr>
-          <p:cNvSpPr/>
-          <p:nvPr/>
-        </p:nvSpPr>
-        <p:spPr>
-          <a:xfrm>
-            <a:off x="3436924" y="2349407"/>
-            <a:ext cx="1822451" cy="1079593"/>
-          </a:xfrm>
-          <a:prstGeom prst="rect">
-            <a:avLst/>
-          </a:prstGeom>
-          <a:solidFill>
-            <a:srgbClr val="F0F0F0"/>
-          </a:solidFill>
-          <a:ln>
-            <a:noFill/>
-          </a:ln>
-        </p:spPr>
-        <p:style>
-          <a:lnRef idx="2">
-            <a:schemeClr val="accent1">
-              <a:shade val="15000"/>
-            </a:schemeClr>
-          </a:lnRef>
-          <a:fillRef idx="1">
-            <a:schemeClr val="accent1"/>
-          </a:fillRef>
-          <a:effectRef idx="0">
-            <a:schemeClr val="accent1"/>
-          </a:effectRef>
-          <a:fontRef idx="minor">
-            <a:schemeClr val="lt1"/>
-          </a:fontRef>
-        </p:style>
-        <p:txBody>
-          <a:bodyPr rtlCol="0" anchor="ctr"/>
-          <a:lstStyle/>
-          <a:p>
-            <a:pPr algn="ctr"/>
-            <a:endParaRPr lang="en-US" dirty="0"/>
-          </a:p>
-        </p:txBody>
-      </p:sp>
-      <p:sp>
-        <p:nvSpPr>
-          <p:cNvPr id="18" name="Rechteck 17">
-            <a:extLst>
-              <a:ext uri="{FF2B5EF4-FFF2-40B4-BE49-F238E27FC236}">
-                <a16:creationId xmlns:a16="http://schemas.microsoft.com/office/drawing/2014/main" id="{D69022A7-F154-6E0F-FE9A-8E4F14E3A18C}"/>
-              </a:ext>
-            </a:extLst>
-          </p:cNvPr>
-          <p:cNvSpPr/>
-          <p:nvPr/>
-        </p:nvSpPr>
-        <p:spPr>
-          <a:xfrm>
-            <a:off x="3436924" y="2707726"/>
-            <a:ext cx="1822451" cy="700882"/>
-          </a:xfrm>
-          <a:prstGeom prst="rect">
-            <a:avLst/>
-          </a:prstGeom>
-          <a:solidFill>
-            <a:srgbClr val="E5E5E5"/>
-          </a:solidFill>
-          <a:ln>
-            <a:noFill/>
-          </a:ln>
-        </p:spPr>
-        <p:style>
-          <a:lnRef idx="2">
-            <a:schemeClr val="accent1">
-              <a:shade val="15000"/>
-            </a:schemeClr>
-          </a:lnRef>
-          <a:fillRef idx="1">
-            <a:schemeClr val="accent1"/>
-          </a:fillRef>
-          <a:effectRef idx="0">
-            <a:schemeClr val="accent1"/>
-          </a:effectRef>
-          <a:fontRef idx="minor">
-            <a:schemeClr val="lt1"/>
-          </a:fontRef>
-        </p:style>
-        <p:txBody>
-          <a:bodyPr rtlCol="0" anchor="ctr"/>
-          <a:lstStyle/>
-          <a:p>
-            <a:pPr algn="ctr"/>
-            <a:endParaRPr lang="en-US" dirty="0"/>
-          </a:p>
-        </p:txBody>
-      </p:sp>
-      <p:pic>
-        <p:nvPicPr>
-          <p:cNvPr id="14" name="Grafik 13">
-            <a:extLst>
-              <a:ext uri="{FF2B5EF4-FFF2-40B4-BE49-F238E27FC236}">
-                <a16:creationId xmlns:a16="http://schemas.microsoft.com/office/drawing/2014/main" id="{C8559D78-C3A6-CEAD-46F5-8981813A9542}"/>
-              </a:ext>
-            </a:extLst>
-          </p:cNvPr>
-          <p:cNvPicPr>
-            <a:picLocks noChangeAspect="1"/>
-          </p:cNvPicPr>
-          <p:nvPr/>
-        </p:nvPicPr>
-        <p:blipFill>
-          <a:blip r:embed="rId2"/>
-          <a:srcRect l="25793" t="45317" r="55579" b="5727"/>
-          <a:stretch/>
-        </p:blipFill>
-        <p:spPr>
-          <a:xfrm>
-            <a:off x="3436924" y="2679585"/>
-            <a:ext cx="1816101" cy="573984"/>
-          </a:xfrm>
-          <a:prstGeom prst="rect">
-            <a:avLst/>
-          </a:prstGeom>
-        </p:spPr>
-      </p:pic>
-      <p:pic>
-        <p:nvPicPr>
-          <p:cNvPr id="16" name="Grafik 15">
-            <a:extLst>
-              <a:ext uri="{FF2B5EF4-FFF2-40B4-BE49-F238E27FC236}">
-                <a16:creationId xmlns:a16="http://schemas.microsoft.com/office/drawing/2014/main" id="{F6A762A8-2F15-2533-3E70-ECBF087D057B}"/>
-              </a:ext>
-            </a:extLst>
-          </p:cNvPr>
-          <p:cNvPicPr>
-            <a:picLocks noChangeAspect="1"/>
-          </p:cNvPicPr>
-          <p:nvPr/>
-        </p:nvPicPr>
-        <p:blipFill>
-          <a:blip r:embed="rId2"/>
-          <a:srcRect l="25988" t="9824" r="55474" b="71761"/>
-          <a:stretch/>
-        </p:blipFill>
-        <p:spPr>
-          <a:xfrm>
-            <a:off x="3447378" y="2379083"/>
-            <a:ext cx="1807248" cy="215901"/>
-          </a:xfrm>
-          <a:prstGeom prst="rect">
-            <a:avLst/>
-          </a:prstGeom>
-        </p:spPr>
-      </p:pic>
-      <p:pic>
-        <p:nvPicPr>
-          <p:cNvPr id="15" name="Grafik 14">
-            <a:extLst>
-              <a:ext uri="{FF2B5EF4-FFF2-40B4-BE49-F238E27FC236}">
-                <a16:creationId xmlns:a16="http://schemas.microsoft.com/office/drawing/2014/main" id="{F620398F-686A-567F-E771-2EE8BE2140F9}"/>
-              </a:ext>
-            </a:extLst>
-          </p:cNvPr>
-          <p:cNvPicPr>
-            <a:picLocks noChangeAspect="1"/>
-          </p:cNvPicPr>
-          <p:nvPr/>
-        </p:nvPicPr>
-        <p:blipFill>
-          <a:blip r:embed="rId2"/>
-          <a:srcRect l="30873" t="27425" r="62939" b="56869"/>
-          <a:stretch/>
-        </p:blipFill>
-        <p:spPr>
-          <a:xfrm>
-            <a:off x="4625979" y="2401310"/>
-            <a:ext cx="603251" cy="184150"/>
-          </a:xfrm>
-          <a:prstGeom prst="rect">
-            <a:avLst/>
-          </a:prstGeom>
-        </p:spPr>
-      </p:pic>
+          <a:noFill/>
+        </p:spPr>
+        <p:txBody>
+          <a:bodyPr wrap="none" rtlCol="0">
+            <a:spAutoFit/>
+          </a:bodyPr>
+          <a:lstStyle/>
+          <a:p>
+            <a:r>
+              <a:rPr lang="en-US" sz="1000" noProof="0" dirty="0">
+                <a:solidFill>
+                  <a:schemeClr val="bg1">
+                    <a:lumMod val="75000"/>
+                  </a:schemeClr>
+                </a:solidFill>
+                <a:latin typeface="Roboto" panose="02000000000000000000" pitchFamily="2" charset="0"/>
+                <a:ea typeface="Roboto" panose="02000000000000000000" pitchFamily="2" charset="0"/>
+                <a:cs typeface="Roboto" panose="02000000000000000000" pitchFamily="2" charset="0"/>
+              </a:rPr>
+              <a:t>(3) Tip chord</a:t>
+            </a:r>
+          </a:p>
+        </p:txBody>
+      </p:sp>
     </p:spTree>
     <p:extLst>
       <p:ext uri="{BB962C8B-B14F-4D97-AF65-F5344CB8AC3E}">
-        <p14:creationId xmlns:p14="http://schemas.microsoft.com/office/powerpoint/2010/main" val="3035468830"/>
+        <p14:creationId xmlns:p14="http://schemas.microsoft.com/office/powerpoint/2010/main" val="2271729130"/>
       </p:ext>
     </p:extLst>
   </p:cSld>
@@ -6848,6 +7384,1296 @@
 </p:sld>
 </file>
 
+<file path=ppt/slides/slide20.xml><?xml version="1.0" encoding="utf-8"?>
+<p:sld xmlns:a="http://schemas.openxmlformats.org/drawingml/2006/main" xmlns:r="http://schemas.openxmlformats.org/officeDocument/2006/relationships" xmlns:p="http://schemas.openxmlformats.org/presentationml/2006/main">
+  <p:cSld>
+    <p:bg>
+      <p:bgPr>
+        <a:solidFill>
+          <a:srgbClr val="000000"/>
+        </a:solidFill>
+        <a:effectLst/>
+      </p:bgPr>
+    </p:bg>
+    <p:spTree>
+      <p:nvGrpSpPr>
+        <p:cNvPr id="1" name="">
+          <a:extLst>
+            <a:ext uri="{FF2B5EF4-FFF2-40B4-BE49-F238E27FC236}">
+              <a16:creationId xmlns:a16="http://schemas.microsoft.com/office/drawing/2014/main" id="{F36280BF-CFBE-D814-48CE-753EFF926824}"/>
+            </a:ext>
+          </a:extLst>
+        </p:cNvPr>
+        <p:cNvGrpSpPr/>
+        <p:nvPr/>
+      </p:nvGrpSpPr>
+      <p:grpSpPr>
+        <a:xfrm>
+          <a:off x="0" y="0"/>
+          <a:ext cx="0" cy="0"/>
+          <a:chOff x="0" y="0"/>
+          <a:chExt cx="0" cy="0"/>
+        </a:xfrm>
+      </p:grpSpPr>
+      <p:pic>
+        <p:nvPicPr>
+          <p:cNvPr id="3" name="Grafik 2">
+            <a:extLst>
+              <a:ext uri="{FF2B5EF4-FFF2-40B4-BE49-F238E27FC236}">
+                <a16:creationId xmlns:a16="http://schemas.microsoft.com/office/drawing/2014/main" id="{6199F5BC-5752-2A44-D6A4-FBF325866772}"/>
+              </a:ext>
+            </a:extLst>
+          </p:cNvPr>
+          <p:cNvPicPr>
+            <a:picLocks noChangeAspect="1"/>
+          </p:cNvPicPr>
+          <p:nvPr/>
+        </p:nvPicPr>
+        <p:blipFill>
+          <a:blip r:embed="rId2"/>
+          <a:stretch>
+            <a:fillRect/>
+          </a:stretch>
+        </p:blipFill>
+        <p:spPr>
+          <a:xfrm>
+            <a:off x="1771526" y="5093403"/>
+            <a:ext cx="4287837" cy="1213007"/>
+          </a:xfrm>
+          <a:prstGeom prst="rect">
+            <a:avLst/>
+          </a:prstGeom>
+        </p:spPr>
+      </p:pic>
+      <p:pic>
+        <p:nvPicPr>
+          <p:cNvPr id="7" name="Grafik 6">
+            <a:extLst>
+              <a:ext uri="{FF2B5EF4-FFF2-40B4-BE49-F238E27FC236}">
+                <a16:creationId xmlns:a16="http://schemas.microsoft.com/office/drawing/2014/main" id="{1E0BDB82-0F69-40E4-E5ED-97594479B4B0}"/>
+              </a:ext>
+            </a:extLst>
+          </p:cNvPr>
+          <p:cNvPicPr>
+            <a:picLocks noChangeAspect="1"/>
+          </p:cNvPicPr>
+          <p:nvPr/>
+        </p:nvPicPr>
+        <p:blipFill>
+          <a:blip r:embed="rId3"/>
+          <a:stretch>
+            <a:fillRect/>
+          </a:stretch>
+        </p:blipFill>
+        <p:spPr>
+          <a:xfrm>
+            <a:off x="1055687" y="1140614"/>
+            <a:ext cx="4287837" cy="1227111"/>
+          </a:xfrm>
+          <a:prstGeom prst="rect">
+            <a:avLst/>
+          </a:prstGeom>
+        </p:spPr>
+      </p:pic>
+      <p:pic>
+        <p:nvPicPr>
+          <p:cNvPr id="9" name="Grafik 8">
+            <a:extLst>
+              <a:ext uri="{FF2B5EF4-FFF2-40B4-BE49-F238E27FC236}">
+                <a16:creationId xmlns:a16="http://schemas.microsoft.com/office/drawing/2014/main" id="{B38B63B0-7B90-234A-A098-15330D231B37}"/>
+              </a:ext>
+            </a:extLst>
+          </p:cNvPr>
+          <p:cNvPicPr>
+            <a:picLocks noChangeAspect="1"/>
+          </p:cNvPicPr>
+          <p:nvPr/>
+        </p:nvPicPr>
+        <p:blipFill>
+          <a:blip r:embed="rId4"/>
+          <a:stretch>
+            <a:fillRect/>
+          </a:stretch>
+        </p:blipFill>
+        <p:spPr>
+          <a:xfrm>
+            <a:off x="5355273" y="1158093"/>
+            <a:ext cx="4287837" cy="1209632"/>
+          </a:xfrm>
+          <a:prstGeom prst="rect">
+            <a:avLst/>
+          </a:prstGeom>
+        </p:spPr>
+      </p:pic>
+      <p:pic>
+        <p:nvPicPr>
+          <p:cNvPr id="13" name="Grafik 12">
+            <a:extLst>
+              <a:ext uri="{FF2B5EF4-FFF2-40B4-BE49-F238E27FC236}">
+                <a16:creationId xmlns:a16="http://schemas.microsoft.com/office/drawing/2014/main" id="{E0C57335-F03A-51B7-3A36-B49DF074963F}"/>
+              </a:ext>
+            </a:extLst>
+          </p:cNvPr>
+          <p:cNvPicPr>
+            <a:picLocks noChangeAspect="1"/>
+          </p:cNvPicPr>
+          <p:nvPr/>
+        </p:nvPicPr>
+        <p:blipFill>
+          <a:blip r:embed="rId5"/>
+          <a:stretch>
+            <a:fillRect/>
+          </a:stretch>
+        </p:blipFill>
+        <p:spPr>
+          <a:xfrm>
+            <a:off x="1055686" y="2731528"/>
+            <a:ext cx="4287837" cy="1195511"/>
+          </a:xfrm>
+          <a:prstGeom prst="rect">
+            <a:avLst/>
+          </a:prstGeom>
+        </p:spPr>
+      </p:pic>
+      <p:pic>
+        <p:nvPicPr>
+          <p:cNvPr id="16" name="Grafik 15">
+            <a:extLst>
+              <a:ext uri="{FF2B5EF4-FFF2-40B4-BE49-F238E27FC236}">
+                <a16:creationId xmlns:a16="http://schemas.microsoft.com/office/drawing/2014/main" id="{2314622D-E605-CDB8-A10C-4634BEA751E5}"/>
+              </a:ext>
+            </a:extLst>
+          </p:cNvPr>
+          <p:cNvPicPr>
+            <a:picLocks noChangeAspect="1"/>
+          </p:cNvPicPr>
+          <p:nvPr/>
+        </p:nvPicPr>
+        <p:blipFill>
+          <a:blip r:embed="rId6"/>
+          <a:stretch>
+            <a:fillRect/>
+          </a:stretch>
+        </p:blipFill>
+        <p:spPr>
+          <a:xfrm>
+            <a:off x="5355272" y="2718864"/>
+            <a:ext cx="4287837" cy="1208175"/>
+          </a:xfrm>
+          <a:prstGeom prst="rect">
+            <a:avLst/>
+          </a:prstGeom>
+        </p:spPr>
+      </p:pic>
+      <p:sp>
+        <p:nvSpPr>
+          <p:cNvPr id="5" name="Textfeld 4">
+            <a:extLst>
+              <a:ext uri="{FF2B5EF4-FFF2-40B4-BE49-F238E27FC236}">
+                <a16:creationId xmlns:a16="http://schemas.microsoft.com/office/drawing/2014/main" id="{304793F7-55AF-1133-D48D-572F2089CE85}"/>
+              </a:ext>
+            </a:extLst>
+          </p:cNvPr>
+          <p:cNvSpPr txBox="1"/>
+          <p:nvPr/>
+        </p:nvSpPr>
+        <p:spPr>
+          <a:xfrm>
+            <a:off x="1283623" y="969196"/>
+            <a:ext cx="2805576" cy="246221"/>
+          </a:xfrm>
+          <a:prstGeom prst="rect">
+            <a:avLst/>
+          </a:prstGeom>
+          <a:noFill/>
+        </p:spPr>
+        <p:txBody>
+          <a:bodyPr wrap="none" rtlCol="0">
+            <a:spAutoFit/>
+          </a:bodyPr>
+          <a:lstStyle/>
+          <a:p>
+            <a:r>
+              <a:rPr lang="en-US" sz="1000" noProof="0" dirty="0">
+                <a:solidFill>
+                  <a:schemeClr val="bg1">
+                    <a:lumMod val="75000"/>
+                  </a:schemeClr>
+                </a:solidFill>
+                <a:latin typeface="Roboto" panose="02000000000000000000" pitchFamily="2" charset="0"/>
+                <a:ea typeface="Roboto" panose="02000000000000000000" pitchFamily="2" charset="0"/>
+                <a:cs typeface="Roboto" panose="02000000000000000000" pitchFamily="2" charset="0"/>
+              </a:rPr>
+              <a:t>Initial paneling with high deviation to planform</a:t>
+            </a:r>
+          </a:p>
+        </p:txBody>
+      </p:sp>
+      <p:sp>
+        <p:nvSpPr>
+          <p:cNvPr id="19" name="Textfeld 18">
+            <a:extLst>
+              <a:ext uri="{FF2B5EF4-FFF2-40B4-BE49-F238E27FC236}">
+                <a16:creationId xmlns:a16="http://schemas.microsoft.com/office/drawing/2014/main" id="{E549AF97-2C3B-618C-D481-FEA7C3F09E91}"/>
+              </a:ext>
+            </a:extLst>
+          </p:cNvPr>
+          <p:cNvSpPr txBox="1"/>
+          <p:nvPr/>
+        </p:nvSpPr>
+        <p:spPr>
+          <a:xfrm>
+            <a:off x="5543203" y="969196"/>
+            <a:ext cx="2060179" cy="246221"/>
+          </a:xfrm>
+          <a:prstGeom prst="rect">
+            <a:avLst/>
+          </a:prstGeom>
+          <a:noFill/>
+        </p:spPr>
+        <p:txBody>
+          <a:bodyPr wrap="none" rtlCol="0">
+            <a:spAutoFit/>
+          </a:bodyPr>
+          <a:lstStyle/>
+          <a:p>
+            <a:r>
+              <a:rPr lang="en-US" sz="1000" noProof="0" dirty="0">
+                <a:solidFill>
+                  <a:schemeClr val="bg1">
+                    <a:lumMod val="75000"/>
+                  </a:schemeClr>
+                </a:solidFill>
+                <a:latin typeface="Roboto" panose="02000000000000000000" pitchFamily="2" charset="0"/>
+                <a:ea typeface="Roboto" panose="02000000000000000000" pitchFamily="2" charset="0"/>
+                <a:cs typeface="Roboto" panose="02000000000000000000" pitchFamily="2" charset="0"/>
+              </a:rPr>
+              <a:t>Auto insertion of helper sections </a:t>
+            </a:r>
+          </a:p>
+        </p:txBody>
+      </p:sp>
+      <p:sp>
+        <p:nvSpPr>
+          <p:cNvPr id="20" name="Textfeld 19">
+            <a:extLst>
+              <a:ext uri="{FF2B5EF4-FFF2-40B4-BE49-F238E27FC236}">
+                <a16:creationId xmlns:a16="http://schemas.microsoft.com/office/drawing/2014/main" id="{00003E30-906D-6D07-6071-E2E523A56EE9}"/>
+              </a:ext>
+            </a:extLst>
+          </p:cNvPr>
+          <p:cNvSpPr txBox="1"/>
+          <p:nvPr/>
+        </p:nvSpPr>
+        <p:spPr>
+          <a:xfrm>
+            <a:off x="1283623" y="2539143"/>
+            <a:ext cx="1856598" cy="246221"/>
+          </a:xfrm>
+          <a:prstGeom prst="rect">
+            <a:avLst/>
+          </a:prstGeom>
+          <a:noFill/>
+        </p:spPr>
+        <p:txBody>
+          <a:bodyPr wrap="none" rtlCol="0">
+            <a:spAutoFit/>
+          </a:bodyPr>
+          <a:lstStyle/>
+          <a:p>
+            <a:r>
+              <a:rPr lang="en-US" sz="1000" noProof="0" dirty="0">
+                <a:solidFill>
+                  <a:schemeClr val="bg1">
+                    <a:lumMod val="75000"/>
+                  </a:schemeClr>
+                </a:solidFill>
+                <a:latin typeface="Roboto" panose="02000000000000000000" pitchFamily="2" charset="0"/>
+                <a:ea typeface="Roboto" panose="02000000000000000000" pitchFamily="2" charset="0"/>
+                <a:cs typeface="Roboto" panose="02000000000000000000" pitchFamily="2" charset="0"/>
+              </a:rPr>
+              <a:t>Minimum panel width applied</a:t>
+            </a:r>
+          </a:p>
+        </p:txBody>
+      </p:sp>
+      <p:sp>
+        <p:nvSpPr>
+          <p:cNvPr id="22" name="Textfeld 21">
+            <a:extLst>
+              <a:ext uri="{FF2B5EF4-FFF2-40B4-BE49-F238E27FC236}">
+                <a16:creationId xmlns:a16="http://schemas.microsoft.com/office/drawing/2014/main" id="{48DC5B39-BA34-B825-5DCC-884F7572FB6A}"/>
+              </a:ext>
+            </a:extLst>
+          </p:cNvPr>
+          <p:cNvSpPr txBox="1"/>
+          <p:nvPr/>
+        </p:nvSpPr>
+        <p:spPr>
+          <a:xfrm>
+            <a:off x="5543203" y="2539142"/>
+            <a:ext cx="1705916" cy="246221"/>
+          </a:xfrm>
+          <a:prstGeom prst="rect">
+            <a:avLst/>
+          </a:prstGeom>
+          <a:noFill/>
+        </p:spPr>
+        <p:txBody>
+          <a:bodyPr wrap="none" rtlCol="0">
+            <a:spAutoFit/>
+          </a:bodyPr>
+          <a:lstStyle/>
+          <a:p>
+            <a:r>
+              <a:rPr lang="en-US" sz="1000" noProof="0" dirty="0">
+                <a:solidFill>
+                  <a:schemeClr val="bg1">
+                    <a:lumMod val="75000"/>
+                  </a:schemeClr>
+                </a:solidFill>
+                <a:latin typeface="Roboto" panose="02000000000000000000" pitchFamily="2" charset="0"/>
+                <a:ea typeface="Roboto" panose="02000000000000000000" pitchFamily="2" charset="0"/>
+                <a:cs typeface="Roboto" panose="02000000000000000000" pitchFamily="2" charset="0"/>
+              </a:rPr>
+              <a:t>Minimum tip chord applied</a:t>
+            </a:r>
+          </a:p>
+        </p:txBody>
+      </p:sp>
+      <p:sp>
+        <p:nvSpPr>
+          <p:cNvPr id="23" name="Textfeld 22">
+            <a:extLst>
+              <a:ext uri="{FF2B5EF4-FFF2-40B4-BE49-F238E27FC236}">
+                <a16:creationId xmlns:a16="http://schemas.microsoft.com/office/drawing/2014/main" id="{66450743-6080-69B8-37BF-DB1F28EDF7D7}"/>
+              </a:ext>
+            </a:extLst>
+          </p:cNvPr>
+          <p:cNvSpPr txBox="1"/>
+          <p:nvPr/>
+        </p:nvSpPr>
+        <p:spPr>
+          <a:xfrm>
+            <a:off x="7941402" y="2547447"/>
+            <a:ext cx="1093059" cy="200055"/>
+          </a:xfrm>
+          <a:prstGeom prst="rect">
+            <a:avLst/>
+          </a:prstGeom>
+          <a:solidFill>
+            <a:srgbClr val="00B050"/>
+          </a:solidFill>
+        </p:spPr>
+        <p:txBody>
+          <a:bodyPr wrap="square" lIns="36000" rIns="36000" rtlCol="0" anchor="ctr">
+            <a:spAutoFit/>
+          </a:bodyPr>
+          <a:lstStyle/>
+          <a:p>
+            <a:pPr algn="ctr"/>
+            <a:r>
+              <a:rPr lang="de-DE" sz="700" dirty="0">
+                <a:solidFill>
+                  <a:schemeClr val="bg1"/>
+                </a:solidFill>
+                <a:latin typeface="Roboto" panose="02000000000000000000" pitchFamily="2" charset="0"/>
+                <a:ea typeface="Roboto" panose="02000000000000000000" pitchFamily="2" charset="0"/>
+                <a:cs typeface="Roboto" panose="02000000000000000000" pitchFamily="2" charset="0"/>
+              </a:rPr>
+              <a:t>Ready </a:t>
+            </a:r>
+            <a:r>
+              <a:rPr lang="de-DE" sz="700" dirty="0" err="1">
+                <a:solidFill>
+                  <a:schemeClr val="bg1"/>
+                </a:solidFill>
+                <a:latin typeface="Roboto" panose="02000000000000000000" pitchFamily="2" charset="0"/>
+                <a:ea typeface="Roboto" panose="02000000000000000000" pitchFamily="2" charset="0"/>
+                <a:cs typeface="Roboto" panose="02000000000000000000" pitchFamily="2" charset="0"/>
+              </a:rPr>
+              <a:t>for</a:t>
+            </a:r>
+            <a:r>
+              <a:rPr lang="de-DE" sz="700" dirty="0">
+                <a:solidFill>
+                  <a:schemeClr val="bg1"/>
+                </a:solidFill>
+                <a:latin typeface="Roboto" panose="02000000000000000000" pitchFamily="2" charset="0"/>
+                <a:ea typeface="Roboto" panose="02000000000000000000" pitchFamily="2" charset="0"/>
+                <a:cs typeface="Roboto" panose="02000000000000000000" pitchFamily="2" charset="0"/>
+              </a:rPr>
+              <a:t> Analysis</a:t>
+            </a:r>
+            <a:endParaRPr lang="en-US" sz="700" dirty="0">
+              <a:solidFill>
+                <a:schemeClr val="bg1"/>
+              </a:solidFill>
+              <a:latin typeface="Roboto" panose="02000000000000000000" pitchFamily="2" charset="0"/>
+              <a:ea typeface="Roboto" panose="02000000000000000000" pitchFamily="2" charset="0"/>
+              <a:cs typeface="Roboto" panose="02000000000000000000" pitchFamily="2" charset="0"/>
+            </a:endParaRPr>
+          </a:p>
+        </p:txBody>
+      </p:sp>
+      <p:sp>
+        <p:nvSpPr>
+          <p:cNvPr id="27" name="Pfeil: nach rechts 26">
+            <a:extLst>
+              <a:ext uri="{FF2B5EF4-FFF2-40B4-BE49-F238E27FC236}">
+                <a16:creationId xmlns:a16="http://schemas.microsoft.com/office/drawing/2014/main" id="{162C1271-5F8C-23FA-6424-22A8129AA970}"/>
+              </a:ext>
+            </a:extLst>
+          </p:cNvPr>
+          <p:cNvSpPr/>
+          <p:nvPr/>
+        </p:nvSpPr>
+        <p:spPr>
+          <a:xfrm>
+            <a:off x="4219419" y="993988"/>
+            <a:ext cx="210979" cy="221429"/>
+          </a:xfrm>
+          <a:prstGeom prst="rightArrow">
+            <a:avLst/>
+          </a:prstGeom>
+          <a:solidFill>
+            <a:schemeClr val="tx1">
+              <a:lumMod val="65000"/>
+              <a:lumOff val="35000"/>
+            </a:schemeClr>
+          </a:solidFill>
+          <a:ln>
+            <a:noFill/>
+          </a:ln>
+        </p:spPr>
+        <p:style>
+          <a:lnRef idx="2">
+            <a:schemeClr val="accent1">
+              <a:shade val="15000"/>
+            </a:schemeClr>
+          </a:lnRef>
+          <a:fillRef idx="1">
+            <a:schemeClr val="accent1"/>
+          </a:fillRef>
+          <a:effectRef idx="0">
+            <a:schemeClr val="accent1"/>
+          </a:effectRef>
+          <a:fontRef idx="minor">
+            <a:schemeClr val="lt1"/>
+          </a:fontRef>
+        </p:style>
+        <p:txBody>
+          <a:bodyPr rtlCol="0" anchor="ctr"/>
+          <a:lstStyle/>
+          <a:p>
+            <a:pPr algn="ctr"/>
+            <a:endParaRPr lang="en-US"/>
+          </a:p>
+        </p:txBody>
+      </p:sp>
+      <p:sp>
+        <p:nvSpPr>
+          <p:cNvPr id="29" name="Pfeil: nach rechts 28">
+            <a:extLst>
+              <a:ext uri="{FF2B5EF4-FFF2-40B4-BE49-F238E27FC236}">
+                <a16:creationId xmlns:a16="http://schemas.microsoft.com/office/drawing/2014/main" id="{36EA996A-D553-2E0D-1190-39BABE60CD08}"/>
+              </a:ext>
+            </a:extLst>
+          </p:cNvPr>
+          <p:cNvSpPr/>
+          <p:nvPr/>
+        </p:nvSpPr>
+        <p:spPr>
+          <a:xfrm>
+            <a:off x="7772574" y="993988"/>
+            <a:ext cx="210979" cy="221429"/>
+          </a:xfrm>
+          <a:prstGeom prst="rightArrow">
+            <a:avLst/>
+          </a:prstGeom>
+          <a:solidFill>
+            <a:schemeClr val="tx1">
+              <a:lumMod val="65000"/>
+              <a:lumOff val="35000"/>
+            </a:schemeClr>
+          </a:solidFill>
+          <a:ln>
+            <a:noFill/>
+          </a:ln>
+        </p:spPr>
+        <p:style>
+          <a:lnRef idx="2">
+            <a:schemeClr val="accent1">
+              <a:shade val="15000"/>
+            </a:schemeClr>
+          </a:lnRef>
+          <a:fillRef idx="1">
+            <a:schemeClr val="accent1"/>
+          </a:fillRef>
+          <a:effectRef idx="0">
+            <a:schemeClr val="accent1"/>
+          </a:effectRef>
+          <a:fontRef idx="minor">
+            <a:schemeClr val="lt1"/>
+          </a:fontRef>
+        </p:style>
+        <p:txBody>
+          <a:bodyPr rtlCol="0" anchor="ctr"/>
+          <a:lstStyle/>
+          <a:p>
+            <a:pPr algn="ctr"/>
+            <a:endParaRPr lang="en-US"/>
+          </a:p>
+        </p:txBody>
+      </p:sp>
+      <p:sp>
+        <p:nvSpPr>
+          <p:cNvPr id="30" name="Pfeil: nach rechts 29">
+            <a:extLst>
+              <a:ext uri="{FF2B5EF4-FFF2-40B4-BE49-F238E27FC236}">
+                <a16:creationId xmlns:a16="http://schemas.microsoft.com/office/drawing/2014/main" id="{CE5A9C07-328D-8C66-ECF0-D48C68644E29}"/>
+              </a:ext>
+            </a:extLst>
+          </p:cNvPr>
+          <p:cNvSpPr/>
+          <p:nvPr/>
+        </p:nvSpPr>
+        <p:spPr>
+          <a:xfrm>
+            <a:off x="3326196" y="2563934"/>
+            <a:ext cx="210979" cy="221429"/>
+          </a:xfrm>
+          <a:prstGeom prst="rightArrow">
+            <a:avLst/>
+          </a:prstGeom>
+          <a:solidFill>
+            <a:schemeClr val="tx1">
+              <a:lumMod val="65000"/>
+              <a:lumOff val="35000"/>
+            </a:schemeClr>
+          </a:solidFill>
+          <a:ln>
+            <a:noFill/>
+          </a:ln>
+        </p:spPr>
+        <p:style>
+          <a:lnRef idx="2">
+            <a:schemeClr val="accent1">
+              <a:shade val="15000"/>
+            </a:schemeClr>
+          </a:lnRef>
+          <a:fillRef idx="1">
+            <a:schemeClr val="accent1"/>
+          </a:fillRef>
+          <a:effectRef idx="0">
+            <a:schemeClr val="accent1"/>
+          </a:effectRef>
+          <a:fontRef idx="minor">
+            <a:schemeClr val="lt1"/>
+          </a:fontRef>
+        </p:style>
+        <p:txBody>
+          <a:bodyPr rtlCol="0" anchor="ctr"/>
+          <a:lstStyle/>
+          <a:p>
+            <a:pPr algn="ctr"/>
+            <a:endParaRPr lang="en-US"/>
+          </a:p>
+        </p:txBody>
+      </p:sp>
+      <p:sp>
+        <p:nvSpPr>
+          <p:cNvPr id="31" name="Pfeil: nach rechts 30">
+            <a:extLst>
+              <a:ext uri="{FF2B5EF4-FFF2-40B4-BE49-F238E27FC236}">
+                <a16:creationId xmlns:a16="http://schemas.microsoft.com/office/drawing/2014/main" id="{97510A14-D8A9-1234-0F1E-80BA4C791F98}"/>
+              </a:ext>
+            </a:extLst>
+          </p:cNvPr>
+          <p:cNvSpPr/>
+          <p:nvPr/>
+        </p:nvSpPr>
+        <p:spPr>
+          <a:xfrm>
+            <a:off x="7466968" y="2526073"/>
+            <a:ext cx="210979" cy="221429"/>
+          </a:xfrm>
+          <a:prstGeom prst="rightArrow">
+            <a:avLst/>
+          </a:prstGeom>
+          <a:solidFill>
+            <a:schemeClr val="tx1">
+              <a:lumMod val="65000"/>
+              <a:lumOff val="35000"/>
+            </a:schemeClr>
+          </a:solidFill>
+          <a:ln>
+            <a:noFill/>
+          </a:ln>
+        </p:spPr>
+        <p:style>
+          <a:lnRef idx="2">
+            <a:schemeClr val="accent1">
+              <a:shade val="15000"/>
+            </a:schemeClr>
+          </a:lnRef>
+          <a:fillRef idx="1">
+            <a:schemeClr val="accent1"/>
+          </a:fillRef>
+          <a:effectRef idx="0">
+            <a:schemeClr val="accent1"/>
+          </a:effectRef>
+          <a:fontRef idx="minor">
+            <a:schemeClr val="lt1"/>
+          </a:fontRef>
+        </p:style>
+        <p:txBody>
+          <a:bodyPr rtlCol="0" anchor="ctr"/>
+          <a:lstStyle/>
+          <a:p>
+            <a:pPr algn="ctr"/>
+            <a:endParaRPr lang="en-US"/>
+          </a:p>
+        </p:txBody>
+      </p:sp>
+    </p:spTree>
+    <p:extLst>
+      <p:ext uri="{BB962C8B-B14F-4D97-AF65-F5344CB8AC3E}">
+        <p14:creationId xmlns:p14="http://schemas.microsoft.com/office/powerpoint/2010/main" val="549289061"/>
+      </p:ext>
+    </p:extLst>
+  </p:cSld>
+  <p:clrMapOvr>
+    <a:masterClrMapping/>
+  </p:clrMapOvr>
+</p:sld>
+</file>
+
+<file path=ppt/slides/slide21.xml><?xml version="1.0" encoding="utf-8"?>
+<p:sld xmlns:a="http://schemas.openxmlformats.org/drawingml/2006/main" xmlns:r="http://schemas.openxmlformats.org/officeDocument/2006/relationships" xmlns:p="http://schemas.openxmlformats.org/presentationml/2006/main">
+  <p:cSld>
+    <p:spTree>
+      <p:nvGrpSpPr>
+        <p:cNvPr id="1" name=""/>
+        <p:cNvGrpSpPr/>
+        <p:nvPr/>
+      </p:nvGrpSpPr>
+      <p:grpSpPr>
+        <a:xfrm>
+          <a:off x="0" y="0"/>
+          <a:ext cx="0" cy="0"/>
+          <a:chOff x="0" y="0"/>
+          <a:chExt cx="0" cy="0"/>
+        </a:xfrm>
+      </p:grpSpPr>
+      <p:pic>
+        <p:nvPicPr>
+          <p:cNvPr id="3" name="Grafik 2">
+            <a:extLst>
+              <a:ext uri="{FF2B5EF4-FFF2-40B4-BE49-F238E27FC236}">
+                <a16:creationId xmlns:a16="http://schemas.microsoft.com/office/drawing/2014/main" id="{A64D747E-DEF9-076F-A90E-A73A084A9518}"/>
+              </a:ext>
+            </a:extLst>
+          </p:cNvPr>
+          <p:cNvPicPr>
+            <a:picLocks noChangeAspect="1"/>
+          </p:cNvPicPr>
+          <p:nvPr/>
+        </p:nvPicPr>
+        <p:blipFill>
+          <a:blip r:embed="rId2"/>
+          <a:stretch>
+            <a:fillRect/>
+          </a:stretch>
+        </p:blipFill>
+        <p:spPr>
+          <a:xfrm>
+            <a:off x="914401" y="2256561"/>
+            <a:ext cx="9749150" cy="1172439"/>
+          </a:xfrm>
+          <a:prstGeom prst="rect">
+            <a:avLst/>
+          </a:prstGeom>
+        </p:spPr>
+      </p:pic>
+      <p:pic>
+        <p:nvPicPr>
+          <p:cNvPr id="4" name="Grafik 3">
+            <a:extLst>
+              <a:ext uri="{FF2B5EF4-FFF2-40B4-BE49-F238E27FC236}">
+                <a16:creationId xmlns:a16="http://schemas.microsoft.com/office/drawing/2014/main" id="{B054E580-2889-D5F7-DD46-E9A4BD1FF6E1}"/>
+              </a:ext>
+            </a:extLst>
+          </p:cNvPr>
+          <p:cNvPicPr>
+            <a:picLocks noChangeAspect="1"/>
+          </p:cNvPicPr>
+          <p:nvPr/>
+        </p:nvPicPr>
+        <p:blipFill>
+          <a:blip r:embed="rId2"/>
+          <a:srcRect l="59767" t="9152" r="18120" b="72061"/>
+          <a:stretch/>
+        </p:blipFill>
+        <p:spPr>
+          <a:xfrm>
+            <a:off x="6741197" y="3811112"/>
+            <a:ext cx="2155848" cy="220257"/>
+          </a:xfrm>
+          <a:prstGeom prst="rect">
+            <a:avLst/>
+          </a:prstGeom>
+        </p:spPr>
+      </p:pic>
+      <p:pic>
+        <p:nvPicPr>
+          <p:cNvPr id="5" name="Grafik 4">
+            <a:extLst>
+              <a:ext uri="{FF2B5EF4-FFF2-40B4-BE49-F238E27FC236}">
+                <a16:creationId xmlns:a16="http://schemas.microsoft.com/office/drawing/2014/main" id="{B5F7A75A-A36B-B836-448D-978B172242DB}"/>
+              </a:ext>
+            </a:extLst>
+          </p:cNvPr>
+          <p:cNvPicPr>
+            <a:picLocks noChangeAspect="1"/>
+          </p:cNvPicPr>
+          <p:nvPr/>
+        </p:nvPicPr>
+        <p:blipFill>
+          <a:blip r:embed="rId2"/>
+          <a:srcRect l="60052" t="27437" r="15644"/>
+          <a:stretch/>
+        </p:blipFill>
+        <p:spPr>
+          <a:xfrm>
+            <a:off x="6741197" y="4204905"/>
+            <a:ext cx="2369431" cy="850755"/>
+          </a:xfrm>
+          <a:prstGeom prst="rect">
+            <a:avLst/>
+          </a:prstGeom>
+        </p:spPr>
+      </p:pic>
+      <p:sp>
+        <p:nvSpPr>
+          <p:cNvPr id="7" name="Rechteck 6">
+            <a:extLst>
+              <a:ext uri="{FF2B5EF4-FFF2-40B4-BE49-F238E27FC236}">
+                <a16:creationId xmlns:a16="http://schemas.microsoft.com/office/drawing/2014/main" id="{D4D28E41-1D2E-83EE-1732-DABD6FD22F38}"/>
+              </a:ext>
+            </a:extLst>
+          </p:cNvPr>
+          <p:cNvSpPr/>
+          <p:nvPr/>
+        </p:nvSpPr>
+        <p:spPr>
+          <a:xfrm>
+            <a:off x="5287171" y="2349407"/>
+            <a:ext cx="4964836" cy="1079593"/>
+          </a:xfrm>
+          <a:prstGeom prst="rect">
+            <a:avLst/>
+          </a:prstGeom>
+          <a:solidFill>
+            <a:srgbClr val="E5E5E5"/>
+          </a:solidFill>
+          <a:ln>
+            <a:noFill/>
+          </a:ln>
+        </p:spPr>
+        <p:style>
+          <a:lnRef idx="2">
+            <a:schemeClr val="accent1">
+              <a:shade val="15000"/>
+            </a:schemeClr>
+          </a:lnRef>
+          <a:fillRef idx="1">
+            <a:schemeClr val="accent1"/>
+          </a:fillRef>
+          <a:effectRef idx="0">
+            <a:schemeClr val="accent1"/>
+          </a:effectRef>
+          <a:fontRef idx="minor">
+            <a:schemeClr val="lt1"/>
+          </a:fontRef>
+        </p:style>
+        <p:txBody>
+          <a:bodyPr rtlCol="0" anchor="ctr"/>
+          <a:lstStyle/>
+          <a:p>
+            <a:pPr algn="ctr"/>
+            <a:endParaRPr lang="en-US" dirty="0"/>
+          </a:p>
+        </p:txBody>
+      </p:sp>
+      <p:pic>
+        <p:nvPicPr>
+          <p:cNvPr id="8" name="Grafik 7">
+            <a:extLst>
+              <a:ext uri="{FF2B5EF4-FFF2-40B4-BE49-F238E27FC236}">
+                <a16:creationId xmlns:a16="http://schemas.microsoft.com/office/drawing/2014/main" id="{4F17CF0C-CDCD-0DF0-5FA3-F9A64D220E21}"/>
+              </a:ext>
+            </a:extLst>
+          </p:cNvPr>
+          <p:cNvPicPr>
+            <a:picLocks noChangeAspect="1"/>
+          </p:cNvPicPr>
+          <p:nvPr/>
+        </p:nvPicPr>
+        <p:blipFill>
+          <a:blip r:embed="rId2">
+            <a:clrChange>
+              <a:clrFrom>
+                <a:srgbClr val="E5E5E5"/>
+              </a:clrFrom>
+              <a:clrTo>
+                <a:srgbClr val="E5E5E5">
+                  <a:alpha val="0"/>
+                </a:srgbClr>
+              </a:clrTo>
+            </a:clrChange>
+          </a:blip>
+          <a:srcRect l="59767" t="9152" r="18120" b="72061"/>
+          <a:stretch/>
+        </p:blipFill>
+        <p:spPr>
+          <a:xfrm>
+            <a:off x="5261769" y="2375910"/>
+            <a:ext cx="2155848" cy="220257"/>
+          </a:xfrm>
+          <a:prstGeom prst="rect">
+            <a:avLst/>
+          </a:prstGeom>
+        </p:spPr>
+      </p:pic>
+      <p:sp>
+        <p:nvSpPr>
+          <p:cNvPr id="12" name="Rechteck 11">
+            <a:extLst>
+              <a:ext uri="{FF2B5EF4-FFF2-40B4-BE49-F238E27FC236}">
+                <a16:creationId xmlns:a16="http://schemas.microsoft.com/office/drawing/2014/main" id="{85C04064-2F8A-59C5-6BC7-BE9638E8BB77}"/>
+              </a:ext>
+            </a:extLst>
+          </p:cNvPr>
+          <p:cNvSpPr/>
+          <p:nvPr/>
+        </p:nvSpPr>
+        <p:spPr>
+          <a:xfrm>
+            <a:off x="7887350" y="2664119"/>
+            <a:ext cx="2369430" cy="764881"/>
+          </a:xfrm>
+          <a:prstGeom prst="rect">
+            <a:avLst/>
+          </a:prstGeom>
+          <a:solidFill>
+            <a:srgbClr val="E5E5E5"/>
+          </a:solidFill>
+          <a:ln>
+            <a:noFill/>
+          </a:ln>
+        </p:spPr>
+        <p:style>
+          <a:lnRef idx="2">
+            <a:schemeClr val="accent1">
+              <a:shade val="15000"/>
+            </a:schemeClr>
+          </a:lnRef>
+          <a:fillRef idx="1">
+            <a:schemeClr val="accent1"/>
+          </a:fillRef>
+          <a:effectRef idx="0">
+            <a:schemeClr val="accent1"/>
+          </a:effectRef>
+          <a:fontRef idx="minor">
+            <a:schemeClr val="lt1"/>
+          </a:fontRef>
+        </p:style>
+        <p:txBody>
+          <a:bodyPr rtlCol="0" anchor="ctr"/>
+          <a:lstStyle/>
+          <a:p>
+            <a:pPr algn="ctr"/>
+            <a:endParaRPr lang="en-US" dirty="0"/>
+          </a:p>
+        </p:txBody>
+      </p:sp>
+      <p:sp>
+        <p:nvSpPr>
+          <p:cNvPr id="10" name="Rechteck 9">
+            <a:extLst>
+              <a:ext uri="{FF2B5EF4-FFF2-40B4-BE49-F238E27FC236}">
+                <a16:creationId xmlns:a16="http://schemas.microsoft.com/office/drawing/2014/main" id="{52B3550D-B013-DAA3-97DA-85227775F23E}"/>
+              </a:ext>
+            </a:extLst>
+          </p:cNvPr>
+          <p:cNvSpPr/>
+          <p:nvPr/>
+        </p:nvSpPr>
+        <p:spPr>
+          <a:xfrm>
+            <a:off x="3008940" y="4029474"/>
+            <a:ext cx="4873636" cy="700882"/>
+          </a:xfrm>
+          <a:prstGeom prst="rect">
+            <a:avLst/>
+          </a:prstGeom>
+          <a:solidFill>
+            <a:srgbClr val="DCDCDC"/>
+          </a:solidFill>
+          <a:ln>
+            <a:noFill/>
+          </a:ln>
+        </p:spPr>
+        <p:style>
+          <a:lnRef idx="2">
+            <a:schemeClr val="accent1">
+              <a:shade val="15000"/>
+            </a:schemeClr>
+          </a:lnRef>
+          <a:fillRef idx="1">
+            <a:schemeClr val="accent1"/>
+          </a:fillRef>
+          <a:effectRef idx="0">
+            <a:schemeClr val="accent1"/>
+          </a:effectRef>
+          <a:fontRef idx="minor">
+            <a:schemeClr val="lt1"/>
+          </a:fontRef>
+        </p:style>
+        <p:txBody>
+          <a:bodyPr rtlCol="0" anchor="ctr"/>
+          <a:lstStyle/>
+          <a:p>
+            <a:pPr algn="ctr"/>
+            <a:endParaRPr lang="en-US" dirty="0"/>
+          </a:p>
+        </p:txBody>
+      </p:sp>
+      <p:pic>
+        <p:nvPicPr>
+          <p:cNvPr id="6" name="Grafik 5">
+            <a:extLst>
+              <a:ext uri="{FF2B5EF4-FFF2-40B4-BE49-F238E27FC236}">
+                <a16:creationId xmlns:a16="http://schemas.microsoft.com/office/drawing/2014/main" id="{541610BB-EC9F-2A96-6CC5-A96524E1C83A}"/>
+              </a:ext>
+            </a:extLst>
+          </p:cNvPr>
+          <p:cNvPicPr>
+            <a:picLocks noChangeAspect="1"/>
+          </p:cNvPicPr>
+          <p:nvPr/>
+        </p:nvPicPr>
+        <p:blipFill>
+          <a:blip r:embed="rId2">
+            <a:clrChange>
+              <a:clrFrom>
+                <a:srgbClr val="E5E5E5"/>
+              </a:clrFrom>
+              <a:clrTo>
+                <a:srgbClr val="E5E5E5">
+                  <a:alpha val="0"/>
+                </a:srgbClr>
+              </a:clrTo>
+            </a:clrChange>
+          </a:blip>
+          <a:srcRect l="60052" t="27437" r="15644" b="42086"/>
+          <a:stretch/>
+        </p:blipFill>
+        <p:spPr>
+          <a:xfrm>
+            <a:off x="5298151" y="2750653"/>
+            <a:ext cx="2369431" cy="357321"/>
+          </a:xfrm>
+          <a:prstGeom prst="rect">
+            <a:avLst/>
+          </a:prstGeom>
+        </p:spPr>
+      </p:pic>
+      <p:pic>
+        <p:nvPicPr>
+          <p:cNvPr id="13" name="Grafik 12">
+            <a:extLst>
+              <a:ext uri="{FF2B5EF4-FFF2-40B4-BE49-F238E27FC236}">
+                <a16:creationId xmlns:a16="http://schemas.microsoft.com/office/drawing/2014/main" id="{D6042DFC-2576-879D-81B1-E9B3B0E0DDC5}"/>
+              </a:ext>
+            </a:extLst>
+          </p:cNvPr>
+          <p:cNvPicPr>
+            <a:picLocks noChangeAspect="1"/>
+          </p:cNvPicPr>
+          <p:nvPr/>
+        </p:nvPicPr>
+        <p:blipFill>
+          <a:blip r:embed="rId2">
+            <a:clrChange>
+              <a:clrFrom>
+                <a:srgbClr val="E5E5E5"/>
+              </a:clrFrom>
+              <a:clrTo>
+                <a:srgbClr val="E5E5E5">
+                  <a:alpha val="0"/>
+                </a:srgbClr>
+              </a:clrTo>
+            </a:clrChange>
+          </a:blip>
+          <a:srcRect l="60052" t="59289" r="15644" b="25004"/>
+          <a:stretch/>
+        </p:blipFill>
+        <p:spPr>
+          <a:xfrm>
+            <a:off x="7887350" y="2743568"/>
+            <a:ext cx="2369431" cy="184150"/>
+          </a:xfrm>
+          <a:prstGeom prst="rect">
+            <a:avLst/>
+          </a:prstGeom>
+        </p:spPr>
+      </p:pic>
+      <p:pic>
+        <p:nvPicPr>
+          <p:cNvPr id="11" name="Grafik 10">
+            <a:extLst>
+              <a:ext uri="{FF2B5EF4-FFF2-40B4-BE49-F238E27FC236}">
+                <a16:creationId xmlns:a16="http://schemas.microsoft.com/office/drawing/2014/main" id="{44F844D5-2528-F310-060D-C0FF560B6254}"/>
+              </a:ext>
+            </a:extLst>
+          </p:cNvPr>
+          <p:cNvPicPr>
+            <a:picLocks noChangeAspect="1"/>
+          </p:cNvPicPr>
+          <p:nvPr/>
+        </p:nvPicPr>
+        <p:blipFill>
+          <a:blip r:embed="rId2">
+            <a:clrChange>
+              <a:clrFrom>
+                <a:srgbClr val="E5E5E5"/>
+              </a:clrFrom>
+              <a:clrTo>
+                <a:srgbClr val="E5E5E5">
+                  <a:alpha val="0"/>
+                </a:srgbClr>
+              </a:clrTo>
+            </a:clrChange>
+          </a:blip>
+          <a:srcRect l="60052" t="74455" r="15644" b="8452"/>
+          <a:stretch/>
+        </p:blipFill>
+        <p:spPr>
+          <a:xfrm>
+            <a:off x="7882576" y="2929060"/>
+            <a:ext cx="2369431" cy="200414"/>
+          </a:xfrm>
+          <a:prstGeom prst="rect">
+            <a:avLst/>
+          </a:prstGeom>
+        </p:spPr>
+      </p:pic>
+      <p:sp>
+        <p:nvSpPr>
+          <p:cNvPr id="17" name="Rechteck 16">
+            <a:extLst>
+              <a:ext uri="{FF2B5EF4-FFF2-40B4-BE49-F238E27FC236}">
+                <a16:creationId xmlns:a16="http://schemas.microsoft.com/office/drawing/2014/main" id="{E27CE389-909B-25F1-4100-3B4A46CA8A16}"/>
+              </a:ext>
+            </a:extLst>
+          </p:cNvPr>
+          <p:cNvSpPr/>
+          <p:nvPr/>
+        </p:nvSpPr>
+        <p:spPr>
+          <a:xfrm>
+            <a:off x="3436924" y="2349407"/>
+            <a:ext cx="1822451" cy="1079593"/>
+          </a:xfrm>
+          <a:prstGeom prst="rect">
+            <a:avLst/>
+          </a:prstGeom>
+          <a:solidFill>
+            <a:srgbClr val="F0F0F0"/>
+          </a:solidFill>
+          <a:ln>
+            <a:noFill/>
+          </a:ln>
+        </p:spPr>
+        <p:style>
+          <a:lnRef idx="2">
+            <a:schemeClr val="accent1">
+              <a:shade val="15000"/>
+            </a:schemeClr>
+          </a:lnRef>
+          <a:fillRef idx="1">
+            <a:schemeClr val="accent1"/>
+          </a:fillRef>
+          <a:effectRef idx="0">
+            <a:schemeClr val="accent1"/>
+          </a:effectRef>
+          <a:fontRef idx="minor">
+            <a:schemeClr val="lt1"/>
+          </a:fontRef>
+        </p:style>
+        <p:txBody>
+          <a:bodyPr rtlCol="0" anchor="ctr"/>
+          <a:lstStyle/>
+          <a:p>
+            <a:pPr algn="ctr"/>
+            <a:endParaRPr lang="en-US" dirty="0"/>
+          </a:p>
+        </p:txBody>
+      </p:sp>
+      <p:sp>
+        <p:nvSpPr>
+          <p:cNvPr id="18" name="Rechteck 17">
+            <a:extLst>
+              <a:ext uri="{FF2B5EF4-FFF2-40B4-BE49-F238E27FC236}">
+                <a16:creationId xmlns:a16="http://schemas.microsoft.com/office/drawing/2014/main" id="{D69022A7-F154-6E0F-FE9A-8E4F14E3A18C}"/>
+              </a:ext>
+            </a:extLst>
+          </p:cNvPr>
+          <p:cNvSpPr/>
+          <p:nvPr/>
+        </p:nvSpPr>
+        <p:spPr>
+          <a:xfrm>
+            <a:off x="3436924" y="2707726"/>
+            <a:ext cx="1822451" cy="700882"/>
+          </a:xfrm>
+          <a:prstGeom prst="rect">
+            <a:avLst/>
+          </a:prstGeom>
+          <a:solidFill>
+            <a:srgbClr val="E5E5E5"/>
+          </a:solidFill>
+          <a:ln>
+            <a:noFill/>
+          </a:ln>
+        </p:spPr>
+        <p:style>
+          <a:lnRef idx="2">
+            <a:schemeClr val="accent1">
+              <a:shade val="15000"/>
+            </a:schemeClr>
+          </a:lnRef>
+          <a:fillRef idx="1">
+            <a:schemeClr val="accent1"/>
+          </a:fillRef>
+          <a:effectRef idx="0">
+            <a:schemeClr val="accent1"/>
+          </a:effectRef>
+          <a:fontRef idx="minor">
+            <a:schemeClr val="lt1"/>
+          </a:fontRef>
+        </p:style>
+        <p:txBody>
+          <a:bodyPr rtlCol="0" anchor="ctr"/>
+          <a:lstStyle/>
+          <a:p>
+            <a:pPr algn="ctr"/>
+            <a:endParaRPr lang="en-US" dirty="0"/>
+          </a:p>
+        </p:txBody>
+      </p:sp>
+      <p:pic>
+        <p:nvPicPr>
+          <p:cNvPr id="14" name="Grafik 13">
+            <a:extLst>
+              <a:ext uri="{FF2B5EF4-FFF2-40B4-BE49-F238E27FC236}">
+                <a16:creationId xmlns:a16="http://schemas.microsoft.com/office/drawing/2014/main" id="{C8559D78-C3A6-CEAD-46F5-8981813A9542}"/>
+              </a:ext>
+            </a:extLst>
+          </p:cNvPr>
+          <p:cNvPicPr>
+            <a:picLocks noChangeAspect="1"/>
+          </p:cNvPicPr>
+          <p:nvPr/>
+        </p:nvPicPr>
+        <p:blipFill>
+          <a:blip r:embed="rId2"/>
+          <a:srcRect l="25793" t="45317" r="55579" b="5727"/>
+          <a:stretch/>
+        </p:blipFill>
+        <p:spPr>
+          <a:xfrm>
+            <a:off x="3436924" y="2679585"/>
+            <a:ext cx="1816101" cy="573984"/>
+          </a:xfrm>
+          <a:prstGeom prst="rect">
+            <a:avLst/>
+          </a:prstGeom>
+        </p:spPr>
+      </p:pic>
+      <p:pic>
+        <p:nvPicPr>
+          <p:cNvPr id="16" name="Grafik 15">
+            <a:extLst>
+              <a:ext uri="{FF2B5EF4-FFF2-40B4-BE49-F238E27FC236}">
+                <a16:creationId xmlns:a16="http://schemas.microsoft.com/office/drawing/2014/main" id="{F6A762A8-2F15-2533-3E70-ECBF087D057B}"/>
+              </a:ext>
+            </a:extLst>
+          </p:cNvPr>
+          <p:cNvPicPr>
+            <a:picLocks noChangeAspect="1"/>
+          </p:cNvPicPr>
+          <p:nvPr/>
+        </p:nvPicPr>
+        <p:blipFill>
+          <a:blip r:embed="rId2"/>
+          <a:srcRect l="25988" t="9824" r="55474" b="71761"/>
+          <a:stretch/>
+        </p:blipFill>
+        <p:spPr>
+          <a:xfrm>
+            <a:off x="3447378" y="2379083"/>
+            <a:ext cx="1807248" cy="215901"/>
+          </a:xfrm>
+          <a:prstGeom prst="rect">
+            <a:avLst/>
+          </a:prstGeom>
+        </p:spPr>
+      </p:pic>
+      <p:pic>
+        <p:nvPicPr>
+          <p:cNvPr id="15" name="Grafik 14">
+            <a:extLst>
+              <a:ext uri="{FF2B5EF4-FFF2-40B4-BE49-F238E27FC236}">
+                <a16:creationId xmlns:a16="http://schemas.microsoft.com/office/drawing/2014/main" id="{F620398F-686A-567F-E771-2EE8BE2140F9}"/>
+              </a:ext>
+            </a:extLst>
+          </p:cNvPr>
+          <p:cNvPicPr>
+            <a:picLocks noChangeAspect="1"/>
+          </p:cNvPicPr>
+          <p:nvPr/>
+        </p:nvPicPr>
+        <p:blipFill>
+          <a:blip r:embed="rId2"/>
+          <a:srcRect l="30873" t="27425" r="62939" b="56869"/>
+          <a:stretch/>
+        </p:blipFill>
+        <p:spPr>
+          <a:xfrm>
+            <a:off x="4625979" y="2401310"/>
+            <a:ext cx="603251" cy="184150"/>
+          </a:xfrm>
+          <a:prstGeom prst="rect">
+            <a:avLst/>
+          </a:prstGeom>
+        </p:spPr>
+      </p:pic>
+    </p:spTree>
+    <p:extLst>
+      <p:ext uri="{BB962C8B-B14F-4D97-AF65-F5344CB8AC3E}">
+        <p14:creationId xmlns:p14="http://schemas.microsoft.com/office/powerpoint/2010/main" val="3035468830"/>
+      </p:ext>
+    </p:extLst>
+  </p:cSld>
+  <p:clrMapOvr>
+    <a:masterClrMapping/>
+  </p:clrMapOvr>
+</p:sld>
+</file>
+
 <file path=ppt/slides/slide3.xml><?xml version="1.0" encoding="utf-8"?>
 <p:sld xmlns:a="http://schemas.openxmlformats.org/drawingml/2006/main" xmlns:r="http://schemas.openxmlformats.org/officeDocument/2006/relationships" xmlns:p="http://schemas.openxmlformats.org/presentationml/2006/main">
   <p:cSld>
@@ -6873,10 +8699,10 @@
       </p:grpSpPr>
       <p:sp>
         <p:nvSpPr>
-          <p:cNvPr id="2" name="Textfeld 1">
-            <a:extLst>
-              <a:ext uri="{FF2B5EF4-FFF2-40B4-BE49-F238E27FC236}">
-                <a16:creationId xmlns:a16="http://schemas.microsoft.com/office/drawing/2014/main" id="{E481B723-64CE-6CD2-C126-C2EC26098A85}"/>
+          <p:cNvPr id="33" name="Textfeld 32">
+            <a:extLst>
+              <a:ext uri="{FF2B5EF4-FFF2-40B4-BE49-F238E27FC236}">
+                <a16:creationId xmlns:a16="http://schemas.microsoft.com/office/drawing/2014/main" id="{766BEBCE-305C-21C2-E4EC-6BE79E84E19A}"/>
               </a:ext>
             </a:extLst>
           </p:cNvPr>
@@ -6885,16 +8711,16 @@
         </p:nvSpPr>
         <p:spPr>
           <a:xfrm>
-            <a:off x="2367503" y="1580805"/>
+            <a:off x="2301297" y="1484443"/>
             <a:ext cx="1719743" cy="429936"/>
           </a:xfrm>
           <a:prstGeom prst="rect">
             <a:avLst/>
           </a:prstGeom>
           <a:solidFill>
-            <a:schemeClr val="bg1">
+            <a:sysClr val="window" lastClr="FFFFFF">
               <a:lumMod val="85000"/>
-            </a:schemeClr>
+            </a:sysClr>
           </a:solidFill>
           <a:effectLst>
             <a:outerShdw blurRad="50800" dist="38100" dir="2700000" algn="tl" rotWithShape="0">
@@ -6910,14 +8736,16 @@
           </a:bodyPr>
           <a:lstStyle/>
           <a:p>
-            <a:pPr algn="ctr"/>
-            <a:r>
-              <a:rPr lang="de-DE" sz="1400" b="1" dirty="0">
+            <a:pPr algn="ctr">
+              <a:defRPr/>
+            </a:pPr>
+            <a:r>
+              <a:rPr lang="de-DE" sz="1400" b="1" kern="0" dirty="0">
                 <a:solidFill>
-                  <a:schemeClr val="tx1">
+                  <a:prstClr val="black">
                     <a:lumMod val="50000"/>
                     <a:lumOff val="50000"/>
-                  </a:schemeClr>
+                  </a:prstClr>
                 </a:solidFill>
                 <a:latin typeface="Roboto Black" panose="02000000000000000000" pitchFamily="2" charset="0"/>
                 <a:ea typeface="Roboto Black" panose="02000000000000000000" pitchFamily="2" charset="0"/>
@@ -6925,7 +8753,7 @@
               <a:t>Planform</a:t>
             </a:r>
             <a:r>
-              <a:rPr lang="de-DE" sz="1400" b="1" dirty="0">
+              <a:rPr lang="de-DE" sz="1400" b="1" kern="0" dirty="0">
                 <a:solidFill>
                   <a:srgbClr val="DA007D"/>
                 </a:solidFill>
@@ -6939,10 +8767,10 @@
       </p:sp>
       <p:sp>
         <p:nvSpPr>
-          <p:cNvPr id="19" name="Textfeld 18">
-            <a:extLst>
-              <a:ext uri="{FF2B5EF4-FFF2-40B4-BE49-F238E27FC236}">
-                <a16:creationId xmlns:a16="http://schemas.microsoft.com/office/drawing/2014/main" id="{BEF5B32F-AB91-D655-1F15-A2043150CF18}"/>
+          <p:cNvPr id="34" name="Textfeld 33">
+            <a:extLst>
+              <a:ext uri="{FF2B5EF4-FFF2-40B4-BE49-F238E27FC236}">
+                <a16:creationId xmlns:a16="http://schemas.microsoft.com/office/drawing/2014/main" id="{3147B91A-312E-5C45-2D40-633FBCE1F80F}"/>
               </a:ext>
             </a:extLst>
           </p:cNvPr>
@@ -6951,16 +8779,16 @@
         </p:nvSpPr>
         <p:spPr>
           <a:xfrm>
-            <a:off x="6124809" y="1795773"/>
+            <a:off x="6058603" y="1699411"/>
             <a:ext cx="877174" cy="429936"/>
           </a:xfrm>
           <a:prstGeom prst="rect">
             <a:avLst/>
           </a:prstGeom>
           <a:solidFill>
-            <a:schemeClr val="bg1">
+            <a:sysClr val="window" lastClr="FFFFFF">
               <a:lumMod val="95000"/>
-            </a:schemeClr>
+            </a:sysClr>
           </a:solidFill>
           <a:effectLst>
             <a:outerShdw blurRad="50800" dist="38100" dir="2700000" algn="tl" rotWithShape="0">
@@ -6976,11 +8804,13 @@
           </a:bodyPr>
           <a:lstStyle/>
           <a:p>
-            <a:pPr algn="ctr"/>
-            <a:r>
-              <a:rPr lang="de-DE" sz="1400" b="1" dirty="0">
+            <a:pPr algn="ctr">
+              <a:defRPr/>
+            </a:pPr>
+            <a:r>
+              <a:rPr lang="de-DE" sz="1400" b="1" kern="0" dirty="0">
                 <a:solidFill>
-                  <a:schemeClr val="accent3"/>
+                  <a:srgbClr val="196B24"/>
                 </a:solidFill>
                 <a:latin typeface="Roboto Black" panose="02000000000000000000" pitchFamily="2" charset="0"/>
                 <a:ea typeface="Roboto Black" panose="02000000000000000000" pitchFamily="2" charset="0"/>
@@ -6992,10 +8822,10 @@
       </p:sp>
       <p:sp>
         <p:nvSpPr>
-          <p:cNvPr id="9" name="Textfeld 8">
-            <a:extLst>
-              <a:ext uri="{FF2B5EF4-FFF2-40B4-BE49-F238E27FC236}">
-                <a16:creationId xmlns:a16="http://schemas.microsoft.com/office/drawing/2014/main" id="{A6656360-78D0-F624-30C2-19B6A1F1FCF5}"/>
+          <p:cNvPr id="35" name="Textfeld 34">
+            <a:extLst>
+              <a:ext uri="{FF2B5EF4-FFF2-40B4-BE49-F238E27FC236}">
+                <a16:creationId xmlns:a16="http://schemas.microsoft.com/office/drawing/2014/main" id="{7C4DB7FC-6B30-A80E-EBB8-5E756252A48F}"/>
               </a:ext>
             </a:extLst>
           </p:cNvPr>
@@ -7004,16 +8834,16 @@
         </p:nvSpPr>
         <p:spPr>
           <a:xfrm>
-            <a:off x="5662716" y="1419317"/>
+            <a:off x="5596510" y="1322955"/>
             <a:ext cx="957742" cy="429936"/>
           </a:xfrm>
           <a:prstGeom prst="rect">
             <a:avLst/>
           </a:prstGeom>
           <a:solidFill>
-            <a:schemeClr val="bg1">
+            <a:sysClr val="window" lastClr="FFFFFF">
               <a:lumMod val="95000"/>
-            </a:schemeClr>
+            </a:sysClr>
           </a:solidFill>
           <a:effectLst>
             <a:outerShdw blurRad="50800" dist="38100" dir="2700000" algn="tl" rotWithShape="0">
@@ -7029,9 +8859,11 @@
           </a:bodyPr>
           <a:lstStyle/>
           <a:p>
-            <a:pPr algn="ctr"/>
-            <a:r>
-              <a:rPr lang="de-DE" sz="1400" b="1" dirty="0">
+            <a:pPr algn="ctr">
+              <a:defRPr/>
+            </a:pPr>
+            <a:r>
+              <a:rPr lang="de-DE" sz="1400" b="1" kern="0" dirty="0">
                 <a:solidFill>
                   <a:srgbClr val="C00000"/>
                 </a:solidFill>
@@ -7045,10 +8877,10 @@
       </p:sp>
       <p:sp>
         <p:nvSpPr>
-          <p:cNvPr id="22" name="Textfeld 21">
-            <a:extLst>
-              <a:ext uri="{FF2B5EF4-FFF2-40B4-BE49-F238E27FC236}">
-                <a16:creationId xmlns:a16="http://schemas.microsoft.com/office/drawing/2014/main" id="{5402AD51-D9EA-CF78-346D-A51253A58946}"/>
+          <p:cNvPr id="36" name="Textfeld 35">
+            <a:extLst>
+              <a:ext uri="{FF2B5EF4-FFF2-40B4-BE49-F238E27FC236}">
+                <a16:creationId xmlns:a16="http://schemas.microsoft.com/office/drawing/2014/main" id="{8F07C0A1-6354-2CCB-526C-9A26FDB8989B}"/>
               </a:ext>
             </a:extLst>
           </p:cNvPr>
@@ -7057,7 +8889,7 @@
         </p:nvSpPr>
         <p:spPr>
           <a:xfrm>
-            <a:off x="4260550" y="1156404"/>
+            <a:off x="4194344" y="1060042"/>
             <a:ext cx="1178528" cy="369332"/>
           </a:xfrm>
           <a:prstGeom prst="rect">
@@ -7075,10 +8907,10 @@
             <a:r>
               <a:rPr lang="de-DE" sz="900" dirty="0" err="1">
                 <a:solidFill>
-                  <a:schemeClr val="tx1">
+                  <a:prstClr val="black">
                     <a:lumMod val="65000"/>
                     <a:lumOff val="35000"/>
-                  </a:schemeClr>
+                  </a:prstClr>
                 </a:solidFill>
                 <a:latin typeface="Roboto" panose="02000000000000000000" pitchFamily="2" charset="0"/>
                 <a:ea typeface="Roboto" panose="02000000000000000000" pitchFamily="2" charset="0"/>
@@ -7089,10 +8921,10 @@
             <a:r>
               <a:rPr lang="de-DE" sz="900" dirty="0">
                 <a:solidFill>
-                  <a:schemeClr val="tx1">
+                  <a:prstClr val="black">
                     <a:lumMod val="65000"/>
                     <a:lumOff val="35000"/>
-                  </a:schemeClr>
+                  </a:prstClr>
                 </a:solidFill>
                 <a:latin typeface="Roboto" panose="02000000000000000000" pitchFamily="2" charset="0"/>
                 <a:ea typeface="Roboto" panose="02000000000000000000" pitchFamily="2" charset="0"/>
@@ -7106,10 +8938,10 @@
             <a:r>
               <a:rPr lang="de-DE" sz="900" dirty="0" err="1">
                 <a:solidFill>
-                  <a:schemeClr val="tx1">
+                  <a:prstClr val="black">
                     <a:lumMod val="65000"/>
                     <a:lumOff val="35000"/>
-                  </a:schemeClr>
+                  </a:prstClr>
                 </a:solidFill>
                 <a:latin typeface="Roboto" panose="02000000000000000000" pitchFamily="2" charset="0"/>
                 <a:ea typeface="Roboto" panose="02000000000000000000" pitchFamily="2" charset="0"/>
@@ -7119,10 +8951,10 @@
             </a:r>
             <a:endParaRPr lang="en-US" sz="900" dirty="0">
               <a:solidFill>
-                <a:schemeClr val="tx1">
+                <a:prstClr val="black">
                   <a:lumMod val="65000"/>
                   <a:lumOff val="35000"/>
-                </a:schemeClr>
+                </a:prstClr>
               </a:solidFill>
               <a:latin typeface="Roboto" panose="02000000000000000000" pitchFamily="2" charset="0"/>
               <a:ea typeface="Roboto" panose="02000000000000000000" pitchFamily="2" charset="0"/>
@@ -7133,10 +8965,10 @@
       </p:sp>
       <p:sp>
         <p:nvSpPr>
-          <p:cNvPr id="23" name="Bogen 22">
-            <a:extLst>
-              <a:ext uri="{FF2B5EF4-FFF2-40B4-BE49-F238E27FC236}">
-                <a16:creationId xmlns:a16="http://schemas.microsoft.com/office/drawing/2014/main" id="{E11EA3A4-4191-62C5-B501-CC5A63D5ACFA}"/>
+          <p:cNvPr id="37" name="Bogen 36">
+            <a:extLst>
+              <a:ext uri="{FF2B5EF4-FFF2-40B4-BE49-F238E27FC236}">
+                <a16:creationId xmlns:a16="http://schemas.microsoft.com/office/drawing/2014/main" id="{52D02096-7213-76B3-AA50-8D6FDAE07783}"/>
               </a:ext>
             </a:extLst>
           </p:cNvPr>
@@ -7145,7 +8977,7 @@
         </p:nvSpPr>
         <p:spPr>
           <a:xfrm rot="15812055">
-            <a:off x="4113693" y="720640"/>
+            <a:off x="4047487" y="624278"/>
             <a:ext cx="1403335" cy="2011569"/>
           </a:xfrm>
           <a:prstGeom prst="arc">
@@ -7154,45 +8986,61 @@
               <a:gd name="adj2" fmla="val 4154511"/>
             </a:avLst>
           </a:prstGeom>
-          <a:ln w="38100">
+          <a:noFill/>
+          <a:ln w="22225" cap="flat" cmpd="sng" algn="ctr">
             <a:solidFill>
-              <a:schemeClr val="bg1">
+              <a:sysClr val="window" lastClr="FFFFFF">
                 <a:lumMod val="65000"/>
-              </a:schemeClr>
+              </a:sysClr>
             </a:solidFill>
+            <a:prstDash val="solid"/>
+            <a:miter lim="800000"/>
             <a:headEnd type="none" w="med" len="med"/>
             <a:tailEnd type="triangle" w="lg" len="lg"/>
           </a:ln>
-        </p:spPr>
-        <p:style>
-          <a:lnRef idx="2">
-            <a:schemeClr val="accent1"/>
-          </a:lnRef>
-          <a:fillRef idx="0">
-            <a:schemeClr val="accent1"/>
-          </a:fillRef>
-          <a:effectRef idx="1">
-            <a:schemeClr val="accent1"/>
-          </a:effectRef>
-          <a:fontRef idx="minor">
-            <a:schemeClr val="tx1"/>
-          </a:fontRef>
-        </p:style>
+          <a:effectLst/>
+        </p:spPr>
         <p:txBody>
           <a:bodyPr rtlCol="0" anchor="ctr"/>
           <a:lstStyle/>
           <a:p>
-            <a:pPr algn="ctr"/>
-            <a:endParaRPr lang="en-US"/>
-          </a:p>
-        </p:txBody>
-      </p:sp>
-      <p:sp>
-        <p:nvSpPr>
-          <p:cNvPr id="24" name="Bogen 23">
-            <a:extLst>
-              <a:ext uri="{FF2B5EF4-FFF2-40B4-BE49-F238E27FC236}">
-                <a16:creationId xmlns:a16="http://schemas.microsoft.com/office/drawing/2014/main" id="{DA7AD756-C7F9-4454-1057-D4E43D7EB82E}"/>
+            <a:pPr marL="0" marR="0" lvl="0" indent="0" algn="ctr" defTabSz="914400" eaLnBrk="1" fontAlgn="auto" latinLnBrk="0" hangingPunct="1">
+              <a:lnSpc>
+                <a:spcPct val="100000"/>
+              </a:lnSpc>
+              <a:spcBef>
+                <a:spcPts val="0"/>
+              </a:spcBef>
+              <a:spcAft>
+                <a:spcPts val="0"/>
+              </a:spcAft>
+              <a:buClrTx/>
+              <a:buSzTx/>
+              <a:buFontTx/>
+              <a:buNone/>
+              <a:tabLst/>
+              <a:defRPr/>
+            </a:pPr>
+            <a:endParaRPr kumimoji="0" lang="en-US" sz="1800" b="0" i="0" u="none" strike="noStrike" kern="0" cap="none" spc="0" normalizeH="0" baseline="0" noProof="0">
+              <a:ln>
+                <a:noFill/>
+              </a:ln>
+              <a:solidFill>
+                <a:prstClr val="black"/>
+              </a:solidFill>
+              <a:effectLst/>
+              <a:uLnTx/>
+              <a:uFillTx/>
+            </a:endParaRPr>
+          </a:p>
+        </p:txBody>
+      </p:sp>
+      <p:sp>
+        <p:nvSpPr>
+          <p:cNvPr id="38" name="Bogen 37">
+            <a:extLst>
+              <a:ext uri="{FF2B5EF4-FFF2-40B4-BE49-F238E27FC236}">
+                <a16:creationId xmlns:a16="http://schemas.microsoft.com/office/drawing/2014/main" id="{6FE1104A-1972-041C-B98B-E623BCA7712D}"/>
               </a:ext>
             </a:extLst>
           </p:cNvPr>
@@ -7201,7 +9049,7 @@
         </p:nvSpPr>
         <p:spPr>
           <a:xfrm rot="5400000">
-            <a:off x="4173314" y="843468"/>
+            <a:off x="4107108" y="747106"/>
             <a:ext cx="1403335" cy="2011569"/>
           </a:xfrm>
           <a:prstGeom prst="arc">
@@ -7210,13 +9058,15 @@
               <a:gd name="adj2" fmla="val 4154511"/>
             </a:avLst>
           </a:prstGeom>
-          <a:ln w="19050">
+          <a:noFill/>
+          <a:ln w="22225" cap="flat" cmpd="sng" algn="ctr">
             <a:solidFill>
-              <a:schemeClr val="bg1">
+              <a:sysClr val="window" lastClr="FFFFFF">
                 <a:lumMod val="65000"/>
-              </a:schemeClr>
+              </a:sysClr>
             </a:solidFill>
             <a:prstDash val="sysDot"/>
+            <a:miter lim="800000"/>
             <a:headEnd type="none" w="med" len="med"/>
             <a:tailEnd type="triangle" w="lg" len="lg"/>
             <a:extLst>
@@ -7320,36 +9170,49 @@
               </a:ext>
             </a:extLst>
           </a:ln>
-        </p:spPr>
-        <p:style>
-          <a:lnRef idx="2">
-            <a:schemeClr val="accent1"/>
-          </a:lnRef>
-          <a:fillRef idx="0">
-            <a:schemeClr val="accent1"/>
-          </a:fillRef>
-          <a:effectRef idx="1">
-            <a:schemeClr val="accent1"/>
-          </a:effectRef>
-          <a:fontRef idx="minor">
-            <a:schemeClr val="tx1"/>
-          </a:fontRef>
-        </p:style>
+          <a:effectLst/>
+        </p:spPr>
         <p:txBody>
           <a:bodyPr rtlCol="0" anchor="ctr"/>
           <a:lstStyle/>
           <a:p>
-            <a:pPr algn="ctr"/>
-            <a:endParaRPr lang="en-US"/>
-          </a:p>
-        </p:txBody>
-      </p:sp>
-      <p:sp>
-        <p:nvSpPr>
-          <p:cNvPr id="25" name="Textfeld 24">
-            <a:extLst>
-              <a:ext uri="{FF2B5EF4-FFF2-40B4-BE49-F238E27FC236}">
-                <a16:creationId xmlns:a16="http://schemas.microsoft.com/office/drawing/2014/main" id="{14FDBA6F-4D03-1ECB-9846-E211EC6DCD79}"/>
+            <a:pPr marL="0" marR="0" lvl="0" indent="0" algn="ctr" defTabSz="914400" eaLnBrk="1" fontAlgn="auto" latinLnBrk="0" hangingPunct="1">
+              <a:lnSpc>
+                <a:spcPct val="100000"/>
+              </a:lnSpc>
+              <a:spcBef>
+                <a:spcPts val="0"/>
+              </a:spcBef>
+              <a:spcAft>
+                <a:spcPts val="0"/>
+              </a:spcAft>
+              <a:buClrTx/>
+              <a:buSzTx/>
+              <a:buFontTx/>
+              <a:buNone/>
+              <a:tabLst/>
+              <a:defRPr/>
+            </a:pPr>
+            <a:endParaRPr kumimoji="0" lang="en-US" sz="1800" b="0" i="0" u="none" strike="noStrike" kern="0" cap="none" spc="0" normalizeH="0" baseline="0" noProof="0">
+              <a:ln>
+                <a:noFill/>
+              </a:ln>
+              <a:solidFill>
+                <a:prstClr val="black"/>
+              </a:solidFill>
+              <a:effectLst/>
+              <a:uLnTx/>
+              <a:uFillTx/>
+            </a:endParaRPr>
+          </a:p>
+        </p:txBody>
+      </p:sp>
+      <p:sp>
+        <p:nvSpPr>
+          <p:cNvPr id="39" name="Textfeld 38">
+            <a:extLst>
+              <a:ext uri="{FF2B5EF4-FFF2-40B4-BE49-F238E27FC236}">
+                <a16:creationId xmlns:a16="http://schemas.microsoft.com/office/drawing/2014/main" id="{A2A0A67E-D32A-0E8A-3CDB-DD4F32D35408}"/>
               </a:ext>
             </a:extLst>
           </p:cNvPr>
@@ -7358,7 +9221,7 @@
         </p:nvSpPr>
         <p:spPr>
           <a:xfrm>
-            <a:off x="4469778" y="2268634"/>
+            <a:off x="4403572" y="2172272"/>
             <a:ext cx="867545" cy="230832"/>
           </a:xfrm>
           <a:prstGeom prst="rect">
@@ -7376,22 +9239,201 @@
             <a:r>
               <a:rPr lang="de-DE" sz="900" dirty="0" err="1">
                 <a:solidFill>
-                  <a:schemeClr val="tx1">
+                  <a:prstClr val="black">
                     <a:lumMod val="65000"/>
                     <a:lumOff val="35000"/>
+                  </a:prstClr>
+                </a:solidFill>
+                <a:latin typeface="Roboto" panose="02000000000000000000" pitchFamily="2" charset="0"/>
+                <a:ea typeface="Roboto" panose="02000000000000000000" pitchFamily="2" charset="0"/>
+                <a:cs typeface="Roboto" panose="02000000000000000000" pitchFamily="2" charset="0"/>
+              </a:rPr>
+              <a:t>Improvement</a:t>
+            </a:r>
+            <a:endParaRPr lang="en-US" sz="900" dirty="0">
+              <a:solidFill>
+                <a:prstClr val="black">
+                  <a:lumMod val="65000"/>
+                  <a:lumOff val="35000"/>
+                </a:prstClr>
+              </a:solidFill>
+              <a:latin typeface="Roboto" panose="02000000000000000000" pitchFamily="2" charset="0"/>
+              <a:ea typeface="Roboto" panose="02000000000000000000" pitchFamily="2" charset="0"/>
+              <a:cs typeface="Roboto" panose="02000000000000000000" pitchFamily="2" charset="0"/>
+            </a:endParaRPr>
+          </a:p>
+        </p:txBody>
+      </p:sp>
+      <p:sp>
+        <p:nvSpPr>
+          <p:cNvPr id="40" name="Textfeld 39">
+            <a:extLst>
+              <a:ext uri="{FF2B5EF4-FFF2-40B4-BE49-F238E27FC236}">
+                <a16:creationId xmlns:a16="http://schemas.microsoft.com/office/drawing/2014/main" id="{0B1A73E4-327D-F9D0-E4C1-56D12EE8CB34}"/>
+              </a:ext>
+            </a:extLst>
+          </p:cNvPr>
+          <p:cNvSpPr txBox="1"/>
+          <p:nvPr/>
+        </p:nvSpPr>
+        <p:spPr>
+          <a:xfrm>
+            <a:off x="2305127" y="404454"/>
+            <a:ext cx="1516762" cy="307777"/>
+          </a:xfrm>
+          <a:prstGeom prst="rect">
+            <a:avLst/>
+          </a:prstGeom>
+          <a:noFill/>
+        </p:spPr>
+        <p:txBody>
+          <a:bodyPr wrap="none" rtlCol="0">
+            <a:spAutoFit/>
+          </a:bodyPr>
+          <a:lstStyle>
+            <a:defPPr>
+              <a:defRPr lang="de-DE"/>
+            </a:defPPr>
+            <a:lvl1pPr algn="ctr">
+              <a:defRPr sz="1400" i="1">
+                <a:solidFill>
+                  <a:schemeClr val="tx1">
+                    <a:lumMod val="95000"/>
+                    <a:lumOff val="5000"/>
+                  </a:schemeClr>
+                </a:solidFill>
+                <a:latin typeface="Roboto" panose="02000000000000000000" pitchFamily="2" charset="0"/>
+                <a:ea typeface="Roboto" panose="02000000000000000000" pitchFamily="2" charset="0"/>
+                <a:cs typeface="Roboto" panose="02000000000000000000" pitchFamily="2" charset="0"/>
+              </a:defRPr>
+            </a:lvl1pPr>
+          </a:lstStyle>
+          <a:p>
+            <a:pPr marL="0" marR="0" lvl="0" indent="0" algn="ctr" defTabSz="914400" eaLnBrk="1" fontAlgn="auto" latinLnBrk="0" hangingPunct="1">
+              <a:lnSpc>
+                <a:spcPct val="100000"/>
+              </a:lnSpc>
+              <a:spcBef>
+                <a:spcPts val="0"/>
+              </a:spcBef>
+              <a:spcAft>
+                <a:spcPts val="0"/>
+              </a:spcAft>
+              <a:buClrTx/>
+              <a:buSzTx/>
+              <a:buFontTx/>
+              <a:buNone/>
+              <a:tabLst/>
+              <a:defRPr/>
+            </a:pPr>
+            <a:r>
+              <a:rPr kumimoji="0" lang="de-DE" b="0" i="0" u="none" strike="noStrike" kern="0" cap="none" spc="0" normalizeH="0" baseline="0" noProof="0" dirty="0" err="1">
+                <a:ln>
+                  <a:noFill/>
+                </a:ln>
+                <a:solidFill>
+                  <a:schemeClr val="tx2">
+                    <a:lumMod val="50000"/>
+                    <a:lumOff val="50000"/>
+                  </a:schemeClr>
+                </a:solidFill>
+                <a:effectLst/>
+                <a:uLnTx/>
+                <a:uFillTx/>
+                <a:latin typeface="Roboto" panose="02000000000000000000" pitchFamily="2" charset="0"/>
+                <a:ea typeface="Roboto" panose="02000000000000000000" pitchFamily="2" charset="0"/>
+                <a:cs typeface="Roboto" panose="02000000000000000000" pitchFamily="2" charset="0"/>
+              </a:rPr>
+              <a:t>Planform</a:t>
+            </a:r>
+            <a:r>
+              <a:rPr kumimoji="0" lang="de-DE" b="0" i="0" u="none" strike="noStrike" kern="0" cap="none" spc="0" normalizeH="0" baseline="0" noProof="0" dirty="0">
+                <a:ln>
+                  <a:noFill/>
+                </a:ln>
+                <a:solidFill>
+                  <a:schemeClr val="tx2">
+                    <a:lumMod val="50000"/>
+                    <a:lumOff val="50000"/>
+                  </a:schemeClr>
+                </a:solidFill>
+                <a:effectLst/>
+                <a:uLnTx/>
+                <a:uFillTx/>
+                <a:latin typeface="Roboto" panose="02000000000000000000" pitchFamily="2" charset="0"/>
+                <a:ea typeface="Roboto" panose="02000000000000000000" pitchFamily="2" charset="0"/>
+                <a:cs typeface="Roboto" panose="02000000000000000000" pitchFamily="2" charset="0"/>
+              </a:rPr>
+              <a:t> Design</a:t>
+            </a:r>
+            <a:endParaRPr kumimoji="0" lang="en-US" b="0" i="0" u="none" strike="noStrike" kern="0" cap="none" spc="0" normalizeH="0" baseline="0" noProof="0" dirty="0">
+              <a:ln>
+                <a:noFill/>
+              </a:ln>
+              <a:solidFill>
+                <a:schemeClr val="tx2">
+                  <a:lumMod val="50000"/>
+                  <a:lumOff val="50000"/>
+                </a:schemeClr>
+              </a:solidFill>
+              <a:effectLst/>
+              <a:uLnTx/>
+              <a:uFillTx/>
+              <a:latin typeface="Roboto" panose="02000000000000000000" pitchFamily="2" charset="0"/>
+              <a:ea typeface="Roboto" panose="02000000000000000000" pitchFamily="2" charset="0"/>
+              <a:cs typeface="Roboto" panose="02000000000000000000" pitchFamily="2" charset="0"/>
+            </a:endParaRPr>
+          </a:p>
+        </p:txBody>
+      </p:sp>
+      <p:sp>
+        <p:nvSpPr>
+          <p:cNvPr id="42" name="Textfeld 41">
+            <a:extLst>
+              <a:ext uri="{FF2B5EF4-FFF2-40B4-BE49-F238E27FC236}">
+                <a16:creationId xmlns:a16="http://schemas.microsoft.com/office/drawing/2014/main" id="{B611A9CB-6859-DCBA-0E04-8F4803B638DA}"/>
+              </a:ext>
+            </a:extLst>
+          </p:cNvPr>
+          <p:cNvSpPr txBox="1"/>
+          <p:nvPr/>
+        </p:nvSpPr>
+        <p:spPr>
+          <a:xfrm>
+            <a:off x="5235546" y="398641"/>
+            <a:ext cx="1939954" cy="307777"/>
+          </a:xfrm>
+          <a:prstGeom prst="rect">
+            <a:avLst/>
+          </a:prstGeom>
+          <a:noFill/>
+        </p:spPr>
+        <p:txBody>
+          <a:bodyPr wrap="none" rtlCol="0">
+            <a:spAutoFit/>
+          </a:bodyPr>
+          <a:lstStyle/>
+          <a:p>
+            <a:pPr algn="ctr"/>
+            <a:r>
+              <a:rPr lang="de-DE" sz="1400" dirty="0">
+                <a:solidFill>
+                  <a:schemeClr val="tx2">
+                    <a:lumMod val="50000"/>
+                    <a:lumOff val="50000"/>
                   </a:schemeClr>
                 </a:solidFill>
                 <a:latin typeface="Roboto" panose="02000000000000000000" pitchFamily="2" charset="0"/>
                 <a:ea typeface="Roboto" panose="02000000000000000000" pitchFamily="2" charset="0"/>
                 <a:cs typeface="Roboto" panose="02000000000000000000" pitchFamily="2" charset="0"/>
               </a:rPr>
-              <a:t>Improvement</a:t>
-            </a:r>
-            <a:endParaRPr lang="en-US" sz="900" dirty="0">
+              <a:t>Performance Analysis</a:t>
+            </a:r>
+            <a:endParaRPr lang="en-US" sz="1400" dirty="0">
               <a:solidFill>
-                <a:schemeClr val="tx1">
-                  <a:lumMod val="65000"/>
-                  <a:lumOff val="35000"/>
+                <a:schemeClr val="tx2">
+                  <a:lumMod val="50000"/>
+                  <a:lumOff val="50000"/>
                 </a:schemeClr>
               </a:solidFill>
               <a:latin typeface="Roboto" panose="02000000000000000000" pitchFamily="2" charset="0"/>
@@ -7403,10 +9445,10 @@
       </p:sp>
       <p:sp>
         <p:nvSpPr>
-          <p:cNvPr id="27" name="Pfeil: nach rechts 26">
-            <a:extLst>
-              <a:ext uri="{FF2B5EF4-FFF2-40B4-BE49-F238E27FC236}">
-                <a16:creationId xmlns:a16="http://schemas.microsoft.com/office/drawing/2014/main" id="{3BA7D3E1-364B-C421-3F49-028B68AEE106}"/>
+          <p:cNvPr id="43" name="Pfeil: nach rechts 42">
+            <a:extLst>
+              <a:ext uri="{FF2B5EF4-FFF2-40B4-BE49-F238E27FC236}">
+                <a16:creationId xmlns:a16="http://schemas.microsoft.com/office/drawing/2014/main" id="{080561EE-D78A-B0E0-8BFD-C94CB5F13148}"/>
               </a:ext>
             </a:extLst>
           </p:cNvPr>
@@ -7415,7 +9457,7 @@
         </p:nvSpPr>
         <p:spPr>
           <a:xfrm>
-            <a:off x="1664575" y="1656793"/>
+            <a:off x="1571006" y="1539041"/>
             <a:ext cx="621769" cy="349520"/>
           </a:xfrm>
           <a:custGeom>
@@ -7558,10 +9600,10 @@
       </p:sp>
       <p:sp>
         <p:nvSpPr>
-          <p:cNvPr id="26" name="Textfeld 25">
-            <a:extLst>
-              <a:ext uri="{FF2B5EF4-FFF2-40B4-BE49-F238E27FC236}">
-                <a16:creationId xmlns:a16="http://schemas.microsoft.com/office/drawing/2014/main" id="{A0FAC017-B13A-71E8-31F4-4A75E772BD31}"/>
+          <p:cNvPr id="44" name="Textfeld 43">
+            <a:extLst>
+              <a:ext uri="{FF2B5EF4-FFF2-40B4-BE49-F238E27FC236}">
+                <a16:creationId xmlns:a16="http://schemas.microsoft.com/office/drawing/2014/main" id="{16B16627-D8BF-887D-0F43-FA6F9B123DA8}"/>
               </a:ext>
             </a:extLst>
           </p:cNvPr>
@@ -7570,7 +9612,7 @@
         </p:nvSpPr>
         <p:spPr>
           <a:xfrm>
-            <a:off x="795681" y="1608884"/>
+            <a:off x="702112" y="1491132"/>
             <a:ext cx="787735" cy="429936"/>
           </a:xfrm>
           <a:custGeom>
@@ -7731,10 +9773,10 @@
       </p:sp>
       <p:cxnSp>
         <p:nvCxnSpPr>
-          <p:cNvPr id="29" name="Gerade Verbindung mit Pfeil 28">
-            <a:extLst>
-              <a:ext uri="{FF2B5EF4-FFF2-40B4-BE49-F238E27FC236}">
-                <a16:creationId xmlns:a16="http://schemas.microsoft.com/office/drawing/2014/main" id="{A0A33CC2-7741-D29F-6C48-2B7EE19376AE}"/>
+          <p:cNvPr id="45" name="Gerade Verbindung mit Pfeil 44">
+            <a:extLst>
+              <a:ext uri="{FF2B5EF4-FFF2-40B4-BE49-F238E27FC236}">
+                <a16:creationId xmlns:a16="http://schemas.microsoft.com/office/drawing/2014/main" id="{76DC2629-7369-2F4A-C63D-167438FEEFDB}"/>
               </a:ext>
             </a:extLst>
           </p:cNvPr>
@@ -7743,7 +9785,7 @@
         </p:nvCxnSpPr>
         <p:spPr>
           <a:xfrm>
-            <a:off x="2783458" y="2092533"/>
+            <a:off x="2771859" y="2092533"/>
             <a:ext cx="0" cy="583035"/>
           </a:xfrm>
           <a:prstGeom prst="straightConnector1">
@@ -7776,10 +9818,10 @@
       </p:cxnSp>
       <p:sp>
         <p:nvSpPr>
-          <p:cNvPr id="30" name="Textfeld 29">
-            <a:extLst>
-              <a:ext uri="{FF2B5EF4-FFF2-40B4-BE49-F238E27FC236}">
-                <a16:creationId xmlns:a16="http://schemas.microsoft.com/office/drawing/2014/main" id="{03F469C6-9A7B-AA24-EEA5-BA4CA1872678}"/>
+          <p:cNvPr id="46" name="Textfeld 45">
+            <a:extLst>
+              <a:ext uri="{FF2B5EF4-FFF2-40B4-BE49-F238E27FC236}">
+                <a16:creationId xmlns:a16="http://schemas.microsoft.com/office/drawing/2014/main" id="{87985EC8-5961-0985-DE37-26DDB4B06ABA}"/>
               </a:ext>
             </a:extLst>
           </p:cNvPr>
@@ -7788,7 +9830,7 @@
         </p:nvSpPr>
         <p:spPr>
           <a:xfrm>
-            <a:off x="2468512" y="2797452"/>
+            <a:off x="2456913" y="2797452"/>
             <a:ext cx="957742" cy="429936"/>
           </a:xfrm>
           <a:prstGeom prst="rect">
@@ -7829,1280 +9871,6 @@
           </a:p>
         </p:txBody>
       </p:sp>
-      <p:sp>
-        <p:nvSpPr>
-          <p:cNvPr id="33" name="Textfeld 32">
-            <a:extLst>
-              <a:ext uri="{FF2B5EF4-FFF2-40B4-BE49-F238E27FC236}">
-                <a16:creationId xmlns:a16="http://schemas.microsoft.com/office/drawing/2014/main" id="{766BEBCE-305C-21C2-E4EC-6BE79E84E19A}"/>
-              </a:ext>
-            </a:extLst>
-          </p:cNvPr>
-          <p:cNvSpPr txBox="1"/>
-          <p:nvPr/>
-        </p:nvSpPr>
-        <p:spPr>
-          <a:xfrm>
-            <a:off x="5893762" y="4632292"/>
-            <a:ext cx="1719743" cy="429936"/>
-          </a:xfrm>
-          <a:prstGeom prst="rect">
-            <a:avLst/>
-          </a:prstGeom>
-          <a:solidFill>
-            <a:sysClr val="window" lastClr="FFFFFF">
-              <a:lumMod val="85000"/>
-            </a:sysClr>
-          </a:solidFill>
-          <a:effectLst>
-            <a:outerShdw blurRad="50800" dist="38100" dir="2700000" algn="tl" rotWithShape="0">
-              <a:prstClr val="black">
-                <a:alpha val="40000"/>
-              </a:prstClr>
-            </a:outerShdw>
-          </a:effectLst>
-        </p:spPr>
-        <p:txBody>
-          <a:bodyPr wrap="none" lIns="0" tIns="36000" rIns="0" bIns="36000" rtlCol="0" anchor="ctr">
-            <a:noAutofit/>
-          </a:bodyPr>
-          <a:lstStyle/>
-          <a:p>
-            <a:pPr algn="ctr">
-              <a:defRPr/>
-            </a:pPr>
-            <a:r>
-              <a:rPr lang="de-DE" sz="1400" b="1" kern="0" dirty="0">
-                <a:solidFill>
-                  <a:prstClr val="black">
-                    <a:lumMod val="50000"/>
-                    <a:lumOff val="50000"/>
-                  </a:prstClr>
-                </a:solidFill>
-                <a:latin typeface="Roboto Black" panose="02000000000000000000" pitchFamily="2" charset="0"/>
-                <a:ea typeface="Roboto Black" panose="02000000000000000000" pitchFamily="2" charset="0"/>
-              </a:rPr>
-              <a:t>Planform</a:t>
-            </a:r>
-            <a:r>
-              <a:rPr lang="de-DE" sz="1400" b="1" kern="0" dirty="0">
-                <a:solidFill>
-                  <a:srgbClr val="DA007D"/>
-                </a:solidFill>
-                <a:latin typeface="Roboto Black" panose="02000000000000000000" pitchFamily="2" charset="0"/>
-                <a:ea typeface="Roboto Black" panose="02000000000000000000" pitchFamily="2" charset="0"/>
-              </a:rPr>
-              <a:t>Creator2</a:t>
-            </a:r>
-          </a:p>
-        </p:txBody>
-      </p:sp>
-      <p:sp>
-        <p:nvSpPr>
-          <p:cNvPr id="34" name="Textfeld 33">
-            <a:extLst>
-              <a:ext uri="{FF2B5EF4-FFF2-40B4-BE49-F238E27FC236}">
-                <a16:creationId xmlns:a16="http://schemas.microsoft.com/office/drawing/2014/main" id="{3147B91A-312E-5C45-2D40-633FBCE1F80F}"/>
-              </a:ext>
-            </a:extLst>
-          </p:cNvPr>
-          <p:cNvSpPr txBox="1"/>
-          <p:nvPr/>
-        </p:nvSpPr>
-        <p:spPr>
-          <a:xfrm>
-            <a:off x="9651068" y="4847260"/>
-            <a:ext cx="877174" cy="429936"/>
-          </a:xfrm>
-          <a:prstGeom prst="rect">
-            <a:avLst/>
-          </a:prstGeom>
-          <a:solidFill>
-            <a:sysClr val="window" lastClr="FFFFFF">
-              <a:lumMod val="95000"/>
-            </a:sysClr>
-          </a:solidFill>
-          <a:effectLst>
-            <a:outerShdw blurRad="50800" dist="38100" dir="2700000" algn="tl" rotWithShape="0">
-              <a:prstClr val="black">
-                <a:alpha val="40000"/>
-              </a:prstClr>
-            </a:outerShdw>
-          </a:effectLst>
-        </p:spPr>
-        <p:txBody>
-          <a:bodyPr wrap="none" lIns="0" tIns="36000" rIns="0" bIns="36000" rtlCol="0" anchor="ctr">
-            <a:noAutofit/>
-          </a:bodyPr>
-          <a:lstStyle/>
-          <a:p>
-            <a:pPr algn="ctr">
-              <a:defRPr/>
-            </a:pPr>
-            <a:r>
-              <a:rPr lang="de-DE" sz="1400" b="1" kern="0" dirty="0">
-                <a:solidFill>
-                  <a:srgbClr val="196B24"/>
-                </a:solidFill>
-                <a:latin typeface="Roboto Black" panose="02000000000000000000" pitchFamily="2" charset="0"/>
-                <a:ea typeface="Roboto Black" panose="02000000000000000000" pitchFamily="2" charset="0"/>
-              </a:rPr>
-              <a:t>FLZ</a:t>
-            </a:r>
-          </a:p>
-        </p:txBody>
-      </p:sp>
-      <p:sp>
-        <p:nvSpPr>
-          <p:cNvPr id="35" name="Textfeld 34">
-            <a:extLst>
-              <a:ext uri="{FF2B5EF4-FFF2-40B4-BE49-F238E27FC236}">
-                <a16:creationId xmlns:a16="http://schemas.microsoft.com/office/drawing/2014/main" id="{7C4DB7FC-6B30-A80E-EBB8-5E756252A48F}"/>
-              </a:ext>
-            </a:extLst>
-          </p:cNvPr>
-          <p:cNvSpPr txBox="1"/>
-          <p:nvPr/>
-        </p:nvSpPr>
-        <p:spPr>
-          <a:xfrm>
-            <a:off x="9188975" y="4470804"/>
-            <a:ext cx="957742" cy="429936"/>
-          </a:xfrm>
-          <a:prstGeom prst="rect">
-            <a:avLst/>
-          </a:prstGeom>
-          <a:solidFill>
-            <a:sysClr val="window" lastClr="FFFFFF">
-              <a:lumMod val="95000"/>
-            </a:sysClr>
-          </a:solidFill>
-          <a:effectLst>
-            <a:outerShdw blurRad="50800" dist="38100" dir="2700000" algn="tl" rotWithShape="0">
-              <a:prstClr val="black">
-                <a:alpha val="40000"/>
-              </a:prstClr>
-            </a:outerShdw>
-          </a:effectLst>
-        </p:spPr>
-        <p:txBody>
-          <a:bodyPr wrap="none" lIns="0" tIns="36000" rIns="0" bIns="36000" rtlCol="0" anchor="ctr">
-            <a:noAutofit/>
-          </a:bodyPr>
-          <a:lstStyle/>
-          <a:p>
-            <a:pPr algn="ctr">
-              <a:defRPr/>
-            </a:pPr>
-            <a:r>
-              <a:rPr lang="de-DE" sz="1400" b="1" kern="0" dirty="0">
-                <a:solidFill>
-                  <a:srgbClr val="C00000"/>
-                </a:solidFill>
-                <a:latin typeface="Roboto Black" panose="02000000000000000000" pitchFamily="2" charset="0"/>
-                <a:ea typeface="Roboto Black" panose="02000000000000000000" pitchFamily="2" charset="0"/>
-              </a:rPr>
-              <a:t>Xflr5</a:t>
-            </a:r>
-          </a:p>
-        </p:txBody>
-      </p:sp>
-      <p:sp>
-        <p:nvSpPr>
-          <p:cNvPr id="36" name="Textfeld 35">
-            <a:extLst>
-              <a:ext uri="{FF2B5EF4-FFF2-40B4-BE49-F238E27FC236}">
-                <a16:creationId xmlns:a16="http://schemas.microsoft.com/office/drawing/2014/main" id="{8F07C0A1-6354-2CCB-526C-9A26FDB8989B}"/>
-              </a:ext>
-            </a:extLst>
-          </p:cNvPr>
-          <p:cNvSpPr txBox="1"/>
-          <p:nvPr/>
-        </p:nvSpPr>
-        <p:spPr>
-          <a:xfrm>
-            <a:off x="7786809" y="4207891"/>
-            <a:ext cx="1178528" cy="369332"/>
-          </a:xfrm>
-          <a:prstGeom prst="rect">
-            <a:avLst/>
-          </a:prstGeom>
-          <a:noFill/>
-        </p:spPr>
-        <p:txBody>
-          <a:bodyPr wrap="none" rtlCol="0">
-            <a:spAutoFit/>
-          </a:bodyPr>
-          <a:lstStyle/>
-          <a:p>
-            <a:pPr algn="ctr"/>
-            <a:r>
-              <a:rPr lang="de-DE" sz="900" dirty="0" err="1">
-                <a:solidFill>
-                  <a:prstClr val="black">
-                    <a:lumMod val="65000"/>
-                    <a:lumOff val="35000"/>
-                  </a:prstClr>
-                </a:solidFill>
-                <a:latin typeface="Roboto" panose="02000000000000000000" pitchFamily="2" charset="0"/>
-                <a:ea typeface="Roboto" panose="02000000000000000000" pitchFamily="2" charset="0"/>
-                <a:cs typeface="Roboto" panose="02000000000000000000" pitchFamily="2" charset="0"/>
-              </a:rPr>
-              <a:t>Panelled</a:t>
-            </a:r>
-            <a:r>
-              <a:rPr lang="de-DE" sz="900" dirty="0">
-                <a:solidFill>
-                  <a:prstClr val="black">
-                    <a:lumMod val="65000"/>
-                    <a:lumOff val="35000"/>
-                  </a:prstClr>
-                </a:solidFill>
-                <a:latin typeface="Roboto" panose="02000000000000000000" pitchFamily="2" charset="0"/>
-                <a:ea typeface="Roboto" panose="02000000000000000000" pitchFamily="2" charset="0"/>
-                <a:cs typeface="Roboto" panose="02000000000000000000" pitchFamily="2" charset="0"/>
-              </a:rPr>
-              <a:t> Geometry,</a:t>
-            </a:r>
-          </a:p>
-          <a:p>
-            <a:pPr algn="ctr"/>
-            <a:r>
-              <a:rPr lang="de-DE" sz="900" dirty="0" err="1">
-                <a:solidFill>
-                  <a:prstClr val="black">
-                    <a:lumMod val="65000"/>
-                    <a:lumOff val="35000"/>
-                  </a:prstClr>
-                </a:solidFill>
-                <a:latin typeface="Roboto" panose="02000000000000000000" pitchFamily="2" charset="0"/>
-                <a:ea typeface="Roboto" panose="02000000000000000000" pitchFamily="2" charset="0"/>
-                <a:cs typeface="Roboto" panose="02000000000000000000" pitchFamily="2" charset="0"/>
-              </a:rPr>
-              <a:t>Airfoils</a:t>
-            </a:r>
-            <a:endParaRPr lang="en-US" sz="900" dirty="0">
-              <a:solidFill>
-                <a:prstClr val="black">
-                  <a:lumMod val="65000"/>
-                  <a:lumOff val="35000"/>
-                </a:prstClr>
-              </a:solidFill>
-              <a:latin typeface="Roboto" panose="02000000000000000000" pitchFamily="2" charset="0"/>
-              <a:ea typeface="Roboto" panose="02000000000000000000" pitchFamily="2" charset="0"/>
-              <a:cs typeface="Roboto" panose="02000000000000000000" pitchFamily="2" charset="0"/>
-            </a:endParaRPr>
-          </a:p>
-        </p:txBody>
-      </p:sp>
-      <p:sp>
-        <p:nvSpPr>
-          <p:cNvPr id="37" name="Bogen 36">
-            <a:extLst>
-              <a:ext uri="{FF2B5EF4-FFF2-40B4-BE49-F238E27FC236}">
-                <a16:creationId xmlns:a16="http://schemas.microsoft.com/office/drawing/2014/main" id="{52D02096-7213-76B3-AA50-8D6FDAE07783}"/>
-              </a:ext>
-            </a:extLst>
-          </p:cNvPr>
-          <p:cNvSpPr/>
-          <p:nvPr/>
-        </p:nvSpPr>
-        <p:spPr>
-          <a:xfrm rot="15812055">
-            <a:off x="7639952" y="3772127"/>
-            <a:ext cx="1403335" cy="2011569"/>
-          </a:xfrm>
-          <a:prstGeom prst="arc">
-            <a:avLst>
-              <a:gd name="adj1" fmla="val 17788278"/>
-              <a:gd name="adj2" fmla="val 4154511"/>
-            </a:avLst>
-          </a:prstGeom>
-          <a:noFill/>
-          <a:ln w="22225" cap="flat" cmpd="sng" algn="ctr">
-            <a:solidFill>
-              <a:sysClr val="window" lastClr="FFFFFF">
-                <a:lumMod val="65000"/>
-              </a:sysClr>
-            </a:solidFill>
-            <a:prstDash val="solid"/>
-            <a:miter lim="800000"/>
-            <a:headEnd type="none" w="med" len="med"/>
-            <a:tailEnd type="triangle" w="lg" len="lg"/>
-          </a:ln>
-          <a:effectLst/>
-        </p:spPr>
-        <p:txBody>
-          <a:bodyPr rtlCol="0" anchor="ctr"/>
-          <a:lstStyle/>
-          <a:p>
-            <a:pPr marL="0" marR="0" lvl="0" indent="0" algn="ctr" defTabSz="914400" eaLnBrk="1" fontAlgn="auto" latinLnBrk="0" hangingPunct="1">
-              <a:lnSpc>
-                <a:spcPct val="100000"/>
-              </a:lnSpc>
-              <a:spcBef>
-                <a:spcPts val="0"/>
-              </a:spcBef>
-              <a:spcAft>
-                <a:spcPts val="0"/>
-              </a:spcAft>
-              <a:buClrTx/>
-              <a:buSzTx/>
-              <a:buFontTx/>
-              <a:buNone/>
-              <a:tabLst/>
-              <a:defRPr/>
-            </a:pPr>
-            <a:endParaRPr kumimoji="0" lang="en-US" sz="1800" b="0" i="0" u="none" strike="noStrike" kern="0" cap="none" spc="0" normalizeH="0" baseline="0" noProof="0">
-              <a:ln>
-                <a:noFill/>
-              </a:ln>
-              <a:solidFill>
-                <a:prstClr val="black"/>
-              </a:solidFill>
-              <a:effectLst/>
-              <a:uLnTx/>
-              <a:uFillTx/>
-            </a:endParaRPr>
-          </a:p>
-        </p:txBody>
-      </p:sp>
-      <p:sp>
-        <p:nvSpPr>
-          <p:cNvPr id="38" name="Bogen 37">
-            <a:extLst>
-              <a:ext uri="{FF2B5EF4-FFF2-40B4-BE49-F238E27FC236}">
-                <a16:creationId xmlns:a16="http://schemas.microsoft.com/office/drawing/2014/main" id="{6FE1104A-1972-041C-B98B-E623BCA7712D}"/>
-              </a:ext>
-            </a:extLst>
-          </p:cNvPr>
-          <p:cNvSpPr/>
-          <p:nvPr/>
-        </p:nvSpPr>
-        <p:spPr>
-          <a:xfrm rot="5400000">
-            <a:off x="7699573" y="3894955"/>
-            <a:ext cx="1403335" cy="2011569"/>
-          </a:xfrm>
-          <a:prstGeom prst="arc">
-            <a:avLst>
-              <a:gd name="adj1" fmla="val 17788278"/>
-              <a:gd name="adj2" fmla="val 4154511"/>
-            </a:avLst>
-          </a:prstGeom>
-          <a:noFill/>
-          <a:ln w="22225" cap="flat" cmpd="sng" algn="ctr">
-            <a:solidFill>
-              <a:sysClr val="window" lastClr="FFFFFF">
-                <a:lumMod val="65000"/>
-              </a:sysClr>
-            </a:solidFill>
-            <a:prstDash val="sysDot"/>
-            <a:miter lim="800000"/>
-            <a:headEnd type="none" w="med" len="med"/>
-            <a:tailEnd type="triangle" w="lg" len="lg"/>
-            <a:extLst>
-              <a:ext uri="{C807C97D-BFC1-408E-A445-0C87EB9F89A2}">
-                <ask:lineSketchStyleProps xmlns:ask="http://schemas.microsoft.com/office/drawing/2018/sketchyshapes" sd="1219033472">
-                  <a:custGeom>
-                    <a:avLst/>
-                    <a:gdLst>
-                      <a:gd name="connsiteX0" fmla="*/ 1109312 w 1403335"/>
-                      <a:gd name="connsiteY0" fmla="*/ 187149 h 2011569"/>
-                      <a:gd name="connsiteX1" fmla="*/ 1402910 w 1403335"/>
-                      <a:gd name="connsiteY1" fmla="*/ 1040776 h 2011569"/>
-                      <a:gd name="connsiteX2" fmla="*/ 1036641 w 1403335"/>
-                      <a:gd name="connsiteY2" fmla="*/ 1889556 h 2011569"/>
-                      <a:gd name="connsiteX3" fmla="*/ 862455 w 1403335"/>
-                      <a:gd name="connsiteY3" fmla="*/ 1429995 h 2011569"/>
-                      <a:gd name="connsiteX4" fmla="*/ 701668 w 1403335"/>
-                      <a:gd name="connsiteY4" fmla="*/ 1005785 h 2011569"/>
-                      <a:gd name="connsiteX5" fmla="*/ 897337 w 1403335"/>
-                      <a:gd name="connsiteY5" fmla="*/ 612840 h 2011569"/>
-                      <a:gd name="connsiteX6" fmla="*/ 1109312 w 1403335"/>
-                      <a:gd name="connsiteY6" fmla="*/ 187149 h 2011569"/>
-                      <a:gd name="connsiteX0" fmla="*/ 1109312 w 1403335"/>
-                      <a:gd name="connsiteY0" fmla="*/ 187149 h 2011569"/>
-                      <a:gd name="connsiteX1" fmla="*/ 1402910 w 1403335"/>
-                      <a:gd name="connsiteY1" fmla="*/ 1040776 h 2011569"/>
-                      <a:gd name="connsiteX2" fmla="*/ 1036641 w 1403335"/>
-                      <a:gd name="connsiteY2" fmla="*/ 1889556 h 2011569"/>
-                    </a:gdLst>
-                    <a:ahLst/>
-                    <a:cxnLst>
-                      <a:cxn ang="0">
-                        <a:pos x="connsiteX0" y="connsiteY0"/>
-                      </a:cxn>
-                      <a:cxn ang="0">
-                        <a:pos x="connsiteX1" y="connsiteY1"/>
-                      </a:cxn>
-                      <a:cxn ang="0">
-                        <a:pos x="connsiteX2" y="connsiteY2"/>
-                      </a:cxn>
-                    </a:cxnLst>
-                    <a:rect l="l" t="t" r="r" b="b"/>
-                    <a:pathLst>
-                      <a:path w="1403335" h="2011569" stroke="0" extrusionOk="0">
-                        <a:moveTo>
-                          <a:pt x="1109312" y="187149"/>
-                        </a:moveTo>
-                        <a:cubicBezTo>
-                          <a:pt x="1224397" y="335962"/>
-                          <a:pt x="1331078" y="733697"/>
-                          <a:pt x="1402910" y="1040776"/>
-                        </a:cubicBezTo>
-                        <a:cubicBezTo>
-                          <a:pt x="1445825" y="1407555"/>
-                          <a:pt x="1226077" y="1720453"/>
-                          <a:pt x="1036641" y="1889556"/>
-                        </a:cubicBezTo>
-                        <a:cubicBezTo>
-                          <a:pt x="920101" y="1681018"/>
-                          <a:pt x="934477" y="1514510"/>
-                          <a:pt x="862455" y="1429995"/>
-                        </a:cubicBezTo>
-                        <a:cubicBezTo>
-                          <a:pt x="790433" y="1345480"/>
-                          <a:pt x="784634" y="1095723"/>
-                          <a:pt x="701668" y="1005785"/>
-                        </a:cubicBezTo>
-                        <a:cubicBezTo>
-                          <a:pt x="746343" y="898248"/>
-                          <a:pt x="844766" y="763426"/>
-                          <a:pt x="897337" y="612840"/>
-                        </a:cubicBezTo>
-                        <a:cubicBezTo>
-                          <a:pt x="949908" y="462254"/>
-                          <a:pt x="1092617" y="309817"/>
-                          <a:pt x="1109312" y="187149"/>
-                        </a:cubicBezTo>
-                        <a:close/>
-                      </a:path>
-                      <a:path w="1403335" h="2011569" fill="none" extrusionOk="0">
-                        <a:moveTo>
-                          <a:pt x="1109312" y="187149"/>
-                        </a:moveTo>
-                        <a:cubicBezTo>
-                          <a:pt x="1295706" y="334089"/>
-                          <a:pt x="1381724" y="744485"/>
-                          <a:pt x="1402910" y="1040776"/>
-                        </a:cubicBezTo>
-                        <a:cubicBezTo>
-                          <a:pt x="1420602" y="1411445"/>
-                          <a:pt x="1297651" y="1729800"/>
-                          <a:pt x="1036641" y="1889556"/>
-                        </a:cubicBezTo>
-                      </a:path>
-                    </a:pathLst>
-                  </a:custGeom>
-                  <ask:type>
-                    <ask:lineSketchNone/>
-                  </ask:type>
-                </ask:lineSketchStyleProps>
-              </a:ext>
-            </a:extLst>
-          </a:ln>
-          <a:effectLst/>
-        </p:spPr>
-        <p:txBody>
-          <a:bodyPr rtlCol="0" anchor="ctr"/>
-          <a:lstStyle/>
-          <a:p>
-            <a:pPr marL="0" marR="0" lvl="0" indent="0" algn="ctr" defTabSz="914400" eaLnBrk="1" fontAlgn="auto" latinLnBrk="0" hangingPunct="1">
-              <a:lnSpc>
-                <a:spcPct val="100000"/>
-              </a:lnSpc>
-              <a:spcBef>
-                <a:spcPts val="0"/>
-              </a:spcBef>
-              <a:spcAft>
-                <a:spcPts val="0"/>
-              </a:spcAft>
-              <a:buClrTx/>
-              <a:buSzTx/>
-              <a:buFontTx/>
-              <a:buNone/>
-              <a:tabLst/>
-              <a:defRPr/>
-            </a:pPr>
-            <a:endParaRPr kumimoji="0" lang="en-US" sz="1800" b="0" i="0" u="none" strike="noStrike" kern="0" cap="none" spc="0" normalizeH="0" baseline="0" noProof="0">
-              <a:ln>
-                <a:noFill/>
-              </a:ln>
-              <a:solidFill>
-                <a:prstClr val="black"/>
-              </a:solidFill>
-              <a:effectLst/>
-              <a:uLnTx/>
-              <a:uFillTx/>
-            </a:endParaRPr>
-          </a:p>
-        </p:txBody>
-      </p:sp>
-      <p:sp>
-        <p:nvSpPr>
-          <p:cNvPr id="39" name="Textfeld 38">
-            <a:extLst>
-              <a:ext uri="{FF2B5EF4-FFF2-40B4-BE49-F238E27FC236}">
-                <a16:creationId xmlns:a16="http://schemas.microsoft.com/office/drawing/2014/main" id="{A2A0A67E-D32A-0E8A-3CDB-DD4F32D35408}"/>
-              </a:ext>
-            </a:extLst>
-          </p:cNvPr>
-          <p:cNvSpPr txBox="1"/>
-          <p:nvPr/>
-        </p:nvSpPr>
-        <p:spPr>
-          <a:xfrm>
-            <a:off x="7996037" y="5320121"/>
-            <a:ext cx="867545" cy="230832"/>
-          </a:xfrm>
-          <a:prstGeom prst="rect">
-            <a:avLst/>
-          </a:prstGeom>
-          <a:noFill/>
-        </p:spPr>
-        <p:txBody>
-          <a:bodyPr wrap="none" rtlCol="0">
-            <a:spAutoFit/>
-          </a:bodyPr>
-          <a:lstStyle/>
-          <a:p>
-            <a:pPr algn="ctr"/>
-            <a:r>
-              <a:rPr lang="de-DE" sz="900" dirty="0" err="1">
-                <a:solidFill>
-                  <a:prstClr val="black">
-                    <a:lumMod val="65000"/>
-                    <a:lumOff val="35000"/>
-                  </a:prstClr>
-                </a:solidFill>
-                <a:latin typeface="Roboto" panose="02000000000000000000" pitchFamily="2" charset="0"/>
-                <a:ea typeface="Roboto" panose="02000000000000000000" pitchFamily="2" charset="0"/>
-                <a:cs typeface="Roboto" panose="02000000000000000000" pitchFamily="2" charset="0"/>
-              </a:rPr>
-              <a:t>Improvement</a:t>
-            </a:r>
-            <a:endParaRPr lang="en-US" sz="900" dirty="0">
-              <a:solidFill>
-                <a:prstClr val="black">
-                  <a:lumMod val="65000"/>
-                  <a:lumOff val="35000"/>
-                </a:prstClr>
-              </a:solidFill>
-              <a:latin typeface="Roboto" panose="02000000000000000000" pitchFamily="2" charset="0"/>
-              <a:ea typeface="Roboto" panose="02000000000000000000" pitchFamily="2" charset="0"/>
-              <a:cs typeface="Roboto" panose="02000000000000000000" pitchFamily="2" charset="0"/>
-            </a:endParaRPr>
-          </a:p>
-        </p:txBody>
-      </p:sp>
-      <p:sp>
-        <p:nvSpPr>
-          <p:cNvPr id="40" name="Textfeld 39">
-            <a:extLst>
-              <a:ext uri="{FF2B5EF4-FFF2-40B4-BE49-F238E27FC236}">
-                <a16:creationId xmlns:a16="http://schemas.microsoft.com/office/drawing/2014/main" id="{0B1A73E4-327D-F9D0-E4C1-56D12EE8CB34}"/>
-              </a:ext>
-            </a:extLst>
-          </p:cNvPr>
-          <p:cNvSpPr txBox="1"/>
-          <p:nvPr/>
-        </p:nvSpPr>
-        <p:spPr>
-          <a:xfrm>
-            <a:off x="5897592" y="3552303"/>
-            <a:ext cx="1516762" cy="307777"/>
-          </a:xfrm>
-          <a:prstGeom prst="rect">
-            <a:avLst/>
-          </a:prstGeom>
-          <a:noFill/>
-        </p:spPr>
-        <p:txBody>
-          <a:bodyPr wrap="none" rtlCol="0">
-            <a:spAutoFit/>
-          </a:bodyPr>
-          <a:lstStyle>
-            <a:defPPr>
-              <a:defRPr lang="de-DE"/>
-            </a:defPPr>
-            <a:lvl1pPr algn="ctr">
-              <a:defRPr sz="1400" i="1">
-                <a:solidFill>
-                  <a:schemeClr val="tx1">
-                    <a:lumMod val="95000"/>
-                    <a:lumOff val="5000"/>
-                  </a:schemeClr>
-                </a:solidFill>
-                <a:latin typeface="Roboto" panose="02000000000000000000" pitchFamily="2" charset="0"/>
-                <a:ea typeface="Roboto" panose="02000000000000000000" pitchFamily="2" charset="0"/>
-                <a:cs typeface="Roboto" panose="02000000000000000000" pitchFamily="2" charset="0"/>
-              </a:defRPr>
-            </a:lvl1pPr>
-          </a:lstStyle>
-          <a:p>
-            <a:pPr marL="0" marR="0" lvl="0" indent="0" algn="ctr" defTabSz="914400" eaLnBrk="1" fontAlgn="auto" latinLnBrk="0" hangingPunct="1">
-              <a:lnSpc>
-                <a:spcPct val="100000"/>
-              </a:lnSpc>
-              <a:spcBef>
-                <a:spcPts val="0"/>
-              </a:spcBef>
-              <a:spcAft>
-                <a:spcPts val="0"/>
-              </a:spcAft>
-              <a:buClrTx/>
-              <a:buSzTx/>
-              <a:buFontTx/>
-              <a:buNone/>
-              <a:tabLst/>
-              <a:defRPr/>
-            </a:pPr>
-            <a:r>
-              <a:rPr kumimoji="0" lang="de-DE" b="0" i="0" u="none" strike="noStrike" kern="0" cap="none" spc="0" normalizeH="0" baseline="0" noProof="0" dirty="0" err="1">
-                <a:ln>
-                  <a:noFill/>
-                </a:ln>
-                <a:solidFill>
-                  <a:schemeClr val="tx2">
-                    <a:lumMod val="50000"/>
-                    <a:lumOff val="50000"/>
-                  </a:schemeClr>
-                </a:solidFill>
-                <a:effectLst/>
-                <a:uLnTx/>
-                <a:uFillTx/>
-                <a:latin typeface="Roboto" panose="02000000000000000000" pitchFamily="2" charset="0"/>
-                <a:ea typeface="Roboto" panose="02000000000000000000" pitchFamily="2" charset="0"/>
-                <a:cs typeface="Roboto" panose="02000000000000000000" pitchFamily="2" charset="0"/>
-              </a:rPr>
-              <a:t>Planform</a:t>
-            </a:r>
-            <a:r>
-              <a:rPr kumimoji="0" lang="de-DE" b="0" i="0" u="none" strike="noStrike" kern="0" cap="none" spc="0" normalizeH="0" baseline="0" noProof="0" dirty="0">
-                <a:ln>
-                  <a:noFill/>
-                </a:ln>
-                <a:solidFill>
-                  <a:schemeClr val="tx2">
-                    <a:lumMod val="50000"/>
-                    <a:lumOff val="50000"/>
-                  </a:schemeClr>
-                </a:solidFill>
-                <a:effectLst/>
-                <a:uLnTx/>
-                <a:uFillTx/>
-                <a:latin typeface="Roboto" panose="02000000000000000000" pitchFamily="2" charset="0"/>
-                <a:ea typeface="Roboto" panose="02000000000000000000" pitchFamily="2" charset="0"/>
-                <a:cs typeface="Roboto" panose="02000000000000000000" pitchFamily="2" charset="0"/>
-              </a:rPr>
-              <a:t> Design</a:t>
-            </a:r>
-            <a:endParaRPr kumimoji="0" lang="en-US" b="0" i="0" u="none" strike="noStrike" kern="0" cap="none" spc="0" normalizeH="0" baseline="0" noProof="0" dirty="0">
-              <a:ln>
-                <a:noFill/>
-              </a:ln>
-              <a:solidFill>
-                <a:schemeClr val="tx2">
-                  <a:lumMod val="50000"/>
-                  <a:lumOff val="50000"/>
-                </a:schemeClr>
-              </a:solidFill>
-              <a:effectLst/>
-              <a:uLnTx/>
-              <a:uFillTx/>
-              <a:latin typeface="Roboto" panose="02000000000000000000" pitchFamily="2" charset="0"/>
-              <a:ea typeface="Roboto" panose="02000000000000000000" pitchFamily="2" charset="0"/>
-              <a:cs typeface="Roboto" panose="02000000000000000000" pitchFamily="2" charset="0"/>
-            </a:endParaRPr>
-          </a:p>
-        </p:txBody>
-      </p:sp>
-      <p:sp>
-        <p:nvSpPr>
-          <p:cNvPr id="41" name="Textfeld 40">
-            <a:extLst>
-              <a:ext uri="{FF2B5EF4-FFF2-40B4-BE49-F238E27FC236}">
-                <a16:creationId xmlns:a16="http://schemas.microsoft.com/office/drawing/2014/main" id="{7E96D0A1-D5A0-9362-D25D-FC94E900B48D}"/>
-              </a:ext>
-            </a:extLst>
-          </p:cNvPr>
-          <p:cNvSpPr txBox="1"/>
-          <p:nvPr/>
-        </p:nvSpPr>
-        <p:spPr>
-          <a:xfrm>
-            <a:off x="1956580" y="6319313"/>
-            <a:ext cx="1404552" cy="369332"/>
-          </a:xfrm>
-          <a:prstGeom prst="rect">
-            <a:avLst/>
-          </a:prstGeom>
-          <a:solidFill>
-            <a:srgbClr val="A7EA52">
-              <a:lumMod val="75000"/>
-            </a:srgbClr>
-          </a:solidFill>
-        </p:spPr>
-        <p:txBody>
-          <a:bodyPr wrap="none" rtlCol="0">
-            <a:spAutoFit/>
-          </a:bodyPr>
-          <a:lstStyle>
-            <a:defPPr>
-              <a:defRPr lang="de-DE"/>
-            </a:defPPr>
-            <a:lvl1pPr algn="ctr">
-              <a:defRPr sz="1200" i="1">
-                <a:solidFill>
-                  <a:schemeClr val="tx1">
-                    <a:lumMod val="95000"/>
-                    <a:lumOff val="5000"/>
-                  </a:schemeClr>
-                </a:solidFill>
-                <a:latin typeface="Roboto" panose="02000000000000000000" pitchFamily="2" charset="0"/>
-                <a:ea typeface="Roboto" panose="02000000000000000000" pitchFamily="2" charset="0"/>
-                <a:cs typeface="Roboto" panose="02000000000000000000" pitchFamily="2" charset="0"/>
-              </a:defRPr>
-            </a:lvl1pPr>
-          </a:lstStyle>
-          <a:p>
-            <a:pPr marL="0" marR="0" lvl="0" indent="0" algn="ctr" defTabSz="914400" eaLnBrk="1" fontAlgn="auto" latinLnBrk="0" hangingPunct="1">
-              <a:lnSpc>
-                <a:spcPct val="100000"/>
-              </a:lnSpc>
-              <a:spcBef>
-                <a:spcPts val="0"/>
-              </a:spcBef>
-              <a:spcAft>
-                <a:spcPts val="0"/>
-              </a:spcAft>
-              <a:buClrTx/>
-              <a:buSzTx/>
-              <a:buFontTx/>
-              <a:buNone/>
-              <a:tabLst/>
-              <a:defRPr/>
-            </a:pPr>
-            <a:r>
-              <a:rPr kumimoji="0" lang="de-DE" sz="1800" b="0" i="1" u="none" strike="noStrike" kern="0" cap="none" spc="0" normalizeH="0" baseline="0" noProof="0" dirty="0">
-                <a:ln>
-                  <a:noFill/>
-                </a:ln>
-                <a:solidFill>
-                  <a:prstClr val="white"/>
-                </a:solidFill>
-                <a:effectLst/>
-                <a:uLnTx/>
-                <a:uFillTx/>
-                <a:latin typeface="Roboto" panose="02000000000000000000" pitchFamily="2" charset="0"/>
-                <a:ea typeface="Roboto" panose="02000000000000000000" pitchFamily="2" charset="0"/>
-                <a:cs typeface="Roboto" panose="02000000000000000000" pitchFamily="2" charset="0"/>
-              </a:rPr>
-              <a:t>Lift Analysis</a:t>
-            </a:r>
-            <a:endParaRPr kumimoji="0" lang="en-US" sz="1800" b="0" i="1" u="none" strike="noStrike" kern="0" cap="none" spc="0" normalizeH="0" baseline="0" noProof="0" dirty="0">
-              <a:ln>
-                <a:noFill/>
-              </a:ln>
-              <a:solidFill>
-                <a:prstClr val="white"/>
-              </a:solidFill>
-              <a:effectLst/>
-              <a:uLnTx/>
-              <a:uFillTx/>
-              <a:latin typeface="Roboto" panose="02000000000000000000" pitchFamily="2" charset="0"/>
-              <a:ea typeface="Roboto" panose="02000000000000000000" pitchFamily="2" charset="0"/>
-              <a:cs typeface="Roboto" panose="02000000000000000000" pitchFamily="2" charset="0"/>
-            </a:endParaRPr>
-          </a:p>
-        </p:txBody>
-      </p:sp>
-      <p:sp>
-        <p:nvSpPr>
-          <p:cNvPr id="42" name="Textfeld 41">
-            <a:extLst>
-              <a:ext uri="{FF2B5EF4-FFF2-40B4-BE49-F238E27FC236}">
-                <a16:creationId xmlns:a16="http://schemas.microsoft.com/office/drawing/2014/main" id="{B611A9CB-6859-DCBA-0E04-8F4803B638DA}"/>
-              </a:ext>
-            </a:extLst>
-          </p:cNvPr>
-          <p:cNvSpPr txBox="1"/>
-          <p:nvPr/>
-        </p:nvSpPr>
-        <p:spPr>
-          <a:xfrm>
-            <a:off x="8828011" y="3546490"/>
-            <a:ext cx="1939954" cy="307777"/>
-          </a:xfrm>
-          <a:prstGeom prst="rect">
-            <a:avLst/>
-          </a:prstGeom>
-          <a:noFill/>
-        </p:spPr>
-        <p:txBody>
-          <a:bodyPr wrap="none" rtlCol="0">
-            <a:spAutoFit/>
-          </a:bodyPr>
-          <a:lstStyle/>
-          <a:p>
-            <a:pPr algn="ctr"/>
-            <a:r>
-              <a:rPr lang="de-DE" sz="1400" dirty="0">
-                <a:solidFill>
-                  <a:schemeClr val="tx2">
-                    <a:lumMod val="50000"/>
-                    <a:lumOff val="50000"/>
-                  </a:schemeClr>
-                </a:solidFill>
-                <a:latin typeface="Roboto" panose="02000000000000000000" pitchFamily="2" charset="0"/>
-                <a:ea typeface="Roboto" panose="02000000000000000000" pitchFamily="2" charset="0"/>
-                <a:cs typeface="Roboto" panose="02000000000000000000" pitchFamily="2" charset="0"/>
-              </a:rPr>
-              <a:t>Performance Analysis</a:t>
-            </a:r>
-            <a:endParaRPr lang="en-US" sz="1400" dirty="0">
-              <a:solidFill>
-                <a:schemeClr val="tx2">
-                  <a:lumMod val="50000"/>
-                  <a:lumOff val="50000"/>
-                </a:schemeClr>
-              </a:solidFill>
-              <a:latin typeface="Roboto" panose="02000000000000000000" pitchFamily="2" charset="0"/>
-              <a:ea typeface="Roboto" panose="02000000000000000000" pitchFamily="2" charset="0"/>
-              <a:cs typeface="Roboto" panose="02000000000000000000" pitchFamily="2" charset="0"/>
-            </a:endParaRPr>
-          </a:p>
-        </p:txBody>
-      </p:sp>
-      <p:sp>
-        <p:nvSpPr>
-          <p:cNvPr id="43" name="Pfeil: nach rechts 42">
-            <a:extLst>
-              <a:ext uri="{FF2B5EF4-FFF2-40B4-BE49-F238E27FC236}">
-                <a16:creationId xmlns:a16="http://schemas.microsoft.com/office/drawing/2014/main" id="{080561EE-D78A-B0E0-8BFD-C94CB5F13148}"/>
-              </a:ext>
-            </a:extLst>
-          </p:cNvPr>
-          <p:cNvSpPr/>
-          <p:nvPr/>
-        </p:nvSpPr>
-        <p:spPr>
-          <a:xfrm>
-            <a:off x="5163471" y="4686890"/>
-            <a:ext cx="621769" cy="349520"/>
-          </a:xfrm>
-          <a:custGeom>
-            <a:avLst/>
-            <a:gdLst>
-              <a:gd name="connsiteX0" fmla="*/ 0 w 621769"/>
-              <a:gd name="connsiteY0" fmla="*/ 87380 h 349520"/>
-              <a:gd name="connsiteX1" fmla="*/ 447009 w 621769"/>
-              <a:gd name="connsiteY1" fmla="*/ 87380 h 349520"/>
-              <a:gd name="connsiteX2" fmla="*/ 447009 w 621769"/>
-              <a:gd name="connsiteY2" fmla="*/ 0 h 349520"/>
-              <a:gd name="connsiteX3" fmla="*/ 621769 w 621769"/>
-              <a:gd name="connsiteY3" fmla="*/ 174760 h 349520"/>
-              <a:gd name="connsiteX4" fmla="*/ 447009 w 621769"/>
-              <a:gd name="connsiteY4" fmla="*/ 349520 h 349520"/>
-              <a:gd name="connsiteX5" fmla="*/ 447009 w 621769"/>
-              <a:gd name="connsiteY5" fmla="*/ 262140 h 349520"/>
-              <a:gd name="connsiteX6" fmla="*/ 0 w 621769"/>
-              <a:gd name="connsiteY6" fmla="*/ 262140 h 349520"/>
-              <a:gd name="connsiteX7" fmla="*/ 0 w 621769"/>
-              <a:gd name="connsiteY7" fmla="*/ 87380 h 349520"/>
-            </a:gdLst>
-            <a:ahLst/>
-            <a:cxnLst>
-              <a:cxn ang="0">
-                <a:pos x="connsiteX0" y="connsiteY0"/>
-              </a:cxn>
-              <a:cxn ang="0">
-                <a:pos x="connsiteX1" y="connsiteY1"/>
-              </a:cxn>
-              <a:cxn ang="0">
-                <a:pos x="connsiteX2" y="connsiteY2"/>
-              </a:cxn>
-              <a:cxn ang="0">
-                <a:pos x="connsiteX3" y="connsiteY3"/>
-              </a:cxn>
-              <a:cxn ang="0">
-                <a:pos x="connsiteX4" y="connsiteY4"/>
-              </a:cxn>
-              <a:cxn ang="0">
-                <a:pos x="connsiteX5" y="connsiteY5"/>
-              </a:cxn>
-              <a:cxn ang="0">
-                <a:pos x="connsiteX6" y="connsiteY6"/>
-              </a:cxn>
-              <a:cxn ang="0">
-                <a:pos x="connsiteX7" y="connsiteY7"/>
-              </a:cxn>
-            </a:cxnLst>
-            <a:rect l="l" t="t" r="r" b="b"/>
-            <a:pathLst>
-              <a:path w="621769" h="349520" extrusionOk="0">
-                <a:moveTo>
-                  <a:pt x="0" y="87380"/>
-                </a:moveTo>
-                <a:cubicBezTo>
-                  <a:pt x="137222" y="71991"/>
-                  <a:pt x="340169" y="140954"/>
-                  <a:pt x="447009" y="87380"/>
-                </a:cubicBezTo>
-                <a:cubicBezTo>
-                  <a:pt x="438504" y="57861"/>
-                  <a:pt x="453550" y="36256"/>
-                  <a:pt x="447009" y="0"/>
-                </a:cubicBezTo>
-                <a:cubicBezTo>
-                  <a:pt x="537974" y="63695"/>
-                  <a:pt x="531909" y="108071"/>
-                  <a:pt x="621769" y="174760"/>
-                </a:cubicBezTo>
-                <a:cubicBezTo>
-                  <a:pt x="563010" y="240164"/>
-                  <a:pt x="509965" y="274555"/>
-                  <a:pt x="447009" y="349520"/>
-                </a:cubicBezTo>
-                <a:cubicBezTo>
-                  <a:pt x="441430" y="321628"/>
-                  <a:pt x="449556" y="284491"/>
-                  <a:pt x="447009" y="262140"/>
-                </a:cubicBezTo>
-                <a:cubicBezTo>
-                  <a:pt x="336218" y="264082"/>
-                  <a:pt x="167906" y="254335"/>
-                  <a:pt x="0" y="262140"/>
-                </a:cubicBezTo>
-                <a:cubicBezTo>
-                  <a:pt x="-1021" y="187748"/>
-                  <a:pt x="8450" y="146380"/>
-                  <a:pt x="0" y="87380"/>
-                </a:cubicBezTo>
-                <a:close/>
-              </a:path>
-            </a:pathLst>
-          </a:custGeom>
-          <a:noFill/>
-          <a:ln w="9525">
-            <a:solidFill>
-              <a:schemeClr val="bg1">
-                <a:lumMod val="50000"/>
-              </a:schemeClr>
-            </a:solidFill>
-            <a:extLst>
-              <a:ext uri="{C807C97D-BFC1-408E-A445-0C87EB9F89A2}">
-                <ask:lineSketchStyleProps xmlns:ask="http://schemas.microsoft.com/office/drawing/2018/sketchyshapes" sd="1219033472">
-                  <a:prstGeom prst="rightArrow">
-                    <a:avLst/>
-                  </a:prstGeom>
-                  <ask:type>
-                    <ask:lineSketchScribble/>
-                  </ask:type>
-                </ask:lineSketchStyleProps>
-              </a:ext>
-            </a:extLst>
-          </a:ln>
-        </p:spPr>
-        <p:style>
-          <a:lnRef idx="2">
-            <a:schemeClr val="accent1">
-              <a:shade val="15000"/>
-            </a:schemeClr>
-          </a:lnRef>
-          <a:fillRef idx="1">
-            <a:schemeClr val="accent1"/>
-          </a:fillRef>
-          <a:effectRef idx="0">
-            <a:schemeClr val="accent1"/>
-          </a:effectRef>
-          <a:fontRef idx="minor">
-            <a:schemeClr val="lt1"/>
-          </a:fontRef>
-        </p:style>
-        <p:txBody>
-          <a:bodyPr rtlCol="0" anchor="ctr"/>
-          <a:lstStyle/>
-          <a:p>
-            <a:pPr algn="ctr"/>
-            <a:endParaRPr lang="en-US"/>
-          </a:p>
-        </p:txBody>
-      </p:sp>
-      <p:sp>
-        <p:nvSpPr>
-          <p:cNvPr id="44" name="Textfeld 43">
-            <a:extLst>
-              <a:ext uri="{FF2B5EF4-FFF2-40B4-BE49-F238E27FC236}">
-                <a16:creationId xmlns:a16="http://schemas.microsoft.com/office/drawing/2014/main" id="{16B16627-D8BF-887D-0F43-FA6F9B123DA8}"/>
-              </a:ext>
-            </a:extLst>
-          </p:cNvPr>
-          <p:cNvSpPr txBox="1"/>
-          <p:nvPr/>
-        </p:nvSpPr>
-        <p:spPr>
-          <a:xfrm>
-            <a:off x="4294577" y="4638981"/>
-            <a:ext cx="787735" cy="429936"/>
-          </a:xfrm>
-          <a:custGeom>
-            <a:avLst/>
-            <a:gdLst>
-              <a:gd name="connsiteX0" fmla="*/ 0 w 787735"/>
-              <a:gd name="connsiteY0" fmla="*/ 0 h 429936"/>
-              <a:gd name="connsiteX1" fmla="*/ 409622 w 787735"/>
-              <a:gd name="connsiteY1" fmla="*/ 0 h 429936"/>
-              <a:gd name="connsiteX2" fmla="*/ 787735 w 787735"/>
-              <a:gd name="connsiteY2" fmla="*/ 0 h 429936"/>
-              <a:gd name="connsiteX3" fmla="*/ 787735 w 787735"/>
-              <a:gd name="connsiteY3" fmla="*/ 429936 h 429936"/>
-              <a:gd name="connsiteX4" fmla="*/ 401745 w 787735"/>
-              <a:gd name="connsiteY4" fmla="*/ 429936 h 429936"/>
-              <a:gd name="connsiteX5" fmla="*/ 0 w 787735"/>
-              <a:gd name="connsiteY5" fmla="*/ 429936 h 429936"/>
-              <a:gd name="connsiteX6" fmla="*/ 0 w 787735"/>
-              <a:gd name="connsiteY6" fmla="*/ 0 h 429936"/>
-            </a:gdLst>
-            <a:ahLst/>
-            <a:cxnLst>
-              <a:cxn ang="0">
-                <a:pos x="connsiteX0" y="connsiteY0"/>
-              </a:cxn>
-              <a:cxn ang="0">
-                <a:pos x="connsiteX1" y="connsiteY1"/>
-              </a:cxn>
-              <a:cxn ang="0">
-                <a:pos x="connsiteX2" y="connsiteY2"/>
-              </a:cxn>
-              <a:cxn ang="0">
-                <a:pos x="connsiteX3" y="connsiteY3"/>
-              </a:cxn>
-              <a:cxn ang="0">
-                <a:pos x="connsiteX4" y="connsiteY4"/>
-              </a:cxn>
-              <a:cxn ang="0">
-                <a:pos x="connsiteX5" y="connsiteY5"/>
-              </a:cxn>
-              <a:cxn ang="0">
-                <a:pos x="connsiteX6" y="connsiteY6"/>
-              </a:cxn>
-            </a:cxnLst>
-            <a:rect l="l" t="t" r="r" b="b"/>
-            <a:pathLst>
-              <a:path w="787735" h="429936" fill="none" extrusionOk="0">
-                <a:moveTo>
-                  <a:pt x="0" y="0"/>
-                </a:moveTo>
-                <a:cubicBezTo>
-                  <a:pt x="115711" y="-22007"/>
-                  <a:pt x="217267" y="27433"/>
-                  <a:pt x="409622" y="0"/>
-                </a:cubicBezTo>
-                <a:cubicBezTo>
-                  <a:pt x="601977" y="-27433"/>
-                  <a:pt x="698761" y="42813"/>
-                  <a:pt x="787735" y="0"/>
-                </a:cubicBezTo>
-                <a:cubicBezTo>
-                  <a:pt x="826845" y="103370"/>
-                  <a:pt x="758925" y="245456"/>
-                  <a:pt x="787735" y="429936"/>
-                </a:cubicBezTo>
-                <a:cubicBezTo>
-                  <a:pt x="694149" y="451862"/>
-                  <a:pt x="494505" y="412606"/>
-                  <a:pt x="401745" y="429936"/>
-                </a:cubicBezTo>
-                <a:cubicBezTo>
-                  <a:pt x="308985" y="447266"/>
-                  <a:pt x="104085" y="414219"/>
-                  <a:pt x="0" y="429936"/>
-                </a:cubicBezTo>
-                <a:cubicBezTo>
-                  <a:pt x="-17271" y="256941"/>
-                  <a:pt x="28145" y="105995"/>
-                  <a:pt x="0" y="0"/>
-                </a:cubicBezTo>
-                <a:close/>
-              </a:path>
-              <a:path w="787735" h="429936" stroke="0" extrusionOk="0">
-                <a:moveTo>
-                  <a:pt x="0" y="0"/>
-                </a:moveTo>
-                <a:cubicBezTo>
-                  <a:pt x="102393" y="-43778"/>
-                  <a:pt x="261957" y="22278"/>
-                  <a:pt x="385990" y="0"/>
-                </a:cubicBezTo>
-                <a:cubicBezTo>
-                  <a:pt x="510023" y="-22278"/>
-                  <a:pt x="681259" y="2417"/>
-                  <a:pt x="787735" y="0"/>
-                </a:cubicBezTo>
-                <a:cubicBezTo>
-                  <a:pt x="808339" y="174367"/>
-                  <a:pt x="764223" y="334995"/>
-                  <a:pt x="787735" y="429936"/>
-                </a:cubicBezTo>
-                <a:cubicBezTo>
-                  <a:pt x="627023" y="475584"/>
-                  <a:pt x="490959" y="429725"/>
-                  <a:pt x="393868" y="429936"/>
-                </a:cubicBezTo>
-                <a:cubicBezTo>
-                  <a:pt x="296777" y="430147"/>
-                  <a:pt x="90428" y="412919"/>
-                  <a:pt x="0" y="429936"/>
-                </a:cubicBezTo>
-                <a:cubicBezTo>
-                  <a:pt x="-44010" y="291281"/>
-                  <a:pt x="28576" y="214454"/>
-                  <a:pt x="0" y="0"/>
-                </a:cubicBezTo>
-                <a:close/>
-              </a:path>
-            </a:pathLst>
-          </a:custGeom>
-          <a:solidFill>
-            <a:schemeClr val="bg1"/>
-          </a:solidFill>
-          <a:ln>
-            <a:solidFill>
-              <a:schemeClr val="bg1">
-                <a:lumMod val="65000"/>
-              </a:schemeClr>
-            </a:solidFill>
-            <a:extLst>
-              <a:ext uri="{C807C97D-BFC1-408E-A445-0C87EB9F89A2}">
-                <ask:lineSketchStyleProps xmlns:ask="http://schemas.microsoft.com/office/drawing/2018/sketchyshapes" sd="1219033472">
-                  <a:prstGeom prst="rect">
-                    <a:avLst/>
-                  </a:prstGeom>
-                  <ask:type>
-                    <ask:lineSketchScribble/>
-                  </ask:type>
-                </ask:lineSketchStyleProps>
-              </a:ext>
-            </a:extLst>
-          </a:ln>
-        </p:spPr>
-        <p:txBody>
-          <a:bodyPr wrap="square" rtlCol="0" anchor="ctr">
-            <a:noAutofit/>
-          </a:bodyPr>
-          <a:lstStyle/>
-          <a:p>
-            <a:pPr algn="ctr"/>
-            <a:r>
-              <a:rPr lang="de-DE" i="1" dirty="0"/>
-              <a:t>Idea!</a:t>
-            </a:r>
-            <a:endParaRPr lang="en-US" i="1" dirty="0"/>
-          </a:p>
-        </p:txBody>
-      </p:sp>
-      <p:cxnSp>
-        <p:nvCxnSpPr>
-          <p:cNvPr id="45" name="Gerade Verbindung mit Pfeil 44">
-            <a:extLst>
-              <a:ext uri="{FF2B5EF4-FFF2-40B4-BE49-F238E27FC236}">
-                <a16:creationId xmlns:a16="http://schemas.microsoft.com/office/drawing/2014/main" id="{76DC2629-7369-2F4A-C63D-167438FEEFDB}"/>
-              </a:ext>
-            </a:extLst>
-          </p:cNvPr>
-          <p:cNvCxnSpPr/>
-          <p:nvPr/>
-        </p:nvCxnSpPr>
-        <p:spPr>
-          <a:xfrm>
-            <a:off x="6364324" y="5240382"/>
-            <a:ext cx="0" cy="583035"/>
-          </a:xfrm>
-          <a:prstGeom prst="straightConnector1">
-            <a:avLst/>
-          </a:prstGeom>
-          <a:ln w="38100">
-            <a:solidFill>
-              <a:schemeClr val="bg1">
-                <a:lumMod val="65000"/>
-              </a:schemeClr>
-            </a:solidFill>
-            <a:headEnd type="none" w="med" len="med"/>
-            <a:tailEnd type="triangle" w="lg" len="lg"/>
-          </a:ln>
-        </p:spPr>
-        <p:style>
-          <a:lnRef idx="2">
-            <a:schemeClr val="accent1"/>
-          </a:lnRef>
-          <a:fillRef idx="0">
-            <a:schemeClr val="accent1"/>
-          </a:fillRef>
-          <a:effectRef idx="1">
-            <a:schemeClr val="accent1"/>
-          </a:effectRef>
-          <a:fontRef idx="minor">
-            <a:schemeClr val="tx1"/>
-          </a:fontRef>
-        </p:style>
-      </p:cxnSp>
-      <p:sp>
-        <p:nvSpPr>
-          <p:cNvPr id="46" name="Textfeld 45">
-            <a:extLst>
-              <a:ext uri="{FF2B5EF4-FFF2-40B4-BE49-F238E27FC236}">
-                <a16:creationId xmlns:a16="http://schemas.microsoft.com/office/drawing/2014/main" id="{87985EC8-5961-0985-DE37-26DDB4B06ABA}"/>
-              </a:ext>
-            </a:extLst>
-          </p:cNvPr>
-          <p:cNvSpPr txBox="1"/>
-          <p:nvPr/>
-        </p:nvSpPr>
-        <p:spPr>
-          <a:xfrm>
-            <a:off x="6049378" y="5945301"/>
-            <a:ext cx="957742" cy="429936"/>
-          </a:xfrm>
-          <a:prstGeom prst="rect">
-            <a:avLst/>
-          </a:prstGeom>
-          <a:solidFill>
-            <a:schemeClr val="bg1">
-              <a:lumMod val="95000"/>
-            </a:schemeClr>
-          </a:solidFill>
-          <a:effectLst>
-            <a:outerShdw blurRad="50800" dist="38100" dir="2700000" algn="tl" rotWithShape="0">
-              <a:prstClr val="black">
-                <a:alpha val="40000"/>
-              </a:prstClr>
-            </a:outerShdw>
-          </a:effectLst>
-        </p:spPr>
-        <p:txBody>
-          <a:bodyPr wrap="none" lIns="0" tIns="36000" rIns="0" bIns="36000" rtlCol="0" anchor="ctr">
-            <a:noAutofit/>
-          </a:bodyPr>
-          <a:lstStyle/>
-          <a:p>
-            <a:pPr algn="ctr"/>
-            <a:r>
-              <a:rPr lang="de-DE" sz="1400" b="1" dirty="0">
-                <a:solidFill>
-                  <a:schemeClr val="bg1">
-                    <a:lumMod val="50000"/>
-                  </a:schemeClr>
-                </a:solidFill>
-                <a:latin typeface="Roboto Black" panose="02000000000000000000" pitchFamily="2" charset="0"/>
-                <a:ea typeface="Roboto Black" panose="02000000000000000000" pitchFamily="2" charset="0"/>
-              </a:rPr>
-              <a:t>CAD</a:t>
-            </a:r>
-          </a:p>
-        </p:txBody>
-      </p:sp>
       <p:cxnSp>
         <p:nvCxnSpPr>
           <p:cNvPr id="48" name="Gerader Verbinder 47">
@@ -9119,7 +9887,7 @@
         </p:nvCxnSpPr>
         <p:spPr>
           <a:xfrm>
-            <a:off x="7480738" y="3703285"/>
+            <a:off x="3888273" y="555436"/>
             <a:ext cx="1261241" cy="0"/>
           </a:xfrm>
           <a:prstGeom prst="line">
@@ -9165,7 +9933,7 @@
         </p:nvCxnSpPr>
         <p:spPr>
           <a:xfrm>
-            <a:off x="4260550" y="3724666"/>
+            <a:off x="668085" y="576817"/>
             <a:ext cx="1524690" cy="0"/>
           </a:xfrm>
           <a:prstGeom prst="line">
@@ -9211,7 +9979,7 @@
         </p:nvCxnSpPr>
         <p:spPr>
           <a:xfrm>
-            <a:off x="10808647" y="3685629"/>
+            <a:off x="7216182" y="537780"/>
             <a:ext cx="290277" cy="0"/>
           </a:xfrm>
           <a:prstGeom prst="line">
@@ -9224,6 +9992,401 @@
                 <a:lumOff val="50000"/>
               </a:schemeClr>
             </a:solidFill>
+          </a:ln>
+        </p:spPr>
+        <p:style>
+          <a:lnRef idx="2">
+            <a:schemeClr val="accent1"/>
+          </a:lnRef>
+          <a:fillRef idx="0">
+            <a:schemeClr val="accent1"/>
+          </a:fillRef>
+          <a:effectRef idx="1">
+            <a:schemeClr val="accent1"/>
+          </a:effectRef>
+          <a:fontRef idx="minor">
+            <a:schemeClr val="tx1"/>
+          </a:fontRef>
+        </p:style>
+      </p:cxnSp>
+      <p:pic>
+        <p:nvPicPr>
+          <p:cNvPr id="3" name="Grafik 2" descr="Ein Bild, das Screenshot, Text, Diagramm enthält.&#10;&#10;Automatisch generierte Beschreibung">
+            <a:extLst>
+              <a:ext uri="{FF2B5EF4-FFF2-40B4-BE49-F238E27FC236}">
+                <a16:creationId xmlns:a16="http://schemas.microsoft.com/office/drawing/2014/main" id="{2DEA91B1-4F17-3568-0A2C-642B0347E55A}"/>
+              </a:ext>
+            </a:extLst>
+          </p:cNvPr>
+          <p:cNvPicPr>
+            <a:picLocks noChangeAspect="1"/>
+          </p:cNvPicPr>
+          <p:nvPr/>
+        </p:nvPicPr>
+        <p:blipFill>
+          <a:blip r:embed="rId2">
+            <a:extLst>
+              <a:ext uri="{28A0092B-C50C-407E-A947-70E740481C1C}">
+                <a14:useLocalDpi xmlns:a14="http://schemas.microsoft.com/office/drawing/2010/main" val="0"/>
+              </a:ext>
+            </a:extLst>
+          </a:blip>
+          <a:srcRect l="58106" t="46239" b="1731"/>
+          <a:stretch/>
+        </p:blipFill>
+        <p:spPr>
+          <a:xfrm>
+            <a:off x="6554252" y="2996674"/>
+            <a:ext cx="2635103" cy="1736597"/>
+          </a:xfrm>
+          <a:prstGeom prst="rect">
+            <a:avLst/>
+          </a:prstGeom>
+        </p:spPr>
+      </p:pic>
+      <p:sp>
+        <p:nvSpPr>
+          <p:cNvPr id="4" name="Textfeld 3">
+            <a:extLst>
+              <a:ext uri="{FF2B5EF4-FFF2-40B4-BE49-F238E27FC236}">
+                <a16:creationId xmlns:a16="http://schemas.microsoft.com/office/drawing/2014/main" id="{8E1C8090-AFAC-997A-3ECD-75FEFF2CCCF7}"/>
+              </a:ext>
+            </a:extLst>
+          </p:cNvPr>
+          <p:cNvSpPr txBox="1"/>
+          <p:nvPr/>
+        </p:nvSpPr>
+        <p:spPr>
+          <a:xfrm>
+            <a:off x="6935778" y="4573311"/>
+            <a:ext cx="1724318" cy="591424"/>
+          </a:xfrm>
+          <a:prstGeom prst="rect">
+            <a:avLst/>
+          </a:prstGeom>
+          <a:solidFill>
+            <a:schemeClr val="bg1">
+              <a:lumMod val="85000"/>
+            </a:schemeClr>
+          </a:solidFill>
+          <a:effectLst>
+            <a:outerShdw blurRad="50800" dist="38100" dir="2700000" algn="tl" rotWithShape="0">
+              <a:prstClr val="black">
+                <a:alpha val="40000"/>
+              </a:prstClr>
+            </a:outerShdw>
+          </a:effectLst>
+        </p:spPr>
+        <p:txBody>
+          <a:bodyPr wrap="none" lIns="0" tIns="36000" rIns="0" bIns="36000" rtlCol="0" anchor="ctr">
+            <a:noAutofit/>
+          </a:bodyPr>
+          <a:lstStyle/>
+          <a:p>
+            <a:pPr marL="0" marR="0" lvl="0" indent="0" algn="ctr" defTabSz="914400" rtl="0" eaLnBrk="1" fontAlgn="auto" latinLnBrk="0" hangingPunct="1">
+              <a:lnSpc>
+                <a:spcPct val="100000"/>
+              </a:lnSpc>
+              <a:spcBef>
+                <a:spcPts val="0"/>
+              </a:spcBef>
+              <a:spcAft>
+                <a:spcPts val="0"/>
+              </a:spcAft>
+              <a:buClrTx/>
+              <a:buSzTx/>
+              <a:buFontTx/>
+              <a:buNone/>
+              <a:tabLst/>
+              <a:defRPr/>
+            </a:pPr>
+            <a:r>
+              <a:rPr kumimoji="0" lang="de-DE" sz="1400" b="1" i="0" u="none" strike="noStrike" kern="0" cap="none" spc="0" normalizeH="0" baseline="0" noProof="0" dirty="0">
+                <a:ln>
+                  <a:noFill/>
+                </a:ln>
+                <a:solidFill>
+                  <a:prstClr val="black">
+                    <a:lumMod val="50000"/>
+                    <a:lumOff val="50000"/>
+                  </a:prstClr>
+                </a:solidFill>
+                <a:effectLst/>
+                <a:uLnTx/>
+                <a:uFillTx/>
+                <a:latin typeface="Roboto Black" panose="02000000000000000000" pitchFamily="2" charset="0"/>
+                <a:ea typeface="Roboto Black" panose="02000000000000000000" pitchFamily="2" charset="0"/>
+                <a:cs typeface="+mn-cs"/>
+              </a:rPr>
+              <a:t>Planform</a:t>
+            </a:r>
+            <a:r>
+              <a:rPr kumimoji="0" lang="de-DE" sz="1400" b="1" i="0" u="none" strike="noStrike" kern="0" cap="none" spc="0" normalizeH="0" baseline="0" noProof="0" dirty="0">
+                <a:ln>
+                  <a:noFill/>
+                </a:ln>
+                <a:solidFill>
+                  <a:srgbClr val="DA007D"/>
+                </a:solidFill>
+                <a:effectLst/>
+                <a:uLnTx/>
+                <a:uFillTx/>
+                <a:latin typeface="Roboto Black" panose="02000000000000000000" pitchFamily="2" charset="0"/>
+                <a:ea typeface="Roboto Black" panose="02000000000000000000" pitchFamily="2" charset="0"/>
+                <a:cs typeface="+mn-cs"/>
+              </a:rPr>
+              <a:t>Creator2</a:t>
+            </a:r>
+          </a:p>
+        </p:txBody>
+      </p:sp>
+      <p:sp>
+        <p:nvSpPr>
+          <p:cNvPr id="5" name="Textfeld 4">
+            <a:extLst>
+              <a:ext uri="{FF2B5EF4-FFF2-40B4-BE49-F238E27FC236}">
+                <a16:creationId xmlns:a16="http://schemas.microsoft.com/office/drawing/2014/main" id="{42501E54-7EA9-C348-4F6A-A72B7C4BCB83}"/>
+              </a:ext>
+            </a:extLst>
+          </p:cNvPr>
+          <p:cNvSpPr txBox="1"/>
+          <p:nvPr/>
+        </p:nvSpPr>
+        <p:spPr>
+          <a:xfrm>
+            <a:off x="7748620" y="5332648"/>
+            <a:ext cx="913226" cy="230832"/>
+          </a:xfrm>
+          <a:prstGeom prst="rect">
+            <a:avLst/>
+          </a:prstGeom>
+          <a:noFill/>
+        </p:spPr>
+        <p:txBody>
+          <a:bodyPr wrap="square" rtlCol="0">
+            <a:spAutoFit/>
+          </a:bodyPr>
+          <a:lstStyle/>
+          <a:p>
+            <a:pPr algn="r"/>
+            <a:r>
+              <a:rPr lang="de-DE" sz="900" dirty="0">
+                <a:solidFill>
+                  <a:schemeClr val="tx1">
+                    <a:lumMod val="65000"/>
+                    <a:lumOff val="35000"/>
+                  </a:schemeClr>
+                </a:solidFill>
+                <a:latin typeface="Roboto" panose="02000000000000000000" pitchFamily="2" charset="0"/>
+                <a:ea typeface="Roboto" panose="02000000000000000000" pitchFamily="2" charset="0"/>
+                <a:cs typeface="Roboto" panose="02000000000000000000" pitchFamily="2" charset="0"/>
+              </a:rPr>
+              <a:t>Xfoil </a:t>
+            </a:r>
+            <a:r>
+              <a:rPr lang="de-DE" sz="900" dirty="0" err="1">
+                <a:solidFill>
+                  <a:schemeClr val="tx1">
+                    <a:lumMod val="65000"/>
+                    <a:lumOff val="35000"/>
+                  </a:schemeClr>
+                </a:solidFill>
+                <a:latin typeface="Roboto" panose="02000000000000000000" pitchFamily="2" charset="0"/>
+                <a:ea typeface="Roboto" panose="02000000000000000000" pitchFamily="2" charset="0"/>
+                <a:cs typeface="Roboto" panose="02000000000000000000" pitchFamily="2" charset="0"/>
+              </a:rPr>
+              <a:t>Polars</a:t>
+            </a:r>
+            <a:endParaRPr lang="en-US" sz="900" dirty="0">
+              <a:solidFill>
+                <a:schemeClr val="tx1">
+                  <a:lumMod val="65000"/>
+                  <a:lumOff val="35000"/>
+                </a:schemeClr>
+              </a:solidFill>
+              <a:latin typeface="Roboto" panose="02000000000000000000" pitchFamily="2" charset="0"/>
+              <a:ea typeface="Roboto" panose="02000000000000000000" pitchFamily="2" charset="0"/>
+              <a:cs typeface="Roboto" panose="02000000000000000000" pitchFamily="2" charset="0"/>
+            </a:endParaRPr>
+          </a:p>
+        </p:txBody>
+      </p:sp>
+      <p:cxnSp>
+        <p:nvCxnSpPr>
+          <p:cNvPr id="6" name="Gerade Verbindung mit Pfeil 5">
+            <a:extLst>
+              <a:ext uri="{FF2B5EF4-FFF2-40B4-BE49-F238E27FC236}">
+                <a16:creationId xmlns:a16="http://schemas.microsoft.com/office/drawing/2014/main" id="{E3E0D4B1-936C-09CE-E42B-6BFD3DB45F7E}"/>
+              </a:ext>
+            </a:extLst>
+          </p:cNvPr>
+          <p:cNvCxnSpPr>
+            <a:cxnSpLocks/>
+          </p:cNvCxnSpPr>
+          <p:nvPr/>
+        </p:nvCxnSpPr>
+        <p:spPr>
+          <a:xfrm>
+            <a:off x="8752922" y="5185619"/>
+            <a:ext cx="335456" cy="175171"/>
+          </a:xfrm>
+          <a:prstGeom prst="straightConnector1">
+            <a:avLst/>
+          </a:prstGeom>
+          <a:ln w="12700">
+            <a:solidFill>
+              <a:schemeClr val="bg1">
+                <a:lumMod val="65000"/>
+              </a:schemeClr>
+            </a:solidFill>
+            <a:prstDash val="sysDash"/>
+            <a:headEnd type="none" w="med" len="med"/>
+            <a:tailEnd type="triangle" w="lg" len="lg"/>
+          </a:ln>
+        </p:spPr>
+        <p:style>
+          <a:lnRef idx="2">
+            <a:schemeClr val="accent1"/>
+          </a:lnRef>
+          <a:fillRef idx="0">
+            <a:schemeClr val="accent1"/>
+          </a:fillRef>
+          <a:effectRef idx="1">
+            <a:schemeClr val="accent1"/>
+          </a:effectRef>
+          <a:fontRef idx="minor">
+            <a:schemeClr val="tx1"/>
+          </a:fontRef>
+        </p:style>
+      </p:cxnSp>
+      <p:sp>
+        <p:nvSpPr>
+          <p:cNvPr id="7" name="Textfeld 6">
+            <a:extLst>
+              <a:ext uri="{FF2B5EF4-FFF2-40B4-BE49-F238E27FC236}">
+                <a16:creationId xmlns:a16="http://schemas.microsoft.com/office/drawing/2014/main" id="{9E5A7C4D-87E1-C086-3513-2C9BF321E351}"/>
+              </a:ext>
+            </a:extLst>
+          </p:cNvPr>
+          <p:cNvSpPr txBox="1"/>
+          <p:nvPr/>
+        </p:nvSpPr>
+        <p:spPr>
+          <a:xfrm>
+            <a:off x="9127467" y="5121022"/>
+            <a:ext cx="945343" cy="645428"/>
+          </a:xfrm>
+          <a:prstGeom prst="rect">
+            <a:avLst/>
+          </a:prstGeom>
+          <a:solidFill>
+            <a:srgbClr val="ECECEC"/>
+          </a:solidFill>
+          <a:effectLst>
+            <a:outerShdw blurRad="50800" dist="38100" dir="2700000" algn="tl" rotWithShape="0">
+              <a:prstClr val="black">
+                <a:alpha val="40000"/>
+              </a:prstClr>
+            </a:outerShdw>
+          </a:effectLst>
+        </p:spPr>
+        <p:txBody>
+          <a:bodyPr wrap="none" lIns="0" tIns="36000" rIns="0" bIns="36000" rtlCol="0" anchor="t">
+            <a:noAutofit/>
+          </a:bodyPr>
+          <a:lstStyle/>
+          <a:p>
+            <a:pPr algn="ctr"/>
+            <a:r>
+              <a:rPr lang="de-DE" sz="1100" b="1" dirty="0">
+                <a:solidFill>
+                  <a:srgbClr val="DA007D"/>
+                </a:solidFill>
+                <a:latin typeface="Roboto Black" panose="02000000000000000000" pitchFamily="2" charset="0"/>
+                <a:ea typeface="Roboto Black" panose="02000000000000000000" pitchFamily="2" charset="0"/>
+              </a:rPr>
+              <a:t>Worker</a:t>
+            </a:r>
+          </a:p>
+        </p:txBody>
+      </p:sp>
+      <p:sp>
+        <p:nvSpPr>
+          <p:cNvPr id="8" name="Textfeld 7">
+            <a:extLst>
+              <a:ext uri="{FF2B5EF4-FFF2-40B4-BE49-F238E27FC236}">
+                <a16:creationId xmlns:a16="http://schemas.microsoft.com/office/drawing/2014/main" id="{4B3FEF37-982B-8478-2803-030032274122}"/>
+              </a:ext>
+            </a:extLst>
+          </p:cNvPr>
+          <p:cNvSpPr txBox="1"/>
+          <p:nvPr/>
+        </p:nvSpPr>
+        <p:spPr>
+          <a:xfrm>
+            <a:off x="9204300" y="5360790"/>
+            <a:ext cx="818503" cy="348509"/>
+          </a:xfrm>
+          <a:prstGeom prst="rect">
+            <a:avLst/>
+          </a:prstGeom>
+          <a:solidFill>
+            <a:schemeClr val="bg1">
+              <a:alpha val="74000"/>
+            </a:schemeClr>
+          </a:solidFill>
+          <a:effectLst/>
+        </p:spPr>
+        <p:txBody>
+          <a:bodyPr wrap="none" lIns="0" tIns="36000" rIns="0" bIns="36000" rtlCol="0" anchor="ctr">
+            <a:noAutofit/>
+          </a:bodyPr>
+          <a:lstStyle/>
+          <a:p>
+            <a:pPr algn="ctr"/>
+            <a:r>
+              <a:rPr lang="de-DE" sz="1100" b="1" dirty="0">
+                <a:solidFill>
+                  <a:schemeClr val="accent3"/>
+                </a:solidFill>
+                <a:latin typeface="Roboto Black" panose="02000000000000000000" pitchFamily="2" charset="0"/>
+                <a:ea typeface="Roboto Black" panose="02000000000000000000" pitchFamily="2" charset="0"/>
+              </a:rPr>
+              <a:t>Xfoil</a:t>
+            </a:r>
+          </a:p>
+        </p:txBody>
+      </p:sp>
+      <p:cxnSp>
+        <p:nvCxnSpPr>
+          <p:cNvPr id="10" name="Gerade Verbindung mit Pfeil 9">
+            <a:extLst>
+              <a:ext uri="{FF2B5EF4-FFF2-40B4-BE49-F238E27FC236}">
+                <a16:creationId xmlns:a16="http://schemas.microsoft.com/office/drawing/2014/main" id="{8AF27897-CD2D-3899-43B4-BF52EDFE65FA}"/>
+              </a:ext>
+            </a:extLst>
+          </p:cNvPr>
+          <p:cNvCxnSpPr>
+            <a:cxnSpLocks/>
+          </p:cNvCxnSpPr>
+          <p:nvPr/>
+        </p:nvCxnSpPr>
+        <p:spPr>
+          <a:xfrm flipH="1" flipV="1">
+            <a:off x="8634107" y="5285388"/>
+            <a:ext cx="397750" cy="241999"/>
+          </a:xfrm>
+          <a:prstGeom prst="straightConnector1">
+            <a:avLst/>
+          </a:prstGeom>
+          <a:ln w="38100">
+            <a:solidFill>
+              <a:schemeClr val="bg1">
+                <a:lumMod val="65000"/>
+              </a:schemeClr>
+            </a:solidFill>
+            <a:headEnd type="none" w="med" len="med"/>
+            <a:tailEnd type="triangle" w="lg" len="lg"/>
           </a:ln>
         </p:spPr>
         <p:style>

--- a/images/image_design.pptx
+++ b/images/image_design.pptx
@@ -302,7 +302,7 @@
           <a:p>
             <a:fld id="{CE8103EF-6A06-4AFC-A2C6-FF5735AE5867}" type="datetimeFigureOut">
               <a:rPr lang="en-US" smtClean="0"/>
-              <a:t>3/2/2025</a:t>
+              <a:t>3/7/2025</a:t>
             </a:fld>
             <a:endParaRPr lang="en-US"/>
           </a:p>
@@ -502,7 +502,7 @@
           <a:p>
             <a:fld id="{CE8103EF-6A06-4AFC-A2C6-FF5735AE5867}" type="datetimeFigureOut">
               <a:rPr lang="en-US" smtClean="0"/>
-              <a:t>3/2/2025</a:t>
+              <a:t>3/7/2025</a:t>
             </a:fld>
             <a:endParaRPr lang="en-US"/>
           </a:p>
@@ -712,7 +712,7 @@
           <a:p>
             <a:fld id="{CE8103EF-6A06-4AFC-A2C6-FF5735AE5867}" type="datetimeFigureOut">
               <a:rPr lang="en-US" smtClean="0"/>
-              <a:t>3/2/2025</a:t>
+              <a:t>3/7/2025</a:t>
             </a:fld>
             <a:endParaRPr lang="en-US"/>
           </a:p>
@@ -912,7 +912,7 @@
           <a:p>
             <a:fld id="{CE8103EF-6A06-4AFC-A2C6-FF5735AE5867}" type="datetimeFigureOut">
               <a:rPr lang="en-US" smtClean="0"/>
-              <a:t>3/2/2025</a:t>
+              <a:t>3/7/2025</a:t>
             </a:fld>
             <a:endParaRPr lang="en-US"/>
           </a:p>
@@ -1188,7 +1188,7 @@
           <a:p>
             <a:fld id="{CE8103EF-6A06-4AFC-A2C6-FF5735AE5867}" type="datetimeFigureOut">
               <a:rPr lang="en-US" smtClean="0"/>
-              <a:t>3/2/2025</a:t>
+              <a:t>3/7/2025</a:t>
             </a:fld>
             <a:endParaRPr lang="en-US"/>
           </a:p>
@@ -1456,7 +1456,7 @@
           <a:p>
             <a:fld id="{CE8103EF-6A06-4AFC-A2C6-FF5735AE5867}" type="datetimeFigureOut">
               <a:rPr lang="en-US" smtClean="0"/>
-              <a:t>3/2/2025</a:t>
+              <a:t>3/7/2025</a:t>
             </a:fld>
             <a:endParaRPr lang="en-US"/>
           </a:p>
@@ -1871,7 +1871,7 @@
           <a:p>
             <a:fld id="{CE8103EF-6A06-4AFC-A2C6-FF5735AE5867}" type="datetimeFigureOut">
               <a:rPr lang="en-US" smtClean="0"/>
-              <a:t>3/2/2025</a:t>
+              <a:t>3/7/2025</a:t>
             </a:fld>
             <a:endParaRPr lang="en-US"/>
           </a:p>
@@ -2013,7 +2013,7 @@
           <a:p>
             <a:fld id="{CE8103EF-6A06-4AFC-A2C6-FF5735AE5867}" type="datetimeFigureOut">
               <a:rPr lang="en-US" smtClean="0"/>
-              <a:t>3/2/2025</a:t>
+              <a:t>3/7/2025</a:t>
             </a:fld>
             <a:endParaRPr lang="en-US"/>
           </a:p>
@@ -2126,7 +2126,7 @@
           <a:p>
             <a:fld id="{CE8103EF-6A06-4AFC-A2C6-FF5735AE5867}" type="datetimeFigureOut">
               <a:rPr lang="en-US" smtClean="0"/>
-              <a:t>3/2/2025</a:t>
+              <a:t>3/7/2025</a:t>
             </a:fld>
             <a:endParaRPr lang="en-US"/>
           </a:p>
@@ -2439,7 +2439,7 @@
           <a:p>
             <a:fld id="{CE8103EF-6A06-4AFC-A2C6-FF5735AE5867}" type="datetimeFigureOut">
               <a:rPr lang="en-US" smtClean="0"/>
-              <a:t>3/2/2025</a:t>
+              <a:t>3/7/2025</a:t>
             </a:fld>
             <a:endParaRPr lang="en-US"/>
           </a:p>
@@ -2728,7 +2728,7 @@
           <a:p>
             <a:fld id="{CE8103EF-6A06-4AFC-A2C6-FF5735AE5867}" type="datetimeFigureOut">
               <a:rPr lang="en-US" smtClean="0"/>
-              <a:t>3/2/2025</a:t>
+              <a:t>3/7/2025</a:t>
             </a:fld>
             <a:endParaRPr lang="en-US"/>
           </a:p>
@@ -2971,7 +2971,7 @@
           <a:p>
             <a:fld id="{CE8103EF-6A06-4AFC-A2C6-FF5735AE5867}" type="datetimeFigureOut">
               <a:rPr lang="en-US" smtClean="0"/>
-              <a:t>3/2/2025</a:t>
+              <a:t>3/7/2025</a:t>
             </a:fld>
             <a:endParaRPr lang="en-US"/>
           </a:p>
@@ -6639,6 +6639,2034 @@
           </a:p>
         </p:txBody>
       </p:sp>
+      <p:sp>
+        <p:nvSpPr>
+          <p:cNvPr id="2" name="Rechteck 1">
+            <a:extLst>
+              <a:ext uri="{FF2B5EF4-FFF2-40B4-BE49-F238E27FC236}">
+                <a16:creationId xmlns:a16="http://schemas.microsoft.com/office/drawing/2014/main" id="{F264B7C8-7A91-6F99-F3C2-AB925024BA77}"/>
+              </a:ext>
+            </a:extLst>
+          </p:cNvPr>
+          <p:cNvSpPr/>
+          <p:nvPr/>
+        </p:nvSpPr>
+        <p:spPr>
+          <a:xfrm>
+            <a:off x="7175500" y="836612"/>
+            <a:ext cx="3673508" cy="2390775"/>
+          </a:xfrm>
+          <a:prstGeom prst="rect">
+            <a:avLst/>
+          </a:prstGeom>
+          <a:solidFill>
+            <a:schemeClr val="tx1"/>
+          </a:solidFill>
+          <a:ln>
+            <a:noFill/>
+          </a:ln>
+        </p:spPr>
+        <p:style>
+          <a:lnRef idx="2">
+            <a:schemeClr val="accent1">
+              <a:shade val="15000"/>
+            </a:schemeClr>
+          </a:lnRef>
+          <a:fillRef idx="1">
+            <a:schemeClr val="accent1"/>
+          </a:fillRef>
+          <a:effectRef idx="0">
+            <a:schemeClr val="accent1"/>
+          </a:effectRef>
+          <a:fontRef idx="minor">
+            <a:schemeClr val="lt1"/>
+          </a:fontRef>
+        </p:style>
+        <p:txBody>
+          <a:bodyPr rtlCol="0" anchor="ctr"/>
+          <a:lstStyle/>
+          <a:p>
+            <a:pPr algn="ctr"/>
+            <a:endParaRPr lang="en-US"/>
+          </a:p>
+        </p:txBody>
+      </p:sp>
+      <p:cxnSp>
+        <p:nvCxnSpPr>
+          <p:cNvPr id="5" name="Gerader Verbinder 4">
+            <a:extLst>
+              <a:ext uri="{FF2B5EF4-FFF2-40B4-BE49-F238E27FC236}">
+                <a16:creationId xmlns:a16="http://schemas.microsoft.com/office/drawing/2014/main" id="{0549B71E-D961-185F-0256-A654A9603CE2}"/>
+              </a:ext>
+            </a:extLst>
+          </p:cNvPr>
+          <p:cNvCxnSpPr/>
+          <p:nvPr/>
+        </p:nvCxnSpPr>
+        <p:spPr>
+          <a:xfrm>
+            <a:off x="7424738" y="2533650"/>
+            <a:ext cx="3300412" cy="0"/>
+          </a:xfrm>
+          <a:prstGeom prst="line">
+            <a:avLst/>
+          </a:prstGeom>
+          <a:ln w="6350">
+            <a:solidFill>
+              <a:schemeClr val="bg1">
+                <a:lumMod val="50000"/>
+              </a:schemeClr>
+            </a:solidFill>
+            <a:tailEnd type="triangle"/>
+          </a:ln>
+        </p:spPr>
+        <p:style>
+          <a:lnRef idx="2">
+            <a:schemeClr val="accent1"/>
+          </a:lnRef>
+          <a:fillRef idx="0">
+            <a:schemeClr val="accent1"/>
+          </a:fillRef>
+          <a:effectRef idx="1">
+            <a:schemeClr val="accent1"/>
+          </a:effectRef>
+          <a:fontRef idx="minor">
+            <a:schemeClr val="tx1"/>
+          </a:fontRef>
+        </p:style>
+      </p:cxnSp>
+      <p:cxnSp>
+        <p:nvCxnSpPr>
+          <p:cNvPr id="6" name="Gerader Verbinder 5">
+            <a:extLst>
+              <a:ext uri="{FF2B5EF4-FFF2-40B4-BE49-F238E27FC236}">
+                <a16:creationId xmlns:a16="http://schemas.microsoft.com/office/drawing/2014/main" id="{AF4B937F-7D42-35ED-3DB2-A4B5B45BEA95}"/>
+              </a:ext>
+            </a:extLst>
+          </p:cNvPr>
+          <p:cNvCxnSpPr>
+            <a:cxnSpLocks/>
+          </p:cNvCxnSpPr>
+          <p:nvPr/>
+        </p:nvCxnSpPr>
+        <p:spPr>
+          <a:xfrm flipV="1">
+            <a:off x="8434388" y="917575"/>
+            <a:ext cx="0" cy="2206625"/>
+          </a:xfrm>
+          <a:prstGeom prst="line">
+            <a:avLst/>
+          </a:prstGeom>
+          <a:ln w="6350">
+            <a:solidFill>
+              <a:schemeClr val="bg1">
+                <a:lumMod val="50000"/>
+              </a:schemeClr>
+            </a:solidFill>
+            <a:tailEnd type="triangle"/>
+          </a:ln>
+        </p:spPr>
+        <p:style>
+          <a:lnRef idx="2">
+            <a:schemeClr val="accent1"/>
+          </a:lnRef>
+          <a:fillRef idx="0">
+            <a:schemeClr val="accent1"/>
+          </a:fillRef>
+          <a:effectRef idx="1">
+            <a:schemeClr val="accent1"/>
+          </a:effectRef>
+          <a:fontRef idx="minor">
+            <a:schemeClr val="tx1"/>
+          </a:fontRef>
+        </p:style>
+      </p:cxnSp>
+      <p:cxnSp>
+        <p:nvCxnSpPr>
+          <p:cNvPr id="9" name="Gerader Verbinder 8">
+            <a:extLst>
+              <a:ext uri="{FF2B5EF4-FFF2-40B4-BE49-F238E27FC236}">
+                <a16:creationId xmlns:a16="http://schemas.microsoft.com/office/drawing/2014/main" id="{D17E9780-4A11-132B-CB28-1C5B735DC9B2}"/>
+              </a:ext>
+            </a:extLst>
+          </p:cNvPr>
+          <p:cNvCxnSpPr>
+            <a:cxnSpLocks/>
+          </p:cNvCxnSpPr>
+          <p:nvPr/>
+        </p:nvCxnSpPr>
+        <p:spPr>
+          <a:xfrm flipV="1">
+            <a:off x="8702595" y="2493963"/>
+            <a:ext cx="0" cy="77819"/>
+          </a:xfrm>
+          <a:prstGeom prst="line">
+            <a:avLst/>
+          </a:prstGeom>
+          <a:ln w="6350">
+            <a:solidFill>
+              <a:schemeClr val="bg1">
+                <a:lumMod val="50000"/>
+              </a:schemeClr>
+            </a:solidFill>
+          </a:ln>
+        </p:spPr>
+        <p:style>
+          <a:lnRef idx="2">
+            <a:schemeClr val="accent1"/>
+          </a:lnRef>
+          <a:fillRef idx="0">
+            <a:schemeClr val="accent1"/>
+          </a:fillRef>
+          <a:effectRef idx="1">
+            <a:schemeClr val="accent1"/>
+          </a:effectRef>
+          <a:fontRef idx="minor">
+            <a:schemeClr val="tx1"/>
+          </a:fontRef>
+        </p:style>
+      </p:cxnSp>
+      <p:cxnSp>
+        <p:nvCxnSpPr>
+          <p:cNvPr id="13" name="Gerader Verbinder 12">
+            <a:extLst>
+              <a:ext uri="{FF2B5EF4-FFF2-40B4-BE49-F238E27FC236}">
+                <a16:creationId xmlns:a16="http://schemas.microsoft.com/office/drawing/2014/main" id="{1A66A058-782A-5289-D5C7-26EF9EBA805B}"/>
+              </a:ext>
+            </a:extLst>
+          </p:cNvPr>
+          <p:cNvCxnSpPr>
+            <a:cxnSpLocks/>
+          </p:cNvCxnSpPr>
+          <p:nvPr/>
+        </p:nvCxnSpPr>
+        <p:spPr>
+          <a:xfrm flipV="1">
+            <a:off x="8970682" y="2493963"/>
+            <a:ext cx="0" cy="77819"/>
+          </a:xfrm>
+          <a:prstGeom prst="line">
+            <a:avLst/>
+          </a:prstGeom>
+          <a:ln w="6350">
+            <a:solidFill>
+              <a:schemeClr val="bg1">
+                <a:lumMod val="50000"/>
+              </a:schemeClr>
+            </a:solidFill>
+          </a:ln>
+        </p:spPr>
+        <p:style>
+          <a:lnRef idx="2">
+            <a:schemeClr val="accent1"/>
+          </a:lnRef>
+          <a:fillRef idx="0">
+            <a:schemeClr val="accent1"/>
+          </a:fillRef>
+          <a:effectRef idx="1">
+            <a:schemeClr val="accent1"/>
+          </a:effectRef>
+          <a:fontRef idx="minor">
+            <a:schemeClr val="tx1"/>
+          </a:fontRef>
+        </p:style>
+      </p:cxnSp>
+      <p:cxnSp>
+        <p:nvCxnSpPr>
+          <p:cNvPr id="14" name="Gerader Verbinder 13">
+            <a:extLst>
+              <a:ext uri="{FF2B5EF4-FFF2-40B4-BE49-F238E27FC236}">
+                <a16:creationId xmlns:a16="http://schemas.microsoft.com/office/drawing/2014/main" id="{F8C0FB5F-1E8F-F4CD-DB1F-CC6F23563E5E}"/>
+              </a:ext>
+            </a:extLst>
+          </p:cNvPr>
+          <p:cNvCxnSpPr>
+            <a:cxnSpLocks/>
+          </p:cNvCxnSpPr>
+          <p:nvPr/>
+        </p:nvCxnSpPr>
+        <p:spPr>
+          <a:xfrm flipV="1">
+            <a:off x="9238769" y="2493963"/>
+            <a:ext cx="0" cy="77819"/>
+          </a:xfrm>
+          <a:prstGeom prst="line">
+            <a:avLst/>
+          </a:prstGeom>
+          <a:ln w="6350">
+            <a:solidFill>
+              <a:schemeClr val="bg1">
+                <a:lumMod val="50000"/>
+              </a:schemeClr>
+            </a:solidFill>
+          </a:ln>
+        </p:spPr>
+        <p:style>
+          <a:lnRef idx="2">
+            <a:schemeClr val="accent1"/>
+          </a:lnRef>
+          <a:fillRef idx="0">
+            <a:schemeClr val="accent1"/>
+          </a:fillRef>
+          <a:effectRef idx="1">
+            <a:schemeClr val="accent1"/>
+          </a:effectRef>
+          <a:fontRef idx="minor">
+            <a:schemeClr val="tx1"/>
+          </a:fontRef>
+        </p:style>
+      </p:cxnSp>
+      <p:cxnSp>
+        <p:nvCxnSpPr>
+          <p:cNvPr id="16" name="Gerader Verbinder 15">
+            <a:extLst>
+              <a:ext uri="{FF2B5EF4-FFF2-40B4-BE49-F238E27FC236}">
+                <a16:creationId xmlns:a16="http://schemas.microsoft.com/office/drawing/2014/main" id="{3B64132F-1C5A-626F-7146-CCE1235011F3}"/>
+              </a:ext>
+            </a:extLst>
+          </p:cNvPr>
+          <p:cNvCxnSpPr>
+            <a:cxnSpLocks/>
+          </p:cNvCxnSpPr>
+          <p:nvPr/>
+        </p:nvCxnSpPr>
+        <p:spPr>
+          <a:xfrm flipV="1">
+            <a:off x="9506856" y="2493963"/>
+            <a:ext cx="0" cy="77819"/>
+          </a:xfrm>
+          <a:prstGeom prst="line">
+            <a:avLst/>
+          </a:prstGeom>
+          <a:ln w="6350">
+            <a:solidFill>
+              <a:schemeClr val="bg1">
+                <a:lumMod val="50000"/>
+              </a:schemeClr>
+            </a:solidFill>
+          </a:ln>
+        </p:spPr>
+        <p:style>
+          <a:lnRef idx="2">
+            <a:schemeClr val="accent1"/>
+          </a:lnRef>
+          <a:fillRef idx="0">
+            <a:schemeClr val="accent1"/>
+          </a:fillRef>
+          <a:effectRef idx="1">
+            <a:schemeClr val="accent1"/>
+          </a:effectRef>
+          <a:fontRef idx="minor">
+            <a:schemeClr val="tx1"/>
+          </a:fontRef>
+        </p:style>
+      </p:cxnSp>
+      <p:cxnSp>
+        <p:nvCxnSpPr>
+          <p:cNvPr id="19" name="Gerader Verbinder 18">
+            <a:extLst>
+              <a:ext uri="{FF2B5EF4-FFF2-40B4-BE49-F238E27FC236}">
+                <a16:creationId xmlns:a16="http://schemas.microsoft.com/office/drawing/2014/main" id="{EAFDFA7E-C8F9-472B-37A3-6BE27F8700A8}"/>
+              </a:ext>
+            </a:extLst>
+          </p:cNvPr>
+          <p:cNvCxnSpPr>
+            <a:cxnSpLocks/>
+          </p:cNvCxnSpPr>
+          <p:nvPr/>
+        </p:nvCxnSpPr>
+        <p:spPr>
+          <a:xfrm flipV="1">
+            <a:off x="9774943" y="2493963"/>
+            <a:ext cx="0" cy="77819"/>
+          </a:xfrm>
+          <a:prstGeom prst="line">
+            <a:avLst/>
+          </a:prstGeom>
+          <a:ln w="6350">
+            <a:solidFill>
+              <a:schemeClr val="bg1">
+                <a:lumMod val="50000"/>
+              </a:schemeClr>
+            </a:solidFill>
+          </a:ln>
+        </p:spPr>
+        <p:style>
+          <a:lnRef idx="2">
+            <a:schemeClr val="accent1"/>
+          </a:lnRef>
+          <a:fillRef idx="0">
+            <a:schemeClr val="accent1"/>
+          </a:fillRef>
+          <a:effectRef idx="1">
+            <a:schemeClr val="accent1"/>
+          </a:effectRef>
+          <a:fontRef idx="minor">
+            <a:schemeClr val="tx1"/>
+          </a:fontRef>
+        </p:style>
+      </p:cxnSp>
+      <p:cxnSp>
+        <p:nvCxnSpPr>
+          <p:cNvPr id="20" name="Gerader Verbinder 19">
+            <a:extLst>
+              <a:ext uri="{FF2B5EF4-FFF2-40B4-BE49-F238E27FC236}">
+                <a16:creationId xmlns:a16="http://schemas.microsoft.com/office/drawing/2014/main" id="{9D62ACBE-18F6-D7D1-58DB-1882F880EF91}"/>
+              </a:ext>
+            </a:extLst>
+          </p:cNvPr>
+          <p:cNvCxnSpPr>
+            <a:cxnSpLocks/>
+          </p:cNvCxnSpPr>
+          <p:nvPr/>
+        </p:nvCxnSpPr>
+        <p:spPr>
+          <a:xfrm flipV="1">
+            <a:off x="10043030" y="2493963"/>
+            <a:ext cx="0" cy="77819"/>
+          </a:xfrm>
+          <a:prstGeom prst="line">
+            <a:avLst/>
+          </a:prstGeom>
+          <a:ln w="6350">
+            <a:solidFill>
+              <a:schemeClr val="bg1">
+                <a:lumMod val="50000"/>
+              </a:schemeClr>
+            </a:solidFill>
+          </a:ln>
+        </p:spPr>
+        <p:style>
+          <a:lnRef idx="2">
+            <a:schemeClr val="accent1"/>
+          </a:lnRef>
+          <a:fillRef idx="0">
+            <a:schemeClr val="accent1"/>
+          </a:fillRef>
+          <a:effectRef idx="1">
+            <a:schemeClr val="accent1"/>
+          </a:effectRef>
+          <a:fontRef idx="minor">
+            <a:schemeClr val="tx1"/>
+          </a:fontRef>
+        </p:style>
+      </p:cxnSp>
+      <p:cxnSp>
+        <p:nvCxnSpPr>
+          <p:cNvPr id="22" name="Gerader Verbinder 21">
+            <a:extLst>
+              <a:ext uri="{FF2B5EF4-FFF2-40B4-BE49-F238E27FC236}">
+                <a16:creationId xmlns:a16="http://schemas.microsoft.com/office/drawing/2014/main" id="{5CCD1C19-9C58-D26B-CDFF-2E491EE13328}"/>
+              </a:ext>
+            </a:extLst>
+          </p:cNvPr>
+          <p:cNvCxnSpPr>
+            <a:cxnSpLocks/>
+          </p:cNvCxnSpPr>
+          <p:nvPr/>
+        </p:nvCxnSpPr>
+        <p:spPr>
+          <a:xfrm flipV="1">
+            <a:off x="10311117" y="2493963"/>
+            <a:ext cx="0" cy="77819"/>
+          </a:xfrm>
+          <a:prstGeom prst="line">
+            <a:avLst/>
+          </a:prstGeom>
+          <a:ln w="6350">
+            <a:solidFill>
+              <a:schemeClr val="bg1">
+                <a:lumMod val="50000"/>
+              </a:schemeClr>
+            </a:solidFill>
+          </a:ln>
+        </p:spPr>
+        <p:style>
+          <a:lnRef idx="2">
+            <a:schemeClr val="accent1"/>
+          </a:lnRef>
+          <a:fillRef idx="0">
+            <a:schemeClr val="accent1"/>
+          </a:fillRef>
+          <a:effectRef idx="1">
+            <a:schemeClr val="accent1"/>
+          </a:effectRef>
+          <a:fontRef idx="minor">
+            <a:schemeClr val="tx1"/>
+          </a:fontRef>
+        </p:style>
+      </p:cxnSp>
+      <p:cxnSp>
+        <p:nvCxnSpPr>
+          <p:cNvPr id="27" name="Gerader Verbinder 26">
+            <a:extLst>
+              <a:ext uri="{FF2B5EF4-FFF2-40B4-BE49-F238E27FC236}">
+                <a16:creationId xmlns:a16="http://schemas.microsoft.com/office/drawing/2014/main" id="{AD099242-C14E-5D3F-BCC3-AF3B7972BAE5}"/>
+              </a:ext>
+            </a:extLst>
+          </p:cNvPr>
+          <p:cNvCxnSpPr>
+            <a:cxnSpLocks/>
+          </p:cNvCxnSpPr>
+          <p:nvPr/>
+        </p:nvCxnSpPr>
+        <p:spPr>
+          <a:xfrm flipV="1">
+            <a:off x="10579203" y="2493963"/>
+            <a:ext cx="0" cy="77819"/>
+          </a:xfrm>
+          <a:prstGeom prst="line">
+            <a:avLst/>
+          </a:prstGeom>
+          <a:ln w="6350">
+            <a:solidFill>
+              <a:schemeClr val="bg1">
+                <a:lumMod val="50000"/>
+              </a:schemeClr>
+            </a:solidFill>
+          </a:ln>
+        </p:spPr>
+        <p:style>
+          <a:lnRef idx="2">
+            <a:schemeClr val="accent1"/>
+          </a:lnRef>
+          <a:fillRef idx="0">
+            <a:schemeClr val="accent1"/>
+          </a:fillRef>
+          <a:effectRef idx="1">
+            <a:schemeClr val="accent1"/>
+          </a:effectRef>
+          <a:fontRef idx="minor">
+            <a:schemeClr val="tx1"/>
+          </a:fontRef>
+        </p:style>
+      </p:cxnSp>
+      <p:cxnSp>
+        <p:nvCxnSpPr>
+          <p:cNvPr id="29" name="Gerader Verbinder 28">
+            <a:extLst>
+              <a:ext uri="{FF2B5EF4-FFF2-40B4-BE49-F238E27FC236}">
+                <a16:creationId xmlns:a16="http://schemas.microsoft.com/office/drawing/2014/main" id="{8E44C8B9-7169-577F-A620-10C5E623E732}"/>
+              </a:ext>
+            </a:extLst>
+          </p:cNvPr>
+          <p:cNvCxnSpPr>
+            <a:cxnSpLocks/>
+          </p:cNvCxnSpPr>
+          <p:nvPr/>
+        </p:nvCxnSpPr>
+        <p:spPr>
+          <a:xfrm flipV="1">
+            <a:off x="7632620" y="2496360"/>
+            <a:ext cx="0" cy="77819"/>
+          </a:xfrm>
+          <a:prstGeom prst="line">
+            <a:avLst/>
+          </a:prstGeom>
+          <a:ln w="6350">
+            <a:solidFill>
+              <a:schemeClr val="bg1">
+                <a:lumMod val="50000"/>
+              </a:schemeClr>
+            </a:solidFill>
+          </a:ln>
+        </p:spPr>
+        <p:style>
+          <a:lnRef idx="2">
+            <a:schemeClr val="accent1"/>
+          </a:lnRef>
+          <a:fillRef idx="0">
+            <a:schemeClr val="accent1"/>
+          </a:fillRef>
+          <a:effectRef idx="1">
+            <a:schemeClr val="accent1"/>
+          </a:effectRef>
+          <a:fontRef idx="minor">
+            <a:schemeClr val="tx1"/>
+          </a:fontRef>
+        </p:style>
+      </p:cxnSp>
+      <p:cxnSp>
+        <p:nvCxnSpPr>
+          <p:cNvPr id="30" name="Gerader Verbinder 29">
+            <a:extLst>
+              <a:ext uri="{FF2B5EF4-FFF2-40B4-BE49-F238E27FC236}">
+                <a16:creationId xmlns:a16="http://schemas.microsoft.com/office/drawing/2014/main" id="{D7D69864-8846-86BE-092D-4E28F1B49BB6}"/>
+              </a:ext>
+            </a:extLst>
+          </p:cNvPr>
+          <p:cNvCxnSpPr>
+            <a:cxnSpLocks/>
+          </p:cNvCxnSpPr>
+          <p:nvPr/>
+        </p:nvCxnSpPr>
+        <p:spPr>
+          <a:xfrm flipV="1">
+            <a:off x="7900707" y="2496360"/>
+            <a:ext cx="0" cy="77819"/>
+          </a:xfrm>
+          <a:prstGeom prst="line">
+            <a:avLst/>
+          </a:prstGeom>
+          <a:ln w="6350">
+            <a:solidFill>
+              <a:schemeClr val="bg1">
+                <a:lumMod val="50000"/>
+              </a:schemeClr>
+            </a:solidFill>
+          </a:ln>
+        </p:spPr>
+        <p:style>
+          <a:lnRef idx="2">
+            <a:schemeClr val="accent1"/>
+          </a:lnRef>
+          <a:fillRef idx="0">
+            <a:schemeClr val="accent1"/>
+          </a:fillRef>
+          <a:effectRef idx="1">
+            <a:schemeClr val="accent1"/>
+          </a:effectRef>
+          <a:fontRef idx="minor">
+            <a:schemeClr val="tx1"/>
+          </a:fontRef>
+        </p:style>
+      </p:cxnSp>
+      <p:cxnSp>
+        <p:nvCxnSpPr>
+          <p:cNvPr id="31" name="Gerader Verbinder 30">
+            <a:extLst>
+              <a:ext uri="{FF2B5EF4-FFF2-40B4-BE49-F238E27FC236}">
+                <a16:creationId xmlns:a16="http://schemas.microsoft.com/office/drawing/2014/main" id="{3D744D88-608F-7736-98B0-11FEC828609F}"/>
+              </a:ext>
+            </a:extLst>
+          </p:cNvPr>
+          <p:cNvCxnSpPr>
+            <a:cxnSpLocks/>
+          </p:cNvCxnSpPr>
+          <p:nvPr/>
+        </p:nvCxnSpPr>
+        <p:spPr>
+          <a:xfrm flipV="1">
+            <a:off x="8168794" y="2496360"/>
+            <a:ext cx="0" cy="77819"/>
+          </a:xfrm>
+          <a:prstGeom prst="line">
+            <a:avLst/>
+          </a:prstGeom>
+          <a:ln w="6350">
+            <a:solidFill>
+              <a:schemeClr val="bg1">
+                <a:lumMod val="50000"/>
+              </a:schemeClr>
+            </a:solidFill>
+          </a:ln>
+        </p:spPr>
+        <p:style>
+          <a:lnRef idx="2">
+            <a:schemeClr val="accent1"/>
+          </a:lnRef>
+          <a:fillRef idx="0">
+            <a:schemeClr val="accent1"/>
+          </a:fillRef>
+          <a:effectRef idx="1">
+            <a:schemeClr val="accent1"/>
+          </a:effectRef>
+          <a:fontRef idx="minor">
+            <a:schemeClr val="tx1"/>
+          </a:fontRef>
+        </p:style>
+      </p:cxnSp>
+      <p:cxnSp>
+        <p:nvCxnSpPr>
+          <p:cNvPr id="33" name="Gerader Verbinder 32">
+            <a:extLst>
+              <a:ext uri="{FF2B5EF4-FFF2-40B4-BE49-F238E27FC236}">
+                <a16:creationId xmlns:a16="http://schemas.microsoft.com/office/drawing/2014/main" id="{E80A8F8F-0BAB-5E73-E60B-2FB64B0AE903}"/>
+              </a:ext>
+            </a:extLst>
+          </p:cNvPr>
+          <p:cNvCxnSpPr>
+            <a:cxnSpLocks/>
+          </p:cNvCxnSpPr>
+          <p:nvPr/>
+        </p:nvCxnSpPr>
+        <p:spPr>
+          <a:xfrm flipH="1">
+            <a:off x="8387200" y="2601249"/>
+            <a:ext cx="94376" cy="0"/>
+          </a:xfrm>
+          <a:prstGeom prst="line">
+            <a:avLst/>
+          </a:prstGeom>
+          <a:ln w="6350">
+            <a:solidFill>
+              <a:schemeClr val="bg1">
+                <a:lumMod val="50000"/>
+              </a:schemeClr>
+            </a:solidFill>
+          </a:ln>
+        </p:spPr>
+        <p:style>
+          <a:lnRef idx="2">
+            <a:schemeClr val="accent1"/>
+          </a:lnRef>
+          <a:fillRef idx="0">
+            <a:schemeClr val="accent1"/>
+          </a:fillRef>
+          <a:effectRef idx="1">
+            <a:schemeClr val="accent1"/>
+          </a:effectRef>
+          <a:fontRef idx="minor">
+            <a:schemeClr val="tx1"/>
+          </a:fontRef>
+        </p:style>
+      </p:cxnSp>
+      <p:cxnSp>
+        <p:nvCxnSpPr>
+          <p:cNvPr id="37" name="Gerader Verbinder 36">
+            <a:extLst>
+              <a:ext uri="{FF2B5EF4-FFF2-40B4-BE49-F238E27FC236}">
+                <a16:creationId xmlns:a16="http://schemas.microsoft.com/office/drawing/2014/main" id="{9F1E949C-306F-5839-3052-BF29C99BE1CA}"/>
+              </a:ext>
+            </a:extLst>
+          </p:cNvPr>
+          <p:cNvCxnSpPr>
+            <a:cxnSpLocks/>
+          </p:cNvCxnSpPr>
+          <p:nvPr/>
+        </p:nvCxnSpPr>
+        <p:spPr>
+          <a:xfrm flipH="1">
+            <a:off x="8387200" y="2288968"/>
+            <a:ext cx="94376" cy="0"/>
+          </a:xfrm>
+          <a:prstGeom prst="line">
+            <a:avLst/>
+          </a:prstGeom>
+          <a:ln w="6350">
+            <a:solidFill>
+              <a:schemeClr val="bg1">
+                <a:lumMod val="50000"/>
+              </a:schemeClr>
+            </a:solidFill>
+          </a:ln>
+        </p:spPr>
+        <p:style>
+          <a:lnRef idx="2">
+            <a:schemeClr val="accent1"/>
+          </a:lnRef>
+          <a:fillRef idx="0">
+            <a:schemeClr val="accent1"/>
+          </a:fillRef>
+          <a:effectRef idx="1">
+            <a:schemeClr val="accent1"/>
+          </a:effectRef>
+          <a:fontRef idx="minor">
+            <a:schemeClr val="tx1"/>
+          </a:fontRef>
+        </p:style>
+      </p:cxnSp>
+      <p:cxnSp>
+        <p:nvCxnSpPr>
+          <p:cNvPr id="38" name="Gerader Verbinder 37">
+            <a:extLst>
+              <a:ext uri="{FF2B5EF4-FFF2-40B4-BE49-F238E27FC236}">
+                <a16:creationId xmlns:a16="http://schemas.microsoft.com/office/drawing/2014/main" id="{171D37AB-C1ED-504E-31F0-0D06C491FFAE}"/>
+              </a:ext>
+            </a:extLst>
+          </p:cNvPr>
+          <p:cNvCxnSpPr>
+            <a:cxnSpLocks/>
+          </p:cNvCxnSpPr>
+          <p:nvPr/>
+        </p:nvCxnSpPr>
+        <p:spPr>
+          <a:xfrm flipH="1">
+            <a:off x="8387200" y="2043359"/>
+            <a:ext cx="94376" cy="0"/>
+          </a:xfrm>
+          <a:prstGeom prst="line">
+            <a:avLst/>
+          </a:prstGeom>
+          <a:ln w="6350">
+            <a:solidFill>
+              <a:schemeClr val="bg1">
+                <a:lumMod val="50000"/>
+              </a:schemeClr>
+            </a:solidFill>
+          </a:ln>
+        </p:spPr>
+        <p:style>
+          <a:lnRef idx="2">
+            <a:schemeClr val="accent1"/>
+          </a:lnRef>
+          <a:fillRef idx="0">
+            <a:schemeClr val="accent1"/>
+          </a:fillRef>
+          <a:effectRef idx="1">
+            <a:schemeClr val="accent1"/>
+          </a:effectRef>
+          <a:fontRef idx="minor">
+            <a:schemeClr val="tx1"/>
+          </a:fontRef>
+        </p:style>
+      </p:cxnSp>
+      <p:cxnSp>
+        <p:nvCxnSpPr>
+          <p:cNvPr id="39" name="Gerader Verbinder 38">
+            <a:extLst>
+              <a:ext uri="{FF2B5EF4-FFF2-40B4-BE49-F238E27FC236}">
+                <a16:creationId xmlns:a16="http://schemas.microsoft.com/office/drawing/2014/main" id="{F3CB8E86-BC01-CC58-D40C-0FD817E8105A}"/>
+              </a:ext>
+            </a:extLst>
+          </p:cNvPr>
+          <p:cNvCxnSpPr>
+            <a:cxnSpLocks/>
+          </p:cNvCxnSpPr>
+          <p:nvPr/>
+        </p:nvCxnSpPr>
+        <p:spPr>
+          <a:xfrm flipH="1">
+            <a:off x="8387200" y="1797750"/>
+            <a:ext cx="94376" cy="0"/>
+          </a:xfrm>
+          <a:prstGeom prst="line">
+            <a:avLst/>
+          </a:prstGeom>
+          <a:ln w="6350">
+            <a:solidFill>
+              <a:schemeClr val="bg1">
+                <a:lumMod val="50000"/>
+              </a:schemeClr>
+            </a:solidFill>
+          </a:ln>
+        </p:spPr>
+        <p:style>
+          <a:lnRef idx="2">
+            <a:schemeClr val="accent1"/>
+          </a:lnRef>
+          <a:fillRef idx="0">
+            <a:schemeClr val="accent1"/>
+          </a:fillRef>
+          <a:effectRef idx="1">
+            <a:schemeClr val="accent1"/>
+          </a:effectRef>
+          <a:fontRef idx="minor">
+            <a:schemeClr val="tx1"/>
+          </a:fontRef>
+        </p:style>
+      </p:cxnSp>
+      <p:cxnSp>
+        <p:nvCxnSpPr>
+          <p:cNvPr id="40" name="Gerader Verbinder 39">
+            <a:extLst>
+              <a:ext uri="{FF2B5EF4-FFF2-40B4-BE49-F238E27FC236}">
+                <a16:creationId xmlns:a16="http://schemas.microsoft.com/office/drawing/2014/main" id="{584AFA0D-761F-9BB3-B735-FB69E94D3B0D}"/>
+              </a:ext>
+            </a:extLst>
+          </p:cNvPr>
+          <p:cNvCxnSpPr>
+            <a:cxnSpLocks/>
+          </p:cNvCxnSpPr>
+          <p:nvPr/>
+        </p:nvCxnSpPr>
+        <p:spPr>
+          <a:xfrm flipH="1">
+            <a:off x="8387200" y="1552141"/>
+            <a:ext cx="94376" cy="0"/>
+          </a:xfrm>
+          <a:prstGeom prst="line">
+            <a:avLst/>
+          </a:prstGeom>
+          <a:ln w="6350">
+            <a:solidFill>
+              <a:schemeClr val="bg1">
+                <a:lumMod val="50000"/>
+              </a:schemeClr>
+            </a:solidFill>
+          </a:ln>
+        </p:spPr>
+        <p:style>
+          <a:lnRef idx="2">
+            <a:schemeClr val="accent1"/>
+          </a:lnRef>
+          <a:fillRef idx="0">
+            <a:schemeClr val="accent1"/>
+          </a:fillRef>
+          <a:effectRef idx="1">
+            <a:schemeClr val="accent1"/>
+          </a:effectRef>
+          <a:fontRef idx="minor">
+            <a:schemeClr val="tx1"/>
+          </a:fontRef>
+        </p:style>
+      </p:cxnSp>
+      <p:cxnSp>
+        <p:nvCxnSpPr>
+          <p:cNvPr id="41" name="Gerader Verbinder 40">
+            <a:extLst>
+              <a:ext uri="{FF2B5EF4-FFF2-40B4-BE49-F238E27FC236}">
+                <a16:creationId xmlns:a16="http://schemas.microsoft.com/office/drawing/2014/main" id="{4A804FDA-53C5-1EB3-645C-8CE175B89726}"/>
+              </a:ext>
+            </a:extLst>
+          </p:cNvPr>
+          <p:cNvCxnSpPr>
+            <a:cxnSpLocks/>
+          </p:cNvCxnSpPr>
+          <p:nvPr/>
+        </p:nvCxnSpPr>
+        <p:spPr>
+          <a:xfrm flipH="1">
+            <a:off x="8387200" y="1306532"/>
+            <a:ext cx="94376" cy="0"/>
+          </a:xfrm>
+          <a:prstGeom prst="line">
+            <a:avLst/>
+          </a:prstGeom>
+          <a:ln w="6350">
+            <a:solidFill>
+              <a:schemeClr val="bg1">
+                <a:lumMod val="50000"/>
+              </a:schemeClr>
+            </a:solidFill>
+          </a:ln>
+        </p:spPr>
+        <p:style>
+          <a:lnRef idx="2">
+            <a:schemeClr val="accent1"/>
+          </a:lnRef>
+          <a:fillRef idx="0">
+            <a:schemeClr val="accent1"/>
+          </a:fillRef>
+          <a:effectRef idx="1">
+            <a:schemeClr val="accent1"/>
+          </a:effectRef>
+          <a:fontRef idx="minor">
+            <a:schemeClr val="tx1"/>
+          </a:fontRef>
+        </p:style>
+      </p:cxnSp>
+      <p:cxnSp>
+        <p:nvCxnSpPr>
+          <p:cNvPr id="42" name="Gerader Verbinder 41">
+            <a:extLst>
+              <a:ext uri="{FF2B5EF4-FFF2-40B4-BE49-F238E27FC236}">
+                <a16:creationId xmlns:a16="http://schemas.microsoft.com/office/drawing/2014/main" id="{CEB28B13-3A71-875B-99A8-B2CBE079D70C}"/>
+              </a:ext>
+            </a:extLst>
+          </p:cNvPr>
+          <p:cNvCxnSpPr>
+            <a:cxnSpLocks/>
+          </p:cNvCxnSpPr>
+          <p:nvPr/>
+        </p:nvCxnSpPr>
+        <p:spPr>
+          <a:xfrm flipH="1">
+            <a:off x="8387200" y="2846858"/>
+            <a:ext cx="94376" cy="0"/>
+          </a:xfrm>
+          <a:prstGeom prst="line">
+            <a:avLst/>
+          </a:prstGeom>
+          <a:ln w="6350">
+            <a:solidFill>
+              <a:schemeClr val="bg1">
+                <a:lumMod val="50000"/>
+              </a:schemeClr>
+            </a:solidFill>
+          </a:ln>
+        </p:spPr>
+        <p:style>
+          <a:lnRef idx="2">
+            <a:schemeClr val="accent1"/>
+          </a:lnRef>
+          <a:fillRef idx="0">
+            <a:schemeClr val="accent1"/>
+          </a:fillRef>
+          <a:effectRef idx="1">
+            <a:schemeClr val="accent1"/>
+          </a:effectRef>
+          <a:fontRef idx="minor">
+            <a:schemeClr val="tx1"/>
+          </a:fontRef>
+        </p:style>
+      </p:cxnSp>
+      <p:cxnSp>
+        <p:nvCxnSpPr>
+          <p:cNvPr id="43" name="Gerader Verbinder 42">
+            <a:extLst>
+              <a:ext uri="{FF2B5EF4-FFF2-40B4-BE49-F238E27FC236}">
+                <a16:creationId xmlns:a16="http://schemas.microsoft.com/office/drawing/2014/main" id="{2199CA56-0D1D-27A4-4BE7-408BD72CAFCE}"/>
+              </a:ext>
+            </a:extLst>
+          </p:cNvPr>
+          <p:cNvCxnSpPr>
+            <a:cxnSpLocks/>
+          </p:cNvCxnSpPr>
+          <p:nvPr/>
+        </p:nvCxnSpPr>
+        <p:spPr>
+          <a:xfrm flipH="1">
+            <a:off x="8387200" y="3025792"/>
+            <a:ext cx="94376" cy="0"/>
+          </a:xfrm>
+          <a:prstGeom prst="line">
+            <a:avLst/>
+          </a:prstGeom>
+          <a:ln w="6350">
+            <a:solidFill>
+              <a:schemeClr val="bg1">
+                <a:lumMod val="50000"/>
+              </a:schemeClr>
+            </a:solidFill>
+          </a:ln>
+        </p:spPr>
+        <p:style>
+          <a:lnRef idx="2">
+            <a:schemeClr val="accent1"/>
+          </a:lnRef>
+          <a:fillRef idx="0">
+            <a:schemeClr val="accent1"/>
+          </a:fillRef>
+          <a:effectRef idx="1">
+            <a:schemeClr val="accent1"/>
+          </a:effectRef>
+          <a:fontRef idx="minor">
+            <a:schemeClr val="tx1"/>
+          </a:fontRef>
+        </p:style>
+      </p:cxnSp>
+      <p:sp>
+        <p:nvSpPr>
+          <p:cNvPr id="44" name="Textfeld 43">
+            <a:extLst>
+              <a:ext uri="{FF2B5EF4-FFF2-40B4-BE49-F238E27FC236}">
+                <a16:creationId xmlns:a16="http://schemas.microsoft.com/office/drawing/2014/main" id="{F6EC403E-7154-55A0-B12F-F2FC79DD9D2A}"/>
+              </a:ext>
+            </a:extLst>
+          </p:cNvPr>
+          <p:cNvSpPr txBox="1"/>
+          <p:nvPr/>
+        </p:nvSpPr>
+        <p:spPr>
+          <a:xfrm>
+            <a:off x="8104750" y="986999"/>
+            <a:ext cx="282450" cy="246221"/>
+          </a:xfrm>
+          <a:prstGeom prst="rect">
+            <a:avLst/>
+          </a:prstGeom>
+          <a:noFill/>
+        </p:spPr>
+        <p:txBody>
+          <a:bodyPr wrap="none" rtlCol="0">
+            <a:spAutoFit/>
+          </a:bodyPr>
+          <a:lstStyle/>
+          <a:p>
+            <a:r>
+              <a:rPr lang="de-DE" sz="1000" dirty="0">
+                <a:solidFill>
+                  <a:schemeClr val="bg1">
+                    <a:lumMod val="75000"/>
+                  </a:schemeClr>
+                </a:solidFill>
+                <a:latin typeface="Roboto" panose="02000000000000000000" pitchFamily="2" charset="0"/>
+                <a:ea typeface="Roboto" panose="02000000000000000000" pitchFamily="2" charset="0"/>
+                <a:cs typeface="Roboto" panose="02000000000000000000" pitchFamily="2" charset="0"/>
+              </a:rPr>
+              <a:t>cl</a:t>
+            </a:r>
+            <a:endParaRPr lang="en-US" sz="1000" dirty="0">
+              <a:solidFill>
+                <a:schemeClr val="bg1">
+                  <a:lumMod val="75000"/>
+                </a:schemeClr>
+              </a:solidFill>
+              <a:latin typeface="Roboto" panose="02000000000000000000" pitchFamily="2" charset="0"/>
+              <a:ea typeface="Roboto" panose="02000000000000000000" pitchFamily="2" charset="0"/>
+              <a:cs typeface="Roboto" panose="02000000000000000000" pitchFamily="2" charset="0"/>
+            </a:endParaRPr>
+          </a:p>
+        </p:txBody>
+      </p:sp>
+      <p:sp>
+        <p:nvSpPr>
+          <p:cNvPr id="45" name="Textfeld 44">
+            <a:extLst>
+              <a:ext uri="{FF2B5EF4-FFF2-40B4-BE49-F238E27FC236}">
+                <a16:creationId xmlns:a16="http://schemas.microsoft.com/office/drawing/2014/main" id="{B2A16C40-8CBB-36F5-58A3-FB5F7F38A918}"/>
+              </a:ext>
+            </a:extLst>
+          </p:cNvPr>
+          <p:cNvSpPr txBox="1"/>
+          <p:nvPr/>
+        </p:nvSpPr>
+        <p:spPr>
+          <a:xfrm>
+            <a:off x="10226295" y="2635223"/>
+            <a:ext cx="498855" cy="246221"/>
+          </a:xfrm>
+          <a:prstGeom prst="rect">
+            <a:avLst/>
+          </a:prstGeom>
+          <a:noFill/>
+        </p:spPr>
+        <p:txBody>
+          <a:bodyPr wrap="none" rtlCol="0">
+            <a:spAutoFit/>
+          </a:bodyPr>
+          <a:lstStyle/>
+          <a:p>
+            <a:r>
+              <a:rPr lang="de-DE" sz="1000" dirty="0">
+                <a:solidFill>
+                  <a:schemeClr val="bg1">
+                    <a:lumMod val="75000"/>
+                  </a:schemeClr>
+                </a:solidFill>
+                <a:latin typeface="Roboto" panose="02000000000000000000" pitchFamily="2" charset="0"/>
+                <a:ea typeface="Roboto" panose="02000000000000000000" pitchFamily="2" charset="0"/>
+                <a:cs typeface="Roboto" panose="02000000000000000000" pitchFamily="2" charset="0"/>
+              </a:rPr>
+              <a:t>alpha</a:t>
+            </a:r>
+            <a:endParaRPr lang="en-US" sz="1000" dirty="0">
+              <a:solidFill>
+                <a:schemeClr val="bg1">
+                  <a:lumMod val="75000"/>
+                </a:schemeClr>
+              </a:solidFill>
+              <a:latin typeface="Roboto" panose="02000000000000000000" pitchFamily="2" charset="0"/>
+              <a:ea typeface="Roboto" panose="02000000000000000000" pitchFamily="2" charset="0"/>
+              <a:cs typeface="Roboto" panose="02000000000000000000" pitchFamily="2" charset="0"/>
+            </a:endParaRPr>
+          </a:p>
+        </p:txBody>
+      </p:sp>
+      <p:sp>
+        <p:nvSpPr>
+          <p:cNvPr id="59" name="Textfeld 58">
+            <a:extLst>
+              <a:ext uri="{FF2B5EF4-FFF2-40B4-BE49-F238E27FC236}">
+                <a16:creationId xmlns:a16="http://schemas.microsoft.com/office/drawing/2014/main" id="{A7948AAE-E0F3-43AF-71D9-56D75F352F68}"/>
+              </a:ext>
+            </a:extLst>
+          </p:cNvPr>
+          <p:cNvSpPr txBox="1"/>
+          <p:nvPr/>
+        </p:nvSpPr>
+        <p:spPr>
+          <a:xfrm>
+            <a:off x="8336446" y="2621125"/>
+            <a:ext cx="229553" cy="226591"/>
+          </a:xfrm>
+          <a:prstGeom prst="rect">
+            <a:avLst/>
+          </a:prstGeom>
+          <a:solidFill>
+            <a:schemeClr val="tx1">
+              <a:alpha val="78000"/>
+            </a:schemeClr>
+          </a:solidFill>
+        </p:spPr>
+        <p:txBody>
+          <a:bodyPr wrap="square" lIns="36000" tIns="36000" rIns="36000" bIns="36000" rtlCol="0">
+            <a:spAutoFit/>
+          </a:bodyPr>
+          <a:lstStyle/>
+          <a:p>
+            <a:pPr algn="ctr"/>
+            <a:r>
+              <a:rPr lang="de-DE" sz="1000" dirty="0">
+                <a:solidFill>
+                  <a:schemeClr val="accent4"/>
+                </a:solidFill>
+                <a:latin typeface="Roboto" panose="02000000000000000000" pitchFamily="2" charset="0"/>
+                <a:ea typeface="Roboto" panose="02000000000000000000" pitchFamily="2" charset="0"/>
+                <a:cs typeface="Roboto" panose="02000000000000000000" pitchFamily="2" charset="0"/>
+              </a:rPr>
+              <a:t>0°</a:t>
+            </a:r>
+            <a:endParaRPr lang="en-US" sz="1000" dirty="0">
+              <a:solidFill>
+                <a:schemeClr val="accent4"/>
+              </a:solidFill>
+              <a:latin typeface="Roboto" panose="02000000000000000000" pitchFamily="2" charset="0"/>
+              <a:ea typeface="Roboto" panose="02000000000000000000" pitchFamily="2" charset="0"/>
+              <a:cs typeface="Roboto" panose="02000000000000000000" pitchFamily="2" charset="0"/>
+            </a:endParaRPr>
+          </a:p>
+        </p:txBody>
+      </p:sp>
+      <p:cxnSp>
+        <p:nvCxnSpPr>
+          <p:cNvPr id="47" name="Gerader Verbinder 46">
+            <a:extLst>
+              <a:ext uri="{FF2B5EF4-FFF2-40B4-BE49-F238E27FC236}">
+                <a16:creationId xmlns:a16="http://schemas.microsoft.com/office/drawing/2014/main" id="{CB69D7E8-25F2-AD43-BEB2-1C2E80A43EAB}"/>
+              </a:ext>
+            </a:extLst>
+          </p:cNvPr>
+          <p:cNvCxnSpPr>
+            <a:cxnSpLocks/>
+          </p:cNvCxnSpPr>
+          <p:nvPr/>
+        </p:nvCxnSpPr>
+        <p:spPr>
+          <a:xfrm flipH="1">
+            <a:off x="8387200" y="1082290"/>
+            <a:ext cx="94376" cy="0"/>
+          </a:xfrm>
+          <a:prstGeom prst="line">
+            <a:avLst/>
+          </a:prstGeom>
+          <a:ln w="6350">
+            <a:solidFill>
+              <a:schemeClr val="bg1">
+                <a:lumMod val="50000"/>
+              </a:schemeClr>
+            </a:solidFill>
+          </a:ln>
+        </p:spPr>
+        <p:style>
+          <a:lnRef idx="2">
+            <a:schemeClr val="accent1"/>
+          </a:lnRef>
+          <a:fillRef idx="0">
+            <a:schemeClr val="accent1"/>
+          </a:fillRef>
+          <a:effectRef idx="1">
+            <a:schemeClr val="accent1"/>
+          </a:effectRef>
+          <a:fontRef idx="minor">
+            <a:schemeClr val="tx1"/>
+          </a:fontRef>
+        </p:style>
+      </p:cxnSp>
+      <p:sp>
+        <p:nvSpPr>
+          <p:cNvPr id="60" name="Textfeld 59">
+            <a:extLst>
+              <a:ext uri="{FF2B5EF4-FFF2-40B4-BE49-F238E27FC236}">
+                <a16:creationId xmlns:a16="http://schemas.microsoft.com/office/drawing/2014/main" id="{02866241-2F29-C6CF-73A2-B7DD75504048}"/>
+              </a:ext>
+            </a:extLst>
+          </p:cNvPr>
+          <p:cNvSpPr txBox="1"/>
+          <p:nvPr/>
+        </p:nvSpPr>
+        <p:spPr>
+          <a:xfrm>
+            <a:off x="7852394" y="2617948"/>
+            <a:ext cx="371441" cy="226591"/>
+          </a:xfrm>
+          <a:prstGeom prst="rect">
+            <a:avLst/>
+          </a:prstGeom>
+          <a:solidFill>
+            <a:schemeClr val="tx1">
+              <a:alpha val="78000"/>
+            </a:schemeClr>
+          </a:solidFill>
+        </p:spPr>
+        <p:txBody>
+          <a:bodyPr wrap="square" lIns="36000" tIns="36000" rIns="36000" bIns="36000" rtlCol="0">
+            <a:spAutoFit/>
+          </a:bodyPr>
+          <a:lstStyle/>
+          <a:p>
+            <a:pPr algn="ctr"/>
+            <a:r>
+              <a:rPr lang="de-DE" sz="1000" dirty="0">
+                <a:solidFill>
+                  <a:srgbClr val="C00000"/>
+                </a:solidFill>
+                <a:latin typeface="Roboto" panose="02000000000000000000" pitchFamily="2" charset="0"/>
+                <a:ea typeface="Roboto" panose="02000000000000000000" pitchFamily="2" charset="0"/>
+                <a:cs typeface="Roboto" panose="02000000000000000000" pitchFamily="2" charset="0"/>
+              </a:rPr>
+              <a:t>-1,5°</a:t>
+            </a:r>
+            <a:endParaRPr lang="en-US" sz="1000" dirty="0">
+              <a:solidFill>
+                <a:srgbClr val="C00000"/>
+              </a:solidFill>
+              <a:latin typeface="Roboto" panose="02000000000000000000" pitchFamily="2" charset="0"/>
+              <a:ea typeface="Roboto" panose="02000000000000000000" pitchFamily="2" charset="0"/>
+              <a:cs typeface="Roboto" panose="02000000000000000000" pitchFamily="2" charset="0"/>
+            </a:endParaRPr>
+          </a:p>
+        </p:txBody>
+      </p:sp>
+      <p:cxnSp>
+        <p:nvCxnSpPr>
+          <p:cNvPr id="49" name="Gerader Verbinder 48">
+            <a:extLst>
+              <a:ext uri="{FF2B5EF4-FFF2-40B4-BE49-F238E27FC236}">
+                <a16:creationId xmlns:a16="http://schemas.microsoft.com/office/drawing/2014/main" id="{130FF87C-7414-7417-EDEB-201E39BA0FC9}"/>
+              </a:ext>
+            </a:extLst>
+          </p:cNvPr>
+          <p:cNvCxnSpPr>
+            <a:cxnSpLocks/>
+          </p:cNvCxnSpPr>
+          <p:nvPr/>
+        </p:nvCxnSpPr>
+        <p:spPr>
+          <a:xfrm flipV="1">
+            <a:off x="7975600" y="1145469"/>
+            <a:ext cx="2039076" cy="1800929"/>
+          </a:xfrm>
+          <a:prstGeom prst="line">
+            <a:avLst/>
+          </a:prstGeom>
+          <a:ln w="12700">
+            <a:solidFill>
+              <a:schemeClr val="accent4"/>
+            </a:solidFill>
+          </a:ln>
+        </p:spPr>
+        <p:style>
+          <a:lnRef idx="2">
+            <a:schemeClr val="accent1"/>
+          </a:lnRef>
+          <a:fillRef idx="0">
+            <a:schemeClr val="accent1"/>
+          </a:fillRef>
+          <a:effectRef idx="1">
+            <a:schemeClr val="accent1"/>
+          </a:effectRef>
+          <a:fontRef idx="minor">
+            <a:schemeClr val="tx1"/>
+          </a:fontRef>
+        </p:style>
+      </p:cxnSp>
+      <p:sp>
+        <p:nvSpPr>
+          <p:cNvPr id="61" name="Textfeld 60">
+            <a:extLst>
+              <a:ext uri="{FF2B5EF4-FFF2-40B4-BE49-F238E27FC236}">
+                <a16:creationId xmlns:a16="http://schemas.microsoft.com/office/drawing/2014/main" id="{ED7A73F8-1B0D-B87F-BE69-375B8F5051E8}"/>
+              </a:ext>
+            </a:extLst>
+          </p:cNvPr>
+          <p:cNvSpPr txBox="1"/>
+          <p:nvPr/>
+        </p:nvSpPr>
+        <p:spPr>
+          <a:xfrm>
+            <a:off x="7483189" y="2606270"/>
+            <a:ext cx="313068" cy="226591"/>
+          </a:xfrm>
+          <a:prstGeom prst="rect">
+            <a:avLst/>
+          </a:prstGeom>
+          <a:solidFill>
+            <a:schemeClr val="tx1">
+              <a:alpha val="78000"/>
+            </a:schemeClr>
+          </a:solidFill>
+        </p:spPr>
+        <p:txBody>
+          <a:bodyPr wrap="square" lIns="36000" tIns="36000" rIns="36000" bIns="36000" rtlCol="0">
+            <a:spAutoFit/>
+          </a:bodyPr>
+          <a:lstStyle/>
+          <a:p>
+            <a:pPr algn="ctr"/>
+            <a:r>
+              <a:rPr lang="de-DE" sz="1000" dirty="0">
+                <a:solidFill>
+                  <a:schemeClr val="accent6"/>
+                </a:solidFill>
+                <a:latin typeface="Roboto" panose="02000000000000000000" pitchFamily="2" charset="0"/>
+                <a:ea typeface="Roboto" panose="02000000000000000000" pitchFamily="2" charset="0"/>
+                <a:cs typeface="Roboto" panose="02000000000000000000" pitchFamily="2" charset="0"/>
+              </a:rPr>
+              <a:t>-3°</a:t>
+            </a:r>
+            <a:endParaRPr lang="en-US" sz="1000" dirty="0">
+              <a:solidFill>
+                <a:schemeClr val="accent6"/>
+              </a:solidFill>
+              <a:latin typeface="Roboto" panose="02000000000000000000" pitchFamily="2" charset="0"/>
+              <a:ea typeface="Roboto" panose="02000000000000000000" pitchFamily="2" charset="0"/>
+              <a:cs typeface="Roboto" panose="02000000000000000000" pitchFamily="2" charset="0"/>
+            </a:endParaRPr>
+          </a:p>
+        </p:txBody>
+      </p:sp>
+      <p:cxnSp>
+        <p:nvCxnSpPr>
+          <p:cNvPr id="53" name="Gerader Verbinder 52">
+            <a:extLst>
+              <a:ext uri="{FF2B5EF4-FFF2-40B4-BE49-F238E27FC236}">
+                <a16:creationId xmlns:a16="http://schemas.microsoft.com/office/drawing/2014/main" id="{E3A9F527-B506-E2EE-64BE-AEEC69FA4793}"/>
+              </a:ext>
+            </a:extLst>
+          </p:cNvPr>
+          <p:cNvCxnSpPr>
+            <a:cxnSpLocks/>
+          </p:cNvCxnSpPr>
+          <p:nvPr/>
+        </p:nvCxnSpPr>
+        <p:spPr>
+          <a:xfrm flipV="1">
+            <a:off x="7611320" y="1104626"/>
+            <a:ext cx="2039076" cy="1800929"/>
+          </a:xfrm>
+          <a:prstGeom prst="line">
+            <a:avLst/>
+          </a:prstGeom>
+          <a:ln w="12700">
+            <a:solidFill>
+              <a:srgbClr val="C00000"/>
+            </a:solidFill>
+          </a:ln>
+        </p:spPr>
+        <p:style>
+          <a:lnRef idx="2">
+            <a:schemeClr val="accent1"/>
+          </a:lnRef>
+          <a:fillRef idx="0">
+            <a:schemeClr val="accent1"/>
+          </a:fillRef>
+          <a:effectRef idx="1">
+            <a:schemeClr val="accent1"/>
+          </a:effectRef>
+          <a:fontRef idx="minor">
+            <a:schemeClr val="tx1"/>
+          </a:fontRef>
+        </p:style>
+      </p:cxnSp>
+      <p:cxnSp>
+        <p:nvCxnSpPr>
+          <p:cNvPr id="54" name="Gerader Verbinder 53">
+            <a:extLst>
+              <a:ext uri="{FF2B5EF4-FFF2-40B4-BE49-F238E27FC236}">
+                <a16:creationId xmlns:a16="http://schemas.microsoft.com/office/drawing/2014/main" id="{8D739E4C-3A15-01AA-631B-AFBD237E8585}"/>
+              </a:ext>
+            </a:extLst>
+          </p:cNvPr>
+          <p:cNvCxnSpPr>
+            <a:cxnSpLocks/>
+          </p:cNvCxnSpPr>
+          <p:nvPr/>
+        </p:nvCxnSpPr>
+        <p:spPr>
+          <a:xfrm flipV="1">
+            <a:off x="7370899" y="1063783"/>
+            <a:ext cx="1915217" cy="1691536"/>
+          </a:xfrm>
+          <a:prstGeom prst="line">
+            <a:avLst/>
+          </a:prstGeom>
+          <a:ln w="12700">
+            <a:solidFill>
+              <a:schemeClr val="accent6"/>
+            </a:solidFill>
+          </a:ln>
+        </p:spPr>
+        <p:style>
+          <a:lnRef idx="2">
+            <a:schemeClr val="accent1"/>
+          </a:lnRef>
+          <a:fillRef idx="0">
+            <a:schemeClr val="accent1"/>
+          </a:fillRef>
+          <a:effectRef idx="1">
+            <a:schemeClr val="accent1"/>
+          </a:effectRef>
+          <a:fontRef idx="minor">
+            <a:schemeClr val="tx1"/>
+          </a:fontRef>
+        </p:style>
+      </p:cxnSp>
+      <p:sp>
+        <p:nvSpPr>
+          <p:cNvPr id="56" name="Textfeld 55">
+            <a:extLst>
+              <a:ext uri="{FF2B5EF4-FFF2-40B4-BE49-F238E27FC236}">
+                <a16:creationId xmlns:a16="http://schemas.microsoft.com/office/drawing/2014/main" id="{1891AF06-8B88-68AC-EDCF-F2084C98E83F}"/>
+              </a:ext>
+            </a:extLst>
+          </p:cNvPr>
+          <p:cNvSpPr txBox="1"/>
+          <p:nvPr/>
+        </p:nvSpPr>
+        <p:spPr>
+          <a:xfrm>
+            <a:off x="9693277" y="1334913"/>
+            <a:ext cx="670376" cy="230832"/>
+          </a:xfrm>
+          <a:prstGeom prst="rect">
+            <a:avLst/>
+          </a:prstGeom>
+          <a:noFill/>
+        </p:spPr>
+        <p:txBody>
+          <a:bodyPr wrap="none" rtlCol="0">
+            <a:spAutoFit/>
+          </a:bodyPr>
+          <a:lstStyle/>
+          <a:p>
+            <a:r>
+              <a:rPr lang="de-DE" sz="900" dirty="0">
+                <a:solidFill>
+                  <a:schemeClr val="accent4"/>
+                </a:solidFill>
+                <a:latin typeface="Roboto" panose="02000000000000000000" pitchFamily="2" charset="0"/>
+                <a:ea typeface="Roboto" panose="02000000000000000000" pitchFamily="2" charset="0"/>
+                <a:cs typeface="Roboto" panose="02000000000000000000" pitchFamily="2" charset="0"/>
+              </a:rPr>
+              <a:t>Flat Plate</a:t>
+            </a:r>
+            <a:endParaRPr lang="en-US" sz="900" dirty="0">
+              <a:solidFill>
+                <a:schemeClr val="accent4"/>
+              </a:solidFill>
+              <a:latin typeface="Roboto" panose="02000000000000000000" pitchFamily="2" charset="0"/>
+              <a:ea typeface="Roboto" panose="02000000000000000000" pitchFamily="2" charset="0"/>
+              <a:cs typeface="Roboto" panose="02000000000000000000" pitchFamily="2" charset="0"/>
+            </a:endParaRPr>
+          </a:p>
+        </p:txBody>
+      </p:sp>
+      <p:sp>
+        <p:nvSpPr>
+          <p:cNvPr id="57" name="Textfeld 56">
+            <a:extLst>
+              <a:ext uri="{FF2B5EF4-FFF2-40B4-BE49-F238E27FC236}">
+                <a16:creationId xmlns:a16="http://schemas.microsoft.com/office/drawing/2014/main" id="{CC311D35-8867-B541-AD01-80C0EFDFB617}"/>
+              </a:ext>
+            </a:extLst>
+          </p:cNvPr>
+          <p:cNvSpPr txBox="1"/>
+          <p:nvPr/>
+        </p:nvSpPr>
+        <p:spPr>
+          <a:xfrm>
+            <a:off x="9431671" y="1156056"/>
+            <a:ext cx="774571" cy="230832"/>
+          </a:xfrm>
+          <a:prstGeom prst="rect">
+            <a:avLst/>
+          </a:prstGeom>
+          <a:solidFill>
+            <a:schemeClr val="tx1">
+              <a:alpha val="60000"/>
+            </a:schemeClr>
+          </a:solidFill>
+        </p:spPr>
+        <p:txBody>
+          <a:bodyPr wrap="none" rtlCol="0">
+            <a:spAutoFit/>
+          </a:bodyPr>
+          <a:lstStyle/>
+          <a:p>
+            <a:r>
+              <a:rPr lang="de-DE" sz="900" dirty="0" err="1">
+                <a:solidFill>
+                  <a:srgbClr val="C00000"/>
+                </a:solidFill>
+                <a:latin typeface="Roboto" panose="02000000000000000000" pitchFamily="2" charset="0"/>
+                <a:ea typeface="Roboto" panose="02000000000000000000" pitchFamily="2" charset="0"/>
+                <a:cs typeface="Roboto" panose="02000000000000000000" pitchFamily="2" charset="0"/>
+              </a:rPr>
+              <a:t>Race</a:t>
+            </a:r>
+            <a:r>
+              <a:rPr lang="de-DE" sz="900" dirty="0">
+                <a:solidFill>
+                  <a:srgbClr val="C00000"/>
+                </a:solidFill>
+                <a:latin typeface="Roboto" panose="02000000000000000000" pitchFamily="2" charset="0"/>
+                <a:ea typeface="Roboto" panose="02000000000000000000" pitchFamily="2" charset="0"/>
+                <a:cs typeface="Roboto" panose="02000000000000000000" pitchFamily="2" charset="0"/>
+              </a:rPr>
+              <a:t> Airfoil</a:t>
+            </a:r>
+            <a:endParaRPr lang="en-US" sz="900" dirty="0">
+              <a:solidFill>
+                <a:srgbClr val="C00000"/>
+              </a:solidFill>
+              <a:latin typeface="Roboto" panose="02000000000000000000" pitchFamily="2" charset="0"/>
+              <a:ea typeface="Roboto" panose="02000000000000000000" pitchFamily="2" charset="0"/>
+              <a:cs typeface="Roboto" panose="02000000000000000000" pitchFamily="2" charset="0"/>
+            </a:endParaRPr>
+          </a:p>
+        </p:txBody>
+      </p:sp>
+      <p:sp>
+        <p:nvSpPr>
+          <p:cNvPr id="58" name="Textfeld 57">
+            <a:extLst>
+              <a:ext uri="{FF2B5EF4-FFF2-40B4-BE49-F238E27FC236}">
+                <a16:creationId xmlns:a16="http://schemas.microsoft.com/office/drawing/2014/main" id="{30D5BE67-9127-836C-9916-DB14FEFE352B}"/>
+              </a:ext>
+            </a:extLst>
+          </p:cNvPr>
+          <p:cNvSpPr txBox="1"/>
+          <p:nvPr/>
+        </p:nvSpPr>
+        <p:spPr>
+          <a:xfrm>
+            <a:off x="9230818" y="939170"/>
+            <a:ext cx="944489" cy="230832"/>
+          </a:xfrm>
+          <a:prstGeom prst="rect">
+            <a:avLst/>
+          </a:prstGeom>
+          <a:solidFill>
+            <a:schemeClr val="tx1">
+              <a:alpha val="60000"/>
+            </a:schemeClr>
+          </a:solidFill>
+        </p:spPr>
+        <p:txBody>
+          <a:bodyPr wrap="none" rtlCol="0">
+            <a:spAutoFit/>
+          </a:bodyPr>
+          <a:lstStyle/>
+          <a:p>
+            <a:r>
+              <a:rPr lang="de-DE" sz="900" dirty="0">
+                <a:solidFill>
+                  <a:schemeClr val="accent6"/>
+                </a:solidFill>
+                <a:latin typeface="Roboto" panose="02000000000000000000" pitchFamily="2" charset="0"/>
+                <a:ea typeface="Roboto" panose="02000000000000000000" pitchFamily="2" charset="0"/>
+                <a:cs typeface="Roboto" panose="02000000000000000000" pitchFamily="2" charset="0"/>
+              </a:rPr>
+              <a:t>Thermal Airfoil</a:t>
+            </a:r>
+            <a:endParaRPr lang="en-US" sz="900" dirty="0">
+              <a:solidFill>
+                <a:schemeClr val="accent6"/>
+              </a:solidFill>
+              <a:latin typeface="Roboto" panose="02000000000000000000" pitchFamily="2" charset="0"/>
+              <a:ea typeface="Roboto" panose="02000000000000000000" pitchFamily="2" charset="0"/>
+              <a:cs typeface="Roboto" panose="02000000000000000000" pitchFamily="2" charset="0"/>
+            </a:endParaRPr>
+          </a:p>
+        </p:txBody>
+      </p:sp>
+      <p:sp>
+        <p:nvSpPr>
+          <p:cNvPr id="62" name="Ellipse 61">
+            <a:extLst>
+              <a:ext uri="{FF2B5EF4-FFF2-40B4-BE49-F238E27FC236}">
+                <a16:creationId xmlns:a16="http://schemas.microsoft.com/office/drawing/2014/main" id="{DB0DC564-B229-F4F2-2C63-A2E3C1F1E94B}"/>
+              </a:ext>
+            </a:extLst>
+          </p:cNvPr>
+          <p:cNvSpPr>
+            <a:spLocks noChangeAspect="1"/>
+          </p:cNvSpPr>
+          <p:nvPr/>
+        </p:nvSpPr>
+        <p:spPr>
+          <a:xfrm>
+            <a:off x="7594869" y="2498725"/>
+            <a:ext cx="74095" cy="74095"/>
+          </a:xfrm>
+          <a:prstGeom prst="ellipse">
+            <a:avLst/>
+          </a:prstGeom>
+          <a:solidFill>
+            <a:schemeClr val="accent6"/>
+          </a:solidFill>
+          <a:ln>
+            <a:noFill/>
+          </a:ln>
+        </p:spPr>
+        <p:style>
+          <a:lnRef idx="2">
+            <a:schemeClr val="accent1">
+              <a:shade val="15000"/>
+            </a:schemeClr>
+          </a:lnRef>
+          <a:fillRef idx="1">
+            <a:schemeClr val="accent1"/>
+          </a:fillRef>
+          <a:effectRef idx="0">
+            <a:schemeClr val="accent1"/>
+          </a:effectRef>
+          <a:fontRef idx="minor">
+            <a:schemeClr val="lt1"/>
+          </a:fontRef>
+        </p:style>
+        <p:txBody>
+          <a:bodyPr rtlCol="0" anchor="ctr"/>
+          <a:lstStyle/>
+          <a:p>
+            <a:pPr algn="ctr"/>
+            <a:endParaRPr lang="en-US"/>
+          </a:p>
+        </p:txBody>
+      </p:sp>
+      <p:sp>
+        <p:nvSpPr>
+          <p:cNvPr id="63" name="Ellipse 62">
+            <a:extLst>
+              <a:ext uri="{FF2B5EF4-FFF2-40B4-BE49-F238E27FC236}">
+                <a16:creationId xmlns:a16="http://schemas.microsoft.com/office/drawing/2014/main" id="{275B578A-D5F2-9CDB-6BA1-1384D6FF5F59}"/>
+              </a:ext>
+            </a:extLst>
+          </p:cNvPr>
+          <p:cNvSpPr>
+            <a:spLocks noChangeAspect="1"/>
+          </p:cNvSpPr>
+          <p:nvPr/>
+        </p:nvSpPr>
+        <p:spPr>
+          <a:xfrm>
+            <a:off x="8000136" y="2496819"/>
+            <a:ext cx="74095" cy="74095"/>
+          </a:xfrm>
+          <a:prstGeom prst="ellipse">
+            <a:avLst/>
+          </a:prstGeom>
+          <a:solidFill>
+            <a:srgbClr val="C00000"/>
+          </a:solidFill>
+          <a:ln>
+            <a:noFill/>
+          </a:ln>
+        </p:spPr>
+        <p:style>
+          <a:lnRef idx="2">
+            <a:schemeClr val="accent1">
+              <a:shade val="15000"/>
+            </a:schemeClr>
+          </a:lnRef>
+          <a:fillRef idx="1">
+            <a:schemeClr val="accent1"/>
+          </a:fillRef>
+          <a:effectRef idx="0">
+            <a:schemeClr val="accent1"/>
+          </a:effectRef>
+          <a:fontRef idx="minor">
+            <a:schemeClr val="lt1"/>
+          </a:fontRef>
+        </p:style>
+        <p:txBody>
+          <a:bodyPr rtlCol="0" anchor="ctr"/>
+          <a:lstStyle/>
+          <a:p>
+            <a:pPr algn="ctr"/>
+            <a:endParaRPr lang="en-US"/>
+          </a:p>
+        </p:txBody>
+      </p:sp>
+      <p:sp>
+        <p:nvSpPr>
+          <p:cNvPr id="64" name="Ellipse 63">
+            <a:extLst>
+              <a:ext uri="{FF2B5EF4-FFF2-40B4-BE49-F238E27FC236}">
+                <a16:creationId xmlns:a16="http://schemas.microsoft.com/office/drawing/2014/main" id="{A45A44CD-FD2F-2625-1934-006E6DB42DCA}"/>
+              </a:ext>
+            </a:extLst>
+          </p:cNvPr>
+          <p:cNvSpPr>
+            <a:spLocks noChangeAspect="1"/>
+          </p:cNvSpPr>
+          <p:nvPr/>
+        </p:nvSpPr>
+        <p:spPr>
+          <a:xfrm>
+            <a:off x="8398260" y="2497294"/>
+            <a:ext cx="74095" cy="74095"/>
+          </a:xfrm>
+          <a:prstGeom prst="ellipse">
+            <a:avLst/>
+          </a:prstGeom>
+          <a:solidFill>
+            <a:schemeClr val="accent4"/>
+          </a:solidFill>
+          <a:ln>
+            <a:noFill/>
+          </a:ln>
+        </p:spPr>
+        <p:style>
+          <a:lnRef idx="2">
+            <a:schemeClr val="accent1">
+              <a:shade val="15000"/>
+            </a:schemeClr>
+          </a:lnRef>
+          <a:fillRef idx="1">
+            <a:schemeClr val="accent1"/>
+          </a:fillRef>
+          <a:effectRef idx="0">
+            <a:schemeClr val="accent1"/>
+          </a:effectRef>
+          <a:fontRef idx="minor">
+            <a:schemeClr val="lt1"/>
+          </a:fontRef>
+        </p:style>
+        <p:txBody>
+          <a:bodyPr rtlCol="0" anchor="ctr"/>
+          <a:lstStyle/>
+          <a:p>
+            <a:pPr algn="ctr"/>
+            <a:endParaRPr lang="en-US"/>
+          </a:p>
+        </p:txBody>
+      </p:sp>
+      <p:cxnSp>
+        <p:nvCxnSpPr>
+          <p:cNvPr id="65" name="Gerader Verbinder 64">
+            <a:extLst>
+              <a:ext uri="{FF2B5EF4-FFF2-40B4-BE49-F238E27FC236}">
+                <a16:creationId xmlns:a16="http://schemas.microsoft.com/office/drawing/2014/main" id="{A44B4E68-9354-5035-56A9-80AF1A931817}"/>
+              </a:ext>
+            </a:extLst>
+          </p:cNvPr>
+          <p:cNvCxnSpPr>
+            <a:cxnSpLocks/>
+          </p:cNvCxnSpPr>
+          <p:nvPr/>
+        </p:nvCxnSpPr>
+        <p:spPr>
+          <a:xfrm>
+            <a:off x="8940678" y="2097384"/>
+            <a:ext cx="566178" cy="0"/>
+          </a:xfrm>
+          <a:prstGeom prst="line">
+            <a:avLst/>
+          </a:prstGeom>
+          <a:ln w="6350">
+            <a:solidFill>
+              <a:schemeClr val="bg1">
+                <a:lumMod val="65000"/>
+              </a:schemeClr>
+            </a:solidFill>
+            <a:prstDash val="sysDash"/>
+          </a:ln>
+        </p:spPr>
+        <p:style>
+          <a:lnRef idx="2">
+            <a:schemeClr val="accent1"/>
+          </a:lnRef>
+          <a:fillRef idx="0">
+            <a:schemeClr val="accent1"/>
+          </a:fillRef>
+          <a:effectRef idx="1">
+            <a:schemeClr val="accent1"/>
+          </a:effectRef>
+          <a:fontRef idx="minor">
+            <a:schemeClr val="tx1"/>
+          </a:fontRef>
+        </p:style>
+      </p:cxnSp>
+      <p:cxnSp>
+        <p:nvCxnSpPr>
+          <p:cNvPr id="69" name="Gerader Verbinder 68">
+            <a:extLst>
+              <a:ext uri="{FF2B5EF4-FFF2-40B4-BE49-F238E27FC236}">
+                <a16:creationId xmlns:a16="http://schemas.microsoft.com/office/drawing/2014/main" id="{E3FE60BF-4743-821D-5663-244C92806FCC}"/>
+              </a:ext>
+            </a:extLst>
+          </p:cNvPr>
+          <p:cNvCxnSpPr>
+            <a:cxnSpLocks/>
+          </p:cNvCxnSpPr>
+          <p:nvPr/>
+        </p:nvCxnSpPr>
+        <p:spPr>
+          <a:xfrm flipV="1">
+            <a:off x="9506856" y="1619250"/>
+            <a:ext cx="0" cy="469908"/>
+          </a:xfrm>
+          <a:prstGeom prst="line">
+            <a:avLst/>
+          </a:prstGeom>
+          <a:ln w="6350">
+            <a:solidFill>
+              <a:schemeClr val="bg1">
+                <a:lumMod val="65000"/>
+              </a:schemeClr>
+            </a:solidFill>
+            <a:prstDash val="sysDash"/>
+          </a:ln>
+        </p:spPr>
+        <p:style>
+          <a:lnRef idx="2">
+            <a:schemeClr val="accent1"/>
+          </a:lnRef>
+          <a:fillRef idx="0">
+            <a:schemeClr val="accent1"/>
+          </a:fillRef>
+          <a:effectRef idx="1">
+            <a:schemeClr val="accent1"/>
+          </a:effectRef>
+          <a:fontRef idx="minor">
+            <a:schemeClr val="tx1"/>
+          </a:fontRef>
+        </p:style>
+      </p:cxnSp>
+      <p:sp>
+        <p:nvSpPr>
+          <p:cNvPr id="73" name="Textfeld 72">
+            <a:extLst>
+              <a:ext uri="{FF2B5EF4-FFF2-40B4-BE49-F238E27FC236}">
+                <a16:creationId xmlns:a16="http://schemas.microsoft.com/office/drawing/2014/main" id="{D09F7FDD-F0EE-4813-2FE0-1035A3CA0FAC}"/>
+              </a:ext>
+            </a:extLst>
+          </p:cNvPr>
+          <p:cNvSpPr txBox="1"/>
+          <p:nvPr/>
+        </p:nvSpPr>
+        <p:spPr>
+          <a:xfrm>
+            <a:off x="9489176" y="1781933"/>
+            <a:ext cx="354584" cy="246221"/>
+          </a:xfrm>
+          <a:prstGeom prst="rect">
+            <a:avLst/>
+          </a:prstGeom>
+          <a:noFill/>
+        </p:spPr>
+        <p:txBody>
+          <a:bodyPr wrap="none" rtlCol="0">
+            <a:spAutoFit/>
+          </a:bodyPr>
+          <a:lstStyle/>
+          <a:p>
+            <a:r>
+              <a:rPr lang="de-DE" sz="1000" dirty="0">
+                <a:solidFill>
+                  <a:schemeClr val="bg1">
+                    <a:lumMod val="65000"/>
+                  </a:schemeClr>
+                </a:solidFill>
+                <a:latin typeface="Roboto" panose="02000000000000000000" pitchFamily="2" charset="0"/>
+                <a:ea typeface="Roboto" panose="02000000000000000000" pitchFamily="2" charset="0"/>
+                <a:cs typeface="Roboto" panose="02000000000000000000" pitchFamily="2" charset="0"/>
+              </a:rPr>
+              <a:t>dcl</a:t>
+            </a:r>
+            <a:endParaRPr lang="en-US" sz="1000" dirty="0">
+              <a:solidFill>
+                <a:schemeClr val="bg1">
+                  <a:lumMod val="65000"/>
+                </a:schemeClr>
+              </a:solidFill>
+              <a:latin typeface="Roboto" panose="02000000000000000000" pitchFamily="2" charset="0"/>
+              <a:ea typeface="Roboto" panose="02000000000000000000" pitchFamily="2" charset="0"/>
+              <a:cs typeface="Roboto" panose="02000000000000000000" pitchFamily="2" charset="0"/>
+            </a:endParaRPr>
+          </a:p>
+        </p:txBody>
+      </p:sp>
+      <p:sp>
+        <p:nvSpPr>
+          <p:cNvPr id="74" name="Textfeld 73">
+            <a:extLst>
+              <a:ext uri="{FF2B5EF4-FFF2-40B4-BE49-F238E27FC236}">
+                <a16:creationId xmlns:a16="http://schemas.microsoft.com/office/drawing/2014/main" id="{DE092743-B3DC-80B2-5E24-0E74DEAA5535}"/>
+              </a:ext>
+            </a:extLst>
+          </p:cNvPr>
+          <p:cNvSpPr txBox="1"/>
+          <p:nvPr/>
+        </p:nvSpPr>
+        <p:spPr>
+          <a:xfrm>
+            <a:off x="8977582" y="2097384"/>
+            <a:ext cx="570990" cy="246221"/>
+          </a:xfrm>
+          <a:prstGeom prst="rect">
+            <a:avLst/>
+          </a:prstGeom>
+          <a:noFill/>
+        </p:spPr>
+        <p:txBody>
+          <a:bodyPr wrap="none" rtlCol="0">
+            <a:spAutoFit/>
+          </a:bodyPr>
+          <a:lstStyle/>
+          <a:p>
+            <a:r>
+              <a:rPr lang="de-DE" sz="1000" dirty="0">
+                <a:solidFill>
+                  <a:schemeClr val="bg1">
+                    <a:lumMod val="65000"/>
+                  </a:schemeClr>
+                </a:solidFill>
+                <a:latin typeface="Roboto" panose="02000000000000000000" pitchFamily="2" charset="0"/>
+                <a:ea typeface="Roboto" panose="02000000000000000000" pitchFamily="2" charset="0"/>
+                <a:cs typeface="Roboto" panose="02000000000000000000" pitchFamily="2" charset="0"/>
+              </a:rPr>
+              <a:t>dalpha</a:t>
+            </a:r>
+            <a:endParaRPr lang="en-US" sz="1000" dirty="0">
+              <a:solidFill>
+                <a:schemeClr val="bg1">
+                  <a:lumMod val="65000"/>
+                </a:schemeClr>
+              </a:solidFill>
+              <a:latin typeface="Roboto" panose="02000000000000000000" pitchFamily="2" charset="0"/>
+              <a:ea typeface="Roboto" panose="02000000000000000000" pitchFamily="2" charset="0"/>
+              <a:cs typeface="Roboto" panose="02000000000000000000" pitchFamily="2" charset="0"/>
+            </a:endParaRPr>
+          </a:p>
+        </p:txBody>
+      </p:sp>
+      <p:sp>
+        <p:nvSpPr>
+          <p:cNvPr id="75" name="Textfeld 74">
+            <a:extLst>
+              <a:ext uri="{FF2B5EF4-FFF2-40B4-BE49-F238E27FC236}">
+                <a16:creationId xmlns:a16="http://schemas.microsoft.com/office/drawing/2014/main" id="{BB8A27CC-6BB4-D0D6-B505-976ACDD13A3D}"/>
+              </a:ext>
+            </a:extLst>
+          </p:cNvPr>
+          <p:cNvSpPr txBox="1"/>
+          <p:nvPr/>
+        </p:nvSpPr>
+        <p:spPr>
+          <a:xfrm>
+            <a:off x="7426287" y="2879618"/>
+            <a:ext cx="807595" cy="200055"/>
+          </a:xfrm>
+          <a:prstGeom prst="rect">
+            <a:avLst/>
+          </a:prstGeom>
+          <a:solidFill>
+            <a:srgbClr val="C00000"/>
+          </a:solidFill>
+        </p:spPr>
+        <p:txBody>
+          <a:bodyPr wrap="square" lIns="36000" rIns="36000" rtlCol="0" anchor="ctr">
+            <a:spAutoFit/>
+          </a:bodyPr>
+          <a:lstStyle/>
+          <a:p>
+            <a:pPr algn="ctr"/>
+            <a:r>
+              <a:rPr lang="de-DE" sz="700" dirty="0">
+                <a:solidFill>
+                  <a:schemeClr val="bg1"/>
+                </a:solidFill>
+                <a:latin typeface="Roboto" panose="02000000000000000000" pitchFamily="2" charset="0"/>
+                <a:ea typeface="Roboto" panose="02000000000000000000" pitchFamily="2" charset="0"/>
+                <a:cs typeface="Roboto" panose="02000000000000000000" pitchFamily="2" charset="0"/>
+              </a:rPr>
+              <a:t>Airfoil alpha0</a:t>
+            </a:r>
+            <a:endParaRPr lang="en-US" sz="700" dirty="0">
+              <a:solidFill>
+                <a:schemeClr val="bg1"/>
+              </a:solidFill>
+              <a:latin typeface="Roboto" panose="02000000000000000000" pitchFamily="2" charset="0"/>
+              <a:ea typeface="Roboto" panose="02000000000000000000" pitchFamily="2" charset="0"/>
+              <a:cs typeface="Roboto" panose="02000000000000000000" pitchFamily="2" charset="0"/>
+            </a:endParaRPr>
+          </a:p>
+        </p:txBody>
+      </p:sp>
     </p:spTree>
     <p:extLst>
       <p:ext uri="{BB962C8B-B14F-4D97-AF65-F5344CB8AC3E}">

--- a/images/image_design.pptx
+++ b/images/image_design.pptx
@@ -25,7 +25,11 @@
     <p:sldId id="286" r:id="rId19"/>
     <p:sldId id="285" r:id="rId20"/>
     <p:sldId id="284" r:id="rId21"/>
-    <p:sldId id="264" r:id="rId22"/>
+    <p:sldId id="287" r:id="rId22"/>
+    <p:sldId id="288" r:id="rId23"/>
+    <p:sldId id="289" r:id="rId24"/>
+    <p:sldId id="290" r:id="rId25"/>
+    <p:sldId id="264" r:id="rId26"/>
   </p:sldIdLst>
   <p:sldSz cx="12192000" cy="6858000"/>
   <p:notesSz cx="6858000" cy="9144000"/>
@@ -302,7 +306,7 @@
           <a:p>
             <a:fld id="{CE8103EF-6A06-4AFC-A2C6-FF5735AE5867}" type="datetimeFigureOut">
               <a:rPr lang="en-US" smtClean="0"/>
-              <a:t>3/7/2025</a:t>
+              <a:t>3/10/2025</a:t>
             </a:fld>
             <a:endParaRPr lang="en-US"/>
           </a:p>
@@ -502,7 +506,7 @@
           <a:p>
             <a:fld id="{CE8103EF-6A06-4AFC-A2C6-FF5735AE5867}" type="datetimeFigureOut">
               <a:rPr lang="en-US" smtClean="0"/>
-              <a:t>3/7/2025</a:t>
+              <a:t>3/10/2025</a:t>
             </a:fld>
             <a:endParaRPr lang="en-US"/>
           </a:p>
@@ -712,7 +716,7 @@
           <a:p>
             <a:fld id="{CE8103EF-6A06-4AFC-A2C6-FF5735AE5867}" type="datetimeFigureOut">
               <a:rPr lang="en-US" smtClean="0"/>
-              <a:t>3/7/2025</a:t>
+              <a:t>3/10/2025</a:t>
             </a:fld>
             <a:endParaRPr lang="en-US"/>
           </a:p>
@@ -912,7 +916,7 @@
           <a:p>
             <a:fld id="{CE8103EF-6A06-4AFC-A2C6-FF5735AE5867}" type="datetimeFigureOut">
               <a:rPr lang="en-US" smtClean="0"/>
-              <a:t>3/7/2025</a:t>
+              <a:t>3/10/2025</a:t>
             </a:fld>
             <a:endParaRPr lang="en-US"/>
           </a:p>
@@ -1188,7 +1192,7 @@
           <a:p>
             <a:fld id="{CE8103EF-6A06-4AFC-A2C6-FF5735AE5867}" type="datetimeFigureOut">
               <a:rPr lang="en-US" smtClean="0"/>
-              <a:t>3/7/2025</a:t>
+              <a:t>3/10/2025</a:t>
             </a:fld>
             <a:endParaRPr lang="en-US"/>
           </a:p>
@@ -1456,7 +1460,7 @@
           <a:p>
             <a:fld id="{CE8103EF-6A06-4AFC-A2C6-FF5735AE5867}" type="datetimeFigureOut">
               <a:rPr lang="en-US" smtClean="0"/>
-              <a:t>3/7/2025</a:t>
+              <a:t>3/10/2025</a:t>
             </a:fld>
             <a:endParaRPr lang="en-US"/>
           </a:p>
@@ -1871,7 +1875,7 @@
           <a:p>
             <a:fld id="{CE8103EF-6A06-4AFC-A2C6-FF5735AE5867}" type="datetimeFigureOut">
               <a:rPr lang="en-US" smtClean="0"/>
-              <a:t>3/7/2025</a:t>
+              <a:t>3/10/2025</a:t>
             </a:fld>
             <a:endParaRPr lang="en-US"/>
           </a:p>
@@ -2013,7 +2017,7 @@
           <a:p>
             <a:fld id="{CE8103EF-6A06-4AFC-A2C6-FF5735AE5867}" type="datetimeFigureOut">
               <a:rPr lang="en-US" smtClean="0"/>
-              <a:t>3/7/2025</a:t>
+              <a:t>3/10/2025</a:t>
             </a:fld>
             <a:endParaRPr lang="en-US"/>
           </a:p>
@@ -2126,7 +2130,7 @@
           <a:p>
             <a:fld id="{CE8103EF-6A06-4AFC-A2C6-FF5735AE5867}" type="datetimeFigureOut">
               <a:rPr lang="en-US" smtClean="0"/>
-              <a:t>3/7/2025</a:t>
+              <a:t>3/10/2025</a:t>
             </a:fld>
             <a:endParaRPr lang="en-US"/>
           </a:p>
@@ -2439,7 +2443,7 @@
           <a:p>
             <a:fld id="{CE8103EF-6A06-4AFC-A2C6-FF5735AE5867}" type="datetimeFigureOut">
               <a:rPr lang="en-US" smtClean="0"/>
-              <a:t>3/7/2025</a:t>
+              <a:t>3/10/2025</a:t>
             </a:fld>
             <a:endParaRPr lang="en-US"/>
           </a:p>
@@ -2728,7 +2732,7 @@
           <a:p>
             <a:fld id="{CE8103EF-6A06-4AFC-A2C6-FF5735AE5867}" type="datetimeFigureOut">
               <a:rPr lang="en-US" smtClean="0"/>
-              <a:t>3/7/2025</a:t>
+              <a:t>3/10/2025</a:t>
             </a:fld>
             <a:endParaRPr lang="en-US"/>
           </a:p>
@@ -2971,7 +2975,7 @@
           <a:p>
             <a:fld id="{CE8103EF-6A06-4AFC-A2C6-FF5735AE5867}" type="datetimeFigureOut">
               <a:rPr lang="en-US" smtClean="0"/>
-              <a:t>3/7/2025</a:t>
+              <a:t>3/10/2025</a:t>
             </a:fld>
             <a:endParaRPr lang="en-US"/>
           </a:p>
@@ -10080,6 +10084,2448 @@
 <file path=ppt/slides/slide21.xml><?xml version="1.0" encoding="utf-8"?>
 <p:sld xmlns:a="http://schemas.openxmlformats.org/drawingml/2006/main" xmlns:r="http://schemas.openxmlformats.org/officeDocument/2006/relationships" xmlns:p="http://schemas.openxmlformats.org/presentationml/2006/main">
   <p:cSld>
+    <p:bg>
+      <p:bgPr>
+        <a:solidFill>
+          <a:schemeClr val="bg2">
+            <a:lumMod val="25000"/>
+          </a:schemeClr>
+        </a:solidFill>
+        <a:effectLst/>
+      </p:bgPr>
+    </p:bg>
+    <p:spTree>
+      <p:nvGrpSpPr>
+        <p:cNvPr id="1" name="">
+          <a:extLst>
+            <a:ext uri="{FF2B5EF4-FFF2-40B4-BE49-F238E27FC236}">
+              <a16:creationId xmlns:a16="http://schemas.microsoft.com/office/drawing/2014/main" id="{EA01C232-61F8-6479-1A09-C9A07A8AD313}"/>
+            </a:ext>
+          </a:extLst>
+        </p:cNvPr>
+        <p:cNvGrpSpPr/>
+        <p:nvPr/>
+      </p:nvGrpSpPr>
+      <p:grpSpPr>
+        <a:xfrm>
+          <a:off x="0" y="0"/>
+          <a:ext cx="0" cy="0"/>
+          <a:chOff x="0" y="0"/>
+          <a:chExt cx="0" cy="0"/>
+        </a:xfrm>
+      </p:grpSpPr>
+      <p:pic>
+        <p:nvPicPr>
+          <p:cNvPr id="26" name="Grafik 25">
+            <a:extLst>
+              <a:ext uri="{FF2B5EF4-FFF2-40B4-BE49-F238E27FC236}">
+                <a16:creationId xmlns:a16="http://schemas.microsoft.com/office/drawing/2014/main" id="{3F5B28E8-C8CC-88E5-CF0B-F71FA785A7FC}"/>
+              </a:ext>
+            </a:extLst>
+          </p:cNvPr>
+          <p:cNvPicPr>
+            <a:picLocks noChangeAspect="1"/>
+          </p:cNvPicPr>
+          <p:nvPr/>
+        </p:nvPicPr>
+        <p:blipFill>
+          <a:blip r:embed="rId2"/>
+          <a:stretch>
+            <a:fillRect/>
+          </a:stretch>
+        </p:blipFill>
+        <p:spPr>
+          <a:xfrm>
+            <a:off x="1055688" y="836613"/>
+            <a:ext cx="3527734" cy="2994408"/>
+          </a:xfrm>
+          <a:prstGeom prst="rect">
+            <a:avLst/>
+          </a:prstGeom>
+        </p:spPr>
+      </p:pic>
+      <p:cxnSp>
+        <p:nvCxnSpPr>
+          <p:cNvPr id="27" name="Gerader Verbinder 26">
+            <a:extLst>
+              <a:ext uri="{FF2B5EF4-FFF2-40B4-BE49-F238E27FC236}">
+                <a16:creationId xmlns:a16="http://schemas.microsoft.com/office/drawing/2014/main" id="{38D926D2-A46E-BAB2-731D-2C6E499A6B8D}"/>
+              </a:ext>
+            </a:extLst>
+          </p:cNvPr>
+          <p:cNvCxnSpPr>
+            <a:cxnSpLocks/>
+          </p:cNvCxnSpPr>
+          <p:nvPr/>
+        </p:nvCxnSpPr>
+        <p:spPr>
+          <a:xfrm flipV="1">
+            <a:off x="1545762" y="1064172"/>
+            <a:ext cx="2452146" cy="2328129"/>
+          </a:xfrm>
+          <a:prstGeom prst="line">
+            <a:avLst/>
+          </a:prstGeom>
+          <a:noFill/>
+          <a:ln w="9525" cap="flat" cmpd="sng" algn="ctr">
+            <a:solidFill>
+              <a:srgbClr val="F14124"/>
+            </a:solidFill>
+            <a:prstDash val="solid"/>
+            <a:miter lim="800000"/>
+            <a:tailEnd type="triangle"/>
+          </a:ln>
+          <a:effectLst/>
+        </p:spPr>
+      </p:cxnSp>
+      <p:sp>
+        <p:nvSpPr>
+          <p:cNvPr id="30" name="Textfeld 29">
+            <a:extLst>
+              <a:ext uri="{FF2B5EF4-FFF2-40B4-BE49-F238E27FC236}">
+                <a16:creationId xmlns:a16="http://schemas.microsoft.com/office/drawing/2014/main" id="{45355AEC-9D00-48F4-8E7F-28DA43756BB0}"/>
+              </a:ext>
+            </a:extLst>
+          </p:cNvPr>
+          <p:cNvSpPr txBox="1"/>
+          <p:nvPr/>
+        </p:nvSpPr>
+        <p:spPr>
+          <a:xfrm>
+            <a:off x="2264355" y="2998113"/>
+            <a:ext cx="483608" cy="380480"/>
+          </a:xfrm>
+          <a:prstGeom prst="rect">
+            <a:avLst/>
+          </a:prstGeom>
+          <a:solidFill>
+            <a:sysClr val="windowText" lastClr="000000">
+              <a:lumMod val="85000"/>
+              <a:lumOff val="15000"/>
+              <a:alpha val="78000"/>
+            </a:sysClr>
+          </a:solidFill>
+        </p:spPr>
+        <p:txBody>
+          <a:bodyPr wrap="square" lIns="36000" tIns="36000" rIns="36000" bIns="36000" rtlCol="0">
+            <a:spAutoFit/>
+          </a:bodyPr>
+          <a:lstStyle/>
+          <a:p>
+            <a:pPr marL="0" marR="0" lvl="0" indent="0" defTabSz="914400" eaLnBrk="1" fontAlgn="auto" latinLnBrk="0" hangingPunct="1">
+              <a:lnSpc>
+                <a:spcPct val="100000"/>
+              </a:lnSpc>
+              <a:spcBef>
+                <a:spcPts val="0"/>
+              </a:spcBef>
+              <a:spcAft>
+                <a:spcPts val="0"/>
+              </a:spcAft>
+              <a:buClrTx/>
+              <a:buSzTx/>
+              <a:buFontTx/>
+              <a:buNone/>
+              <a:tabLst/>
+              <a:defRPr/>
+            </a:pPr>
+            <a:r>
+              <a:rPr kumimoji="0" lang="de-DE" sz="1000" b="0" i="0" u="none" strike="noStrike" kern="0" cap="none" spc="0" normalizeH="0" baseline="0" noProof="0" dirty="0">
+                <a:ln>
+                  <a:noFill/>
+                </a:ln>
+                <a:solidFill>
+                  <a:srgbClr val="F14124"/>
+                </a:solidFill>
+                <a:effectLst/>
+                <a:uLnTx/>
+                <a:uFillTx/>
+                <a:latin typeface="Roboto" panose="02000000000000000000" pitchFamily="2" charset="0"/>
+                <a:ea typeface="Roboto" panose="02000000000000000000" pitchFamily="2" charset="0"/>
+                <a:cs typeface="Roboto" panose="02000000000000000000" pitchFamily="2" charset="0"/>
+              </a:rPr>
+              <a:t>alpha0</a:t>
+            </a:r>
+            <a:endParaRPr kumimoji="0" lang="de-DE" sz="1000" b="0" i="0" u="none" strike="noStrike" kern="0" cap="none" spc="0" normalizeH="0" baseline="-10000" noProof="0" dirty="0">
+              <a:ln>
+                <a:noFill/>
+              </a:ln>
+              <a:solidFill>
+                <a:srgbClr val="F14124"/>
+              </a:solidFill>
+              <a:effectLst/>
+              <a:uLnTx/>
+              <a:uFillTx/>
+              <a:latin typeface="Roboto" panose="02000000000000000000" pitchFamily="2" charset="0"/>
+              <a:ea typeface="Roboto" panose="02000000000000000000" pitchFamily="2" charset="0"/>
+              <a:cs typeface="Roboto" panose="02000000000000000000" pitchFamily="2" charset="0"/>
+            </a:endParaRPr>
+          </a:p>
+          <a:p>
+            <a:pPr marL="0" marR="0" lvl="0" indent="0" defTabSz="914400" eaLnBrk="1" fontAlgn="auto" latinLnBrk="0" hangingPunct="1">
+              <a:lnSpc>
+                <a:spcPct val="100000"/>
+              </a:lnSpc>
+              <a:spcBef>
+                <a:spcPts val="0"/>
+              </a:spcBef>
+              <a:spcAft>
+                <a:spcPts val="0"/>
+              </a:spcAft>
+              <a:buClrTx/>
+              <a:buSzTx/>
+              <a:buFontTx/>
+              <a:buNone/>
+              <a:tabLst/>
+              <a:defRPr/>
+            </a:pPr>
+            <a:r>
+              <a:rPr kumimoji="0" lang="de-DE" sz="1000" b="0" i="0" u="none" strike="noStrike" kern="0" cap="none" spc="0" normalizeH="0" baseline="0" noProof="0" dirty="0">
+                <a:ln>
+                  <a:noFill/>
+                </a:ln>
+                <a:solidFill>
+                  <a:srgbClr val="F14124"/>
+                </a:solidFill>
+                <a:effectLst/>
+                <a:uLnTx/>
+                <a:uFillTx/>
+                <a:latin typeface="Roboto" panose="02000000000000000000" pitchFamily="2" charset="0"/>
+                <a:ea typeface="Roboto" panose="02000000000000000000" pitchFamily="2" charset="0"/>
+                <a:cs typeface="Roboto" panose="02000000000000000000" pitchFamily="2" charset="0"/>
+              </a:rPr>
+              <a:t>VLM</a:t>
+            </a:r>
+            <a:endParaRPr kumimoji="0" lang="en-US" sz="1000" b="0" i="0" u="none" strike="noStrike" kern="0" cap="none" spc="0" normalizeH="0" baseline="0" noProof="0" dirty="0">
+              <a:ln>
+                <a:noFill/>
+              </a:ln>
+              <a:solidFill>
+                <a:srgbClr val="F14124"/>
+              </a:solidFill>
+              <a:effectLst/>
+              <a:uLnTx/>
+              <a:uFillTx/>
+              <a:latin typeface="Roboto" panose="02000000000000000000" pitchFamily="2" charset="0"/>
+              <a:ea typeface="Roboto" panose="02000000000000000000" pitchFamily="2" charset="0"/>
+              <a:cs typeface="Roboto" panose="02000000000000000000" pitchFamily="2" charset="0"/>
+            </a:endParaRPr>
+          </a:p>
+        </p:txBody>
+      </p:sp>
+      <p:sp>
+        <p:nvSpPr>
+          <p:cNvPr id="31" name="Textfeld 30">
+            <a:extLst>
+              <a:ext uri="{FF2B5EF4-FFF2-40B4-BE49-F238E27FC236}">
+                <a16:creationId xmlns:a16="http://schemas.microsoft.com/office/drawing/2014/main" id="{D7B65F1E-295F-E4EB-1ABC-B108BF9A456F}"/>
+              </a:ext>
+            </a:extLst>
+          </p:cNvPr>
+          <p:cNvSpPr txBox="1"/>
+          <p:nvPr/>
+        </p:nvSpPr>
+        <p:spPr>
+          <a:xfrm>
+            <a:off x="1447601" y="2537507"/>
+            <a:ext cx="470557" cy="400110"/>
+          </a:xfrm>
+          <a:prstGeom prst="rect">
+            <a:avLst/>
+          </a:prstGeom>
+          <a:solidFill>
+            <a:sysClr val="windowText" lastClr="000000">
+              <a:lumMod val="85000"/>
+              <a:lumOff val="15000"/>
+              <a:alpha val="78000"/>
+            </a:sysClr>
+          </a:solidFill>
+        </p:spPr>
+        <p:txBody>
+          <a:bodyPr wrap="square" lIns="36000" rIns="36000" rtlCol="0">
+            <a:spAutoFit/>
+          </a:bodyPr>
+          <a:lstStyle/>
+          <a:p>
+            <a:pPr marL="0" marR="0" lvl="0" indent="0" defTabSz="914400" eaLnBrk="1" fontAlgn="auto" latinLnBrk="0" hangingPunct="1">
+              <a:lnSpc>
+                <a:spcPct val="100000"/>
+              </a:lnSpc>
+              <a:spcBef>
+                <a:spcPts val="0"/>
+              </a:spcBef>
+              <a:spcAft>
+                <a:spcPts val="0"/>
+              </a:spcAft>
+              <a:buClrTx/>
+              <a:buSzTx/>
+              <a:buFontTx/>
+              <a:buNone/>
+              <a:tabLst/>
+              <a:defRPr/>
+            </a:pPr>
+            <a:r>
+              <a:rPr kumimoji="0" lang="de-DE" sz="1000" b="0" i="0" u="none" strike="noStrike" kern="0" cap="none" spc="0" normalizeH="0" baseline="0" noProof="0" dirty="0">
+                <a:ln>
+                  <a:noFill/>
+                </a:ln>
+                <a:solidFill>
+                  <a:srgbClr val="00B050"/>
+                </a:solidFill>
+                <a:effectLst/>
+                <a:uLnTx/>
+                <a:uFillTx/>
+                <a:latin typeface="Roboto" panose="02000000000000000000" pitchFamily="2" charset="0"/>
+                <a:ea typeface="Roboto" panose="02000000000000000000" pitchFamily="2" charset="0"/>
+                <a:cs typeface="Roboto" panose="02000000000000000000" pitchFamily="2" charset="0"/>
+              </a:rPr>
+              <a:t>alpha0</a:t>
+            </a:r>
+          </a:p>
+          <a:p>
+            <a:pPr marL="0" marR="0" lvl="0" indent="0" defTabSz="914400" eaLnBrk="1" fontAlgn="auto" latinLnBrk="0" hangingPunct="1">
+              <a:lnSpc>
+                <a:spcPct val="100000"/>
+              </a:lnSpc>
+              <a:spcBef>
+                <a:spcPts val="0"/>
+              </a:spcBef>
+              <a:spcAft>
+                <a:spcPts val="0"/>
+              </a:spcAft>
+              <a:buClrTx/>
+              <a:buSzTx/>
+              <a:buFontTx/>
+              <a:buNone/>
+              <a:tabLst/>
+              <a:defRPr/>
+            </a:pPr>
+            <a:r>
+              <a:rPr kumimoji="0" lang="de-DE" sz="1000" b="0" i="0" u="none" strike="noStrike" kern="0" cap="none" spc="0" normalizeH="0" baseline="0" noProof="0" dirty="0">
+                <a:ln>
+                  <a:noFill/>
+                </a:ln>
+                <a:solidFill>
+                  <a:srgbClr val="00B050"/>
+                </a:solidFill>
+                <a:effectLst/>
+                <a:uLnTx/>
+                <a:uFillTx/>
+                <a:latin typeface="Roboto" panose="02000000000000000000" pitchFamily="2" charset="0"/>
+                <a:ea typeface="Roboto" panose="02000000000000000000" pitchFamily="2" charset="0"/>
+                <a:cs typeface="Roboto" panose="02000000000000000000" pitchFamily="2" charset="0"/>
+              </a:rPr>
+              <a:t>airfoil</a:t>
+            </a:r>
+            <a:endParaRPr kumimoji="0" lang="en-US" sz="1000" b="0" i="0" u="none" strike="noStrike" kern="0" cap="none" spc="0" normalizeH="0" baseline="0" noProof="0" dirty="0">
+              <a:ln>
+                <a:noFill/>
+              </a:ln>
+              <a:solidFill>
+                <a:srgbClr val="00B050"/>
+              </a:solidFill>
+              <a:effectLst/>
+              <a:uLnTx/>
+              <a:uFillTx/>
+              <a:latin typeface="Roboto" panose="02000000000000000000" pitchFamily="2" charset="0"/>
+              <a:ea typeface="Roboto" panose="02000000000000000000" pitchFamily="2" charset="0"/>
+              <a:cs typeface="Roboto" panose="02000000000000000000" pitchFamily="2" charset="0"/>
+            </a:endParaRPr>
+          </a:p>
+        </p:txBody>
+      </p:sp>
+      <p:sp>
+        <p:nvSpPr>
+          <p:cNvPr id="32" name="Ellipse 31">
+            <a:extLst>
+              <a:ext uri="{FF2B5EF4-FFF2-40B4-BE49-F238E27FC236}">
+                <a16:creationId xmlns:a16="http://schemas.microsoft.com/office/drawing/2014/main" id="{0FA11501-0C39-1A74-C5E1-A1278840230B}"/>
+              </a:ext>
+            </a:extLst>
+          </p:cNvPr>
+          <p:cNvSpPr>
+            <a:spLocks noChangeAspect="1"/>
+          </p:cNvSpPr>
+          <p:nvPr/>
+        </p:nvSpPr>
+        <p:spPr>
+          <a:xfrm>
+            <a:off x="1949650" y="2914448"/>
+            <a:ext cx="92868" cy="92868"/>
+          </a:xfrm>
+          <a:prstGeom prst="ellipse">
+            <a:avLst/>
+          </a:prstGeom>
+          <a:solidFill>
+            <a:srgbClr val="00B050"/>
+          </a:solidFill>
+          <a:ln w="12700" cap="flat" cmpd="sng" algn="ctr">
+            <a:noFill/>
+            <a:prstDash val="solid"/>
+            <a:miter lim="800000"/>
+          </a:ln>
+          <a:effectLst/>
+        </p:spPr>
+        <p:txBody>
+          <a:bodyPr rtlCol="0" anchor="ctr"/>
+          <a:lstStyle/>
+          <a:p>
+            <a:pPr marL="0" marR="0" lvl="0" indent="0" algn="ctr" defTabSz="914400" eaLnBrk="1" fontAlgn="auto" latinLnBrk="0" hangingPunct="1">
+              <a:lnSpc>
+                <a:spcPct val="100000"/>
+              </a:lnSpc>
+              <a:spcBef>
+                <a:spcPts val="0"/>
+              </a:spcBef>
+              <a:spcAft>
+                <a:spcPts val="0"/>
+              </a:spcAft>
+              <a:buClrTx/>
+              <a:buSzTx/>
+              <a:buFontTx/>
+              <a:buNone/>
+              <a:tabLst/>
+              <a:defRPr/>
+            </a:pPr>
+            <a:endParaRPr kumimoji="0" lang="en-US" sz="1800" b="0" i="0" u="none" strike="noStrike" kern="0" cap="none" spc="0" normalizeH="0" baseline="0" noProof="0" dirty="0">
+              <a:ln>
+                <a:noFill/>
+              </a:ln>
+              <a:solidFill>
+                <a:prstClr val="white"/>
+              </a:solidFill>
+              <a:effectLst/>
+              <a:uLnTx/>
+              <a:uFillTx/>
+              <a:latin typeface="Calibre Light"/>
+              <a:ea typeface="+mn-ea"/>
+              <a:cs typeface="+mn-cs"/>
+            </a:endParaRPr>
+          </a:p>
+        </p:txBody>
+      </p:sp>
+      <p:sp>
+        <p:nvSpPr>
+          <p:cNvPr id="33" name="Textfeld 32">
+            <a:extLst>
+              <a:ext uri="{FF2B5EF4-FFF2-40B4-BE49-F238E27FC236}">
+                <a16:creationId xmlns:a16="http://schemas.microsoft.com/office/drawing/2014/main" id="{6CB6002B-FB03-0B58-F468-853347DB3E87}"/>
+              </a:ext>
+            </a:extLst>
+          </p:cNvPr>
+          <p:cNvSpPr txBox="1"/>
+          <p:nvPr/>
+        </p:nvSpPr>
+        <p:spPr>
+          <a:xfrm>
+            <a:off x="2598737" y="1139780"/>
+            <a:ext cx="1103631" cy="369332"/>
+          </a:xfrm>
+          <a:prstGeom prst="rect">
+            <a:avLst/>
+          </a:prstGeom>
+          <a:noFill/>
+        </p:spPr>
+        <p:txBody>
+          <a:bodyPr wrap="square" lIns="36000" rIns="36000">
+            <a:spAutoFit/>
+          </a:bodyPr>
+          <a:lstStyle/>
+          <a:p>
+            <a:pPr>
+              <a:defRPr/>
+            </a:pPr>
+            <a:r>
+              <a:rPr lang="de-DE" sz="900" dirty="0" err="1">
+                <a:solidFill>
+                  <a:srgbClr val="F14124"/>
+                </a:solidFill>
+                <a:latin typeface="Roboto" panose="02000000000000000000" pitchFamily="2" charset="0"/>
+                <a:ea typeface="Roboto" panose="02000000000000000000" pitchFamily="2" charset="0"/>
+                <a:cs typeface="Roboto" panose="02000000000000000000" pitchFamily="2" charset="0"/>
+              </a:rPr>
+              <a:t>inviscid</a:t>
+            </a:r>
+            <a:endParaRPr lang="de-DE" sz="900" dirty="0">
+              <a:solidFill>
+                <a:srgbClr val="F14124"/>
+              </a:solidFill>
+              <a:latin typeface="Roboto" panose="02000000000000000000" pitchFamily="2" charset="0"/>
+              <a:ea typeface="Roboto" panose="02000000000000000000" pitchFamily="2" charset="0"/>
+              <a:cs typeface="Roboto" panose="02000000000000000000" pitchFamily="2" charset="0"/>
+            </a:endParaRPr>
+          </a:p>
+          <a:p>
+            <a:pPr>
+              <a:defRPr/>
+            </a:pPr>
+            <a:r>
+              <a:rPr lang="de-DE" sz="900" dirty="0">
+                <a:solidFill>
+                  <a:srgbClr val="F14124"/>
+                </a:solidFill>
+                <a:latin typeface="Roboto" panose="02000000000000000000" pitchFamily="2" charset="0"/>
+                <a:ea typeface="Roboto" panose="02000000000000000000" pitchFamily="2" charset="0"/>
+                <a:cs typeface="Roboto" panose="02000000000000000000" pitchFamily="2" charset="0"/>
+              </a:rPr>
+              <a:t>dcl/</a:t>
+            </a:r>
+            <a:r>
+              <a:rPr lang="de-DE" sz="900" dirty="0" err="1">
+                <a:solidFill>
+                  <a:srgbClr val="F14124"/>
+                </a:solidFill>
+                <a:latin typeface="Roboto" panose="02000000000000000000" pitchFamily="2" charset="0"/>
+                <a:ea typeface="Roboto" panose="02000000000000000000" pitchFamily="2" charset="0"/>
+                <a:cs typeface="Roboto" panose="02000000000000000000" pitchFamily="2" charset="0"/>
+              </a:rPr>
+              <a:t>dalpha</a:t>
+            </a:r>
+            <a:r>
+              <a:rPr lang="de-DE" sz="900" dirty="0">
+                <a:solidFill>
+                  <a:srgbClr val="F14124"/>
+                </a:solidFill>
+                <a:latin typeface="Roboto" panose="02000000000000000000" pitchFamily="2" charset="0"/>
+                <a:ea typeface="Roboto" panose="02000000000000000000" pitchFamily="2" charset="0"/>
+                <a:cs typeface="Roboto" panose="02000000000000000000" pitchFamily="2" charset="0"/>
+              </a:rPr>
+              <a:t> = 0.11</a:t>
+            </a:r>
+            <a:endParaRPr lang="en-US" sz="900" dirty="0">
+              <a:solidFill>
+                <a:srgbClr val="F14124"/>
+              </a:solidFill>
+              <a:latin typeface="Roboto" panose="02000000000000000000" pitchFamily="2" charset="0"/>
+              <a:ea typeface="Roboto" panose="02000000000000000000" pitchFamily="2" charset="0"/>
+              <a:cs typeface="Roboto" panose="02000000000000000000" pitchFamily="2" charset="0"/>
+            </a:endParaRPr>
+          </a:p>
+        </p:txBody>
+      </p:sp>
+      <p:sp>
+        <p:nvSpPr>
+          <p:cNvPr id="34" name="Textfeld 33">
+            <a:extLst>
+              <a:ext uri="{FF2B5EF4-FFF2-40B4-BE49-F238E27FC236}">
+                <a16:creationId xmlns:a16="http://schemas.microsoft.com/office/drawing/2014/main" id="{AE128188-9BBA-BFE3-E793-7E86C8F133FE}"/>
+              </a:ext>
+            </a:extLst>
+          </p:cNvPr>
+          <p:cNvSpPr txBox="1"/>
+          <p:nvPr/>
+        </p:nvSpPr>
+        <p:spPr>
+          <a:xfrm>
+            <a:off x="3176757" y="2426983"/>
+            <a:ext cx="1389786" cy="430887"/>
+          </a:xfrm>
+          <a:prstGeom prst="rect">
+            <a:avLst/>
+          </a:prstGeom>
+          <a:noFill/>
+        </p:spPr>
+        <p:txBody>
+          <a:bodyPr wrap="square">
+            <a:spAutoFit/>
+          </a:bodyPr>
+          <a:lstStyle/>
+          <a:p>
+            <a:r>
+              <a:rPr lang="en-US" sz="1100" dirty="0">
+                <a:solidFill>
+                  <a:prstClr val="white">
+                    <a:lumMod val="95000"/>
+                  </a:prstClr>
+                </a:solidFill>
+                <a:latin typeface="Roboto" panose="02000000000000000000" pitchFamily="2" charset="0"/>
+                <a:ea typeface="Roboto" panose="02000000000000000000" pitchFamily="2" charset="0"/>
+                <a:cs typeface="Roboto" panose="02000000000000000000" pitchFamily="2" charset="0"/>
+              </a:rPr>
+              <a:t>Determination of</a:t>
+            </a:r>
+          </a:p>
+          <a:p>
+            <a:r>
+              <a:rPr lang="en-US" sz="1100" dirty="0">
+                <a:solidFill>
+                  <a:prstClr val="white">
+                    <a:lumMod val="95000"/>
+                  </a:prstClr>
+                </a:solidFill>
+                <a:latin typeface="Roboto" panose="02000000000000000000" pitchFamily="2" charset="0"/>
+                <a:ea typeface="Roboto" panose="02000000000000000000" pitchFamily="2" charset="0"/>
+                <a:cs typeface="Roboto" panose="02000000000000000000" pitchFamily="2" charset="0"/>
+              </a:rPr>
+              <a:t>alpha0</a:t>
+            </a:r>
+            <a:r>
+              <a:rPr lang="en-US" sz="1100" baseline="-10000" dirty="0">
+                <a:solidFill>
+                  <a:prstClr val="white">
+                    <a:lumMod val="95000"/>
+                  </a:prstClr>
+                </a:solidFill>
+                <a:latin typeface="Roboto" panose="02000000000000000000" pitchFamily="2" charset="0"/>
+                <a:ea typeface="Roboto" panose="02000000000000000000" pitchFamily="2" charset="0"/>
+                <a:cs typeface="Roboto" panose="02000000000000000000" pitchFamily="2" charset="0"/>
+              </a:rPr>
+              <a:t> </a:t>
+            </a:r>
+            <a:r>
+              <a:rPr lang="en-US" sz="1100" dirty="0">
+                <a:solidFill>
+                  <a:prstClr val="white">
+                    <a:lumMod val="95000"/>
+                  </a:prstClr>
+                </a:solidFill>
+                <a:latin typeface="Roboto" panose="02000000000000000000" pitchFamily="2" charset="0"/>
+                <a:ea typeface="Roboto" panose="02000000000000000000" pitchFamily="2" charset="0"/>
+                <a:cs typeface="Roboto" panose="02000000000000000000" pitchFamily="2" charset="0"/>
+              </a:rPr>
+              <a:t>for</a:t>
+            </a:r>
+            <a:r>
+              <a:rPr lang="en-US" sz="1100" baseline="-10000" dirty="0">
+                <a:solidFill>
+                  <a:prstClr val="white">
+                    <a:lumMod val="95000"/>
+                  </a:prstClr>
+                </a:solidFill>
+                <a:latin typeface="Roboto" panose="02000000000000000000" pitchFamily="2" charset="0"/>
+                <a:ea typeface="Roboto" panose="02000000000000000000" pitchFamily="2" charset="0"/>
+                <a:cs typeface="Roboto" panose="02000000000000000000" pitchFamily="2" charset="0"/>
+              </a:rPr>
+              <a:t> </a:t>
+            </a:r>
+            <a:r>
+              <a:rPr lang="en-US" sz="1100" dirty="0">
+                <a:solidFill>
+                  <a:prstClr val="white">
+                    <a:lumMod val="95000"/>
+                  </a:prstClr>
+                </a:solidFill>
+                <a:latin typeface="Roboto" panose="02000000000000000000" pitchFamily="2" charset="0"/>
+                <a:ea typeface="Roboto" panose="02000000000000000000" pitchFamily="2" charset="0"/>
+                <a:cs typeface="Roboto" panose="02000000000000000000" pitchFamily="2" charset="0"/>
+              </a:rPr>
+              <a:t>VLM</a:t>
+            </a:r>
+          </a:p>
+        </p:txBody>
+      </p:sp>
+      <p:cxnSp>
+        <p:nvCxnSpPr>
+          <p:cNvPr id="35" name="Gerade Verbindung mit Pfeil 34">
+            <a:extLst>
+              <a:ext uri="{FF2B5EF4-FFF2-40B4-BE49-F238E27FC236}">
+                <a16:creationId xmlns:a16="http://schemas.microsoft.com/office/drawing/2014/main" id="{454203DB-B93D-F02D-0908-15C880275F79}"/>
+              </a:ext>
+            </a:extLst>
+          </p:cNvPr>
+          <p:cNvCxnSpPr>
+            <a:cxnSpLocks/>
+          </p:cNvCxnSpPr>
+          <p:nvPr/>
+        </p:nvCxnSpPr>
+        <p:spPr>
+          <a:xfrm flipH="1">
+            <a:off x="2042518" y="2956120"/>
+            <a:ext cx="241100" cy="0"/>
+          </a:xfrm>
+          <a:prstGeom prst="straightConnector1">
+            <a:avLst/>
+          </a:prstGeom>
+          <a:noFill/>
+          <a:ln w="25400" cap="flat" cmpd="sng" algn="ctr">
+            <a:solidFill>
+              <a:srgbClr val="F14124"/>
+            </a:solidFill>
+            <a:prstDash val="solid"/>
+            <a:miter lim="800000"/>
+            <a:tailEnd type="triangle"/>
+          </a:ln>
+          <a:effectLst/>
+        </p:spPr>
+      </p:cxnSp>
+    </p:spTree>
+    <p:extLst>
+      <p:ext uri="{BB962C8B-B14F-4D97-AF65-F5344CB8AC3E}">
+        <p14:creationId xmlns:p14="http://schemas.microsoft.com/office/powerpoint/2010/main" val="2861316474"/>
+      </p:ext>
+    </p:extLst>
+  </p:cSld>
+  <p:clrMapOvr>
+    <a:masterClrMapping/>
+  </p:clrMapOvr>
+</p:sld>
+</file>
+
+<file path=ppt/slides/slide22.xml><?xml version="1.0" encoding="utf-8"?>
+<p:sld xmlns:a="http://schemas.openxmlformats.org/drawingml/2006/main" xmlns:r="http://schemas.openxmlformats.org/officeDocument/2006/relationships" xmlns:p="http://schemas.openxmlformats.org/presentationml/2006/main">
+  <p:cSld>
+    <p:bg>
+      <p:bgPr>
+        <a:solidFill>
+          <a:schemeClr val="bg2">
+            <a:lumMod val="25000"/>
+          </a:schemeClr>
+        </a:solidFill>
+        <a:effectLst/>
+      </p:bgPr>
+    </p:bg>
+    <p:spTree>
+      <p:nvGrpSpPr>
+        <p:cNvPr id="1" name="">
+          <a:extLst>
+            <a:ext uri="{FF2B5EF4-FFF2-40B4-BE49-F238E27FC236}">
+              <a16:creationId xmlns:a16="http://schemas.microsoft.com/office/drawing/2014/main" id="{5FF33279-97FA-EDE2-78E2-A49BFB3FC1FE}"/>
+            </a:ext>
+          </a:extLst>
+        </p:cNvPr>
+        <p:cNvGrpSpPr/>
+        <p:nvPr/>
+      </p:nvGrpSpPr>
+      <p:grpSpPr>
+        <a:xfrm>
+          <a:off x="0" y="0"/>
+          <a:ext cx="0" cy="0"/>
+          <a:chOff x="0" y="0"/>
+          <a:chExt cx="0" cy="0"/>
+        </a:xfrm>
+      </p:grpSpPr>
+      <p:pic>
+        <p:nvPicPr>
+          <p:cNvPr id="7" name="Grafik 6">
+            <a:extLst>
+              <a:ext uri="{FF2B5EF4-FFF2-40B4-BE49-F238E27FC236}">
+                <a16:creationId xmlns:a16="http://schemas.microsoft.com/office/drawing/2014/main" id="{6D73894A-4CCC-C741-74C9-500A52BD624D}"/>
+              </a:ext>
+            </a:extLst>
+          </p:cNvPr>
+          <p:cNvPicPr>
+            <a:picLocks noChangeAspect="1"/>
+          </p:cNvPicPr>
+          <p:nvPr/>
+        </p:nvPicPr>
+        <p:blipFill>
+          <a:blip r:embed="rId2"/>
+          <a:stretch>
+            <a:fillRect/>
+          </a:stretch>
+        </p:blipFill>
+        <p:spPr>
+          <a:xfrm>
+            <a:off x="1079500" y="2838254"/>
+            <a:ext cx="7440612" cy="1872018"/>
+          </a:xfrm>
+          <a:prstGeom prst="rect">
+            <a:avLst/>
+          </a:prstGeom>
+        </p:spPr>
+      </p:pic>
+      <p:pic>
+        <p:nvPicPr>
+          <p:cNvPr id="9" name="Grafik 8">
+            <a:extLst>
+              <a:ext uri="{FF2B5EF4-FFF2-40B4-BE49-F238E27FC236}">
+                <a16:creationId xmlns:a16="http://schemas.microsoft.com/office/drawing/2014/main" id="{96E91612-242B-5B0D-0AB1-618EDF00F8E5}"/>
+              </a:ext>
+            </a:extLst>
+          </p:cNvPr>
+          <p:cNvPicPr>
+            <a:picLocks noChangeAspect="1"/>
+          </p:cNvPicPr>
+          <p:nvPr/>
+        </p:nvPicPr>
+        <p:blipFill>
+          <a:blip r:embed="rId3"/>
+          <a:stretch>
+            <a:fillRect/>
+          </a:stretch>
+        </p:blipFill>
+        <p:spPr>
+          <a:xfrm>
+            <a:off x="1055688" y="836614"/>
+            <a:ext cx="7440612" cy="1910002"/>
+          </a:xfrm>
+          <a:prstGeom prst="rect">
+            <a:avLst/>
+          </a:prstGeom>
+        </p:spPr>
+      </p:pic>
+      <p:sp>
+        <p:nvSpPr>
+          <p:cNvPr id="10" name="Textfeld 9">
+            <a:extLst>
+              <a:ext uri="{FF2B5EF4-FFF2-40B4-BE49-F238E27FC236}">
+                <a16:creationId xmlns:a16="http://schemas.microsoft.com/office/drawing/2014/main" id="{BEF18CF3-1F5E-F2AD-32E7-8F5E59BB9482}"/>
+              </a:ext>
+            </a:extLst>
+          </p:cNvPr>
+          <p:cNvSpPr txBox="1"/>
+          <p:nvPr/>
+        </p:nvSpPr>
+        <p:spPr>
+          <a:xfrm>
+            <a:off x="3532356" y="2544616"/>
+            <a:ext cx="1922293" cy="307777"/>
+          </a:xfrm>
+          <a:prstGeom prst="rect">
+            <a:avLst/>
+          </a:prstGeom>
+          <a:solidFill>
+            <a:schemeClr val="tx1">
+              <a:lumMod val="85000"/>
+              <a:lumOff val="15000"/>
+              <a:alpha val="72000"/>
+            </a:schemeClr>
+          </a:solidFill>
+        </p:spPr>
+        <p:txBody>
+          <a:bodyPr wrap="square">
+            <a:spAutoFit/>
+          </a:bodyPr>
+          <a:lstStyle/>
+          <a:p>
+            <a:r>
+              <a:rPr lang="en-US" sz="1400" dirty="0">
+                <a:solidFill>
+                  <a:prstClr val="white">
+                    <a:lumMod val="95000"/>
+                  </a:prstClr>
+                </a:solidFill>
+                <a:latin typeface="Roboto" panose="02000000000000000000" pitchFamily="2" charset="0"/>
+                <a:ea typeface="Roboto" panose="02000000000000000000" pitchFamily="2" charset="0"/>
+                <a:cs typeface="Roboto" panose="02000000000000000000" pitchFamily="2" charset="0"/>
+              </a:rPr>
+              <a:t>VLM Results – linear </a:t>
+            </a:r>
+          </a:p>
+        </p:txBody>
+      </p:sp>
+    </p:spTree>
+    <p:extLst>
+      <p:ext uri="{BB962C8B-B14F-4D97-AF65-F5344CB8AC3E}">
+        <p14:creationId xmlns:p14="http://schemas.microsoft.com/office/powerpoint/2010/main" val="2815697653"/>
+      </p:ext>
+    </p:extLst>
+  </p:cSld>
+  <p:clrMapOvr>
+    <a:masterClrMapping/>
+  </p:clrMapOvr>
+</p:sld>
+</file>
+
+<file path=ppt/slides/slide23.xml><?xml version="1.0" encoding="utf-8"?>
+<p:sld xmlns:a="http://schemas.openxmlformats.org/drawingml/2006/main" xmlns:r="http://schemas.openxmlformats.org/officeDocument/2006/relationships" xmlns:p="http://schemas.openxmlformats.org/presentationml/2006/main">
+  <p:cSld>
+    <p:bg>
+      <p:bgPr>
+        <a:solidFill>
+          <a:schemeClr val="bg2">
+            <a:lumMod val="25000"/>
+          </a:schemeClr>
+        </a:solidFill>
+        <a:effectLst/>
+      </p:bgPr>
+    </p:bg>
+    <p:spTree>
+      <p:nvGrpSpPr>
+        <p:cNvPr id="1" name="">
+          <a:extLst>
+            <a:ext uri="{FF2B5EF4-FFF2-40B4-BE49-F238E27FC236}">
+              <a16:creationId xmlns:a16="http://schemas.microsoft.com/office/drawing/2014/main" id="{377C3634-03DB-C477-92F3-230E8B399A36}"/>
+            </a:ext>
+          </a:extLst>
+        </p:cNvPr>
+        <p:cNvGrpSpPr/>
+        <p:nvPr/>
+      </p:nvGrpSpPr>
+      <p:grpSpPr>
+        <a:xfrm>
+          <a:off x="0" y="0"/>
+          <a:ext cx="0" cy="0"/>
+          <a:chOff x="0" y="0"/>
+          <a:chExt cx="0" cy="0"/>
+        </a:xfrm>
+      </p:grpSpPr>
+      <p:pic>
+        <p:nvPicPr>
+          <p:cNvPr id="26" name="Grafik 25">
+            <a:extLst>
+              <a:ext uri="{FF2B5EF4-FFF2-40B4-BE49-F238E27FC236}">
+                <a16:creationId xmlns:a16="http://schemas.microsoft.com/office/drawing/2014/main" id="{25859AE5-E380-0BAB-69AD-93A1C7D9A014}"/>
+              </a:ext>
+            </a:extLst>
+          </p:cNvPr>
+          <p:cNvPicPr>
+            <a:picLocks noChangeAspect="1"/>
+          </p:cNvPicPr>
+          <p:nvPr/>
+        </p:nvPicPr>
+        <p:blipFill>
+          <a:blip r:embed="rId2"/>
+          <a:stretch>
+            <a:fillRect/>
+          </a:stretch>
+        </p:blipFill>
+        <p:spPr>
+          <a:xfrm>
+            <a:off x="1055688" y="836613"/>
+            <a:ext cx="3527734" cy="2994408"/>
+          </a:xfrm>
+          <a:prstGeom prst="rect">
+            <a:avLst/>
+          </a:prstGeom>
+        </p:spPr>
+      </p:pic>
+      <p:cxnSp>
+        <p:nvCxnSpPr>
+          <p:cNvPr id="19" name="Gerader Verbinder 18">
+            <a:extLst>
+              <a:ext uri="{FF2B5EF4-FFF2-40B4-BE49-F238E27FC236}">
+                <a16:creationId xmlns:a16="http://schemas.microsoft.com/office/drawing/2014/main" id="{052CAC94-BEB8-E358-780E-743B6CA40172}"/>
+              </a:ext>
+            </a:extLst>
+          </p:cNvPr>
+          <p:cNvCxnSpPr>
+            <a:cxnSpLocks/>
+          </p:cNvCxnSpPr>
+          <p:nvPr/>
+        </p:nvCxnSpPr>
+        <p:spPr>
+          <a:xfrm>
+            <a:off x="2283618" y="942973"/>
+            <a:ext cx="0" cy="2745000"/>
+          </a:xfrm>
+          <a:prstGeom prst="line">
+            <a:avLst/>
+          </a:prstGeom>
+          <a:noFill/>
+          <a:ln w="6350" cap="flat" cmpd="sng" algn="ctr">
+            <a:solidFill>
+              <a:schemeClr val="bg1">
+                <a:lumMod val="65000"/>
+              </a:schemeClr>
+            </a:solidFill>
+            <a:prstDash val="solid"/>
+            <a:miter lim="800000"/>
+          </a:ln>
+          <a:effectLst/>
+        </p:spPr>
+      </p:cxnSp>
+      <p:cxnSp>
+        <p:nvCxnSpPr>
+          <p:cNvPr id="27" name="Gerader Verbinder 26">
+            <a:extLst>
+              <a:ext uri="{FF2B5EF4-FFF2-40B4-BE49-F238E27FC236}">
+                <a16:creationId xmlns:a16="http://schemas.microsoft.com/office/drawing/2014/main" id="{6AD9C2CB-7B6B-C18E-7FF5-9FAC58FD4C8E}"/>
+              </a:ext>
+            </a:extLst>
+          </p:cNvPr>
+          <p:cNvCxnSpPr>
+            <a:cxnSpLocks/>
+          </p:cNvCxnSpPr>
+          <p:nvPr/>
+        </p:nvCxnSpPr>
+        <p:spPr>
+          <a:xfrm flipV="1">
+            <a:off x="1545762" y="951782"/>
+            <a:ext cx="2570523" cy="2440519"/>
+          </a:xfrm>
+          <a:prstGeom prst="line">
+            <a:avLst/>
+          </a:prstGeom>
+          <a:noFill/>
+          <a:ln w="9525" cap="flat" cmpd="sng" algn="ctr">
+            <a:solidFill>
+              <a:srgbClr val="F14124"/>
+            </a:solidFill>
+            <a:prstDash val="solid"/>
+            <a:miter lim="800000"/>
+            <a:tailEnd type="triangle"/>
+          </a:ln>
+          <a:effectLst/>
+        </p:spPr>
+      </p:cxnSp>
+      <p:cxnSp>
+        <p:nvCxnSpPr>
+          <p:cNvPr id="17" name="Gerader Verbinder 16">
+            <a:extLst>
+              <a:ext uri="{FF2B5EF4-FFF2-40B4-BE49-F238E27FC236}">
+                <a16:creationId xmlns:a16="http://schemas.microsoft.com/office/drawing/2014/main" id="{8CBCB068-F8E5-9664-FDA2-A9BF6876852C}"/>
+              </a:ext>
+            </a:extLst>
+          </p:cNvPr>
+          <p:cNvCxnSpPr>
+            <a:cxnSpLocks/>
+          </p:cNvCxnSpPr>
+          <p:nvPr/>
+        </p:nvCxnSpPr>
+        <p:spPr>
+          <a:xfrm>
+            <a:off x="1207908" y="2951357"/>
+            <a:ext cx="3249792" cy="0"/>
+          </a:xfrm>
+          <a:prstGeom prst="line">
+            <a:avLst/>
+          </a:prstGeom>
+          <a:noFill/>
+          <a:ln w="6350" cap="flat" cmpd="sng" algn="ctr">
+            <a:solidFill>
+              <a:schemeClr val="bg1">
+                <a:lumMod val="65000"/>
+              </a:schemeClr>
+            </a:solidFill>
+            <a:prstDash val="solid"/>
+            <a:miter lim="800000"/>
+          </a:ln>
+          <a:effectLst/>
+        </p:spPr>
+      </p:cxnSp>
+      <p:sp>
+        <p:nvSpPr>
+          <p:cNvPr id="32" name="Ellipse 31">
+            <a:extLst>
+              <a:ext uri="{FF2B5EF4-FFF2-40B4-BE49-F238E27FC236}">
+                <a16:creationId xmlns:a16="http://schemas.microsoft.com/office/drawing/2014/main" id="{C0110FE0-4917-67A6-39E4-8EA3CE313BEB}"/>
+              </a:ext>
+            </a:extLst>
+          </p:cNvPr>
+          <p:cNvSpPr>
+            <a:spLocks noChangeAspect="1"/>
+          </p:cNvSpPr>
+          <p:nvPr/>
+        </p:nvSpPr>
+        <p:spPr>
+          <a:xfrm>
+            <a:off x="1949650" y="2914448"/>
+            <a:ext cx="92868" cy="92868"/>
+          </a:xfrm>
+          <a:prstGeom prst="ellipse">
+            <a:avLst/>
+          </a:prstGeom>
+          <a:solidFill>
+            <a:srgbClr val="00B050"/>
+          </a:solidFill>
+          <a:ln w="12700" cap="flat" cmpd="sng" algn="ctr">
+            <a:noFill/>
+            <a:prstDash val="solid"/>
+            <a:miter lim="800000"/>
+          </a:ln>
+          <a:effectLst/>
+        </p:spPr>
+        <p:txBody>
+          <a:bodyPr rtlCol="0" anchor="ctr"/>
+          <a:lstStyle/>
+          <a:p>
+            <a:pPr marL="0" marR="0" lvl="0" indent="0" algn="ctr" defTabSz="914400" eaLnBrk="1" fontAlgn="auto" latinLnBrk="0" hangingPunct="1">
+              <a:lnSpc>
+                <a:spcPct val="100000"/>
+              </a:lnSpc>
+              <a:spcBef>
+                <a:spcPts val="0"/>
+              </a:spcBef>
+              <a:spcAft>
+                <a:spcPts val="0"/>
+              </a:spcAft>
+              <a:buClrTx/>
+              <a:buSzTx/>
+              <a:buFontTx/>
+              <a:buNone/>
+              <a:tabLst/>
+              <a:defRPr/>
+            </a:pPr>
+            <a:endParaRPr kumimoji="0" lang="en-US" sz="1800" b="0" i="0" u="none" strike="noStrike" kern="0" cap="none" spc="0" normalizeH="0" baseline="0" noProof="0" dirty="0">
+              <a:ln>
+                <a:noFill/>
+              </a:ln>
+              <a:solidFill>
+                <a:prstClr val="white"/>
+              </a:solidFill>
+              <a:effectLst/>
+              <a:uLnTx/>
+              <a:uFillTx/>
+              <a:latin typeface="Calibre Light"/>
+              <a:ea typeface="+mn-ea"/>
+              <a:cs typeface="+mn-cs"/>
+            </a:endParaRPr>
+          </a:p>
+        </p:txBody>
+      </p:sp>
+      <p:sp>
+        <p:nvSpPr>
+          <p:cNvPr id="34" name="Textfeld 33">
+            <a:extLst>
+              <a:ext uri="{FF2B5EF4-FFF2-40B4-BE49-F238E27FC236}">
+                <a16:creationId xmlns:a16="http://schemas.microsoft.com/office/drawing/2014/main" id="{DE0F73D8-D47F-FB6E-7B46-F5755F261AD4}"/>
+              </a:ext>
+            </a:extLst>
+          </p:cNvPr>
+          <p:cNvSpPr txBox="1"/>
+          <p:nvPr/>
+        </p:nvSpPr>
+        <p:spPr>
+          <a:xfrm>
+            <a:off x="1293036" y="1561564"/>
+            <a:ext cx="1659712" cy="430887"/>
+          </a:xfrm>
+          <a:prstGeom prst="rect">
+            <a:avLst/>
+          </a:prstGeom>
+          <a:solidFill>
+            <a:schemeClr val="tx1">
+              <a:lumMod val="95000"/>
+              <a:lumOff val="5000"/>
+              <a:alpha val="52000"/>
+            </a:schemeClr>
+          </a:solidFill>
+        </p:spPr>
+        <p:txBody>
+          <a:bodyPr wrap="square">
+            <a:spAutoFit/>
+          </a:bodyPr>
+          <a:lstStyle/>
+          <a:p>
+            <a:r>
+              <a:rPr lang="en-US" sz="1100" dirty="0">
+                <a:solidFill>
+                  <a:prstClr val="white">
+                    <a:lumMod val="95000"/>
+                  </a:prstClr>
+                </a:solidFill>
+                <a:latin typeface="Roboto" panose="02000000000000000000" pitchFamily="2" charset="0"/>
+                <a:ea typeface="Roboto" panose="02000000000000000000" pitchFamily="2" charset="0"/>
+                <a:cs typeface="Roboto" panose="02000000000000000000" pitchFamily="2" charset="0"/>
+              </a:rPr>
+              <a:t>Linear Determination of</a:t>
+            </a:r>
+          </a:p>
+          <a:p>
+            <a:r>
+              <a:rPr lang="en-US" sz="1100" dirty="0">
+                <a:solidFill>
+                  <a:prstClr val="white">
+                    <a:lumMod val="95000"/>
+                  </a:prstClr>
+                </a:solidFill>
+                <a:latin typeface="Roboto" panose="02000000000000000000" pitchFamily="2" charset="0"/>
+                <a:ea typeface="Roboto" panose="02000000000000000000" pitchFamily="2" charset="0"/>
+                <a:cs typeface="Roboto" panose="02000000000000000000" pitchFamily="2" charset="0"/>
+              </a:rPr>
+              <a:t>alpha max</a:t>
+            </a:r>
+          </a:p>
+        </p:txBody>
+      </p:sp>
+      <p:cxnSp>
+        <p:nvCxnSpPr>
+          <p:cNvPr id="23" name="Gerader Verbinder 22">
+            <a:extLst>
+              <a:ext uri="{FF2B5EF4-FFF2-40B4-BE49-F238E27FC236}">
+                <a16:creationId xmlns:a16="http://schemas.microsoft.com/office/drawing/2014/main" id="{0A76CD3F-1EB0-3828-64E6-93BEAEB46955}"/>
+              </a:ext>
+            </a:extLst>
+          </p:cNvPr>
+          <p:cNvCxnSpPr>
+            <a:cxnSpLocks/>
+          </p:cNvCxnSpPr>
+          <p:nvPr/>
+        </p:nvCxnSpPr>
+        <p:spPr>
+          <a:xfrm flipH="1">
+            <a:off x="3015762" y="1221663"/>
+            <a:ext cx="1441938" cy="0"/>
+          </a:xfrm>
+          <a:prstGeom prst="line">
+            <a:avLst/>
+          </a:prstGeom>
+          <a:noFill/>
+          <a:ln w="9525" cap="flat" cmpd="sng" algn="ctr">
+            <a:solidFill>
+              <a:srgbClr val="00B050"/>
+            </a:solidFill>
+            <a:prstDash val="sysDash"/>
+            <a:miter lim="800000"/>
+          </a:ln>
+          <a:effectLst/>
+        </p:spPr>
+      </p:cxnSp>
+      <p:sp>
+        <p:nvSpPr>
+          <p:cNvPr id="25" name="Textfeld 24">
+            <a:extLst>
+              <a:ext uri="{FF2B5EF4-FFF2-40B4-BE49-F238E27FC236}">
+                <a16:creationId xmlns:a16="http://schemas.microsoft.com/office/drawing/2014/main" id="{F8FD36F0-9B49-2016-B89F-6AD201856087}"/>
+              </a:ext>
+            </a:extLst>
+          </p:cNvPr>
+          <p:cNvSpPr txBox="1"/>
+          <p:nvPr/>
+        </p:nvSpPr>
+        <p:spPr>
+          <a:xfrm>
+            <a:off x="2427937" y="1090858"/>
+            <a:ext cx="886770" cy="246221"/>
+          </a:xfrm>
+          <a:prstGeom prst="rect">
+            <a:avLst/>
+          </a:prstGeom>
+          <a:solidFill>
+            <a:sysClr val="windowText" lastClr="000000">
+              <a:lumMod val="85000"/>
+              <a:lumOff val="15000"/>
+              <a:alpha val="78000"/>
+            </a:sysClr>
+          </a:solidFill>
+        </p:spPr>
+        <p:txBody>
+          <a:bodyPr wrap="square" lIns="36000" rIns="36000" rtlCol="0">
+            <a:spAutoFit/>
+          </a:bodyPr>
+          <a:lstStyle/>
+          <a:p>
+            <a:pPr marL="0" marR="0" lvl="0" indent="0" defTabSz="914400" eaLnBrk="1" fontAlgn="auto" latinLnBrk="0" hangingPunct="1">
+              <a:lnSpc>
+                <a:spcPct val="100000"/>
+              </a:lnSpc>
+              <a:spcBef>
+                <a:spcPts val="0"/>
+              </a:spcBef>
+              <a:spcAft>
+                <a:spcPts val="0"/>
+              </a:spcAft>
+              <a:buClrTx/>
+              <a:buSzTx/>
+              <a:buFontTx/>
+              <a:buNone/>
+              <a:tabLst/>
+              <a:defRPr/>
+            </a:pPr>
+            <a:r>
+              <a:rPr kumimoji="0" lang="de-DE" sz="1000" b="0" i="0" u="none" strike="noStrike" kern="0" cap="none" spc="0" normalizeH="0" baseline="0" noProof="0" dirty="0">
+                <a:ln>
+                  <a:noFill/>
+                </a:ln>
+                <a:solidFill>
+                  <a:srgbClr val="00B050"/>
+                </a:solidFill>
+                <a:effectLst/>
+                <a:uLnTx/>
+                <a:uFillTx/>
+                <a:latin typeface="Roboto" panose="02000000000000000000" pitchFamily="2" charset="0"/>
+                <a:ea typeface="Roboto" panose="02000000000000000000" pitchFamily="2" charset="0"/>
+                <a:cs typeface="Roboto" panose="02000000000000000000" pitchFamily="2" charset="0"/>
+              </a:rPr>
+              <a:t>airfoil </a:t>
+            </a:r>
+            <a:r>
+              <a:rPr kumimoji="0" lang="de-DE" sz="1000" b="0" i="0" u="none" strike="noStrike" kern="0" cap="none" spc="0" normalizeH="0" baseline="0" noProof="0" dirty="0" err="1">
+                <a:ln>
+                  <a:noFill/>
+                </a:ln>
+                <a:solidFill>
+                  <a:srgbClr val="00B050"/>
+                </a:solidFill>
+                <a:effectLst/>
+                <a:uLnTx/>
+                <a:uFillTx/>
+                <a:latin typeface="Roboto" panose="02000000000000000000" pitchFamily="2" charset="0"/>
+                <a:ea typeface="Roboto" panose="02000000000000000000" pitchFamily="2" charset="0"/>
+                <a:cs typeface="Roboto" panose="02000000000000000000" pitchFamily="2" charset="0"/>
+              </a:rPr>
+              <a:t>cl_max</a:t>
+            </a:r>
+            <a:endParaRPr kumimoji="0" lang="en-US" sz="1000" b="0" i="0" u="none" strike="noStrike" kern="0" cap="none" spc="0" normalizeH="0" baseline="0" noProof="0" dirty="0">
+              <a:ln>
+                <a:noFill/>
+              </a:ln>
+              <a:solidFill>
+                <a:srgbClr val="00B050"/>
+              </a:solidFill>
+              <a:effectLst/>
+              <a:uLnTx/>
+              <a:uFillTx/>
+              <a:latin typeface="Roboto" panose="02000000000000000000" pitchFamily="2" charset="0"/>
+              <a:ea typeface="Roboto" panose="02000000000000000000" pitchFamily="2" charset="0"/>
+              <a:cs typeface="Roboto" panose="02000000000000000000" pitchFamily="2" charset="0"/>
+            </a:endParaRPr>
+          </a:p>
+        </p:txBody>
+      </p:sp>
+      <p:sp>
+        <p:nvSpPr>
+          <p:cNvPr id="28" name="Ellipse 27">
+            <a:extLst>
+              <a:ext uri="{FF2B5EF4-FFF2-40B4-BE49-F238E27FC236}">
+                <a16:creationId xmlns:a16="http://schemas.microsoft.com/office/drawing/2014/main" id="{9F2662A7-08AF-43A7-4F67-E332EB44965C}"/>
+              </a:ext>
+            </a:extLst>
+          </p:cNvPr>
+          <p:cNvSpPr>
+            <a:spLocks noChangeAspect="1"/>
+          </p:cNvSpPr>
+          <p:nvPr/>
+        </p:nvSpPr>
+        <p:spPr>
+          <a:xfrm>
+            <a:off x="3787539" y="1171945"/>
+            <a:ext cx="92868" cy="92868"/>
+          </a:xfrm>
+          <a:prstGeom prst="ellipse">
+            <a:avLst/>
+          </a:prstGeom>
+          <a:solidFill>
+            <a:srgbClr val="F14124"/>
+          </a:solidFill>
+          <a:ln w="12700" cap="flat" cmpd="sng" algn="ctr">
+            <a:noFill/>
+            <a:prstDash val="solid"/>
+            <a:miter lim="800000"/>
+          </a:ln>
+          <a:effectLst/>
+        </p:spPr>
+        <p:txBody>
+          <a:bodyPr rtlCol="0" anchor="ctr"/>
+          <a:lstStyle/>
+          <a:p>
+            <a:pPr marL="0" marR="0" lvl="0" indent="0" algn="ctr" defTabSz="914400" eaLnBrk="1" fontAlgn="auto" latinLnBrk="0" hangingPunct="1">
+              <a:lnSpc>
+                <a:spcPct val="100000"/>
+              </a:lnSpc>
+              <a:spcBef>
+                <a:spcPts val="0"/>
+              </a:spcBef>
+              <a:spcAft>
+                <a:spcPts val="0"/>
+              </a:spcAft>
+              <a:buClrTx/>
+              <a:buSzTx/>
+              <a:buFontTx/>
+              <a:buNone/>
+              <a:tabLst/>
+              <a:defRPr/>
+            </a:pPr>
+            <a:endParaRPr kumimoji="0" lang="en-US" sz="1800" b="0" i="0" u="none" strike="noStrike" kern="0" cap="none" spc="0" normalizeH="0" baseline="0" noProof="0" dirty="0">
+              <a:ln>
+                <a:noFill/>
+              </a:ln>
+              <a:solidFill>
+                <a:prstClr val="white"/>
+              </a:solidFill>
+              <a:effectLst/>
+              <a:uLnTx/>
+              <a:uFillTx/>
+              <a:latin typeface="Calibre Light"/>
+              <a:ea typeface="+mn-ea"/>
+              <a:cs typeface="+mn-cs"/>
+            </a:endParaRPr>
+          </a:p>
+        </p:txBody>
+      </p:sp>
+      <p:cxnSp>
+        <p:nvCxnSpPr>
+          <p:cNvPr id="29" name="Gerade Verbindung mit Pfeil 28">
+            <a:extLst>
+              <a:ext uri="{FF2B5EF4-FFF2-40B4-BE49-F238E27FC236}">
+                <a16:creationId xmlns:a16="http://schemas.microsoft.com/office/drawing/2014/main" id="{BB44523D-CF60-02AF-1475-5DCCFC970D5B}"/>
+              </a:ext>
+            </a:extLst>
+          </p:cNvPr>
+          <p:cNvCxnSpPr>
+            <a:cxnSpLocks/>
+            <a:stCxn id="28" idx="4"/>
+          </p:cNvCxnSpPr>
+          <p:nvPr/>
+        </p:nvCxnSpPr>
+        <p:spPr>
+          <a:xfrm>
+            <a:off x="3833973" y="1264813"/>
+            <a:ext cx="0" cy="1593057"/>
+          </a:xfrm>
+          <a:prstGeom prst="straightConnector1">
+            <a:avLst/>
+          </a:prstGeom>
+          <a:noFill/>
+          <a:ln w="6350" cap="flat" cmpd="sng" algn="ctr">
+            <a:solidFill>
+              <a:srgbClr val="F14124"/>
+            </a:solidFill>
+            <a:prstDash val="sysDash"/>
+            <a:miter lim="800000"/>
+            <a:tailEnd type="triangle"/>
+          </a:ln>
+          <a:effectLst/>
+        </p:spPr>
+      </p:cxnSp>
+      <p:sp>
+        <p:nvSpPr>
+          <p:cNvPr id="36" name="Ellipse 35">
+            <a:extLst>
+              <a:ext uri="{FF2B5EF4-FFF2-40B4-BE49-F238E27FC236}">
+                <a16:creationId xmlns:a16="http://schemas.microsoft.com/office/drawing/2014/main" id="{4B06168B-641B-03D8-0F5E-C6D6D11B2281}"/>
+              </a:ext>
+            </a:extLst>
+          </p:cNvPr>
+          <p:cNvSpPr>
+            <a:spLocks noChangeAspect="1"/>
+          </p:cNvSpPr>
+          <p:nvPr/>
+        </p:nvSpPr>
+        <p:spPr>
+          <a:xfrm>
+            <a:off x="3787539" y="2909648"/>
+            <a:ext cx="92868" cy="92868"/>
+          </a:xfrm>
+          <a:prstGeom prst="ellipse">
+            <a:avLst/>
+          </a:prstGeom>
+          <a:solidFill>
+            <a:srgbClr val="F14124"/>
+          </a:solidFill>
+          <a:ln w="12700" cap="flat" cmpd="sng" algn="ctr">
+            <a:noFill/>
+            <a:prstDash val="solid"/>
+            <a:miter lim="800000"/>
+          </a:ln>
+          <a:effectLst/>
+        </p:spPr>
+        <p:txBody>
+          <a:bodyPr rtlCol="0" anchor="ctr"/>
+          <a:lstStyle/>
+          <a:p>
+            <a:pPr marL="0" marR="0" lvl="0" indent="0" algn="ctr" defTabSz="914400" eaLnBrk="1" fontAlgn="auto" latinLnBrk="0" hangingPunct="1">
+              <a:lnSpc>
+                <a:spcPct val="100000"/>
+              </a:lnSpc>
+              <a:spcBef>
+                <a:spcPts val="0"/>
+              </a:spcBef>
+              <a:spcAft>
+                <a:spcPts val="0"/>
+              </a:spcAft>
+              <a:buClrTx/>
+              <a:buSzTx/>
+              <a:buFontTx/>
+              <a:buNone/>
+              <a:tabLst/>
+              <a:defRPr/>
+            </a:pPr>
+            <a:endParaRPr kumimoji="0" lang="en-US" sz="1800" b="0" i="0" u="none" strike="noStrike" kern="0" cap="none" spc="0" normalizeH="0" baseline="0" noProof="0" dirty="0">
+              <a:ln>
+                <a:noFill/>
+              </a:ln>
+              <a:solidFill>
+                <a:prstClr val="white"/>
+              </a:solidFill>
+              <a:effectLst/>
+              <a:uLnTx/>
+              <a:uFillTx/>
+              <a:latin typeface="Calibre Light"/>
+              <a:ea typeface="+mn-ea"/>
+              <a:cs typeface="+mn-cs"/>
+            </a:endParaRPr>
+          </a:p>
+        </p:txBody>
+      </p:sp>
+      <p:sp>
+        <p:nvSpPr>
+          <p:cNvPr id="38" name="Textfeld 37">
+            <a:extLst>
+              <a:ext uri="{FF2B5EF4-FFF2-40B4-BE49-F238E27FC236}">
+                <a16:creationId xmlns:a16="http://schemas.microsoft.com/office/drawing/2014/main" id="{2D7E9FCD-EAAC-D8D4-ACF2-086134A2411C}"/>
+              </a:ext>
+            </a:extLst>
+          </p:cNvPr>
+          <p:cNvSpPr txBox="1"/>
+          <p:nvPr/>
+        </p:nvSpPr>
+        <p:spPr>
+          <a:xfrm>
+            <a:off x="3437801" y="3054950"/>
+            <a:ext cx="720504" cy="226591"/>
+          </a:xfrm>
+          <a:prstGeom prst="rect">
+            <a:avLst/>
+          </a:prstGeom>
+          <a:solidFill>
+            <a:srgbClr val="C00000">
+              <a:alpha val="80000"/>
+            </a:srgbClr>
+          </a:solidFill>
+        </p:spPr>
+        <p:txBody>
+          <a:bodyPr wrap="square" lIns="36000" tIns="36000" rIns="36000" bIns="36000" rtlCol="0" anchor="ctr">
+            <a:spAutoFit/>
+          </a:bodyPr>
+          <a:lstStyle/>
+          <a:p>
+            <a:pPr marL="0" marR="0" lvl="0" indent="0" algn="ctr" defTabSz="914400" eaLnBrk="1" fontAlgn="auto" latinLnBrk="0" hangingPunct="1">
+              <a:lnSpc>
+                <a:spcPct val="100000"/>
+              </a:lnSpc>
+              <a:spcBef>
+                <a:spcPts val="0"/>
+              </a:spcBef>
+              <a:spcAft>
+                <a:spcPts val="0"/>
+              </a:spcAft>
+              <a:buClrTx/>
+              <a:buSzTx/>
+              <a:buFontTx/>
+              <a:buNone/>
+              <a:tabLst/>
+              <a:defRPr/>
+            </a:pPr>
+            <a:r>
+              <a:rPr kumimoji="0" lang="de-DE" sz="1000" b="0" i="0" u="none" strike="noStrike" kern="0" cap="none" spc="0" normalizeH="0" baseline="0" noProof="0" dirty="0" err="1">
+                <a:ln>
+                  <a:noFill/>
+                </a:ln>
+                <a:solidFill>
+                  <a:schemeClr val="bg1">
+                    <a:lumMod val="85000"/>
+                  </a:schemeClr>
+                </a:solidFill>
+                <a:effectLst/>
+                <a:uLnTx/>
+                <a:uFillTx/>
+                <a:latin typeface="Roboto" panose="02000000000000000000" pitchFamily="2" charset="0"/>
+                <a:ea typeface="Roboto" panose="02000000000000000000" pitchFamily="2" charset="0"/>
+                <a:cs typeface="Roboto" panose="02000000000000000000" pitchFamily="2" charset="0"/>
+              </a:rPr>
+              <a:t>alpha</a:t>
+            </a:r>
+            <a:r>
+              <a:rPr kumimoji="0" lang="de-DE" sz="1000" b="0" i="0" u="none" strike="noStrike" kern="0" cap="none" spc="0" normalizeH="0" baseline="0" noProof="0" dirty="0">
+                <a:ln>
+                  <a:noFill/>
+                </a:ln>
+                <a:solidFill>
+                  <a:schemeClr val="bg1">
+                    <a:lumMod val="85000"/>
+                  </a:schemeClr>
+                </a:solidFill>
+                <a:effectLst/>
+                <a:uLnTx/>
+                <a:uFillTx/>
+                <a:latin typeface="Roboto" panose="02000000000000000000" pitchFamily="2" charset="0"/>
+                <a:ea typeface="Roboto" panose="02000000000000000000" pitchFamily="2" charset="0"/>
+                <a:cs typeface="Roboto" panose="02000000000000000000" pitchFamily="2" charset="0"/>
+              </a:rPr>
+              <a:t> </a:t>
+            </a:r>
+            <a:r>
+              <a:rPr kumimoji="0" lang="de-DE" sz="1000" b="0" i="0" u="none" strike="noStrike" kern="0" cap="none" spc="0" normalizeH="0" baseline="0" noProof="0" dirty="0" err="1">
+                <a:ln>
+                  <a:noFill/>
+                </a:ln>
+                <a:solidFill>
+                  <a:schemeClr val="bg1">
+                    <a:lumMod val="85000"/>
+                  </a:schemeClr>
+                </a:solidFill>
+                <a:effectLst/>
+                <a:uLnTx/>
+                <a:uFillTx/>
+                <a:latin typeface="Roboto" panose="02000000000000000000" pitchFamily="2" charset="0"/>
+                <a:ea typeface="Roboto" panose="02000000000000000000" pitchFamily="2" charset="0"/>
+                <a:cs typeface="Roboto" panose="02000000000000000000" pitchFamily="2" charset="0"/>
+              </a:rPr>
+              <a:t>max</a:t>
+            </a:r>
+            <a:endParaRPr kumimoji="0" lang="en-US" sz="1000" b="0" i="0" u="none" strike="noStrike" kern="0" cap="none" spc="0" normalizeH="0" baseline="0" noProof="0" dirty="0">
+              <a:ln>
+                <a:noFill/>
+              </a:ln>
+              <a:solidFill>
+                <a:schemeClr val="bg1">
+                  <a:lumMod val="85000"/>
+                </a:schemeClr>
+              </a:solidFill>
+              <a:effectLst/>
+              <a:uLnTx/>
+              <a:uFillTx/>
+              <a:latin typeface="Roboto" panose="02000000000000000000" pitchFamily="2" charset="0"/>
+              <a:ea typeface="Roboto" panose="02000000000000000000" pitchFamily="2" charset="0"/>
+              <a:cs typeface="Roboto" panose="02000000000000000000" pitchFamily="2" charset="0"/>
+            </a:endParaRPr>
+          </a:p>
+        </p:txBody>
+      </p:sp>
+    </p:spTree>
+    <p:extLst>
+      <p:ext uri="{BB962C8B-B14F-4D97-AF65-F5344CB8AC3E}">
+        <p14:creationId xmlns:p14="http://schemas.microsoft.com/office/powerpoint/2010/main" val="1976656674"/>
+      </p:ext>
+    </p:extLst>
+  </p:cSld>
+  <p:clrMapOvr>
+    <a:masterClrMapping/>
+  </p:clrMapOvr>
+</p:sld>
+</file>
+
+<file path=ppt/slides/slide24.xml><?xml version="1.0" encoding="utf-8"?>
+<p:sld xmlns:a="http://schemas.openxmlformats.org/drawingml/2006/main" xmlns:r="http://schemas.openxmlformats.org/officeDocument/2006/relationships" xmlns:p="http://schemas.openxmlformats.org/presentationml/2006/main">
+  <p:cSld>
+    <p:bg>
+      <p:bgPr>
+        <a:solidFill>
+          <a:schemeClr val="bg2">
+            <a:lumMod val="25000"/>
+          </a:schemeClr>
+        </a:solidFill>
+        <a:effectLst/>
+      </p:bgPr>
+    </p:bg>
+    <p:spTree>
+      <p:nvGrpSpPr>
+        <p:cNvPr id="1" name="">
+          <a:extLst>
+            <a:ext uri="{FF2B5EF4-FFF2-40B4-BE49-F238E27FC236}">
+              <a16:creationId xmlns:a16="http://schemas.microsoft.com/office/drawing/2014/main" id="{D46D8911-4BF4-B78C-7067-B2EABF7054BE}"/>
+            </a:ext>
+          </a:extLst>
+        </p:cNvPr>
+        <p:cNvGrpSpPr/>
+        <p:nvPr/>
+      </p:nvGrpSpPr>
+      <p:grpSpPr>
+        <a:xfrm>
+          <a:off x="0" y="0"/>
+          <a:ext cx="0" cy="0"/>
+          <a:chOff x="0" y="0"/>
+          <a:chExt cx="0" cy="0"/>
+        </a:xfrm>
+      </p:grpSpPr>
+      <p:pic>
+        <p:nvPicPr>
+          <p:cNvPr id="26" name="Grafik 25">
+            <a:extLst>
+              <a:ext uri="{FF2B5EF4-FFF2-40B4-BE49-F238E27FC236}">
+                <a16:creationId xmlns:a16="http://schemas.microsoft.com/office/drawing/2014/main" id="{B2BEACD0-FB71-9D5A-A242-A1B318A5EDC6}"/>
+              </a:ext>
+            </a:extLst>
+          </p:cNvPr>
+          <p:cNvPicPr>
+            <a:picLocks noChangeAspect="1"/>
+          </p:cNvPicPr>
+          <p:nvPr/>
+        </p:nvPicPr>
+        <p:blipFill>
+          <a:blip r:embed="rId2"/>
+          <a:stretch>
+            <a:fillRect/>
+          </a:stretch>
+        </p:blipFill>
+        <p:spPr>
+          <a:xfrm>
+            <a:off x="1055688" y="836613"/>
+            <a:ext cx="3527734" cy="2994408"/>
+          </a:xfrm>
+          <a:prstGeom prst="rect">
+            <a:avLst/>
+          </a:prstGeom>
+        </p:spPr>
+      </p:pic>
+      <p:cxnSp>
+        <p:nvCxnSpPr>
+          <p:cNvPr id="19" name="Gerader Verbinder 18">
+            <a:extLst>
+              <a:ext uri="{FF2B5EF4-FFF2-40B4-BE49-F238E27FC236}">
+                <a16:creationId xmlns:a16="http://schemas.microsoft.com/office/drawing/2014/main" id="{54A7168A-32AE-244D-982C-B5DD18AD94C5}"/>
+              </a:ext>
+            </a:extLst>
+          </p:cNvPr>
+          <p:cNvCxnSpPr>
+            <a:cxnSpLocks/>
+          </p:cNvCxnSpPr>
+          <p:nvPr/>
+        </p:nvCxnSpPr>
+        <p:spPr>
+          <a:xfrm>
+            <a:off x="2283618" y="942973"/>
+            <a:ext cx="0" cy="2745000"/>
+          </a:xfrm>
+          <a:prstGeom prst="line">
+            <a:avLst/>
+          </a:prstGeom>
+          <a:noFill/>
+          <a:ln w="6350" cap="flat" cmpd="sng" algn="ctr">
+            <a:solidFill>
+              <a:schemeClr val="bg1">
+                <a:lumMod val="65000"/>
+              </a:schemeClr>
+            </a:solidFill>
+            <a:prstDash val="solid"/>
+            <a:miter lim="800000"/>
+          </a:ln>
+          <a:effectLst/>
+        </p:spPr>
+      </p:cxnSp>
+      <p:cxnSp>
+        <p:nvCxnSpPr>
+          <p:cNvPr id="27" name="Gerader Verbinder 26">
+            <a:extLst>
+              <a:ext uri="{FF2B5EF4-FFF2-40B4-BE49-F238E27FC236}">
+                <a16:creationId xmlns:a16="http://schemas.microsoft.com/office/drawing/2014/main" id="{DF28484B-78FF-399C-69D6-84EC5A39DC5F}"/>
+              </a:ext>
+            </a:extLst>
+          </p:cNvPr>
+          <p:cNvCxnSpPr>
+            <a:cxnSpLocks/>
+          </p:cNvCxnSpPr>
+          <p:nvPr/>
+        </p:nvCxnSpPr>
+        <p:spPr>
+          <a:xfrm flipV="1">
+            <a:off x="2222268" y="1359479"/>
+            <a:ext cx="1608267" cy="1526929"/>
+          </a:xfrm>
+          <a:prstGeom prst="line">
+            <a:avLst/>
+          </a:prstGeom>
+          <a:noFill/>
+          <a:ln w="9525" cap="flat" cmpd="sng" algn="ctr">
+            <a:solidFill>
+              <a:srgbClr val="F14124"/>
+            </a:solidFill>
+            <a:prstDash val="solid"/>
+            <a:miter lim="800000"/>
+            <a:headEnd type="triangle"/>
+            <a:tailEnd type="none"/>
+          </a:ln>
+          <a:effectLst/>
+        </p:spPr>
+      </p:cxnSp>
+      <p:cxnSp>
+        <p:nvCxnSpPr>
+          <p:cNvPr id="17" name="Gerader Verbinder 16">
+            <a:extLst>
+              <a:ext uri="{FF2B5EF4-FFF2-40B4-BE49-F238E27FC236}">
+                <a16:creationId xmlns:a16="http://schemas.microsoft.com/office/drawing/2014/main" id="{A1A6DDD2-C55D-6829-0767-28720927915C}"/>
+              </a:ext>
+            </a:extLst>
+          </p:cNvPr>
+          <p:cNvCxnSpPr>
+            <a:cxnSpLocks/>
+          </p:cNvCxnSpPr>
+          <p:nvPr/>
+        </p:nvCxnSpPr>
+        <p:spPr>
+          <a:xfrm>
+            <a:off x="1207908" y="2951357"/>
+            <a:ext cx="3249792" cy="0"/>
+          </a:xfrm>
+          <a:prstGeom prst="line">
+            <a:avLst/>
+          </a:prstGeom>
+          <a:noFill/>
+          <a:ln w="6350" cap="flat" cmpd="sng" algn="ctr">
+            <a:solidFill>
+              <a:schemeClr val="bg1">
+                <a:lumMod val="65000"/>
+              </a:schemeClr>
+            </a:solidFill>
+            <a:prstDash val="solid"/>
+            <a:miter lim="800000"/>
+          </a:ln>
+          <a:effectLst/>
+        </p:spPr>
+      </p:cxnSp>
+      <p:sp>
+        <p:nvSpPr>
+          <p:cNvPr id="32" name="Ellipse 31">
+            <a:extLst>
+              <a:ext uri="{FF2B5EF4-FFF2-40B4-BE49-F238E27FC236}">
+                <a16:creationId xmlns:a16="http://schemas.microsoft.com/office/drawing/2014/main" id="{24F987CD-CB86-B96F-71EA-7B73A4F9F64C}"/>
+              </a:ext>
+            </a:extLst>
+          </p:cNvPr>
+          <p:cNvSpPr>
+            <a:spLocks noChangeAspect="1"/>
+          </p:cNvSpPr>
+          <p:nvPr/>
+        </p:nvSpPr>
+        <p:spPr>
+          <a:xfrm>
+            <a:off x="1949650" y="2914448"/>
+            <a:ext cx="92868" cy="92868"/>
+          </a:xfrm>
+          <a:prstGeom prst="ellipse">
+            <a:avLst/>
+          </a:prstGeom>
+          <a:solidFill>
+            <a:srgbClr val="00B050"/>
+          </a:solidFill>
+          <a:ln w="12700" cap="flat" cmpd="sng" algn="ctr">
+            <a:noFill/>
+            <a:prstDash val="solid"/>
+            <a:miter lim="800000"/>
+          </a:ln>
+          <a:effectLst/>
+        </p:spPr>
+        <p:txBody>
+          <a:bodyPr rtlCol="0" anchor="ctr"/>
+          <a:lstStyle/>
+          <a:p>
+            <a:pPr marL="0" marR="0" lvl="0" indent="0" algn="ctr" defTabSz="914400" eaLnBrk="1" fontAlgn="auto" latinLnBrk="0" hangingPunct="1">
+              <a:lnSpc>
+                <a:spcPct val="100000"/>
+              </a:lnSpc>
+              <a:spcBef>
+                <a:spcPts val="0"/>
+              </a:spcBef>
+              <a:spcAft>
+                <a:spcPts val="0"/>
+              </a:spcAft>
+              <a:buClrTx/>
+              <a:buSzTx/>
+              <a:buFontTx/>
+              <a:buNone/>
+              <a:tabLst/>
+              <a:defRPr/>
+            </a:pPr>
+            <a:endParaRPr kumimoji="0" lang="en-US" sz="1800" b="0" i="0" u="none" strike="noStrike" kern="0" cap="none" spc="0" normalizeH="0" baseline="0" noProof="0" dirty="0">
+              <a:ln>
+                <a:noFill/>
+              </a:ln>
+              <a:solidFill>
+                <a:prstClr val="white"/>
+              </a:solidFill>
+              <a:effectLst/>
+              <a:uLnTx/>
+              <a:uFillTx/>
+              <a:latin typeface="Calibre Light"/>
+              <a:ea typeface="+mn-ea"/>
+              <a:cs typeface="+mn-cs"/>
+            </a:endParaRPr>
+          </a:p>
+        </p:txBody>
+      </p:sp>
+      <p:sp>
+        <p:nvSpPr>
+          <p:cNvPr id="34" name="Textfeld 33">
+            <a:extLst>
+              <a:ext uri="{FF2B5EF4-FFF2-40B4-BE49-F238E27FC236}">
+                <a16:creationId xmlns:a16="http://schemas.microsoft.com/office/drawing/2014/main" id="{972E6629-F38A-AEF7-123B-98E0D4639106}"/>
+              </a:ext>
+            </a:extLst>
+          </p:cNvPr>
+          <p:cNvSpPr txBox="1"/>
+          <p:nvPr/>
+        </p:nvSpPr>
+        <p:spPr>
+          <a:xfrm>
+            <a:off x="1423194" y="1021722"/>
+            <a:ext cx="2021669" cy="430887"/>
+          </a:xfrm>
+          <a:prstGeom prst="rect">
+            <a:avLst/>
+          </a:prstGeom>
+          <a:solidFill>
+            <a:schemeClr val="tx1">
+              <a:lumMod val="95000"/>
+              <a:lumOff val="5000"/>
+              <a:alpha val="82000"/>
+            </a:schemeClr>
+          </a:solidFill>
+        </p:spPr>
+        <p:txBody>
+          <a:bodyPr wrap="square">
+            <a:spAutoFit/>
+          </a:bodyPr>
+          <a:lstStyle/>
+          <a:p>
+            <a:r>
+              <a:rPr lang="en-US" sz="1100" dirty="0">
+                <a:solidFill>
+                  <a:prstClr val="white">
+                    <a:lumMod val="95000"/>
+                  </a:prstClr>
+                </a:solidFill>
+                <a:latin typeface="Roboto" panose="02000000000000000000" pitchFamily="2" charset="0"/>
+                <a:ea typeface="Roboto" panose="02000000000000000000" pitchFamily="2" charset="0"/>
+                <a:cs typeface="Roboto" panose="02000000000000000000" pitchFamily="2" charset="0"/>
+              </a:rPr>
+              <a:t>Non-Linear Determination of</a:t>
+            </a:r>
+          </a:p>
+          <a:p>
+            <a:r>
+              <a:rPr lang="en-US" sz="1100" dirty="0">
+                <a:solidFill>
+                  <a:prstClr val="white">
+                    <a:lumMod val="95000"/>
+                  </a:prstClr>
+                </a:solidFill>
+                <a:latin typeface="Roboto" panose="02000000000000000000" pitchFamily="2" charset="0"/>
+                <a:ea typeface="Roboto" panose="02000000000000000000" pitchFamily="2" charset="0"/>
+                <a:cs typeface="Roboto" panose="02000000000000000000" pitchFamily="2" charset="0"/>
+              </a:rPr>
+              <a:t>alpha0</a:t>
+            </a:r>
+          </a:p>
+        </p:txBody>
+      </p:sp>
+      <p:sp>
+        <p:nvSpPr>
+          <p:cNvPr id="25" name="Textfeld 24">
+            <a:extLst>
+              <a:ext uri="{FF2B5EF4-FFF2-40B4-BE49-F238E27FC236}">
+                <a16:creationId xmlns:a16="http://schemas.microsoft.com/office/drawing/2014/main" id="{45FD4451-DDF1-A761-4017-33B623AF3EED}"/>
+              </a:ext>
+            </a:extLst>
+          </p:cNvPr>
+          <p:cNvSpPr txBox="1"/>
+          <p:nvPr/>
+        </p:nvSpPr>
+        <p:spPr>
+          <a:xfrm>
+            <a:off x="3157886" y="2696007"/>
+            <a:ext cx="616690" cy="241980"/>
+          </a:xfrm>
+          <a:prstGeom prst="rect">
+            <a:avLst/>
+          </a:prstGeom>
+          <a:solidFill>
+            <a:sysClr val="windowText" lastClr="000000">
+              <a:lumMod val="85000"/>
+              <a:lumOff val="15000"/>
+              <a:alpha val="78000"/>
+            </a:sysClr>
+          </a:solidFill>
+        </p:spPr>
+        <p:txBody>
+          <a:bodyPr wrap="square" lIns="36000" tIns="36000" rIns="36000" bIns="36000" rtlCol="0">
+            <a:spAutoFit/>
+          </a:bodyPr>
+          <a:lstStyle/>
+          <a:p>
+            <a:pPr marL="0" marR="0" lvl="0" indent="0" defTabSz="914400" eaLnBrk="1" fontAlgn="auto" latinLnBrk="0" hangingPunct="1">
+              <a:lnSpc>
+                <a:spcPct val="100000"/>
+              </a:lnSpc>
+              <a:spcBef>
+                <a:spcPts val="0"/>
+              </a:spcBef>
+              <a:spcAft>
+                <a:spcPts val="0"/>
+              </a:spcAft>
+              <a:buClrTx/>
+              <a:buSzTx/>
+              <a:buFontTx/>
+              <a:buNone/>
+              <a:tabLst/>
+              <a:defRPr/>
+            </a:pPr>
+            <a:r>
+              <a:rPr kumimoji="0" lang="de-DE" sz="1000" b="0" i="0" u="none" strike="noStrike" kern="0" cap="none" spc="0" normalizeH="0" noProof="0" dirty="0">
+                <a:ln>
+                  <a:noFill/>
+                </a:ln>
+                <a:solidFill>
+                  <a:srgbClr val="C00000"/>
+                </a:solidFill>
+                <a:effectLst/>
+                <a:uLnTx/>
+                <a:uFillTx/>
+                <a:latin typeface="Roboto" panose="02000000000000000000" pitchFamily="2" charset="0"/>
+                <a:ea typeface="Roboto" panose="02000000000000000000" pitchFamily="2" charset="0"/>
+                <a:cs typeface="Roboto" panose="02000000000000000000" pitchFamily="2" charset="0"/>
+              </a:rPr>
+              <a:t>airfoil </a:t>
+            </a:r>
+            <a:r>
+              <a:rPr kumimoji="0" lang="de-DE" sz="1100" b="0" i="0" u="none" strike="noStrike" kern="0" cap="none" spc="0" normalizeH="0" noProof="0" dirty="0" err="1">
+                <a:ln>
+                  <a:noFill/>
+                </a:ln>
+                <a:solidFill>
+                  <a:srgbClr val="C00000"/>
+                </a:solidFill>
+                <a:effectLst/>
+                <a:uLnTx/>
+                <a:uFillTx/>
+                <a:latin typeface="Roboto" panose="02000000000000000000" pitchFamily="2" charset="0"/>
+                <a:ea typeface="Roboto" panose="02000000000000000000" pitchFamily="2" charset="0"/>
+                <a:cs typeface="Roboto" panose="02000000000000000000" pitchFamily="2" charset="0"/>
+              </a:rPr>
+              <a:t>eff</a:t>
+            </a:r>
+            <a:endParaRPr kumimoji="0" lang="en-US" sz="1000" b="0" i="0" u="none" strike="noStrike" kern="0" cap="none" spc="0" normalizeH="0" noProof="0" dirty="0">
+              <a:ln>
+                <a:noFill/>
+              </a:ln>
+              <a:solidFill>
+                <a:srgbClr val="C00000"/>
+              </a:solidFill>
+              <a:effectLst/>
+              <a:uLnTx/>
+              <a:uFillTx/>
+              <a:latin typeface="Roboto" panose="02000000000000000000" pitchFamily="2" charset="0"/>
+              <a:ea typeface="Roboto" panose="02000000000000000000" pitchFamily="2" charset="0"/>
+              <a:cs typeface="Roboto" panose="02000000000000000000" pitchFamily="2" charset="0"/>
+            </a:endParaRPr>
+          </a:p>
+        </p:txBody>
+      </p:sp>
+      <p:cxnSp>
+        <p:nvCxnSpPr>
+          <p:cNvPr id="29" name="Gerade Verbindung mit Pfeil 28">
+            <a:extLst>
+              <a:ext uri="{FF2B5EF4-FFF2-40B4-BE49-F238E27FC236}">
+                <a16:creationId xmlns:a16="http://schemas.microsoft.com/office/drawing/2014/main" id="{765E4581-C033-745D-982A-951B4CA2297F}"/>
+              </a:ext>
+            </a:extLst>
+          </p:cNvPr>
+          <p:cNvCxnSpPr>
+            <a:cxnSpLocks/>
+          </p:cNvCxnSpPr>
+          <p:nvPr/>
+        </p:nvCxnSpPr>
+        <p:spPr>
+          <a:xfrm>
+            <a:off x="3833973" y="1396882"/>
+            <a:ext cx="0" cy="1460988"/>
+          </a:xfrm>
+          <a:prstGeom prst="straightConnector1">
+            <a:avLst/>
+          </a:prstGeom>
+          <a:noFill/>
+          <a:ln w="6350" cap="flat" cmpd="sng" algn="ctr">
+            <a:solidFill>
+              <a:srgbClr val="F14124"/>
+            </a:solidFill>
+            <a:prstDash val="sysDash"/>
+            <a:miter lim="800000"/>
+            <a:headEnd type="triangle"/>
+            <a:tailEnd type="none"/>
+          </a:ln>
+          <a:effectLst/>
+        </p:spPr>
+      </p:cxnSp>
+      <p:sp>
+        <p:nvSpPr>
+          <p:cNvPr id="36" name="Ellipse 35">
+            <a:extLst>
+              <a:ext uri="{FF2B5EF4-FFF2-40B4-BE49-F238E27FC236}">
+                <a16:creationId xmlns:a16="http://schemas.microsoft.com/office/drawing/2014/main" id="{F118BB35-A15F-601D-8982-FB90060416BF}"/>
+              </a:ext>
+            </a:extLst>
+          </p:cNvPr>
+          <p:cNvSpPr>
+            <a:spLocks noChangeAspect="1"/>
+          </p:cNvSpPr>
+          <p:nvPr/>
+        </p:nvSpPr>
+        <p:spPr>
+          <a:xfrm>
+            <a:off x="3787539" y="2909648"/>
+            <a:ext cx="92868" cy="92868"/>
+          </a:xfrm>
+          <a:prstGeom prst="ellipse">
+            <a:avLst/>
+          </a:prstGeom>
+          <a:solidFill>
+            <a:srgbClr val="F14124"/>
+          </a:solidFill>
+          <a:ln w="12700" cap="flat" cmpd="sng" algn="ctr">
+            <a:noFill/>
+            <a:prstDash val="solid"/>
+            <a:miter lim="800000"/>
+          </a:ln>
+          <a:effectLst/>
+        </p:spPr>
+        <p:txBody>
+          <a:bodyPr rtlCol="0" anchor="ctr"/>
+          <a:lstStyle/>
+          <a:p>
+            <a:pPr marL="0" marR="0" lvl="0" indent="0" algn="ctr" defTabSz="914400" eaLnBrk="1" fontAlgn="auto" latinLnBrk="0" hangingPunct="1">
+              <a:lnSpc>
+                <a:spcPct val="100000"/>
+              </a:lnSpc>
+              <a:spcBef>
+                <a:spcPts val="0"/>
+              </a:spcBef>
+              <a:spcAft>
+                <a:spcPts val="0"/>
+              </a:spcAft>
+              <a:buClrTx/>
+              <a:buSzTx/>
+              <a:buFontTx/>
+              <a:buNone/>
+              <a:tabLst/>
+              <a:defRPr/>
+            </a:pPr>
+            <a:endParaRPr kumimoji="0" lang="en-US" sz="1800" b="0" i="0" u="none" strike="noStrike" kern="0" cap="none" spc="0" normalizeH="0" baseline="0" noProof="0" dirty="0">
+              <a:ln>
+                <a:noFill/>
+              </a:ln>
+              <a:solidFill>
+                <a:prstClr val="white"/>
+              </a:solidFill>
+              <a:effectLst/>
+              <a:uLnTx/>
+              <a:uFillTx/>
+              <a:latin typeface="Calibre Light"/>
+              <a:ea typeface="+mn-ea"/>
+              <a:cs typeface="+mn-cs"/>
+            </a:endParaRPr>
+          </a:p>
+        </p:txBody>
+      </p:sp>
+      <p:sp>
+        <p:nvSpPr>
+          <p:cNvPr id="46" name="Ellipse 45">
+            <a:extLst>
+              <a:ext uri="{FF2B5EF4-FFF2-40B4-BE49-F238E27FC236}">
+                <a16:creationId xmlns:a16="http://schemas.microsoft.com/office/drawing/2014/main" id="{7E0ADA3C-A2FB-92CD-C802-831AE6D981B2}"/>
+              </a:ext>
+            </a:extLst>
+          </p:cNvPr>
+          <p:cNvSpPr>
+            <a:spLocks noChangeAspect="1"/>
+          </p:cNvSpPr>
+          <p:nvPr/>
+        </p:nvSpPr>
+        <p:spPr>
+          <a:xfrm>
+            <a:off x="3787539" y="1304014"/>
+            <a:ext cx="92868" cy="92868"/>
+          </a:xfrm>
+          <a:prstGeom prst="ellipse">
+            <a:avLst/>
+          </a:prstGeom>
+          <a:solidFill>
+            <a:srgbClr val="00B050"/>
+          </a:solidFill>
+          <a:ln w="12700" cap="flat" cmpd="sng" algn="ctr">
+            <a:noFill/>
+            <a:prstDash val="solid"/>
+            <a:miter lim="800000"/>
+          </a:ln>
+          <a:effectLst/>
+        </p:spPr>
+        <p:txBody>
+          <a:bodyPr rtlCol="0" anchor="ctr"/>
+          <a:lstStyle/>
+          <a:p>
+            <a:pPr marL="0" marR="0" lvl="0" indent="0" algn="ctr" defTabSz="914400" eaLnBrk="1" fontAlgn="auto" latinLnBrk="0" hangingPunct="1">
+              <a:lnSpc>
+                <a:spcPct val="100000"/>
+              </a:lnSpc>
+              <a:spcBef>
+                <a:spcPts val="0"/>
+              </a:spcBef>
+              <a:spcAft>
+                <a:spcPts val="0"/>
+              </a:spcAft>
+              <a:buClrTx/>
+              <a:buSzTx/>
+              <a:buFontTx/>
+              <a:buNone/>
+              <a:tabLst/>
+              <a:defRPr/>
+            </a:pPr>
+            <a:endParaRPr kumimoji="0" lang="en-US" sz="1800" b="0" i="0" u="none" strike="noStrike" kern="0" cap="none" spc="0" normalizeH="0" baseline="0" noProof="0" dirty="0">
+              <a:ln>
+                <a:noFill/>
+              </a:ln>
+              <a:solidFill>
+                <a:prstClr val="white"/>
+              </a:solidFill>
+              <a:effectLst/>
+              <a:uLnTx/>
+              <a:uFillTx/>
+              <a:latin typeface="Calibre Light"/>
+              <a:ea typeface="+mn-ea"/>
+              <a:cs typeface="+mn-cs"/>
+            </a:endParaRPr>
+          </a:p>
+        </p:txBody>
+      </p:sp>
+      <p:sp>
+        <p:nvSpPr>
+          <p:cNvPr id="50" name="Ellipse 49">
+            <a:extLst>
+              <a:ext uri="{FF2B5EF4-FFF2-40B4-BE49-F238E27FC236}">
+                <a16:creationId xmlns:a16="http://schemas.microsoft.com/office/drawing/2014/main" id="{99DA17F3-D553-2DCE-3640-8E3B0DA31A68}"/>
+              </a:ext>
+            </a:extLst>
+          </p:cNvPr>
+          <p:cNvSpPr>
+            <a:spLocks noChangeAspect="1"/>
+          </p:cNvSpPr>
+          <p:nvPr/>
+        </p:nvSpPr>
+        <p:spPr>
+          <a:xfrm>
+            <a:off x="2100451" y="2895171"/>
+            <a:ext cx="92868" cy="92868"/>
+          </a:xfrm>
+          <a:prstGeom prst="ellipse">
+            <a:avLst/>
+          </a:prstGeom>
+          <a:solidFill>
+            <a:srgbClr val="F14124"/>
+          </a:solidFill>
+          <a:ln w="12700" cap="flat" cmpd="sng" algn="ctr">
+            <a:noFill/>
+            <a:prstDash val="solid"/>
+            <a:miter lim="800000"/>
+          </a:ln>
+          <a:effectLst/>
+        </p:spPr>
+        <p:txBody>
+          <a:bodyPr rtlCol="0" anchor="ctr"/>
+          <a:lstStyle/>
+          <a:p>
+            <a:pPr marL="0" marR="0" lvl="0" indent="0" algn="ctr" defTabSz="914400" eaLnBrk="1" fontAlgn="auto" latinLnBrk="0" hangingPunct="1">
+              <a:lnSpc>
+                <a:spcPct val="100000"/>
+              </a:lnSpc>
+              <a:spcBef>
+                <a:spcPts val="0"/>
+              </a:spcBef>
+              <a:spcAft>
+                <a:spcPts val="0"/>
+              </a:spcAft>
+              <a:buClrTx/>
+              <a:buSzTx/>
+              <a:buFontTx/>
+              <a:buNone/>
+              <a:tabLst/>
+              <a:defRPr/>
+            </a:pPr>
+            <a:endParaRPr kumimoji="0" lang="en-US" sz="1800" b="0" i="0" u="none" strike="noStrike" kern="0" cap="none" spc="0" normalizeH="0" baseline="0" noProof="0" dirty="0">
+              <a:ln>
+                <a:noFill/>
+              </a:ln>
+              <a:solidFill>
+                <a:prstClr val="white"/>
+              </a:solidFill>
+              <a:effectLst/>
+              <a:uLnTx/>
+              <a:uFillTx/>
+              <a:latin typeface="Calibre Light"/>
+              <a:ea typeface="+mn-ea"/>
+              <a:cs typeface="+mn-cs"/>
+            </a:endParaRPr>
+          </a:p>
+        </p:txBody>
+      </p:sp>
+      <p:sp>
+        <p:nvSpPr>
+          <p:cNvPr id="52" name="Textfeld 51">
+            <a:extLst>
+              <a:ext uri="{FF2B5EF4-FFF2-40B4-BE49-F238E27FC236}">
+                <a16:creationId xmlns:a16="http://schemas.microsoft.com/office/drawing/2014/main" id="{DAF8644E-212F-7CBF-28E8-562D446FEBD0}"/>
+              </a:ext>
+            </a:extLst>
+          </p:cNvPr>
+          <p:cNvSpPr txBox="1"/>
+          <p:nvPr/>
+        </p:nvSpPr>
+        <p:spPr>
+          <a:xfrm>
+            <a:off x="1397707" y="3107081"/>
+            <a:ext cx="1331298" cy="261610"/>
+          </a:xfrm>
+          <a:prstGeom prst="rect">
+            <a:avLst/>
+          </a:prstGeom>
+          <a:solidFill>
+            <a:schemeClr val="tx2">
+              <a:lumMod val="75000"/>
+              <a:lumOff val="25000"/>
+            </a:schemeClr>
+          </a:solidFill>
+        </p:spPr>
+        <p:txBody>
+          <a:bodyPr wrap="square" lIns="36000" rIns="36000" rtlCol="0">
+            <a:spAutoFit/>
+          </a:bodyPr>
+          <a:lstStyle>
+            <a:defPPr>
+              <a:defRPr lang="en-US"/>
+            </a:defPPr>
+            <a:lvl1pPr>
+              <a:defRPr sz="1100" i="1">
+                <a:solidFill>
+                  <a:prstClr val="white">
+                    <a:lumMod val="95000"/>
+                  </a:prstClr>
+                </a:solidFill>
+                <a:latin typeface="Roboto" panose="02000000000000000000" pitchFamily="2" charset="0"/>
+                <a:ea typeface="Roboto" panose="02000000000000000000" pitchFamily="2" charset="0"/>
+                <a:cs typeface="Roboto" panose="02000000000000000000" pitchFamily="2" charset="0"/>
+              </a:defRPr>
+            </a:lvl1pPr>
+          </a:lstStyle>
+          <a:p>
+            <a:r>
+              <a:rPr lang="de-DE" dirty="0"/>
+              <a:t>New alpha0 </a:t>
+            </a:r>
+            <a:r>
+              <a:rPr lang="de-DE" err="1"/>
+              <a:t>of</a:t>
+            </a:r>
+            <a:r>
+              <a:rPr lang="de-DE"/>
+              <a:t> VLM</a:t>
+            </a:r>
+            <a:endParaRPr lang="en-US" dirty="0"/>
+          </a:p>
+        </p:txBody>
+      </p:sp>
+      <p:sp>
+        <p:nvSpPr>
+          <p:cNvPr id="53" name="Textfeld 52">
+            <a:extLst>
+              <a:ext uri="{FF2B5EF4-FFF2-40B4-BE49-F238E27FC236}">
+                <a16:creationId xmlns:a16="http://schemas.microsoft.com/office/drawing/2014/main" id="{CCD7F57C-7BEE-D430-61AD-510DDD436423}"/>
+              </a:ext>
+            </a:extLst>
+          </p:cNvPr>
+          <p:cNvSpPr txBox="1"/>
+          <p:nvPr/>
+        </p:nvSpPr>
+        <p:spPr>
+          <a:xfrm>
+            <a:off x="3648251" y="3096583"/>
+            <a:ext cx="392900" cy="261610"/>
+          </a:xfrm>
+          <a:prstGeom prst="rect">
+            <a:avLst/>
+          </a:prstGeom>
+          <a:solidFill>
+            <a:schemeClr val="tx2">
+              <a:lumMod val="75000"/>
+              <a:lumOff val="25000"/>
+            </a:schemeClr>
+          </a:solidFill>
+        </p:spPr>
+        <p:txBody>
+          <a:bodyPr wrap="square" lIns="36000" rIns="36000" rtlCol="0">
+            <a:spAutoFit/>
+          </a:bodyPr>
+          <a:lstStyle>
+            <a:defPPr>
+              <a:defRPr lang="de-DE"/>
+            </a:defPPr>
+            <a:lvl1pPr algn="ctr">
+              <a:defRPr sz="1100" i="1">
+                <a:solidFill>
+                  <a:schemeClr val="bg1">
+                    <a:lumMod val="95000"/>
+                  </a:schemeClr>
+                </a:solidFill>
+              </a:defRPr>
+            </a:lvl1pPr>
+          </a:lstStyle>
+          <a:p>
+            <a:pPr algn="l"/>
+            <a:r>
+              <a:rPr lang="de-DE" dirty="0">
+                <a:solidFill>
+                  <a:prstClr val="white">
+                    <a:lumMod val="95000"/>
+                  </a:prstClr>
+                </a:solidFill>
+                <a:latin typeface="Roboto" panose="02000000000000000000" pitchFamily="2" charset="0"/>
+                <a:ea typeface="Roboto" panose="02000000000000000000" pitchFamily="2" charset="0"/>
+                <a:cs typeface="Roboto" panose="02000000000000000000" pitchFamily="2" charset="0"/>
+              </a:rPr>
+              <a:t>Start</a:t>
+            </a:r>
+            <a:endParaRPr lang="en-US" dirty="0">
+              <a:solidFill>
+                <a:prstClr val="white">
+                  <a:lumMod val="95000"/>
+                </a:prstClr>
+              </a:solidFill>
+              <a:latin typeface="Roboto" panose="02000000000000000000" pitchFamily="2" charset="0"/>
+              <a:ea typeface="Roboto" panose="02000000000000000000" pitchFamily="2" charset="0"/>
+              <a:cs typeface="Roboto" panose="02000000000000000000" pitchFamily="2" charset="0"/>
+            </a:endParaRPr>
+          </a:p>
+        </p:txBody>
+      </p:sp>
+      <p:sp>
+        <p:nvSpPr>
+          <p:cNvPr id="55" name="Pfeil: nach links 54">
+            <a:extLst>
+              <a:ext uri="{FF2B5EF4-FFF2-40B4-BE49-F238E27FC236}">
+                <a16:creationId xmlns:a16="http://schemas.microsoft.com/office/drawing/2014/main" id="{8DC71A90-8A92-E403-3529-77266D1BB722}"/>
+              </a:ext>
+            </a:extLst>
+          </p:cNvPr>
+          <p:cNvSpPr/>
+          <p:nvPr/>
+        </p:nvSpPr>
+        <p:spPr>
+          <a:xfrm>
+            <a:off x="3023980" y="3107081"/>
+            <a:ext cx="392899" cy="229516"/>
+          </a:xfrm>
+          <a:prstGeom prst="leftArrow">
+            <a:avLst/>
+          </a:prstGeom>
+          <a:solidFill>
+            <a:schemeClr val="tx1">
+              <a:lumMod val="65000"/>
+              <a:lumOff val="35000"/>
+            </a:schemeClr>
+          </a:solidFill>
+          <a:ln>
+            <a:noFill/>
+          </a:ln>
+        </p:spPr>
+        <p:style>
+          <a:lnRef idx="2">
+            <a:schemeClr val="accent1">
+              <a:shade val="15000"/>
+            </a:schemeClr>
+          </a:lnRef>
+          <a:fillRef idx="1">
+            <a:schemeClr val="accent1"/>
+          </a:fillRef>
+          <a:effectRef idx="0">
+            <a:schemeClr val="accent1"/>
+          </a:effectRef>
+          <a:fontRef idx="minor">
+            <a:schemeClr val="lt1"/>
+          </a:fontRef>
+        </p:style>
+        <p:txBody>
+          <a:bodyPr rtlCol="0" anchor="ctr"/>
+          <a:lstStyle/>
+          <a:p>
+            <a:pPr algn="ctr"/>
+            <a:endParaRPr lang="en-US"/>
+          </a:p>
+        </p:txBody>
+      </p:sp>
+    </p:spTree>
+    <p:extLst>
+      <p:ext uri="{BB962C8B-B14F-4D97-AF65-F5344CB8AC3E}">
+        <p14:creationId xmlns:p14="http://schemas.microsoft.com/office/powerpoint/2010/main" val="380478928"/>
+      </p:ext>
+    </p:extLst>
+  </p:cSld>
+  <p:clrMapOvr>
+    <a:masterClrMapping/>
+  </p:clrMapOvr>
+</p:sld>
+</file>
+
+<file path=ppt/slides/slide25.xml><?xml version="1.0" encoding="utf-8"?>
+<p:sld xmlns:a="http://schemas.openxmlformats.org/drawingml/2006/main" xmlns:r="http://schemas.openxmlformats.org/officeDocument/2006/relationships" xmlns:p="http://schemas.openxmlformats.org/presentationml/2006/main">
+  <p:cSld>
     <p:spTree>
       <p:nvGrpSpPr>
         <p:cNvPr id="1" name=""/>

--- a/images/image_design.pptx
+++ b/images/image_design.pptx
@@ -26,10 +26,13 @@
     <p:sldId id="285" r:id="rId20"/>
     <p:sldId id="284" r:id="rId21"/>
     <p:sldId id="287" r:id="rId22"/>
-    <p:sldId id="288" r:id="rId23"/>
-    <p:sldId id="289" r:id="rId24"/>
-    <p:sldId id="290" r:id="rId25"/>
-    <p:sldId id="264" r:id="rId26"/>
+    <p:sldId id="293" r:id="rId23"/>
+    <p:sldId id="288" r:id="rId24"/>
+    <p:sldId id="289" r:id="rId25"/>
+    <p:sldId id="290" r:id="rId26"/>
+    <p:sldId id="291" r:id="rId27"/>
+    <p:sldId id="292" r:id="rId28"/>
+    <p:sldId id="264" r:id="rId29"/>
   </p:sldIdLst>
   <p:sldSz cx="12192000" cy="6858000"/>
   <p:notesSz cx="6858000" cy="9144000"/>
@@ -10779,6 +10782,82 @@
         <p:cNvPr id="1" name="">
           <a:extLst>
             <a:ext uri="{FF2B5EF4-FFF2-40B4-BE49-F238E27FC236}">
+              <a16:creationId xmlns:a16="http://schemas.microsoft.com/office/drawing/2014/main" id="{A443DE12-3702-388D-0970-16B81F71FE3C}"/>
+            </a:ext>
+          </a:extLst>
+        </p:cNvPr>
+        <p:cNvGrpSpPr/>
+        <p:nvPr/>
+      </p:nvGrpSpPr>
+      <p:grpSpPr>
+        <a:xfrm>
+          <a:off x="0" y="0"/>
+          <a:ext cx="0" cy="0"/>
+          <a:chOff x="0" y="0"/>
+          <a:chExt cx="0" cy="0"/>
+        </a:xfrm>
+      </p:grpSpPr>
+      <p:pic>
+        <p:nvPicPr>
+          <p:cNvPr id="3" name="Grafik 2">
+            <a:extLst>
+              <a:ext uri="{FF2B5EF4-FFF2-40B4-BE49-F238E27FC236}">
+                <a16:creationId xmlns:a16="http://schemas.microsoft.com/office/drawing/2014/main" id="{5AF11839-16AF-DFF1-0797-B71070DFC1B8}"/>
+              </a:ext>
+            </a:extLst>
+          </p:cNvPr>
+          <p:cNvPicPr>
+            <a:picLocks noChangeAspect="1"/>
+          </p:cNvPicPr>
+          <p:nvPr/>
+        </p:nvPicPr>
+        <p:blipFill>
+          <a:blip r:embed="rId2"/>
+          <a:stretch>
+            <a:fillRect/>
+          </a:stretch>
+        </p:blipFill>
+        <p:spPr>
+          <a:xfrm>
+            <a:off x="1055689" y="836614"/>
+            <a:ext cx="1608684" cy="157800"/>
+          </a:xfrm>
+          <a:prstGeom prst="rect">
+            <a:avLst/>
+          </a:prstGeom>
+        </p:spPr>
+      </p:pic>
+    </p:spTree>
+    <p:extLst>
+      <p:ext uri="{BB962C8B-B14F-4D97-AF65-F5344CB8AC3E}">
+        <p14:creationId xmlns:p14="http://schemas.microsoft.com/office/powerpoint/2010/main" val="1332511345"/>
+      </p:ext>
+    </p:extLst>
+  </p:cSld>
+  <p:clrMapOvr>
+    <a:masterClrMapping/>
+  </p:clrMapOvr>
+</p:sld>
+</file>
+
+<file path=ppt/slides/slide23.xml><?xml version="1.0" encoding="utf-8"?>
+<p:sld xmlns:a="http://schemas.openxmlformats.org/drawingml/2006/main" xmlns:r="http://schemas.openxmlformats.org/officeDocument/2006/relationships" xmlns:p="http://schemas.openxmlformats.org/presentationml/2006/main">
+  <p:cSld>
+    <p:bg>
+      <p:bgPr>
+        <a:solidFill>
+          <a:schemeClr val="bg2">
+            <a:lumMod val="25000"/>
+          </a:schemeClr>
+        </a:solidFill>
+        <a:effectLst/>
+      </p:bgPr>
+    </p:bg>
+    <p:spTree>
+      <p:nvGrpSpPr>
+        <p:cNvPr id="1" name="">
+          <a:extLst>
+            <a:ext uri="{FF2B5EF4-FFF2-40B4-BE49-F238E27FC236}">
               <a16:creationId xmlns:a16="http://schemas.microsoft.com/office/drawing/2014/main" id="{5FF33279-97FA-EDE2-78E2-A49BFB3FC1FE}"/>
             </a:ext>
           </a:extLst>
@@ -10917,7 +10996,7 @@
 </p:sld>
 </file>
 
-<file path=ppt/slides/slide23.xml><?xml version="1.0" encoding="utf-8"?>
+<file path=ppt/slides/slide24.xml><?xml version="1.0" encoding="utf-8"?>
 <p:sld xmlns:a="http://schemas.openxmlformats.org/drawingml/2006/main" xmlns:r="http://schemas.openxmlformats.org/officeDocument/2006/relationships" xmlns:p="http://schemas.openxmlformats.org/presentationml/2006/main">
   <p:cSld>
     <p:bg>
@@ -11667,7 +11746,7 @@
 </p:sld>
 </file>
 
-<file path=ppt/slides/slide24.xml><?xml version="1.0" encoding="utf-8"?>
+<file path=ppt/slides/slide25.xml><?xml version="1.0" encoding="utf-8"?>
 <p:sld xmlns:a="http://schemas.openxmlformats.org/drawingml/2006/main" xmlns:r="http://schemas.openxmlformats.org/officeDocument/2006/relationships" xmlns:p="http://schemas.openxmlformats.org/presentationml/2006/main">
   <p:cSld>
     <p:bg>
@@ -12523,7 +12602,338 @@
 </p:sld>
 </file>
 
-<file path=ppt/slides/slide25.xml><?xml version="1.0" encoding="utf-8"?>
+<file path=ppt/slides/slide26.xml><?xml version="1.0" encoding="utf-8"?>
+<p:sld xmlns:a="http://schemas.openxmlformats.org/drawingml/2006/main" xmlns:r="http://schemas.openxmlformats.org/officeDocument/2006/relationships" xmlns:p="http://schemas.openxmlformats.org/presentationml/2006/main">
+  <p:cSld>
+    <p:bg>
+      <p:bgPr>
+        <a:solidFill>
+          <a:schemeClr val="bg2">
+            <a:lumMod val="25000"/>
+          </a:schemeClr>
+        </a:solidFill>
+        <a:effectLst/>
+      </p:bgPr>
+    </p:bg>
+    <p:spTree>
+      <p:nvGrpSpPr>
+        <p:cNvPr id="1" name="">
+          <a:extLst>
+            <a:ext uri="{FF2B5EF4-FFF2-40B4-BE49-F238E27FC236}">
+              <a16:creationId xmlns:a16="http://schemas.microsoft.com/office/drawing/2014/main" id="{894E7EE9-EE28-3A0D-35B0-25AF9DD95093}"/>
+            </a:ext>
+          </a:extLst>
+        </p:cNvPr>
+        <p:cNvGrpSpPr/>
+        <p:nvPr/>
+      </p:nvGrpSpPr>
+      <p:grpSpPr>
+        <a:xfrm>
+          <a:off x="0" y="0"/>
+          <a:ext cx="0" cy="0"/>
+          <a:chOff x="0" y="0"/>
+          <a:chExt cx="0" cy="0"/>
+        </a:xfrm>
+      </p:grpSpPr>
+      <p:pic>
+        <p:nvPicPr>
+          <p:cNvPr id="3" name="Grafik 2">
+            <a:extLst>
+              <a:ext uri="{FF2B5EF4-FFF2-40B4-BE49-F238E27FC236}">
+                <a16:creationId xmlns:a16="http://schemas.microsoft.com/office/drawing/2014/main" id="{E5F538C8-AB01-D350-B8D8-97FBF157ABA3}"/>
+              </a:ext>
+            </a:extLst>
+          </p:cNvPr>
+          <p:cNvPicPr>
+            <a:picLocks noChangeAspect="1"/>
+          </p:cNvPicPr>
+          <p:nvPr/>
+        </p:nvPicPr>
+        <p:blipFill>
+          <a:blip r:embed="rId2"/>
+          <a:stretch>
+            <a:fillRect/>
+          </a:stretch>
+        </p:blipFill>
+        <p:spPr>
+          <a:xfrm>
+            <a:off x="1055688" y="836613"/>
+            <a:ext cx="7440612" cy="1758974"/>
+          </a:xfrm>
+          <a:prstGeom prst="rect">
+            <a:avLst/>
+          </a:prstGeom>
+        </p:spPr>
+      </p:pic>
+      <p:pic>
+        <p:nvPicPr>
+          <p:cNvPr id="5" name="Grafik 4">
+            <a:extLst>
+              <a:ext uri="{FF2B5EF4-FFF2-40B4-BE49-F238E27FC236}">
+                <a16:creationId xmlns:a16="http://schemas.microsoft.com/office/drawing/2014/main" id="{D8E80417-2CFF-0361-256C-B1AE38F6C0F9}"/>
+              </a:ext>
+            </a:extLst>
+          </p:cNvPr>
+          <p:cNvPicPr>
+            <a:picLocks noChangeAspect="1"/>
+          </p:cNvPicPr>
+          <p:nvPr/>
+        </p:nvPicPr>
+        <p:blipFill>
+          <a:blip r:embed="rId3"/>
+          <a:stretch>
+            <a:fillRect/>
+          </a:stretch>
+        </p:blipFill>
+        <p:spPr>
+          <a:xfrm>
+            <a:off x="1055688" y="2696096"/>
+            <a:ext cx="7440612" cy="1783853"/>
+          </a:xfrm>
+          <a:prstGeom prst="rect">
+            <a:avLst/>
+          </a:prstGeom>
+        </p:spPr>
+      </p:pic>
+      <p:sp>
+        <p:nvSpPr>
+          <p:cNvPr id="10" name="Textfeld 9">
+            <a:extLst>
+              <a:ext uri="{FF2B5EF4-FFF2-40B4-BE49-F238E27FC236}">
+                <a16:creationId xmlns:a16="http://schemas.microsoft.com/office/drawing/2014/main" id="{1899D425-F7CA-630E-616C-CB005F18A164}"/>
+              </a:ext>
+            </a:extLst>
+          </p:cNvPr>
+          <p:cNvSpPr txBox="1"/>
+          <p:nvPr/>
+        </p:nvSpPr>
+        <p:spPr>
+          <a:xfrm>
+            <a:off x="3814847" y="3588022"/>
+            <a:ext cx="1516105" cy="307777"/>
+          </a:xfrm>
+          <a:prstGeom prst="rect">
+            <a:avLst/>
+          </a:prstGeom>
+          <a:solidFill>
+            <a:schemeClr val="tx1">
+              <a:lumMod val="85000"/>
+              <a:lumOff val="15000"/>
+              <a:alpha val="72000"/>
+            </a:schemeClr>
+          </a:solidFill>
+        </p:spPr>
+        <p:txBody>
+          <a:bodyPr wrap="square">
+            <a:spAutoFit/>
+          </a:bodyPr>
+          <a:lstStyle/>
+          <a:p>
+            <a:r>
+              <a:rPr lang="en-US" sz="1400" dirty="0">
+                <a:solidFill>
+                  <a:prstClr val="white">
+                    <a:lumMod val="95000"/>
+                  </a:prstClr>
+                </a:solidFill>
+                <a:latin typeface="Roboto" panose="02000000000000000000" pitchFamily="2" charset="0"/>
+                <a:ea typeface="Roboto" panose="02000000000000000000" pitchFamily="2" charset="0"/>
+                <a:cs typeface="Roboto" panose="02000000000000000000" pitchFamily="2" charset="0"/>
+              </a:rPr>
+              <a:t>alpha set to max</a:t>
+            </a:r>
+          </a:p>
+        </p:txBody>
+      </p:sp>
+      <p:sp>
+        <p:nvSpPr>
+          <p:cNvPr id="6" name="Textfeld 5">
+            <a:extLst>
+              <a:ext uri="{FF2B5EF4-FFF2-40B4-BE49-F238E27FC236}">
+                <a16:creationId xmlns:a16="http://schemas.microsoft.com/office/drawing/2014/main" id="{6E278F23-49FD-E386-B5EA-DC975F432B2F}"/>
+              </a:ext>
+            </a:extLst>
+          </p:cNvPr>
+          <p:cNvSpPr txBox="1"/>
+          <p:nvPr/>
+        </p:nvSpPr>
+        <p:spPr>
+          <a:xfrm>
+            <a:off x="4017941" y="1562211"/>
+            <a:ext cx="1516105" cy="307777"/>
+          </a:xfrm>
+          <a:prstGeom prst="rect">
+            <a:avLst/>
+          </a:prstGeom>
+          <a:solidFill>
+            <a:schemeClr val="tx1">
+              <a:lumMod val="85000"/>
+              <a:lumOff val="15000"/>
+              <a:alpha val="72000"/>
+            </a:schemeClr>
+          </a:solidFill>
+        </p:spPr>
+        <p:txBody>
+          <a:bodyPr wrap="square">
+            <a:spAutoFit/>
+          </a:bodyPr>
+          <a:lstStyle/>
+          <a:p>
+            <a:r>
+              <a:rPr lang="en-US" sz="1400" dirty="0">
+                <a:solidFill>
+                  <a:prstClr val="white">
+                    <a:lumMod val="95000"/>
+                  </a:prstClr>
+                </a:solidFill>
+                <a:latin typeface="Roboto" panose="02000000000000000000" pitchFamily="2" charset="0"/>
+                <a:ea typeface="Roboto" panose="02000000000000000000" pitchFamily="2" charset="0"/>
+                <a:cs typeface="Roboto" panose="02000000000000000000" pitchFamily="2" charset="0"/>
+              </a:rPr>
+              <a:t>alpha = 2°</a:t>
+            </a:r>
+          </a:p>
+        </p:txBody>
+      </p:sp>
+    </p:spTree>
+    <p:extLst>
+      <p:ext uri="{BB962C8B-B14F-4D97-AF65-F5344CB8AC3E}">
+        <p14:creationId xmlns:p14="http://schemas.microsoft.com/office/powerpoint/2010/main" val="741052562"/>
+      </p:ext>
+    </p:extLst>
+  </p:cSld>
+  <p:clrMapOvr>
+    <a:masterClrMapping/>
+  </p:clrMapOvr>
+</p:sld>
+</file>
+
+<file path=ppt/slides/slide27.xml><?xml version="1.0" encoding="utf-8"?>
+<p:sld xmlns:a="http://schemas.openxmlformats.org/drawingml/2006/main" xmlns:r="http://schemas.openxmlformats.org/officeDocument/2006/relationships" xmlns:p="http://schemas.openxmlformats.org/presentationml/2006/main">
+  <p:cSld>
+    <p:bg>
+      <p:bgPr>
+        <a:solidFill>
+          <a:schemeClr val="bg2">
+            <a:lumMod val="25000"/>
+          </a:schemeClr>
+        </a:solidFill>
+        <a:effectLst/>
+      </p:bgPr>
+    </p:bg>
+    <p:spTree>
+      <p:nvGrpSpPr>
+        <p:cNvPr id="1" name="">
+          <a:extLst>
+            <a:ext uri="{FF2B5EF4-FFF2-40B4-BE49-F238E27FC236}">
+              <a16:creationId xmlns:a16="http://schemas.microsoft.com/office/drawing/2014/main" id="{CD6B8C15-ED01-ADF6-E358-1A2C71F43D6C}"/>
+            </a:ext>
+          </a:extLst>
+        </p:cNvPr>
+        <p:cNvGrpSpPr/>
+        <p:nvPr/>
+      </p:nvGrpSpPr>
+      <p:grpSpPr>
+        <a:xfrm>
+          <a:off x="0" y="0"/>
+          <a:ext cx="0" cy="0"/>
+          <a:chOff x="0" y="0"/>
+          <a:chExt cx="0" cy="0"/>
+        </a:xfrm>
+      </p:grpSpPr>
+      <p:sp>
+        <p:nvSpPr>
+          <p:cNvPr id="6" name="Textfeld 5">
+            <a:extLst>
+              <a:ext uri="{FF2B5EF4-FFF2-40B4-BE49-F238E27FC236}">
+                <a16:creationId xmlns:a16="http://schemas.microsoft.com/office/drawing/2014/main" id="{E6DEB4D7-1618-F96E-3B84-EE7E66A25253}"/>
+              </a:ext>
+            </a:extLst>
+          </p:cNvPr>
+          <p:cNvSpPr txBox="1"/>
+          <p:nvPr/>
+        </p:nvSpPr>
+        <p:spPr>
+          <a:xfrm>
+            <a:off x="8913134" y="1822342"/>
+            <a:ext cx="1516105" cy="307777"/>
+          </a:xfrm>
+          <a:prstGeom prst="rect">
+            <a:avLst/>
+          </a:prstGeom>
+          <a:solidFill>
+            <a:schemeClr val="tx1">
+              <a:lumMod val="85000"/>
+              <a:lumOff val="15000"/>
+              <a:alpha val="72000"/>
+            </a:schemeClr>
+          </a:solidFill>
+        </p:spPr>
+        <p:txBody>
+          <a:bodyPr wrap="square">
+            <a:spAutoFit/>
+          </a:bodyPr>
+          <a:lstStyle/>
+          <a:p>
+            <a:r>
+              <a:rPr lang="en-US" sz="1400" dirty="0">
+                <a:solidFill>
+                  <a:prstClr val="white">
+                    <a:lumMod val="95000"/>
+                  </a:prstClr>
+                </a:solidFill>
+                <a:latin typeface="Roboto" panose="02000000000000000000" pitchFamily="2" charset="0"/>
+                <a:ea typeface="Roboto" panose="02000000000000000000" pitchFamily="2" charset="0"/>
+                <a:cs typeface="Roboto" panose="02000000000000000000" pitchFamily="2" charset="0"/>
+              </a:rPr>
+              <a:t>alpha = 2°</a:t>
+            </a:r>
+          </a:p>
+        </p:txBody>
+      </p:sp>
+      <p:pic>
+        <p:nvPicPr>
+          <p:cNvPr id="2" name="Grafik 1" descr="Ein Bild, das Screenshot, Text, Reihe, Diagramm enthält.&#10;&#10;KI-generierte Inhalte können fehlerhaft sein.">
+            <a:extLst>
+              <a:ext uri="{FF2B5EF4-FFF2-40B4-BE49-F238E27FC236}">
+                <a16:creationId xmlns:a16="http://schemas.microsoft.com/office/drawing/2014/main" id="{CA0109C7-7556-4CCC-C077-2571F9C03C29}"/>
+              </a:ext>
+            </a:extLst>
+          </p:cNvPr>
+          <p:cNvPicPr>
+            <a:picLocks noChangeAspect="1"/>
+          </p:cNvPicPr>
+          <p:nvPr/>
+        </p:nvPicPr>
+        <p:blipFill>
+          <a:blip r:embed="rId2"/>
+          <a:srcRect l="523" t="817" r="596" b="1233"/>
+          <a:stretch/>
+        </p:blipFill>
+        <p:spPr>
+          <a:xfrm>
+            <a:off x="1055688" y="836613"/>
+            <a:ext cx="3626671" cy="3020341"/>
+          </a:xfrm>
+          <a:prstGeom prst="rect">
+            <a:avLst/>
+          </a:prstGeom>
+        </p:spPr>
+      </p:pic>
+    </p:spTree>
+    <p:extLst>
+      <p:ext uri="{BB962C8B-B14F-4D97-AF65-F5344CB8AC3E}">
+        <p14:creationId xmlns:p14="http://schemas.microsoft.com/office/powerpoint/2010/main" val="722134362"/>
+      </p:ext>
+    </p:extLst>
+  </p:cSld>
+  <p:clrMapOvr>
+    <a:masterClrMapping/>
+  </p:clrMapOvr>
+</p:sld>
+</file>
+
+<file path=ppt/slides/slide28.xml><?xml version="1.0" encoding="utf-8"?>
 <p:sld xmlns:a="http://schemas.openxmlformats.org/drawingml/2006/main" xmlns:r="http://schemas.openxmlformats.org/officeDocument/2006/relationships" xmlns:p="http://schemas.openxmlformats.org/presentationml/2006/main">
   <p:cSld>
     <p:spTree>
